--- a/FirstSeminar/firstseminar.pptx
+++ b/FirstSeminar/firstseminar.pptx
@@ -4,14 +4,31 @@
   <p:sldMasterIdLst>
     <p:sldMasterId id="2147483648" r:id="rId1"/>
   </p:sldMasterIdLst>
+  <p:notesMasterIdLst>
+    <p:notesMasterId r:id="rId23"/>
+  </p:notesMasterIdLst>
   <p:sldIdLst>
     <p:sldId id="256" r:id="rId2"/>
     <p:sldId id="257" r:id="rId3"/>
     <p:sldId id="258" r:id="rId4"/>
     <p:sldId id="259" r:id="rId5"/>
-    <p:sldId id="261" r:id="rId6"/>
-    <p:sldId id="262" r:id="rId7"/>
-    <p:sldId id="260" r:id="rId8"/>
+    <p:sldId id="274" r:id="rId6"/>
+    <p:sldId id="261" r:id="rId7"/>
+    <p:sldId id="262" r:id="rId8"/>
+    <p:sldId id="266" r:id="rId9"/>
+    <p:sldId id="263" r:id="rId10"/>
+    <p:sldId id="264" r:id="rId11"/>
+    <p:sldId id="272" r:id="rId12"/>
+    <p:sldId id="273" r:id="rId13"/>
+    <p:sldId id="265" r:id="rId14"/>
+    <p:sldId id="269" r:id="rId15"/>
+    <p:sldId id="270" r:id="rId16"/>
+    <p:sldId id="271" r:id="rId17"/>
+    <p:sldId id="268" r:id="rId18"/>
+    <p:sldId id="276" r:id="rId19"/>
+    <p:sldId id="277" r:id="rId20"/>
+    <p:sldId id="278" r:id="rId21"/>
+    <p:sldId id="275" r:id="rId22"/>
   </p:sldIdLst>
   <p:sldSz cx="12192000" cy="6858000"/>
   <p:notesSz cx="6858000" cy="9144000"/>
@@ -110,6 +127,11 @@
       </a:defRPr>
     </a:lvl9pPr>
   </p:defaultTextStyle>
+  <p:extLst>
+    <p:ext uri="{EFAFB233-063F-42B5-8137-9DF3F51BA10A}">
+      <p15:sldGuideLst xmlns:p15="http://schemas.microsoft.com/office/powerpoint/2012/main"/>
+    </p:ext>
+  </p:extLst>
 </p:presentation>
 </file>
 
@@ -1022,6 +1044,173 @@
         </a:p>
       </dgm:t>
     </dgm:pt>
+    <dgm:pt modelId="{1C56B09A-FBE3-4ACF-BED7-15323EA93CD6}">
+      <dgm:prSet phldrT="[Text]"/>
+      <dgm:spPr/>
+      <dgm:t>
+        <a:bodyPr/>
+        <a:lstStyle/>
+        <a:p>
+          <a:r>
+            <a:rPr lang="en-US" dirty="0" smtClean="0">
+              <a:solidFill>
+                <a:srgbClr val="FF0000"/>
+              </a:solidFill>
+            </a:rPr>
+            <a:t>y</a:t>
+          </a:r>
+          <a:r>
+            <a:rPr lang="en-US" dirty="0" smtClean="0"/>
+            <a:t>=f(</a:t>
+          </a:r>
+          <a:r>
+            <a:rPr lang="en-US" dirty="0" smtClean="0">
+              <a:solidFill>
+                <a:srgbClr val="FF0000"/>
+              </a:solidFill>
+            </a:rPr>
+            <a:t>x</a:t>
+          </a:r>
+          <a:r>
+            <a:rPr lang="en-US" dirty="0" smtClean="0"/>
+            <a:t>)</a:t>
+          </a:r>
+          <a:endParaRPr lang="en-US" dirty="0"/>
+        </a:p>
+      </dgm:t>
+    </dgm:pt>
+    <dgm:pt modelId="{EF99FDA7-DCC7-4070-83FD-99A6329CE892}" type="parTrans" cxnId="{741171DD-235A-4BD5-9960-0E473D972BE4}">
+      <dgm:prSet/>
+      <dgm:spPr/>
+      <dgm:t>
+        <a:bodyPr/>
+        <a:lstStyle/>
+        <a:p>
+          <a:endParaRPr lang="zh-CN" altLang="en-US"/>
+        </a:p>
+      </dgm:t>
+    </dgm:pt>
+    <dgm:pt modelId="{04E2E508-461D-4C95-BF85-797B76EC2EDE}" type="sibTrans" cxnId="{741171DD-235A-4BD5-9960-0E473D972BE4}">
+      <dgm:prSet/>
+      <dgm:spPr/>
+      <dgm:t>
+        <a:bodyPr/>
+        <a:lstStyle/>
+        <a:p>
+          <a:endParaRPr lang="zh-CN" altLang="en-US"/>
+        </a:p>
+      </dgm:t>
+    </dgm:pt>
+    <dgm:pt modelId="{5B915A2F-982B-4C8E-8E2C-7F5470355A0B}">
+      <dgm:prSet phldrT="[Text]"/>
+      <dgm:spPr/>
+      <dgm:t>
+        <a:bodyPr/>
+        <a:lstStyle/>
+        <a:p>
+          <a:r>
+            <a:rPr lang="en-US" dirty="0" smtClean="0"/>
+            <a:t>f(</a:t>
+          </a:r>
+          <a:r>
+            <a:rPr lang="en-US" dirty="0" smtClean="0">
+              <a:solidFill>
+                <a:srgbClr val="FF0000"/>
+              </a:solidFill>
+            </a:rPr>
+            <a:t>x</a:t>
+          </a:r>
+          <a:r>
+            <a:rPr lang="en-US" dirty="0" smtClean="0"/>
+            <a:t>)</a:t>
+          </a:r>
+          <a:endParaRPr lang="en-US" dirty="0"/>
+        </a:p>
+      </dgm:t>
+    </dgm:pt>
+    <dgm:pt modelId="{F39627D7-EB69-4A05-9F57-8EA5CDEA7D1E}" type="parTrans" cxnId="{C2EEE4AC-BD28-496A-A184-285520C1C6E5}">
+      <dgm:prSet/>
+      <dgm:spPr/>
+      <dgm:t>
+        <a:bodyPr/>
+        <a:lstStyle/>
+        <a:p>
+          <a:endParaRPr lang="zh-CN" altLang="en-US"/>
+        </a:p>
+      </dgm:t>
+    </dgm:pt>
+    <dgm:pt modelId="{F93B2973-FD04-43C9-B563-45F2118833D7}" type="sibTrans" cxnId="{C2EEE4AC-BD28-496A-A184-285520C1C6E5}">
+      <dgm:prSet/>
+      <dgm:spPr/>
+      <dgm:t>
+        <a:bodyPr/>
+        <a:lstStyle/>
+        <a:p>
+          <a:endParaRPr lang="zh-CN" altLang="en-US"/>
+        </a:p>
+      </dgm:t>
+    </dgm:pt>
+    <dgm:pt modelId="{B5C2CA98-214E-40EB-BD65-68ACC3755CF6}">
+      <dgm:prSet phldrT="[Text]"/>
+      <dgm:spPr/>
+      <dgm:t>
+        <a:bodyPr/>
+        <a:lstStyle/>
+        <a:p>
+          <a:r>
+            <a:rPr lang="en-US" dirty="0" smtClean="0"/>
+            <a:t>y=f(</a:t>
+          </a:r>
+          <a:r>
+            <a:rPr lang="en-US" dirty="0" smtClean="0">
+              <a:solidFill>
+                <a:srgbClr val="FF0000"/>
+              </a:solidFill>
+            </a:rPr>
+            <a:t>x</a:t>
+          </a:r>
+          <a:r>
+            <a:rPr lang="en-US" dirty="0" smtClean="0"/>
+            <a:t>)  </a:t>
+          </a:r>
+          <a:r>
+            <a:rPr lang="en-US" altLang="zh-CN" dirty="0" smtClean="0">
+              <a:solidFill>
+                <a:srgbClr val="FF0000"/>
+              </a:solidFill>
+            </a:rPr>
+            <a:t>z</a:t>
+          </a:r>
+          <a:endParaRPr lang="en-US" dirty="0">
+            <a:solidFill>
+              <a:srgbClr val="FF0000"/>
+            </a:solidFill>
+          </a:endParaRPr>
+        </a:p>
+      </dgm:t>
+    </dgm:pt>
+    <dgm:pt modelId="{5A61F171-B739-46D7-991D-A71E94C6107C}" type="parTrans" cxnId="{4AE4D1D7-CDCA-4F54-B88C-434117122CD5}">
+      <dgm:prSet/>
+      <dgm:spPr/>
+      <dgm:t>
+        <a:bodyPr/>
+        <a:lstStyle/>
+        <a:p>
+          <a:endParaRPr lang="zh-CN" altLang="en-US"/>
+        </a:p>
+      </dgm:t>
+    </dgm:pt>
+    <dgm:pt modelId="{0102E0BE-C801-4D44-8B85-9276C90A22AF}" type="sibTrans" cxnId="{4AE4D1D7-CDCA-4F54-B88C-434117122CD5}">
+      <dgm:prSet/>
+      <dgm:spPr/>
+      <dgm:t>
+        <a:bodyPr/>
+        <a:lstStyle/>
+        <a:p>
+          <a:endParaRPr lang="zh-CN" altLang="en-US"/>
+        </a:p>
+      </dgm:t>
+    </dgm:pt>
     <dgm:pt modelId="{7D875D57-2C22-47C5-8A26-91BF88E4E160}" type="pres">
       <dgm:prSet presAssocID="{3BDCE764-7996-4D3E-AAE2-A116E7F612DB}" presName="hierChild1" presStyleCnt="0">
         <dgm:presLayoutVars>
@@ -1034,6 +1223,13 @@
         </dgm:presLayoutVars>
       </dgm:prSet>
       <dgm:spPr/>
+      <dgm:t>
+        <a:bodyPr/>
+        <a:lstStyle/>
+        <a:p>
+          <a:endParaRPr lang="zh-CN" altLang="en-US"/>
+        </a:p>
+      </dgm:t>
     </dgm:pt>
     <dgm:pt modelId="{C1EA2B41-57C1-482A-B854-D547F2CF3C33}" type="pres">
       <dgm:prSet presAssocID="{A227C32F-60DA-4D00-A47A-B9672AC71559}" presName="hierRoot1" presStyleCnt="0">
@@ -1065,6 +1261,13 @@
     <dgm:pt modelId="{4046344D-EE84-489F-8271-45A46BDDF943}" type="pres">
       <dgm:prSet presAssocID="{A227C32F-60DA-4D00-A47A-B9672AC71559}" presName="rootConnector1" presStyleLbl="node1" presStyleIdx="0" presStyleCnt="0"/>
       <dgm:spPr/>
+      <dgm:t>
+        <a:bodyPr/>
+        <a:lstStyle/>
+        <a:p>
+          <a:endParaRPr lang="zh-CN" altLang="en-US"/>
+        </a:p>
+      </dgm:t>
     </dgm:pt>
     <dgm:pt modelId="{7D7D53CB-6344-459B-BDBB-5A60A0E1CD6E}" type="pres">
       <dgm:prSet presAssocID="{A227C32F-60DA-4D00-A47A-B9672AC71559}" presName="hierChild2" presStyleCnt="0"/>
@@ -1073,6 +1276,13 @@
     <dgm:pt modelId="{C15354E8-248E-4686-83CA-5ED29E0BB99C}" type="pres">
       <dgm:prSet presAssocID="{796A8A7C-9DA8-4498-87D9-8D8E41DE0208}" presName="Name37" presStyleLbl="parChTrans1D2" presStyleIdx="0" presStyleCnt="3"/>
       <dgm:spPr/>
+      <dgm:t>
+        <a:bodyPr/>
+        <a:lstStyle/>
+        <a:p>
+          <a:endParaRPr lang="zh-CN" altLang="en-US"/>
+        </a:p>
+      </dgm:t>
     </dgm:pt>
     <dgm:pt modelId="{E63B7045-1FFE-4FBA-8CD9-BC1376FC60C4}" type="pres">
       <dgm:prSet presAssocID="{352AF4A4-0EE4-43AC-8A84-AFEF4CF1FAED}" presName="hierRoot2" presStyleCnt="0">
@@ -1104,9 +1314,66 @@
     <dgm:pt modelId="{82E71E6E-CDB2-4E04-9976-EF9E83E71966}" type="pres">
       <dgm:prSet presAssocID="{352AF4A4-0EE4-43AC-8A84-AFEF4CF1FAED}" presName="rootConnector" presStyleLbl="node2" presStyleIdx="0" presStyleCnt="3"/>
       <dgm:spPr/>
+      <dgm:t>
+        <a:bodyPr/>
+        <a:lstStyle/>
+        <a:p>
+          <a:endParaRPr lang="zh-CN" altLang="en-US"/>
+        </a:p>
+      </dgm:t>
     </dgm:pt>
     <dgm:pt modelId="{D646FCDB-5CC4-4529-99CE-FD520713F781}" type="pres">
       <dgm:prSet presAssocID="{352AF4A4-0EE4-43AC-8A84-AFEF4CF1FAED}" presName="hierChild4" presStyleCnt="0"/>
+      <dgm:spPr/>
+    </dgm:pt>
+    <dgm:pt modelId="{EC4E89BC-1935-4043-8FB0-F569FFDA90DF}" type="pres">
+      <dgm:prSet presAssocID="{EF99FDA7-DCC7-4070-83FD-99A6329CE892}" presName="Name37" presStyleLbl="parChTrans1D3" presStyleIdx="0" presStyleCnt="3"/>
+      <dgm:spPr/>
+    </dgm:pt>
+    <dgm:pt modelId="{D0826724-B5B5-4EA6-9CB3-626BA381C336}" type="pres">
+      <dgm:prSet presAssocID="{1C56B09A-FBE3-4ACF-BED7-15323EA93CD6}" presName="hierRoot2" presStyleCnt="0">
+        <dgm:presLayoutVars>
+          <dgm:hierBranch val="init"/>
+        </dgm:presLayoutVars>
+      </dgm:prSet>
+      <dgm:spPr/>
+    </dgm:pt>
+    <dgm:pt modelId="{4482B6BE-F9E9-4CFB-B469-DAE3C006B7FB}" type="pres">
+      <dgm:prSet presAssocID="{1C56B09A-FBE3-4ACF-BED7-15323EA93CD6}" presName="rootComposite" presStyleCnt="0"/>
+      <dgm:spPr/>
+    </dgm:pt>
+    <dgm:pt modelId="{A8E0D5C1-400F-4507-B80C-EF4EA025F3E9}" type="pres">
+      <dgm:prSet presAssocID="{1C56B09A-FBE3-4ACF-BED7-15323EA93CD6}" presName="rootText" presStyleLbl="node3" presStyleIdx="0" presStyleCnt="3">
+        <dgm:presLayoutVars>
+          <dgm:chPref val="3"/>
+        </dgm:presLayoutVars>
+      </dgm:prSet>
+      <dgm:spPr/>
+      <dgm:t>
+        <a:bodyPr/>
+        <a:lstStyle/>
+        <a:p>
+          <a:endParaRPr lang="zh-CN" altLang="en-US"/>
+        </a:p>
+      </dgm:t>
+    </dgm:pt>
+    <dgm:pt modelId="{72D3582A-4FCA-45E5-ACD1-F702855383AA}" type="pres">
+      <dgm:prSet presAssocID="{1C56B09A-FBE3-4ACF-BED7-15323EA93CD6}" presName="rootConnector" presStyleLbl="node3" presStyleIdx="0" presStyleCnt="3"/>
+      <dgm:spPr/>
+      <dgm:t>
+        <a:bodyPr/>
+        <a:lstStyle/>
+        <a:p>
+          <a:endParaRPr lang="zh-CN" altLang="en-US"/>
+        </a:p>
+      </dgm:t>
+    </dgm:pt>
+    <dgm:pt modelId="{4BFEE1B5-E3E2-47DB-A37D-19349BAB0A0A}" type="pres">
+      <dgm:prSet presAssocID="{1C56B09A-FBE3-4ACF-BED7-15323EA93CD6}" presName="hierChild4" presStyleCnt="0"/>
+      <dgm:spPr/>
+    </dgm:pt>
+    <dgm:pt modelId="{66174C68-3B7E-4A43-9FAF-3CB44D031410}" type="pres">
+      <dgm:prSet presAssocID="{1C56B09A-FBE3-4ACF-BED7-15323EA93CD6}" presName="hierChild5" presStyleCnt="0"/>
       <dgm:spPr/>
     </dgm:pt>
     <dgm:pt modelId="{4334F3AC-F2E7-4C84-903C-4351A7179057}" type="pres">
@@ -1116,6 +1383,13 @@
     <dgm:pt modelId="{EF033E2A-F67B-459E-93B9-30544B3F5D55}" type="pres">
       <dgm:prSet presAssocID="{3B68021E-42D0-41C2-925B-72584DD00EC2}" presName="Name37" presStyleLbl="parChTrans1D2" presStyleIdx="1" presStyleCnt="3"/>
       <dgm:spPr/>
+      <dgm:t>
+        <a:bodyPr/>
+        <a:lstStyle/>
+        <a:p>
+          <a:endParaRPr lang="zh-CN" altLang="en-US"/>
+        </a:p>
+      </dgm:t>
     </dgm:pt>
     <dgm:pt modelId="{8A54F9B3-A6FB-42FF-9B6D-8AD436058480}" type="pres">
       <dgm:prSet presAssocID="{5061F8CB-944B-4830-8594-E0D8B8F0D8F4}" presName="hierRoot2" presStyleCnt="0">
@@ -1136,13 +1410,77 @@
         </dgm:presLayoutVars>
       </dgm:prSet>
       <dgm:spPr/>
+      <dgm:t>
+        <a:bodyPr/>
+        <a:lstStyle/>
+        <a:p>
+          <a:endParaRPr lang="zh-CN" altLang="en-US"/>
+        </a:p>
+      </dgm:t>
     </dgm:pt>
     <dgm:pt modelId="{7B459589-0C96-4D06-BAD1-47076AE55710}" type="pres">
       <dgm:prSet presAssocID="{5061F8CB-944B-4830-8594-E0D8B8F0D8F4}" presName="rootConnector" presStyleLbl="node2" presStyleIdx="1" presStyleCnt="3"/>
       <dgm:spPr/>
+      <dgm:t>
+        <a:bodyPr/>
+        <a:lstStyle/>
+        <a:p>
+          <a:endParaRPr lang="zh-CN" altLang="en-US"/>
+        </a:p>
+      </dgm:t>
     </dgm:pt>
     <dgm:pt modelId="{2620FD1E-EC41-40ED-BB61-C9C90195F745}" type="pres">
       <dgm:prSet presAssocID="{5061F8CB-944B-4830-8594-E0D8B8F0D8F4}" presName="hierChild4" presStyleCnt="0"/>
+      <dgm:spPr/>
+    </dgm:pt>
+    <dgm:pt modelId="{6281CA7A-4894-485F-8A94-55B7F2EB4E3B}" type="pres">
+      <dgm:prSet presAssocID="{F39627D7-EB69-4A05-9F57-8EA5CDEA7D1E}" presName="Name37" presStyleLbl="parChTrans1D3" presStyleIdx="1" presStyleCnt="3"/>
+      <dgm:spPr/>
+    </dgm:pt>
+    <dgm:pt modelId="{4872D414-AD8C-47DA-A720-F0A85BD21CAD}" type="pres">
+      <dgm:prSet presAssocID="{5B915A2F-982B-4C8E-8E2C-7F5470355A0B}" presName="hierRoot2" presStyleCnt="0">
+        <dgm:presLayoutVars>
+          <dgm:hierBranch val="init"/>
+        </dgm:presLayoutVars>
+      </dgm:prSet>
+      <dgm:spPr/>
+    </dgm:pt>
+    <dgm:pt modelId="{16889CBD-B2A1-4F9D-A9F4-18D4509CDA8B}" type="pres">
+      <dgm:prSet presAssocID="{5B915A2F-982B-4C8E-8E2C-7F5470355A0B}" presName="rootComposite" presStyleCnt="0"/>
+      <dgm:spPr/>
+    </dgm:pt>
+    <dgm:pt modelId="{7B62D8F2-DDF2-4C76-8583-42EA519FCE7B}" type="pres">
+      <dgm:prSet presAssocID="{5B915A2F-982B-4C8E-8E2C-7F5470355A0B}" presName="rootText" presStyleLbl="node3" presStyleIdx="1" presStyleCnt="3">
+        <dgm:presLayoutVars>
+          <dgm:chPref val="3"/>
+        </dgm:presLayoutVars>
+      </dgm:prSet>
+      <dgm:spPr/>
+      <dgm:t>
+        <a:bodyPr/>
+        <a:lstStyle/>
+        <a:p>
+          <a:endParaRPr lang="zh-CN" altLang="en-US"/>
+        </a:p>
+      </dgm:t>
+    </dgm:pt>
+    <dgm:pt modelId="{63CAD0CC-7D8F-4CE5-A7D5-0022A20EB1C8}" type="pres">
+      <dgm:prSet presAssocID="{5B915A2F-982B-4C8E-8E2C-7F5470355A0B}" presName="rootConnector" presStyleLbl="node3" presStyleIdx="1" presStyleCnt="3"/>
+      <dgm:spPr/>
+      <dgm:t>
+        <a:bodyPr/>
+        <a:lstStyle/>
+        <a:p>
+          <a:endParaRPr lang="zh-CN" altLang="en-US"/>
+        </a:p>
+      </dgm:t>
+    </dgm:pt>
+    <dgm:pt modelId="{3D0F5642-762C-4A6A-9401-6C20D4BB2EE8}" type="pres">
+      <dgm:prSet presAssocID="{5B915A2F-982B-4C8E-8E2C-7F5470355A0B}" presName="hierChild4" presStyleCnt="0"/>
+      <dgm:spPr/>
+    </dgm:pt>
+    <dgm:pt modelId="{AD2C81CB-8508-4E6C-AA6F-4D5F73C1CF7C}" type="pres">
+      <dgm:prSet presAssocID="{5B915A2F-982B-4C8E-8E2C-7F5470355A0B}" presName="hierChild5" presStyleCnt="0"/>
       <dgm:spPr/>
     </dgm:pt>
     <dgm:pt modelId="{F8309D9E-3F21-4A1B-B3CE-48CD00EBE4E5}" type="pres">
@@ -1152,6 +1490,13 @@
     <dgm:pt modelId="{5EE70376-9018-4568-98DE-493E6A62C41D}" type="pres">
       <dgm:prSet presAssocID="{1782DF04-F5FD-4DE7-BAA4-1AC123EF7FAD}" presName="Name37" presStyleLbl="parChTrans1D2" presStyleIdx="2" presStyleCnt="3"/>
       <dgm:spPr/>
+      <dgm:t>
+        <a:bodyPr/>
+        <a:lstStyle/>
+        <a:p>
+          <a:endParaRPr lang="zh-CN" altLang="en-US"/>
+        </a:p>
+      </dgm:t>
     </dgm:pt>
     <dgm:pt modelId="{1ABCD85E-774A-41F1-B12D-E50A9E55577A}" type="pres">
       <dgm:prSet presAssocID="{183D3DD3-A942-49A3-98E0-6B954D485FA5}" presName="hierRoot2" presStyleCnt="0">
@@ -1183,9 +1528,66 @@
     <dgm:pt modelId="{EAD768F1-E438-4629-8E37-48E98E2C033F}" type="pres">
       <dgm:prSet presAssocID="{183D3DD3-A942-49A3-98E0-6B954D485FA5}" presName="rootConnector" presStyleLbl="node2" presStyleIdx="2" presStyleCnt="3"/>
       <dgm:spPr/>
+      <dgm:t>
+        <a:bodyPr/>
+        <a:lstStyle/>
+        <a:p>
+          <a:endParaRPr lang="zh-CN" altLang="en-US"/>
+        </a:p>
+      </dgm:t>
     </dgm:pt>
     <dgm:pt modelId="{7AFB1140-3A4A-4A43-96BF-6A514CB35AE1}" type="pres">
       <dgm:prSet presAssocID="{183D3DD3-A942-49A3-98E0-6B954D485FA5}" presName="hierChild4" presStyleCnt="0"/>
+      <dgm:spPr/>
+    </dgm:pt>
+    <dgm:pt modelId="{F0D6A54B-A41F-4BCF-9743-6050A4C310A3}" type="pres">
+      <dgm:prSet presAssocID="{5A61F171-B739-46D7-991D-A71E94C6107C}" presName="Name37" presStyleLbl="parChTrans1D3" presStyleIdx="2" presStyleCnt="3"/>
+      <dgm:spPr/>
+    </dgm:pt>
+    <dgm:pt modelId="{B06FC0C8-0305-429F-9CED-755867E16455}" type="pres">
+      <dgm:prSet presAssocID="{B5C2CA98-214E-40EB-BD65-68ACC3755CF6}" presName="hierRoot2" presStyleCnt="0">
+        <dgm:presLayoutVars>
+          <dgm:hierBranch val="init"/>
+        </dgm:presLayoutVars>
+      </dgm:prSet>
+      <dgm:spPr/>
+    </dgm:pt>
+    <dgm:pt modelId="{2E96560B-7AEC-4057-8783-FAEDC5D9817F}" type="pres">
+      <dgm:prSet presAssocID="{B5C2CA98-214E-40EB-BD65-68ACC3755CF6}" presName="rootComposite" presStyleCnt="0"/>
+      <dgm:spPr/>
+    </dgm:pt>
+    <dgm:pt modelId="{015D3DC3-9D66-4D73-83F0-49CEE1CB5861}" type="pres">
+      <dgm:prSet presAssocID="{B5C2CA98-214E-40EB-BD65-68ACC3755CF6}" presName="rootText" presStyleLbl="node3" presStyleIdx="2" presStyleCnt="3">
+        <dgm:presLayoutVars>
+          <dgm:chPref val="3"/>
+        </dgm:presLayoutVars>
+      </dgm:prSet>
+      <dgm:spPr/>
+      <dgm:t>
+        <a:bodyPr/>
+        <a:lstStyle/>
+        <a:p>
+          <a:endParaRPr lang="zh-CN" altLang="en-US"/>
+        </a:p>
+      </dgm:t>
+    </dgm:pt>
+    <dgm:pt modelId="{A9DA034C-1127-4D4E-AEEB-9B7B231CA22D}" type="pres">
+      <dgm:prSet presAssocID="{B5C2CA98-214E-40EB-BD65-68ACC3755CF6}" presName="rootConnector" presStyleLbl="node3" presStyleIdx="2" presStyleCnt="3"/>
+      <dgm:spPr/>
+      <dgm:t>
+        <a:bodyPr/>
+        <a:lstStyle/>
+        <a:p>
+          <a:endParaRPr lang="zh-CN" altLang="en-US"/>
+        </a:p>
+      </dgm:t>
+    </dgm:pt>
+    <dgm:pt modelId="{0E9DDE42-3880-45E4-A858-54229392A3E8}" type="pres">
+      <dgm:prSet presAssocID="{B5C2CA98-214E-40EB-BD65-68ACC3755CF6}" presName="hierChild4" presStyleCnt="0"/>
+      <dgm:spPr/>
+    </dgm:pt>
+    <dgm:pt modelId="{7D6189B1-0FCB-4874-B41D-75FD4E618AFF}" type="pres">
+      <dgm:prSet presAssocID="{B5C2CA98-214E-40EB-BD65-68ACC3755CF6}" presName="hierChild5" presStyleCnt="0"/>
       <dgm:spPr/>
     </dgm:pt>
     <dgm:pt modelId="{65B57E5E-BEC8-41B3-945E-BED2BD39842D}" type="pres">
@@ -1198,22 +1600,34 @@
     </dgm:pt>
   </dgm:ptLst>
   <dgm:cxnLst>
-    <dgm:cxn modelId="{1A79F3DE-DEDE-4B8D-A9A2-D78193847702}" type="presOf" srcId="{352AF4A4-0EE4-43AC-8A84-AFEF4CF1FAED}" destId="{54D7AF30-9690-4041-9575-502F889DB3EF}" srcOrd="0" destOrd="0" presId="urn:microsoft.com/office/officeart/2005/8/layout/orgChart1"/>
+    <dgm:cxn modelId="{F8E14907-F583-4268-A99E-B8D39697A957}" srcId="{A227C32F-60DA-4D00-A47A-B9672AC71559}" destId="{352AF4A4-0EE4-43AC-8A84-AFEF4CF1FAED}" srcOrd="0" destOrd="0" parTransId="{796A8A7C-9DA8-4498-87D9-8D8E41DE0208}" sibTransId="{523DC054-49FC-4D55-A2F2-C77A93E1F860}"/>
+    <dgm:cxn modelId="{28F12997-8FED-46BD-B0AB-BC6A482DDC61}" type="presOf" srcId="{B5C2CA98-214E-40EB-BD65-68ACC3755CF6}" destId="{A9DA034C-1127-4D4E-AEEB-9B7B231CA22D}" srcOrd="1" destOrd="0" presId="urn:microsoft.com/office/officeart/2005/8/layout/orgChart1"/>
+    <dgm:cxn modelId="{2DC8234D-7AE2-4689-A93B-43441300544E}" type="presOf" srcId="{5061F8CB-944B-4830-8594-E0D8B8F0D8F4}" destId="{7B459589-0C96-4D06-BAD1-47076AE55710}" srcOrd="1" destOrd="0" presId="urn:microsoft.com/office/officeart/2005/8/layout/orgChart1"/>
     <dgm:cxn modelId="{8905292A-BEA8-4A70-81CE-56FF770FABDB}" type="presOf" srcId="{183D3DD3-A942-49A3-98E0-6B954D485FA5}" destId="{EAD768F1-E438-4629-8E37-48E98E2C033F}" srcOrd="1" destOrd="0" presId="urn:microsoft.com/office/officeart/2005/8/layout/orgChart1"/>
-    <dgm:cxn modelId="{5BFFC791-3048-4959-A717-D432FC036D4D}" type="presOf" srcId="{796A8A7C-9DA8-4498-87D9-8D8E41DE0208}" destId="{C15354E8-248E-4686-83CA-5ED29E0BB99C}" srcOrd="0" destOrd="0" presId="urn:microsoft.com/office/officeart/2005/8/layout/orgChart1"/>
+    <dgm:cxn modelId="{210B37BC-948E-4733-887F-94F45A72CAD4}" type="presOf" srcId="{183D3DD3-A942-49A3-98E0-6B954D485FA5}" destId="{0DA20B89-3AC6-4AF0-9B14-7893BAD89964}" srcOrd="0" destOrd="0" presId="urn:microsoft.com/office/officeart/2005/8/layout/orgChart1"/>
+    <dgm:cxn modelId="{4AE4D1D7-CDCA-4F54-B88C-434117122CD5}" srcId="{183D3DD3-A942-49A3-98E0-6B954D485FA5}" destId="{B5C2CA98-214E-40EB-BD65-68ACC3755CF6}" srcOrd="0" destOrd="0" parTransId="{5A61F171-B739-46D7-991D-A71E94C6107C}" sibTransId="{0102E0BE-C801-4D44-8B85-9276C90A22AF}"/>
+    <dgm:cxn modelId="{195D20F2-145D-4EA2-B7EA-76B809BFB5AA}" srcId="{A227C32F-60DA-4D00-A47A-B9672AC71559}" destId="{5061F8CB-944B-4830-8594-E0D8B8F0D8F4}" srcOrd="1" destOrd="0" parTransId="{3B68021E-42D0-41C2-925B-72584DD00EC2}" sibTransId="{11405181-F4CB-4DE6-AA53-0FCA15570DBB}"/>
+    <dgm:cxn modelId="{DEF87113-1CB9-42FB-8D55-3122D5BDBFF1}" type="presOf" srcId="{1C56B09A-FBE3-4ACF-BED7-15323EA93CD6}" destId="{A8E0D5C1-400F-4507-B80C-EF4EA025F3E9}" srcOrd="0" destOrd="0" presId="urn:microsoft.com/office/officeart/2005/8/layout/orgChart1"/>
+    <dgm:cxn modelId="{741171DD-235A-4BD5-9960-0E473D972BE4}" srcId="{352AF4A4-0EE4-43AC-8A84-AFEF4CF1FAED}" destId="{1C56B09A-FBE3-4ACF-BED7-15323EA93CD6}" srcOrd="0" destOrd="0" parTransId="{EF99FDA7-DCC7-4070-83FD-99A6329CE892}" sibTransId="{04E2E508-461D-4C95-BF85-797B76EC2EDE}"/>
+    <dgm:cxn modelId="{D6910BAC-F4AA-449F-B6AD-55DBD036AB23}" type="presOf" srcId="{5B915A2F-982B-4C8E-8E2C-7F5470355A0B}" destId="{7B62D8F2-DDF2-4C76-8583-42EA519FCE7B}" srcOrd="0" destOrd="0" presId="urn:microsoft.com/office/officeart/2005/8/layout/orgChart1"/>
+    <dgm:cxn modelId="{9C7D06E9-5A85-465F-9906-DB3A1B10E53C}" srcId="{3BDCE764-7996-4D3E-AAE2-A116E7F612DB}" destId="{A227C32F-60DA-4D00-A47A-B9672AC71559}" srcOrd="0" destOrd="0" parTransId="{64581211-485C-478F-BEEA-6BA53D80CD77}" sibTransId="{2FDEEB1A-DF9F-40CB-93B3-C68BA02B860A}"/>
+    <dgm:cxn modelId="{0EC3FF5A-5EDF-4745-AD4C-B540A693301C}" type="presOf" srcId="{5A61F171-B739-46D7-991D-A71E94C6107C}" destId="{F0D6A54B-A41F-4BCF-9743-6050A4C310A3}" srcOrd="0" destOrd="0" presId="urn:microsoft.com/office/officeart/2005/8/layout/orgChart1"/>
+    <dgm:cxn modelId="{41CEE190-A823-42AC-BDC8-F9E6300244C1}" type="presOf" srcId="{F39627D7-EB69-4A05-9F57-8EA5CDEA7D1E}" destId="{6281CA7A-4894-485F-8A94-55B7F2EB4E3B}" srcOrd="0" destOrd="0" presId="urn:microsoft.com/office/officeart/2005/8/layout/orgChart1"/>
+    <dgm:cxn modelId="{AE88C390-4A43-434A-A4A9-D58584B6683F}" type="presOf" srcId="{352AF4A4-0EE4-43AC-8A84-AFEF4CF1FAED}" destId="{82E71E6E-CDB2-4E04-9976-EF9E83E71966}" srcOrd="1" destOrd="0" presId="urn:microsoft.com/office/officeart/2005/8/layout/orgChart1"/>
+    <dgm:cxn modelId="{C2EEE4AC-BD28-496A-A184-285520C1C6E5}" srcId="{5061F8CB-944B-4830-8594-E0D8B8F0D8F4}" destId="{5B915A2F-982B-4C8E-8E2C-7F5470355A0B}" srcOrd="0" destOrd="0" parTransId="{F39627D7-EB69-4A05-9F57-8EA5CDEA7D1E}" sibTransId="{F93B2973-FD04-43C9-B563-45F2118833D7}"/>
+    <dgm:cxn modelId="{0DCA9ED7-DFB0-4B17-82C3-7E270A9F6E1A}" type="presOf" srcId="{5B915A2F-982B-4C8E-8E2C-7F5470355A0B}" destId="{63CAD0CC-7D8F-4CE5-A7D5-0022A20EB1C8}" srcOrd="1" destOrd="0" presId="urn:microsoft.com/office/officeart/2005/8/layout/orgChart1"/>
+    <dgm:cxn modelId="{351B2C95-53F1-467E-AFDC-E5E2567223DD}" type="presOf" srcId="{3BDCE764-7996-4D3E-AAE2-A116E7F612DB}" destId="{7D875D57-2C22-47C5-8A26-91BF88E4E160}" srcOrd="0" destOrd="0" presId="urn:microsoft.com/office/officeart/2005/8/layout/orgChart1"/>
     <dgm:cxn modelId="{D65CEB47-12DD-4BA2-9D56-64AAF817C19D}" type="presOf" srcId="{3B68021E-42D0-41C2-925B-72584DD00EC2}" destId="{EF033E2A-F67B-459E-93B9-30544B3F5D55}" srcOrd="0" destOrd="0" presId="urn:microsoft.com/office/officeart/2005/8/layout/orgChart1"/>
     <dgm:cxn modelId="{4AA19171-DE6E-4780-A83D-88BB0186DC02}" type="presOf" srcId="{A227C32F-60DA-4D00-A47A-B9672AC71559}" destId="{4046344D-EE84-489F-8271-45A46BDDF943}" srcOrd="1" destOrd="0" presId="urn:microsoft.com/office/officeart/2005/8/layout/orgChart1"/>
-    <dgm:cxn modelId="{351B2C95-53F1-467E-AFDC-E5E2567223DD}" type="presOf" srcId="{3BDCE764-7996-4D3E-AAE2-A116E7F612DB}" destId="{7D875D57-2C22-47C5-8A26-91BF88E4E160}" srcOrd="0" destOrd="0" presId="urn:microsoft.com/office/officeart/2005/8/layout/orgChart1"/>
+    <dgm:cxn modelId="{648656B4-73CA-4123-86C7-C4DAC54A0237}" type="presOf" srcId="{1782DF04-F5FD-4DE7-BAA4-1AC123EF7FAD}" destId="{5EE70376-9018-4568-98DE-493E6A62C41D}" srcOrd="0" destOrd="0" presId="urn:microsoft.com/office/officeart/2005/8/layout/orgChart1"/>
+    <dgm:cxn modelId="{22A1E972-381C-4971-BCEB-FE9CA642AD45}" type="presOf" srcId="{A227C32F-60DA-4D00-A47A-B9672AC71559}" destId="{5E117218-E60D-4912-9590-7704AA42190D}" srcOrd="0" destOrd="0" presId="urn:microsoft.com/office/officeart/2005/8/layout/orgChart1"/>
+    <dgm:cxn modelId="{3438FD60-64A4-4FDF-B0D3-E0B2ABFF3B04}" type="presOf" srcId="{EF99FDA7-DCC7-4070-83FD-99A6329CE892}" destId="{EC4E89BC-1935-4043-8FB0-F569FFDA90DF}" srcOrd="0" destOrd="0" presId="urn:microsoft.com/office/officeart/2005/8/layout/orgChart1"/>
+    <dgm:cxn modelId="{5BFFC791-3048-4959-A717-D432FC036D4D}" type="presOf" srcId="{796A8A7C-9DA8-4498-87D9-8D8E41DE0208}" destId="{C15354E8-248E-4686-83CA-5ED29E0BB99C}" srcOrd="0" destOrd="0" presId="urn:microsoft.com/office/officeart/2005/8/layout/orgChart1"/>
+    <dgm:cxn modelId="{C91AD565-B425-4F93-A774-C177487AEB47}" type="presOf" srcId="{1C56B09A-FBE3-4ACF-BED7-15323EA93CD6}" destId="{72D3582A-4FCA-45E5-ACD1-F702855383AA}" srcOrd="1" destOrd="0" presId="urn:microsoft.com/office/officeart/2005/8/layout/orgChart1"/>
+    <dgm:cxn modelId="{805FA01D-DCE0-47CD-AFDE-08E3F6537E30}" srcId="{A227C32F-60DA-4D00-A47A-B9672AC71559}" destId="{183D3DD3-A942-49A3-98E0-6B954D485FA5}" srcOrd="2" destOrd="0" parTransId="{1782DF04-F5FD-4DE7-BAA4-1AC123EF7FAD}" sibTransId="{28FAD8A6-DFC8-4488-B5E0-AB37F522107D}"/>
+    <dgm:cxn modelId="{4F28C4D8-5DAE-4A1C-85F3-F380D8426829}" type="presOf" srcId="{B5C2CA98-214E-40EB-BD65-68ACC3755CF6}" destId="{015D3DC3-9D66-4D73-83F0-49CEE1CB5861}" srcOrd="0" destOrd="0" presId="urn:microsoft.com/office/officeart/2005/8/layout/orgChart1"/>
     <dgm:cxn modelId="{7E94E1CA-9DA0-4D81-ABCC-7BC874AEAC36}" type="presOf" srcId="{5061F8CB-944B-4830-8594-E0D8B8F0D8F4}" destId="{C4C8C46E-7429-46BB-9C08-CFAEC9500E71}" srcOrd="0" destOrd="0" presId="urn:microsoft.com/office/officeart/2005/8/layout/orgChart1"/>
-    <dgm:cxn modelId="{AE88C390-4A43-434A-A4A9-D58584B6683F}" type="presOf" srcId="{352AF4A4-0EE4-43AC-8A84-AFEF4CF1FAED}" destId="{82E71E6E-CDB2-4E04-9976-EF9E83E71966}" srcOrd="1" destOrd="0" presId="urn:microsoft.com/office/officeart/2005/8/layout/orgChart1"/>
-    <dgm:cxn modelId="{22A1E972-381C-4971-BCEB-FE9CA642AD45}" type="presOf" srcId="{A227C32F-60DA-4D00-A47A-B9672AC71559}" destId="{5E117218-E60D-4912-9590-7704AA42190D}" srcOrd="0" destOrd="0" presId="urn:microsoft.com/office/officeart/2005/8/layout/orgChart1"/>
-    <dgm:cxn modelId="{210B37BC-948E-4733-887F-94F45A72CAD4}" type="presOf" srcId="{183D3DD3-A942-49A3-98E0-6B954D485FA5}" destId="{0DA20B89-3AC6-4AF0-9B14-7893BAD89964}" srcOrd="0" destOrd="0" presId="urn:microsoft.com/office/officeart/2005/8/layout/orgChart1"/>
-    <dgm:cxn modelId="{648656B4-73CA-4123-86C7-C4DAC54A0237}" type="presOf" srcId="{1782DF04-F5FD-4DE7-BAA4-1AC123EF7FAD}" destId="{5EE70376-9018-4568-98DE-493E6A62C41D}" srcOrd="0" destOrd="0" presId="urn:microsoft.com/office/officeart/2005/8/layout/orgChart1"/>
-    <dgm:cxn modelId="{9C7D06E9-5A85-465F-9906-DB3A1B10E53C}" srcId="{3BDCE764-7996-4D3E-AAE2-A116E7F612DB}" destId="{A227C32F-60DA-4D00-A47A-B9672AC71559}" srcOrd="0" destOrd="0" parTransId="{64581211-485C-478F-BEEA-6BA53D80CD77}" sibTransId="{2FDEEB1A-DF9F-40CB-93B3-C68BA02B860A}"/>
-    <dgm:cxn modelId="{195D20F2-145D-4EA2-B7EA-76B809BFB5AA}" srcId="{A227C32F-60DA-4D00-A47A-B9672AC71559}" destId="{5061F8CB-944B-4830-8594-E0D8B8F0D8F4}" srcOrd="1" destOrd="0" parTransId="{3B68021E-42D0-41C2-925B-72584DD00EC2}" sibTransId="{11405181-F4CB-4DE6-AA53-0FCA15570DBB}"/>
-    <dgm:cxn modelId="{805FA01D-DCE0-47CD-AFDE-08E3F6537E30}" srcId="{A227C32F-60DA-4D00-A47A-B9672AC71559}" destId="{183D3DD3-A942-49A3-98E0-6B954D485FA5}" srcOrd="2" destOrd="0" parTransId="{1782DF04-F5FD-4DE7-BAA4-1AC123EF7FAD}" sibTransId="{28FAD8A6-DFC8-4488-B5E0-AB37F522107D}"/>
-    <dgm:cxn modelId="{2DC8234D-7AE2-4689-A93B-43441300544E}" type="presOf" srcId="{5061F8CB-944B-4830-8594-E0D8B8F0D8F4}" destId="{7B459589-0C96-4D06-BAD1-47076AE55710}" srcOrd="1" destOrd="0" presId="urn:microsoft.com/office/officeart/2005/8/layout/orgChart1"/>
-    <dgm:cxn modelId="{F8E14907-F583-4268-A99E-B8D39697A957}" srcId="{A227C32F-60DA-4D00-A47A-B9672AC71559}" destId="{352AF4A4-0EE4-43AC-8A84-AFEF4CF1FAED}" srcOrd="0" destOrd="0" parTransId="{796A8A7C-9DA8-4498-87D9-8D8E41DE0208}" sibTransId="{523DC054-49FC-4D55-A2F2-C77A93E1F860}"/>
+    <dgm:cxn modelId="{1A79F3DE-DEDE-4B8D-A9A2-D78193847702}" type="presOf" srcId="{352AF4A4-0EE4-43AC-8A84-AFEF4CF1FAED}" destId="{54D7AF30-9690-4041-9575-502F889DB3EF}" srcOrd="0" destOrd="0" presId="urn:microsoft.com/office/officeart/2005/8/layout/orgChart1"/>
     <dgm:cxn modelId="{EA1D654F-C2B0-4AEC-9388-E53945039BF3}" type="presParOf" srcId="{7D875D57-2C22-47C5-8A26-91BF88E4E160}" destId="{C1EA2B41-57C1-482A-B854-D547F2CF3C33}" srcOrd="0" destOrd="0" presId="urn:microsoft.com/office/officeart/2005/8/layout/orgChart1"/>
     <dgm:cxn modelId="{36010684-3340-4E39-9690-FE5ED47F7E2D}" type="presParOf" srcId="{C1EA2B41-57C1-482A-B854-D547F2CF3C33}" destId="{02610553-D3AD-4DB7-BFDE-08651F947F5D}" srcOrd="0" destOrd="0" presId="urn:microsoft.com/office/officeart/2005/8/layout/orgChart1"/>
     <dgm:cxn modelId="{C686BAE2-DFB7-495A-97C5-2CAF988E20E3}" type="presParOf" srcId="{02610553-D3AD-4DB7-BFDE-08651F947F5D}" destId="{5E117218-E60D-4912-9590-7704AA42190D}" srcOrd="0" destOrd="0" presId="urn:microsoft.com/office/officeart/2005/8/layout/orgChart1"/>
@@ -1225,6 +1639,13 @@
     <dgm:cxn modelId="{A16A0F11-70D2-45A2-9C53-7BE1A2B86BAF}" type="presParOf" srcId="{09A1B33B-C091-452A-9585-301484C810F3}" destId="{54D7AF30-9690-4041-9575-502F889DB3EF}" srcOrd="0" destOrd="0" presId="urn:microsoft.com/office/officeart/2005/8/layout/orgChart1"/>
     <dgm:cxn modelId="{5C3FDCE0-EDBA-4541-AF9B-5DE938CC3E30}" type="presParOf" srcId="{09A1B33B-C091-452A-9585-301484C810F3}" destId="{82E71E6E-CDB2-4E04-9976-EF9E83E71966}" srcOrd="1" destOrd="0" presId="urn:microsoft.com/office/officeart/2005/8/layout/orgChart1"/>
     <dgm:cxn modelId="{57B3D8CD-C793-4482-8EFD-07A5C232BAC8}" type="presParOf" srcId="{E63B7045-1FFE-4FBA-8CD9-BC1376FC60C4}" destId="{D646FCDB-5CC4-4529-99CE-FD520713F781}" srcOrd="1" destOrd="0" presId="urn:microsoft.com/office/officeart/2005/8/layout/orgChart1"/>
+    <dgm:cxn modelId="{D69D3495-D238-453A-98D7-9FEE18BA8D79}" type="presParOf" srcId="{D646FCDB-5CC4-4529-99CE-FD520713F781}" destId="{EC4E89BC-1935-4043-8FB0-F569FFDA90DF}" srcOrd="0" destOrd="0" presId="urn:microsoft.com/office/officeart/2005/8/layout/orgChart1"/>
+    <dgm:cxn modelId="{B2CD3705-D4A1-4FC2-A2CE-6CBB372EF71F}" type="presParOf" srcId="{D646FCDB-5CC4-4529-99CE-FD520713F781}" destId="{D0826724-B5B5-4EA6-9CB3-626BA381C336}" srcOrd="1" destOrd="0" presId="urn:microsoft.com/office/officeart/2005/8/layout/orgChart1"/>
+    <dgm:cxn modelId="{A8EC8943-9B29-451B-A46E-7D7858E62FF8}" type="presParOf" srcId="{D0826724-B5B5-4EA6-9CB3-626BA381C336}" destId="{4482B6BE-F9E9-4CFB-B469-DAE3C006B7FB}" srcOrd="0" destOrd="0" presId="urn:microsoft.com/office/officeart/2005/8/layout/orgChart1"/>
+    <dgm:cxn modelId="{ED264446-07BE-4C49-B059-E4F7B0580959}" type="presParOf" srcId="{4482B6BE-F9E9-4CFB-B469-DAE3C006B7FB}" destId="{A8E0D5C1-400F-4507-B80C-EF4EA025F3E9}" srcOrd="0" destOrd="0" presId="urn:microsoft.com/office/officeart/2005/8/layout/orgChart1"/>
+    <dgm:cxn modelId="{F34B9CB7-6178-47B1-9F07-0B8840AEE82D}" type="presParOf" srcId="{4482B6BE-F9E9-4CFB-B469-DAE3C006B7FB}" destId="{72D3582A-4FCA-45E5-ACD1-F702855383AA}" srcOrd="1" destOrd="0" presId="urn:microsoft.com/office/officeart/2005/8/layout/orgChart1"/>
+    <dgm:cxn modelId="{DE776AA3-8AB6-45DE-818C-7F62665510D4}" type="presParOf" srcId="{D0826724-B5B5-4EA6-9CB3-626BA381C336}" destId="{4BFEE1B5-E3E2-47DB-A37D-19349BAB0A0A}" srcOrd="1" destOrd="0" presId="urn:microsoft.com/office/officeart/2005/8/layout/orgChart1"/>
+    <dgm:cxn modelId="{97706F05-B540-482B-B859-0D5AD8E351CD}" type="presParOf" srcId="{D0826724-B5B5-4EA6-9CB3-626BA381C336}" destId="{66174C68-3B7E-4A43-9FAF-3CB44D031410}" srcOrd="2" destOrd="0" presId="urn:microsoft.com/office/officeart/2005/8/layout/orgChart1"/>
     <dgm:cxn modelId="{1BE4C269-3A8B-4E42-A111-35786A50529F}" type="presParOf" srcId="{E63B7045-1FFE-4FBA-8CD9-BC1376FC60C4}" destId="{4334F3AC-F2E7-4C84-903C-4351A7179057}" srcOrd="2" destOrd="0" presId="urn:microsoft.com/office/officeart/2005/8/layout/orgChart1"/>
     <dgm:cxn modelId="{8B1ECB84-9E3C-48E9-84CD-D0B970123470}" type="presParOf" srcId="{7D7D53CB-6344-459B-BDBB-5A60A0E1CD6E}" destId="{EF033E2A-F67B-459E-93B9-30544B3F5D55}" srcOrd="2" destOrd="0" presId="urn:microsoft.com/office/officeart/2005/8/layout/orgChart1"/>
     <dgm:cxn modelId="{6DF1274F-D230-43EB-831A-FF93F256A86C}" type="presParOf" srcId="{7D7D53CB-6344-459B-BDBB-5A60A0E1CD6E}" destId="{8A54F9B3-A6FB-42FF-9B6D-8AD436058480}" srcOrd="3" destOrd="0" presId="urn:microsoft.com/office/officeart/2005/8/layout/orgChart1"/>
@@ -1232,6 +1653,13 @@
     <dgm:cxn modelId="{E07C8483-DC1F-4154-AB87-52E450F9D7AF}" type="presParOf" srcId="{31A18612-1E66-4CCC-A9EC-FD13B40BEE28}" destId="{C4C8C46E-7429-46BB-9C08-CFAEC9500E71}" srcOrd="0" destOrd="0" presId="urn:microsoft.com/office/officeart/2005/8/layout/orgChart1"/>
     <dgm:cxn modelId="{DDCAA443-CE36-4579-A7A0-8088654ED169}" type="presParOf" srcId="{31A18612-1E66-4CCC-A9EC-FD13B40BEE28}" destId="{7B459589-0C96-4D06-BAD1-47076AE55710}" srcOrd="1" destOrd="0" presId="urn:microsoft.com/office/officeart/2005/8/layout/orgChart1"/>
     <dgm:cxn modelId="{19DC44D4-5171-44AE-BDFB-22A0FED901B6}" type="presParOf" srcId="{8A54F9B3-A6FB-42FF-9B6D-8AD436058480}" destId="{2620FD1E-EC41-40ED-BB61-C9C90195F745}" srcOrd="1" destOrd="0" presId="urn:microsoft.com/office/officeart/2005/8/layout/orgChart1"/>
+    <dgm:cxn modelId="{A71CFEB3-F2A5-4102-9190-FF758D8EE2E5}" type="presParOf" srcId="{2620FD1E-EC41-40ED-BB61-C9C90195F745}" destId="{6281CA7A-4894-485F-8A94-55B7F2EB4E3B}" srcOrd="0" destOrd="0" presId="urn:microsoft.com/office/officeart/2005/8/layout/orgChart1"/>
+    <dgm:cxn modelId="{FFDA3188-B011-4FBE-86C4-0A2D65B24687}" type="presParOf" srcId="{2620FD1E-EC41-40ED-BB61-C9C90195F745}" destId="{4872D414-AD8C-47DA-A720-F0A85BD21CAD}" srcOrd="1" destOrd="0" presId="urn:microsoft.com/office/officeart/2005/8/layout/orgChart1"/>
+    <dgm:cxn modelId="{8DE9386A-1B85-43C8-9BF8-E2FF7BB25C95}" type="presParOf" srcId="{4872D414-AD8C-47DA-A720-F0A85BD21CAD}" destId="{16889CBD-B2A1-4F9D-A9F4-18D4509CDA8B}" srcOrd="0" destOrd="0" presId="urn:microsoft.com/office/officeart/2005/8/layout/orgChart1"/>
+    <dgm:cxn modelId="{848B8391-9CCF-4FAA-9E36-BFBD1F903B9B}" type="presParOf" srcId="{16889CBD-B2A1-4F9D-A9F4-18D4509CDA8B}" destId="{7B62D8F2-DDF2-4C76-8583-42EA519FCE7B}" srcOrd="0" destOrd="0" presId="urn:microsoft.com/office/officeart/2005/8/layout/orgChart1"/>
+    <dgm:cxn modelId="{274C530D-75B9-4D4B-BCDD-8C5DBE1C2CDE}" type="presParOf" srcId="{16889CBD-B2A1-4F9D-A9F4-18D4509CDA8B}" destId="{63CAD0CC-7D8F-4CE5-A7D5-0022A20EB1C8}" srcOrd="1" destOrd="0" presId="urn:microsoft.com/office/officeart/2005/8/layout/orgChart1"/>
+    <dgm:cxn modelId="{57240530-AD6D-4130-9637-7E505D6863C5}" type="presParOf" srcId="{4872D414-AD8C-47DA-A720-F0A85BD21CAD}" destId="{3D0F5642-762C-4A6A-9401-6C20D4BB2EE8}" srcOrd="1" destOrd="0" presId="urn:microsoft.com/office/officeart/2005/8/layout/orgChart1"/>
+    <dgm:cxn modelId="{D908A52B-419E-415F-8F00-44935A6B93CA}" type="presParOf" srcId="{4872D414-AD8C-47DA-A720-F0A85BD21CAD}" destId="{AD2C81CB-8508-4E6C-AA6F-4D5F73C1CF7C}" srcOrd="2" destOrd="0" presId="urn:microsoft.com/office/officeart/2005/8/layout/orgChart1"/>
     <dgm:cxn modelId="{DDA67AD1-2AC5-4526-9148-1B8AAE4223E1}" type="presParOf" srcId="{8A54F9B3-A6FB-42FF-9B6D-8AD436058480}" destId="{F8309D9E-3F21-4A1B-B3CE-48CD00EBE4E5}" srcOrd="2" destOrd="0" presId="urn:microsoft.com/office/officeart/2005/8/layout/orgChart1"/>
     <dgm:cxn modelId="{9D1BD09B-3197-4862-BF36-AAB05F74B464}" type="presParOf" srcId="{7D7D53CB-6344-459B-BDBB-5A60A0E1CD6E}" destId="{5EE70376-9018-4568-98DE-493E6A62C41D}" srcOrd="4" destOrd="0" presId="urn:microsoft.com/office/officeart/2005/8/layout/orgChart1"/>
     <dgm:cxn modelId="{49A503FE-17FA-43D7-9258-FD68750EA1DF}" type="presParOf" srcId="{7D7D53CB-6344-459B-BDBB-5A60A0E1CD6E}" destId="{1ABCD85E-774A-41F1-B12D-E50A9E55577A}" srcOrd="5" destOrd="0" presId="urn:microsoft.com/office/officeart/2005/8/layout/orgChart1"/>
@@ -1239,6 +1667,13 @@
     <dgm:cxn modelId="{A864155D-C09C-449D-B0B6-8CF37D89C23B}" type="presParOf" srcId="{1FDE2A33-0976-408D-A97C-A2F8162AEA00}" destId="{0DA20B89-3AC6-4AF0-9B14-7893BAD89964}" srcOrd="0" destOrd="0" presId="urn:microsoft.com/office/officeart/2005/8/layout/orgChart1"/>
     <dgm:cxn modelId="{BCDEF785-C49E-4282-BF78-335C8DE9BB86}" type="presParOf" srcId="{1FDE2A33-0976-408D-A97C-A2F8162AEA00}" destId="{EAD768F1-E438-4629-8E37-48E98E2C033F}" srcOrd="1" destOrd="0" presId="urn:microsoft.com/office/officeart/2005/8/layout/orgChart1"/>
     <dgm:cxn modelId="{7F3839DC-966C-45AD-8089-C02EAC91EF07}" type="presParOf" srcId="{1ABCD85E-774A-41F1-B12D-E50A9E55577A}" destId="{7AFB1140-3A4A-4A43-96BF-6A514CB35AE1}" srcOrd="1" destOrd="0" presId="urn:microsoft.com/office/officeart/2005/8/layout/orgChart1"/>
+    <dgm:cxn modelId="{0FB1E114-109F-4AA3-8505-BDE8AF232C51}" type="presParOf" srcId="{7AFB1140-3A4A-4A43-96BF-6A514CB35AE1}" destId="{F0D6A54B-A41F-4BCF-9743-6050A4C310A3}" srcOrd="0" destOrd="0" presId="urn:microsoft.com/office/officeart/2005/8/layout/orgChart1"/>
+    <dgm:cxn modelId="{A475EEFC-917E-4298-8C48-CEEDDBDD1982}" type="presParOf" srcId="{7AFB1140-3A4A-4A43-96BF-6A514CB35AE1}" destId="{B06FC0C8-0305-429F-9CED-755867E16455}" srcOrd="1" destOrd="0" presId="urn:microsoft.com/office/officeart/2005/8/layout/orgChart1"/>
+    <dgm:cxn modelId="{4FE67472-3B25-4C31-BDF9-ED695071A469}" type="presParOf" srcId="{B06FC0C8-0305-429F-9CED-755867E16455}" destId="{2E96560B-7AEC-4057-8783-FAEDC5D9817F}" srcOrd="0" destOrd="0" presId="urn:microsoft.com/office/officeart/2005/8/layout/orgChart1"/>
+    <dgm:cxn modelId="{489DFC3F-FC65-453E-AA70-609167A178C7}" type="presParOf" srcId="{2E96560B-7AEC-4057-8783-FAEDC5D9817F}" destId="{015D3DC3-9D66-4D73-83F0-49CEE1CB5861}" srcOrd="0" destOrd="0" presId="urn:microsoft.com/office/officeart/2005/8/layout/orgChart1"/>
+    <dgm:cxn modelId="{A7E38BE1-D3E6-4813-AFE8-C6DBD88A1C86}" type="presParOf" srcId="{2E96560B-7AEC-4057-8783-FAEDC5D9817F}" destId="{A9DA034C-1127-4D4E-AEEB-9B7B231CA22D}" srcOrd="1" destOrd="0" presId="urn:microsoft.com/office/officeart/2005/8/layout/orgChart1"/>
+    <dgm:cxn modelId="{3AF57B7B-77FE-4197-B02C-013890A1F31F}" type="presParOf" srcId="{B06FC0C8-0305-429F-9CED-755867E16455}" destId="{0E9DDE42-3880-45E4-A858-54229392A3E8}" srcOrd="1" destOrd="0" presId="urn:microsoft.com/office/officeart/2005/8/layout/orgChart1"/>
+    <dgm:cxn modelId="{71E344FA-C048-43C4-B8C4-C8523F296C29}" type="presParOf" srcId="{B06FC0C8-0305-429F-9CED-755867E16455}" destId="{7D6189B1-0FCB-4874-B41D-75FD4E618AFF}" srcOrd="2" destOrd="0" presId="urn:microsoft.com/office/officeart/2005/8/layout/orgChart1"/>
     <dgm:cxn modelId="{CF5A87FE-CB33-4B57-9A1E-7F8A0ABAA1BA}" type="presParOf" srcId="{1ABCD85E-774A-41F1-B12D-E50A9E55577A}" destId="{65B57E5E-BEC8-41B3-945E-BED2BD39842D}" srcOrd="2" destOrd="0" presId="urn:microsoft.com/office/officeart/2005/8/layout/orgChart1"/>
     <dgm:cxn modelId="{BE9F7794-0824-404B-A3BF-4A36515AF72E}" type="presParOf" srcId="{C1EA2B41-57C1-482A-B854-D547F2CF3C33}" destId="{18B3F0FE-D112-4D41-8361-67DE0D55CEF2}" srcOrd="2" destOrd="0" presId="urn:microsoft.com/office/officeart/2005/8/layout/orgChart1"/>
   </dgm:cxnLst>
@@ -1260,15 +1695,15 @@
       <dsp:cNvGrpSpPr/>
     </dsp:nvGrpSpPr>
     <dsp:grpSpPr/>
-    <dsp:sp modelId="{5EE70376-9018-4568-98DE-493E6A62C41D}">
+    <dsp:sp modelId="{F0D6A54B-A41F-4BCF-9743-6050A4C310A3}">
       <dsp:nvSpPr>
         <dsp:cNvPr id="0" name=""/>
         <dsp:cNvSpPr/>
       </dsp:nvSpPr>
       <dsp:spPr>
         <a:xfrm>
-          <a:off x="5257800" y="1852864"/>
-          <a:ext cx="3719932" cy="645608"/>
+          <a:off x="6809755" y="2742076"/>
+          <a:ext cx="339844" cy="1042189"/>
         </a:xfrm>
         <a:custGeom>
           <a:avLst/>
@@ -1282,13 +1717,72 @@
                 <a:pt x="0" y="0"/>
               </a:moveTo>
               <a:lnTo>
-                <a:pt x="0" y="322804"/>
+                <a:pt x="0" y="1042189"/>
               </a:lnTo>
               <a:lnTo>
-                <a:pt x="3719932" y="322804"/>
+                <a:pt x="339844" y="1042189"/>
+              </a:lnTo>
+            </a:path>
+          </a:pathLst>
+        </a:custGeom>
+        <a:noFill/>
+        <a:ln w="12700" cap="flat" cmpd="sng" algn="ctr">
+          <a:solidFill>
+            <a:schemeClr val="accent1">
+              <a:shade val="80000"/>
+              <a:hueOff val="0"/>
+              <a:satOff val="0"/>
+              <a:lumOff val="0"/>
+              <a:alphaOff val="0"/>
+            </a:schemeClr>
+          </a:solidFill>
+          <a:prstDash val="solid"/>
+          <a:miter lim="800000"/>
+        </a:ln>
+        <a:effectLst/>
+      </dsp:spPr>
+      <dsp:style>
+        <a:lnRef idx="2">
+          <a:scrgbClr r="0" g="0" b="0"/>
+        </a:lnRef>
+        <a:fillRef idx="0">
+          <a:scrgbClr r="0" g="0" b="0"/>
+        </a:fillRef>
+        <a:effectRef idx="0">
+          <a:scrgbClr r="0" g="0" b="0"/>
+        </a:effectRef>
+        <a:fontRef idx="minor"/>
+      </dsp:style>
+    </dsp:sp>
+    <dsp:sp modelId="{5EE70376-9018-4568-98DE-493E6A62C41D}">
+      <dsp:nvSpPr>
+        <dsp:cNvPr id="0" name=""/>
+        <dsp:cNvSpPr/>
+      </dsp:nvSpPr>
+      <dsp:spPr>
+        <a:xfrm>
+          <a:off x="4974596" y="1133479"/>
+          <a:ext cx="2741411" cy="475782"/>
+        </a:xfrm>
+        <a:custGeom>
+          <a:avLst/>
+          <a:gdLst/>
+          <a:ahLst/>
+          <a:cxnLst/>
+          <a:rect l="0" t="0" r="0" b="0"/>
+          <a:pathLst>
+            <a:path>
+              <a:moveTo>
+                <a:pt x="0" y="0"/>
+              </a:moveTo>
+              <a:lnTo>
+                <a:pt x="0" y="237891"/>
               </a:lnTo>
               <a:lnTo>
-                <a:pt x="3719932" y="645608"/>
+                <a:pt x="2741411" y="237891"/>
+              </a:lnTo>
+              <a:lnTo>
+                <a:pt x="2741411" y="475782"/>
               </a:lnTo>
             </a:path>
           </a:pathLst>
@@ -1322,6 +1816,65 @@
         <a:fontRef idx="minor"/>
       </dsp:style>
     </dsp:sp>
+    <dsp:sp modelId="{6281CA7A-4894-485F-8A94-55B7F2EB4E3B}">
+      <dsp:nvSpPr>
+        <dsp:cNvPr id="0" name=""/>
+        <dsp:cNvSpPr/>
+      </dsp:nvSpPr>
+      <dsp:spPr>
+        <a:xfrm>
+          <a:off x="4068344" y="2742076"/>
+          <a:ext cx="339844" cy="1042189"/>
+        </a:xfrm>
+        <a:custGeom>
+          <a:avLst/>
+          <a:gdLst/>
+          <a:ahLst/>
+          <a:cxnLst/>
+          <a:rect l="0" t="0" r="0" b="0"/>
+          <a:pathLst>
+            <a:path>
+              <a:moveTo>
+                <a:pt x="0" y="0"/>
+              </a:moveTo>
+              <a:lnTo>
+                <a:pt x="0" y="1042189"/>
+              </a:lnTo>
+              <a:lnTo>
+                <a:pt x="339844" y="1042189"/>
+              </a:lnTo>
+            </a:path>
+          </a:pathLst>
+        </a:custGeom>
+        <a:noFill/>
+        <a:ln w="12700" cap="flat" cmpd="sng" algn="ctr">
+          <a:solidFill>
+            <a:schemeClr val="accent1">
+              <a:shade val="80000"/>
+              <a:hueOff val="0"/>
+              <a:satOff val="0"/>
+              <a:lumOff val="0"/>
+              <a:alphaOff val="0"/>
+            </a:schemeClr>
+          </a:solidFill>
+          <a:prstDash val="solid"/>
+          <a:miter lim="800000"/>
+        </a:ln>
+        <a:effectLst/>
+      </dsp:spPr>
+      <dsp:style>
+        <a:lnRef idx="2">
+          <a:scrgbClr r="0" g="0" b="0"/>
+        </a:lnRef>
+        <a:fillRef idx="0">
+          <a:scrgbClr r="0" g="0" b="0"/>
+        </a:fillRef>
+        <a:effectRef idx="0">
+          <a:scrgbClr r="0" g="0" b="0"/>
+        </a:effectRef>
+        <a:fontRef idx="minor"/>
+      </dsp:style>
+    </dsp:sp>
     <dsp:sp modelId="{EF033E2A-F67B-459E-93B9-30544B3F5D55}">
       <dsp:nvSpPr>
         <dsp:cNvPr id="0" name=""/>
@@ -1329,8 +1882,8 @@
       </dsp:nvSpPr>
       <dsp:spPr>
         <a:xfrm>
-          <a:off x="5212080" y="1852864"/>
-          <a:ext cx="91440" cy="645608"/>
+          <a:off x="4928876" y="1133479"/>
+          <a:ext cx="91440" cy="475782"/>
         </a:xfrm>
         <a:custGeom>
           <a:avLst/>
@@ -1344,7 +1897,7 @@
                 <a:pt x="45720" y="0"/>
               </a:moveTo>
               <a:lnTo>
-                <a:pt x="45720" y="645608"/>
+                <a:pt x="45720" y="475782"/>
               </a:lnTo>
             </a:path>
           </a:pathLst>
@@ -1378,15 +1931,15 @@
         <a:fontRef idx="minor"/>
       </dsp:style>
     </dsp:sp>
-    <dsp:sp modelId="{C15354E8-248E-4686-83CA-5ED29E0BB99C}">
+    <dsp:sp modelId="{EC4E89BC-1935-4043-8FB0-F569FFDA90DF}">
       <dsp:nvSpPr>
         <dsp:cNvPr id="0" name=""/>
         <dsp:cNvSpPr/>
       </dsp:nvSpPr>
       <dsp:spPr>
         <a:xfrm>
-          <a:off x="1537867" y="1852864"/>
-          <a:ext cx="3719932" cy="645608"/>
+          <a:off x="1326933" y="2742076"/>
+          <a:ext cx="339844" cy="1042189"/>
         </a:xfrm>
         <a:custGeom>
           <a:avLst/>
@@ -1397,16 +1950,75 @@
           <a:pathLst>
             <a:path>
               <a:moveTo>
-                <a:pt x="3719932" y="0"/>
+                <a:pt x="0" y="0"/>
               </a:moveTo>
               <a:lnTo>
-                <a:pt x="3719932" y="322804"/>
+                <a:pt x="0" y="1042189"/>
               </a:lnTo>
               <a:lnTo>
-                <a:pt x="0" y="322804"/>
+                <a:pt x="339844" y="1042189"/>
+              </a:lnTo>
+            </a:path>
+          </a:pathLst>
+        </a:custGeom>
+        <a:noFill/>
+        <a:ln w="12700" cap="flat" cmpd="sng" algn="ctr">
+          <a:solidFill>
+            <a:schemeClr val="accent1">
+              <a:shade val="80000"/>
+              <a:hueOff val="0"/>
+              <a:satOff val="0"/>
+              <a:lumOff val="0"/>
+              <a:alphaOff val="0"/>
+            </a:schemeClr>
+          </a:solidFill>
+          <a:prstDash val="solid"/>
+          <a:miter lim="800000"/>
+        </a:ln>
+        <a:effectLst/>
+      </dsp:spPr>
+      <dsp:style>
+        <a:lnRef idx="2">
+          <a:scrgbClr r="0" g="0" b="0"/>
+        </a:lnRef>
+        <a:fillRef idx="0">
+          <a:scrgbClr r="0" g="0" b="0"/>
+        </a:fillRef>
+        <a:effectRef idx="0">
+          <a:scrgbClr r="0" g="0" b="0"/>
+        </a:effectRef>
+        <a:fontRef idx="minor"/>
+      </dsp:style>
+    </dsp:sp>
+    <dsp:sp modelId="{C15354E8-248E-4686-83CA-5ED29E0BB99C}">
+      <dsp:nvSpPr>
+        <dsp:cNvPr id="0" name=""/>
+        <dsp:cNvSpPr/>
+      </dsp:nvSpPr>
+      <dsp:spPr>
+        <a:xfrm>
+          <a:off x="2233185" y="1133479"/>
+          <a:ext cx="2741411" cy="475782"/>
+        </a:xfrm>
+        <a:custGeom>
+          <a:avLst/>
+          <a:gdLst/>
+          <a:ahLst/>
+          <a:cxnLst/>
+          <a:rect l="0" t="0" r="0" b="0"/>
+          <a:pathLst>
+            <a:path>
+              <a:moveTo>
+                <a:pt x="2741411" y="0"/>
+              </a:moveTo>
+              <a:lnTo>
+                <a:pt x="2741411" y="237891"/>
               </a:lnTo>
               <a:lnTo>
-                <a:pt x="0" y="645608"/>
+                <a:pt x="0" y="237891"/>
+              </a:lnTo>
+              <a:lnTo>
+                <a:pt x="0" y="475782"/>
               </a:lnTo>
             </a:path>
           </a:pathLst>
@@ -1447,8 +2059,8 @@
       </dsp:nvSpPr>
       <dsp:spPr>
         <a:xfrm>
-          <a:off x="3720638" y="315702"/>
-          <a:ext cx="3074323" cy="1537161"/>
+          <a:off x="3841781" y="665"/>
+          <a:ext cx="2265629" cy="1132814"/>
         </a:xfrm>
         <a:prstGeom prst="rect">
           <a:avLst/>
@@ -1490,12 +2102,12 @@
         </a:fontRef>
       </dsp:style>
       <dsp:txBody>
-        <a:bodyPr spcFirstLastPara="0" vert="horz" wrap="square" lIns="24765" tIns="24765" rIns="24765" bIns="24765" numCol="1" spcCol="1270" anchor="ctr" anchorCtr="0">
+        <a:bodyPr spcFirstLastPara="0" vert="horz" wrap="square" lIns="18415" tIns="18415" rIns="18415" bIns="18415" numCol="1" spcCol="1270" anchor="ctr" anchorCtr="0">
           <a:noAutofit/>
         </a:bodyPr>
         <a:lstStyle/>
         <a:p>
-          <a:pPr lvl="0" algn="ctr" defTabSz="1733550">
+          <a:pPr lvl="0" algn="ctr" defTabSz="1289050">
             <a:lnSpc>
               <a:spcPct val="90000"/>
             </a:lnSpc>
@@ -1507,15 +2119,15 @@
             </a:spcAft>
           </a:pPr>
           <a:r>
-            <a:rPr lang="en-US" sz="3900" kern="1200" dirty="0" smtClean="0"/>
+            <a:rPr lang="en-US" sz="2900" kern="1200" dirty="0" smtClean="0"/>
             <a:t>Machine learning</a:t>
           </a:r>
-          <a:endParaRPr lang="en-US" sz="3900" kern="1200" dirty="0"/>
+          <a:endParaRPr lang="en-US" sz="2900" kern="1200" dirty="0"/>
         </a:p>
       </dsp:txBody>
       <dsp:txXfrm>
-        <a:off x="3720638" y="315702"/>
-        <a:ext cx="3074323" cy="1537161"/>
+        <a:off x="3841781" y="665"/>
+        <a:ext cx="2265629" cy="1132814"/>
       </dsp:txXfrm>
     </dsp:sp>
     <dsp:sp modelId="{54D7AF30-9690-4041-9575-502F889DB3EF}">
@@ -1525,8 +2137,8 @@
       </dsp:nvSpPr>
       <dsp:spPr>
         <a:xfrm>
-          <a:off x="706" y="2498473"/>
-          <a:ext cx="3074323" cy="1537161"/>
+          <a:off x="1100370" y="1609261"/>
+          <a:ext cx="2265629" cy="1132814"/>
         </a:xfrm>
         <a:prstGeom prst="rect">
           <a:avLst/>
@@ -1568,12 +2180,12 @@
         </a:fontRef>
       </dsp:style>
       <dsp:txBody>
-        <a:bodyPr spcFirstLastPara="0" vert="horz" wrap="square" lIns="24765" tIns="24765" rIns="24765" bIns="24765" numCol="1" spcCol="1270" anchor="ctr" anchorCtr="0">
+        <a:bodyPr spcFirstLastPara="0" vert="horz" wrap="square" lIns="18415" tIns="18415" rIns="18415" bIns="18415" numCol="1" spcCol="1270" anchor="ctr" anchorCtr="0">
           <a:noAutofit/>
         </a:bodyPr>
         <a:lstStyle/>
         <a:p>
-          <a:pPr lvl="0" algn="ctr" defTabSz="1733550">
+          <a:pPr lvl="0" algn="ctr" defTabSz="1289050">
             <a:lnSpc>
               <a:spcPct val="90000"/>
             </a:lnSpc>
@@ -1585,26 +2197,26 @@
             </a:spcAft>
           </a:pPr>
           <a:r>
-            <a:rPr lang="en-US" sz="3900" kern="1200" dirty="0" smtClean="0"/>
+            <a:rPr lang="en-US" sz="2900" kern="1200" dirty="0" smtClean="0"/>
             <a:t>Supervised learning</a:t>
           </a:r>
-          <a:endParaRPr lang="en-US" sz="3900" kern="1200" dirty="0"/>
+          <a:endParaRPr lang="en-US" sz="2900" kern="1200" dirty="0"/>
         </a:p>
       </dsp:txBody>
       <dsp:txXfrm>
-        <a:off x="706" y="2498473"/>
-        <a:ext cx="3074323" cy="1537161"/>
+        <a:off x="1100370" y="1609261"/>
+        <a:ext cx="2265629" cy="1132814"/>
       </dsp:txXfrm>
     </dsp:sp>
-    <dsp:sp modelId="{C4C8C46E-7429-46BB-9C08-CFAEC9500E71}">
+    <dsp:sp modelId="{A8E0D5C1-400F-4507-B80C-EF4EA025F3E9}">
       <dsp:nvSpPr>
         <dsp:cNvPr id="0" name=""/>
         <dsp:cNvSpPr/>
       </dsp:nvSpPr>
       <dsp:spPr>
         <a:xfrm>
-          <a:off x="3720638" y="2498473"/>
-          <a:ext cx="3074323" cy="1537161"/>
+          <a:off x="1666777" y="3217858"/>
+          <a:ext cx="2265629" cy="1132814"/>
         </a:xfrm>
         <a:prstGeom prst="rect">
           <a:avLst/>
@@ -1646,12 +2258,12 @@
         </a:fontRef>
       </dsp:style>
       <dsp:txBody>
-        <a:bodyPr spcFirstLastPara="0" vert="horz" wrap="square" lIns="24765" tIns="24765" rIns="24765" bIns="24765" numCol="1" spcCol="1270" anchor="ctr" anchorCtr="0">
+        <a:bodyPr spcFirstLastPara="0" vert="horz" wrap="square" lIns="18415" tIns="18415" rIns="18415" bIns="18415" numCol="1" spcCol="1270" anchor="ctr" anchorCtr="0">
           <a:noAutofit/>
         </a:bodyPr>
         <a:lstStyle/>
         <a:p>
-          <a:pPr lvl="0" algn="ctr" defTabSz="1733550">
+          <a:pPr lvl="0" algn="ctr" defTabSz="1289050">
             <a:lnSpc>
               <a:spcPct val="90000"/>
             </a:lnSpc>
@@ -1663,26 +2275,46 @@
             </a:spcAft>
           </a:pPr>
           <a:r>
-            <a:rPr lang="en-US" sz="3900" kern="1200" dirty="0" smtClean="0"/>
-            <a:t>Unsupervised learning</a:t>
+            <a:rPr lang="en-US" sz="2900" kern="1200" dirty="0" smtClean="0">
+              <a:solidFill>
+                <a:srgbClr val="FF0000"/>
+              </a:solidFill>
+            </a:rPr>
+            <a:t>y</a:t>
           </a:r>
-          <a:endParaRPr lang="en-US" sz="3900" kern="1200" dirty="0"/>
+          <a:r>
+            <a:rPr lang="en-US" sz="2900" kern="1200" dirty="0" smtClean="0"/>
+            <a:t>=f(</a:t>
+          </a:r>
+          <a:r>
+            <a:rPr lang="en-US" sz="2900" kern="1200" dirty="0" smtClean="0">
+              <a:solidFill>
+                <a:srgbClr val="FF0000"/>
+              </a:solidFill>
+            </a:rPr>
+            <a:t>x</a:t>
+          </a:r>
+          <a:r>
+            <a:rPr lang="en-US" sz="2900" kern="1200" dirty="0" smtClean="0"/>
+            <a:t>)</a:t>
+          </a:r>
+          <a:endParaRPr lang="en-US" sz="2900" kern="1200" dirty="0"/>
         </a:p>
       </dsp:txBody>
       <dsp:txXfrm>
-        <a:off x="3720638" y="2498473"/>
-        <a:ext cx="3074323" cy="1537161"/>
+        <a:off x="1666777" y="3217858"/>
+        <a:ext cx="2265629" cy="1132814"/>
       </dsp:txXfrm>
     </dsp:sp>
-    <dsp:sp modelId="{0DA20B89-3AC6-4AF0-9B14-7893BAD89964}">
+    <dsp:sp modelId="{C4C8C46E-7429-46BB-9C08-CFAEC9500E71}">
       <dsp:nvSpPr>
         <dsp:cNvPr id="0" name=""/>
         <dsp:cNvSpPr/>
       </dsp:nvSpPr>
       <dsp:spPr>
         <a:xfrm>
-          <a:off x="7440570" y="2498473"/>
-          <a:ext cx="3074323" cy="1537161"/>
+          <a:off x="3841781" y="1609261"/>
+          <a:ext cx="2265629" cy="1132814"/>
         </a:xfrm>
         <a:prstGeom prst="rect">
           <a:avLst/>
@@ -1724,12 +2356,12 @@
         </a:fontRef>
       </dsp:style>
       <dsp:txBody>
-        <a:bodyPr spcFirstLastPara="0" vert="horz" wrap="square" lIns="24765" tIns="24765" rIns="24765" bIns="24765" numCol="1" spcCol="1270" anchor="ctr" anchorCtr="0">
+        <a:bodyPr spcFirstLastPara="0" vert="horz" wrap="square" lIns="18415" tIns="18415" rIns="18415" bIns="18415" numCol="1" spcCol="1270" anchor="ctr" anchorCtr="0">
           <a:noAutofit/>
         </a:bodyPr>
         <a:lstStyle/>
         <a:p>
-          <a:pPr lvl="0" algn="ctr" defTabSz="1733550">
+          <a:pPr lvl="0" algn="ctr" defTabSz="1289050">
             <a:lnSpc>
               <a:spcPct val="90000"/>
             </a:lnSpc>
@@ -1741,15 +2373,285 @@
             </a:spcAft>
           </a:pPr>
           <a:r>
-            <a:rPr lang="en-US" sz="3900" kern="1200" dirty="0" smtClean="0"/>
-            <a:t>Reinforcement learning</a:t>
+            <a:rPr lang="en-US" sz="2900" kern="1200" dirty="0" smtClean="0"/>
+            <a:t>Unsupervised learning</a:t>
           </a:r>
-          <a:endParaRPr lang="en-US" sz="3900" kern="1200" dirty="0"/>
+          <a:endParaRPr lang="en-US" sz="2900" kern="1200" dirty="0"/>
         </a:p>
       </dsp:txBody>
       <dsp:txXfrm>
-        <a:off x="7440570" y="2498473"/>
-        <a:ext cx="3074323" cy="1537161"/>
+        <a:off x="3841781" y="1609261"/>
+        <a:ext cx="2265629" cy="1132814"/>
+      </dsp:txXfrm>
+    </dsp:sp>
+    <dsp:sp modelId="{7B62D8F2-DDF2-4C76-8583-42EA519FCE7B}">
+      <dsp:nvSpPr>
+        <dsp:cNvPr id="0" name=""/>
+        <dsp:cNvSpPr/>
+      </dsp:nvSpPr>
+      <dsp:spPr>
+        <a:xfrm>
+          <a:off x="4408189" y="3217858"/>
+          <a:ext cx="2265629" cy="1132814"/>
+        </a:xfrm>
+        <a:prstGeom prst="rect">
+          <a:avLst/>
+        </a:prstGeom>
+        <a:solidFill>
+          <a:schemeClr val="accent1">
+            <a:hueOff val="0"/>
+            <a:satOff val="0"/>
+            <a:lumOff val="0"/>
+            <a:alphaOff val="0"/>
+          </a:schemeClr>
+        </a:solidFill>
+        <a:ln w="12700" cap="flat" cmpd="sng" algn="ctr">
+          <a:solidFill>
+            <a:schemeClr val="lt1">
+              <a:hueOff val="0"/>
+              <a:satOff val="0"/>
+              <a:lumOff val="0"/>
+              <a:alphaOff val="0"/>
+            </a:schemeClr>
+          </a:solidFill>
+          <a:prstDash val="solid"/>
+          <a:miter lim="800000"/>
+        </a:ln>
+        <a:effectLst/>
+      </dsp:spPr>
+      <dsp:style>
+        <a:lnRef idx="2">
+          <a:scrgbClr r="0" g="0" b="0"/>
+        </a:lnRef>
+        <a:fillRef idx="1">
+          <a:scrgbClr r="0" g="0" b="0"/>
+        </a:fillRef>
+        <a:effectRef idx="0">
+          <a:scrgbClr r="0" g="0" b="0"/>
+        </a:effectRef>
+        <a:fontRef idx="minor">
+          <a:schemeClr val="lt1"/>
+        </a:fontRef>
+      </dsp:style>
+      <dsp:txBody>
+        <a:bodyPr spcFirstLastPara="0" vert="horz" wrap="square" lIns="18415" tIns="18415" rIns="18415" bIns="18415" numCol="1" spcCol="1270" anchor="ctr" anchorCtr="0">
+          <a:noAutofit/>
+        </a:bodyPr>
+        <a:lstStyle/>
+        <a:p>
+          <a:pPr lvl="0" algn="ctr" defTabSz="1289050">
+            <a:lnSpc>
+              <a:spcPct val="90000"/>
+            </a:lnSpc>
+            <a:spcBef>
+              <a:spcPct val="0"/>
+            </a:spcBef>
+            <a:spcAft>
+              <a:spcPct val="35000"/>
+            </a:spcAft>
+          </a:pPr>
+          <a:r>
+            <a:rPr lang="en-US" sz="2900" kern="1200" dirty="0" smtClean="0"/>
+            <a:t>f(</a:t>
+          </a:r>
+          <a:r>
+            <a:rPr lang="en-US" sz="2900" kern="1200" dirty="0" smtClean="0">
+              <a:solidFill>
+                <a:srgbClr val="FF0000"/>
+              </a:solidFill>
+            </a:rPr>
+            <a:t>x</a:t>
+          </a:r>
+          <a:r>
+            <a:rPr lang="en-US" sz="2900" kern="1200" dirty="0" smtClean="0"/>
+            <a:t>)</a:t>
+          </a:r>
+          <a:endParaRPr lang="en-US" sz="2900" kern="1200" dirty="0"/>
+        </a:p>
+      </dsp:txBody>
+      <dsp:txXfrm>
+        <a:off x="4408189" y="3217858"/>
+        <a:ext cx="2265629" cy="1132814"/>
+      </dsp:txXfrm>
+    </dsp:sp>
+    <dsp:sp modelId="{0DA20B89-3AC6-4AF0-9B14-7893BAD89964}">
+      <dsp:nvSpPr>
+        <dsp:cNvPr id="0" name=""/>
+        <dsp:cNvSpPr/>
+      </dsp:nvSpPr>
+      <dsp:spPr>
+        <a:xfrm>
+          <a:off x="6583193" y="1609261"/>
+          <a:ext cx="2265629" cy="1132814"/>
+        </a:xfrm>
+        <a:prstGeom prst="rect">
+          <a:avLst/>
+        </a:prstGeom>
+        <a:solidFill>
+          <a:schemeClr val="accent1">
+            <a:hueOff val="0"/>
+            <a:satOff val="0"/>
+            <a:lumOff val="0"/>
+            <a:alphaOff val="0"/>
+          </a:schemeClr>
+        </a:solidFill>
+        <a:ln w="12700" cap="flat" cmpd="sng" algn="ctr">
+          <a:solidFill>
+            <a:schemeClr val="lt1">
+              <a:hueOff val="0"/>
+              <a:satOff val="0"/>
+              <a:lumOff val="0"/>
+              <a:alphaOff val="0"/>
+            </a:schemeClr>
+          </a:solidFill>
+          <a:prstDash val="solid"/>
+          <a:miter lim="800000"/>
+        </a:ln>
+        <a:effectLst/>
+      </dsp:spPr>
+      <dsp:style>
+        <a:lnRef idx="2">
+          <a:scrgbClr r="0" g="0" b="0"/>
+        </a:lnRef>
+        <a:fillRef idx="1">
+          <a:scrgbClr r="0" g="0" b="0"/>
+        </a:fillRef>
+        <a:effectRef idx="0">
+          <a:scrgbClr r="0" g="0" b="0"/>
+        </a:effectRef>
+        <a:fontRef idx="minor">
+          <a:schemeClr val="lt1"/>
+        </a:fontRef>
+      </dsp:style>
+      <dsp:txBody>
+        <a:bodyPr spcFirstLastPara="0" vert="horz" wrap="square" lIns="18415" tIns="18415" rIns="18415" bIns="18415" numCol="1" spcCol="1270" anchor="ctr" anchorCtr="0">
+          <a:noAutofit/>
+        </a:bodyPr>
+        <a:lstStyle/>
+        <a:p>
+          <a:pPr lvl="0" algn="ctr" defTabSz="1289050">
+            <a:lnSpc>
+              <a:spcPct val="90000"/>
+            </a:lnSpc>
+            <a:spcBef>
+              <a:spcPct val="0"/>
+            </a:spcBef>
+            <a:spcAft>
+              <a:spcPct val="35000"/>
+            </a:spcAft>
+          </a:pPr>
+          <a:r>
+            <a:rPr lang="en-US" sz="2900" kern="1200" dirty="0" smtClean="0"/>
+            <a:t>Reinforcement learning</a:t>
+          </a:r>
+          <a:endParaRPr lang="en-US" sz="2900" kern="1200" dirty="0"/>
+        </a:p>
+      </dsp:txBody>
+      <dsp:txXfrm>
+        <a:off x="6583193" y="1609261"/>
+        <a:ext cx="2265629" cy="1132814"/>
+      </dsp:txXfrm>
+    </dsp:sp>
+    <dsp:sp modelId="{015D3DC3-9D66-4D73-83F0-49CEE1CB5861}">
+      <dsp:nvSpPr>
+        <dsp:cNvPr id="0" name=""/>
+        <dsp:cNvSpPr/>
+      </dsp:nvSpPr>
+      <dsp:spPr>
+        <a:xfrm>
+          <a:off x="7149600" y="3217858"/>
+          <a:ext cx="2265629" cy="1132814"/>
+        </a:xfrm>
+        <a:prstGeom prst="rect">
+          <a:avLst/>
+        </a:prstGeom>
+        <a:solidFill>
+          <a:schemeClr val="accent1">
+            <a:hueOff val="0"/>
+            <a:satOff val="0"/>
+            <a:lumOff val="0"/>
+            <a:alphaOff val="0"/>
+          </a:schemeClr>
+        </a:solidFill>
+        <a:ln w="12700" cap="flat" cmpd="sng" algn="ctr">
+          <a:solidFill>
+            <a:schemeClr val="lt1">
+              <a:hueOff val="0"/>
+              <a:satOff val="0"/>
+              <a:lumOff val="0"/>
+              <a:alphaOff val="0"/>
+            </a:schemeClr>
+          </a:solidFill>
+          <a:prstDash val="solid"/>
+          <a:miter lim="800000"/>
+        </a:ln>
+        <a:effectLst/>
+      </dsp:spPr>
+      <dsp:style>
+        <a:lnRef idx="2">
+          <a:scrgbClr r="0" g="0" b="0"/>
+        </a:lnRef>
+        <a:fillRef idx="1">
+          <a:scrgbClr r="0" g="0" b="0"/>
+        </a:fillRef>
+        <a:effectRef idx="0">
+          <a:scrgbClr r="0" g="0" b="0"/>
+        </a:effectRef>
+        <a:fontRef idx="minor">
+          <a:schemeClr val="lt1"/>
+        </a:fontRef>
+      </dsp:style>
+      <dsp:txBody>
+        <a:bodyPr spcFirstLastPara="0" vert="horz" wrap="square" lIns="18415" tIns="18415" rIns="18415" bIns="18415" numCol="1" spcCol="1270" anchor="ctr" anchorCtr="0">
+          <a:noAutofit/>
+        </a:bodyPr>
+        <a:lstStyle/>
+        <a:p>
+          <a:pPr lvl="0" algn="ctr" defTabSz="1289050">
+            <a:lnSpc>
+              <a:spcPct val="90000"/>
+            </a:lnSpc>
+            <a:spcBef>
+              <a:spcPct val="0"/>
+            </a:spcBef>
+            <a:spcAft>
+              <a:spcPct val="35000"/>
+            </a:spcAft>
+          </a:pPr>
+          <a:r>
+            <a:rPr lang="en-US" sz="2900" kern="1200" dirty="0" smtClean="0"/>
+            <a:t>y=f(</a:t>
+          </a:r>
+          <a:r>
+            <a:rPr lang="en-US" sz="2900" kern="1200" dirty="0" smtClean="0">
+              <a:solidFill>
+                <a:srgbClr val="FF0000"/>
+              </a:solidFill>
+            </a:rPr>
+            <a:t>x</a:t>
+          </a:r>
+          <a:r>
+            <a:rPr lang="en-US" sz="2900" kern="1200" dirty="0" smtClean="0"/>
+            <a:t>)  </a:t>
+          </a:r>
+          <a:r>
+            <a:rPr lang="en-US" altLang="zh-CN" sz="2900" kern="1200" dirty="0" smtClean="0">
+              <a:solidFill>
+                <a:srgbClr val="FF0000"/>
+              </a:solidFill>
+            </a:rPr>
+            <a:t>z</a:t>
+          </a:r>
+          <a:endParaRPr lang="en-US" sz="2900" kern="1200" dirty="0">
+            <a:solidFill>
+              <a:srgbClr val="FF0000"/>
+            </a:solidFill>
+          </a:endParaRPr>
+        </a:p>
+      </dsp:txBody>
+      <dsp:txXfrm>
+        <a:off x="7149600" y="3217858"/>
+        <a:ext cx="2265629" cy="1132814"/>
       </dsp:txXfrm>
     </dsp:sp>
   </dsp:spTree>
@@ -3936,6 +4838,440 @@
 </dgm:styleDef>
 </file>
 
+<file path=ppt/notesMasters/notesMaster1.xml><?xml version="1.0" encoding="utf-8"?>
+<p:notesMaster xmlns:a="http://schemas.openxmlformats.org/drawingml/2006/main" xmlns:r="http://schemas.openxmlformats.org/officeDocument/2006/relationships" xmlns:p="http://schemas.openxmlformats.org/presentationml/2006/main">
+  <p:cSld>
+    <p:bg>
+      <p:bgRef idx="1001">
+        <a:schemeClr val="bg1"/>
+      </p:bgRef>
+    </p:bg>
+    <p:spTree>
+      <p:nvGrpSpPr>
+        <p:cNvPr id="1" name=""/>
+        <p:cNvGrpSpPr/>
+        <p:nvPr/>
+      </p:nvGrpSpPr>
+      <p:grpSpPr>
+        <a:xfrm>
+          <a:off x="0" y="0"/>
+          <a:ext cx="0" cy="0"/>
+          <a:chOff x="0" y="0"/>
+          <a:chExt cx="0" cy="0"/>
+        </a:xfrm>
+      </p:grpSpPr>
+      <p:sp>
+        <p:nvSpPr>
+          <p:cNvPr id="2" name="页眉占位符 1"/>
+          <p:cNvSpPr>
+            <a:spLocks noGrp="1"/>
+          </p:cNvSpPr>
+          <p:nvPr>
+            <p:ph type="hdr" sz="quarter"/>
+          </p:nvPr>
+        </p:nvSpPr>
+        <p:spPr>
+          <a:xfrm>
+            <a:off x="0" y="0"/>
+            <a:ext cx="2971800" cy="458788"/>
+          </a:xfrm>
+          <a:prstGeom prst="rect">
+            <a:avLst/>
+          </a:prstGeom>
+        </p:spPr>
+        <p:txBody>
+          <a:bodyPr vert="horz" lIns="91440" tIns="45720" rIns="91440" bIns="45720" rtlCol="0"/>
+          <a:lstStyle>
+            <a:lvl1pPr algn="l">
+              <a:defRPr sz="1200"/>
+            </a:lvl1pPr>
+          </a:lstStyle>
+          <a:p>
+            <a:endParaRPr lang="zh-CN" altLang="en-US"/>
+          </a:p>
+        </p:txBody>
+      </p:sp>
+      <p:sp>
+        <p:nvSpPr>
+          <p:cNvPr id="3" name="日期占位符 2"/>
+          <p:cNvSpPr>
+            <a:spLocks noGrp="1"/>
+          </p:cNvSpPr>
+          <p:nvPr>
+            <p:ph type="dt" idx="1"/>
+          </p:nvPr>
+        </p:nvSpPr>
+        <p:spPr>
+          <a:xfrm>
+            <a:off x="3884613" y="0"/>
+            <a:ext cx="2971800" cy="458788"/>
+          </a:xfrm>
+          <a:prstGeom prst="rect">
+            <a:avLst/>
+          </a:prstGeom>
+        </p:spPr>
+        <p:txBody>
+          <a:bodyPr vert="horz" lIns="91440" tIns="45720" rIns="91440" bIns="45720" rtlCol="0"/>
+          <a:lstStyle>
+            <a:lvl1pPr algn="r">
+              <a:defRPr sz="1200"/>
+            </a:lvl1pPr>
+          </a:lstStyle>
+          <a:p>
+            <a:fld id="{6BD901F6-8A01-4050-8770-AFB26F391A3F}" type="datetimeFigureOut">
+              <a:rPr lang="zh-CN" altLang="en-US" smtClean="0"/>
+              <a:t>2016/10/9</a:t>
+            </a:fld>
+            <a:endParaRPr lang="zh-CN" altLang="en-US"/>
+          </a:p>
+        </p:txBody>
+      </p:sp>
+      <p:sp>
+        <p:nvSpPr>
+          <p:cNvPr id="4" name="幻灯片图像占位符 3"/>
+          <p:cNvSpPr>
+            <a:spLocks noGrp="1" noRot="1" noChangeAspect="1"/>
+          </p:cNvSpPr>
+          <p:nvPr>
+            <p:ph type="sldImg" idx="2"/>
+          </p:nvPr>
+        </p:nvSpPr>
+        <p:spPr>
+          <a:xfrm>
+            <a:off x="685800" y="1143000"/>
+            <a:ext cx="5486400" cy="3086100"/>
+          </a:xfrm>
+          <a:prstGeom prst="rect">
+            <a:avLst/>
+          </a:prstGeom>
+          <a:noFill/>
+          <a:ln w="12700">
+            <a:solidFill>
+              <a:prstClr val="black"/>
+            </a:solidFill>
+          </a:ln>
+        </p:spPr>
+        <p:txBody>
+          <a:bodyPr vert="horz" lIns="91440" tIns="45720" rIns="91440" bIns="45720" rtlCol="0" anchor="ctr"/>
+          <a:lstStyle/>
+          <a:p>
+            <a:endParaRPr lang="zh-CN" altLang="en-US"/>
+          </a:p>
+        </p:txBody>
+      </p:sp>
+      <p:sp>
+        <p:nvSpPr>
+          <p:cNvPr id="5" name="备注占位符 4"/>
+          <p:cNvSpPr>
+            <a:spLocks noGrp="1"/>
+          </p:cNvSpPr>
+          <p:nvPr>
+            <p:ph type="body" sz="quarter" idx="3"/>
+          </p:nvPr>
+        </p:nvSpPr>
+        <p:spPr>
+          <a:xfrm>
+            <a:off x="685800" y="4400550"/>
+            <a:ext cx="5486400" cy="3600450"/>
+          </a:xfrm>
+          <a:prstGeom prst="rect">
+            <a:avLst/>
+          </a:prstGeom>
+        </p:spPr>
+        <p:txBody>
+          <a:bodyPr vert="horz" lIns="91440" tIns="45720" rIns="91440" bIns="45720" rtlCol="0"/>
+          <a:lstStyle/>
+          <a:p>
+            <a:pPr lvl="0"/>
+            <a:r>
+              <a:rPr lang="zh-CN" altLang="en-US" smtClean="0"/>
+              <a:t>编辑母版文本样式</a:t>
+            </a:r>
+          </a:p>
+          <a:p>
+            <a:pPr lvl="1"/>
+            <a:r>
+              <a:rPr lang="zh-CN" altLang="en-US" smtClean="0"/>
+              <a:t>第二级</a:t>
+            </a:r>
+          </a:p>
+          <a:p>
+            <a:pPr lvl="2"/>
+            <a:r>
+              <a:rPr lang="zh-CN" altLang="en-US" smtClean="0"/>
+              <a:t>第三级</a:t>
+            </a:r>
+          </a:p>
+          <a:p>
+            <a:pPr lvl="3"/>
+            <a:r>
+              <a:rPr lang="zh-CN" altLang="en-US" smtClean="0"/>
+              <a:t>第四级</a:t>
+            </a:r>
+          </a:p>
+          <a:p>
+            <a:pPr lvl="4"/>
+            <a:r>
+              <a:rPr lang="zh-CN" altLang="en-US" smtClean="0"/>
+              <a:t>第五级</a:t>
+            </a:r>
+            <a:endParaRPr lang="zh-CN" altLang="en-US"/>
+          </a:p>
+        </p:txBody>
+      </p:sp>
+      <p:sp>
+        <p:nvSpPr>
+          <p:cNvPr id="6" name="页脚占位符 5"/>
+          <p:cNvSpPr>
+            <a:spLocks noGrp="1"/>
+          </p:cNvSpPr>
+          <p:nvPr>
+            <p:ph type="ftr" sz="quarter" idx="4"/>
+          </p:nvPr>
+        </p:nvSpPr>
+        <p:spPr>
+          <a:xfrm>
+            <a:off x="0" y="8685213"/>
+            <a:ext cx="2971800" cy="458787"/>
+          </a:xfrm>
+          <a:prstGeom prst="rect">
+            <a:avLst/>
+          </a:prstGeom>
+        </p:spPr>
+        <p:txBody>
+          <a:bodyPr vert="horz" lIns="91440" tIns="45720" rIns="91440" bIns="45720" rtlCol="0" anchor="b"/>
+          <a:lstStyle>
+            <a:lvl1pPr algn="l">
+              <a:defRPr sz="1200"/>
+            </a:lvl1pPr>
+          </a:lstStyle>
+          <a:p>
+            <a:endParaRPr lang="zh-CN" altLang="en-US"/>
+          </a:p>
+        </p:txBody>
+      </p:sp>
+      <p:sp>
+        <p:nvSpPr>
+          <p:cNvPr id="7" name="灯片编号占位符 6"/>
+          <p:cNvSpPr>
+            <a:spLocks noGrp="1"/>
+          </p:cNvSpPr>
+          <p:nvPr>
+            <p:ph type="sldNum" sz="quarter" idx="5"/>
+          </p:nvPr>
+        </p:nvSpPr>
+        <p:spPr>
+          <a:xfrm>
+            <a:off x="3884613" y="8685213"/>
+            <a:ext cx="2971800" cy="458787"/>
+          </a:xfrm>
+          <a:prstGeom prst="rect">
+            <a:avLst/>
+          </a:prstGeom>
+        </p:spPr>
+        <p:txBody>
+          <a:bodyPr vert="horz" lIns="91440" tIns="45720" rIns="91440" bIns="45720" rtlCol="0" anchor="b"/>
+          <a:lstStyle>
+            <a:lvl1pPr algn="r">
+              <a:defRPr sz="1200"/>
+            </a:lvl1pPr>
+          </a:lstStyle>
+          <a:p>
+            <a:fld id="{4350191E-D7F4-4239-BBE3-F8A7C8487B8F}" type="slidenum">
+              <a:rPr lang="zh-CN" altLang="en-US" smtClean="0"/>
+              <a:t>‹#›</a:t>
+            </a:fld>
+            <a:endParaRPr lang="zh-CN" altLang="en-US"/>
+          </a:p>
+        </p:txBody>
+      </p:sp>
+    </p:spTree>
+    <p:extLst>
+      <p:ext uri="{BB962C8B-B14F-4D97-AF65-F5344CB8AC3E}">
+        <p14:creationId xmlns:p14="http://schemas.microsoft.com/office/powerpoint/2010/main" val="1227815728"/>
+      </p:ext>
+    </p:extLst>
+  </p:cSld>
+  <p:clrMap bg1="lt1" tx1="dk1" bg2="lt2" tx2="dk2" accent1="accent1" accent2="accent2" accent3="accent3" accent4="accent4" accent5="accent5" accent6="accent6" hlink="hlink" folHlink="folHlink"/>
+  <p:notesStyle>
+    <a:lvl1pPr marL="0" algn="l" defTabSz="914400" rtl="0" eaLnBrk="1" latinLnBrk="0" hangingPunct="1">
+      <a:defRPr sz="1200" kern="1200">
+        <a:solidFill>
+          <a:schemeClr val="tx1"/>
+        </a:solidFill>
+        <a:latin typeface="+mn-lt"/>
+        <a:ea typeface="+mn-ea"/>
+        <a:cs typeface="+mn-cs"/>
+      </a:defRPr>
+    </a:lvl1pPr>
+    <a:lvl2pPr marL="457200" algn="l" defTabSz="914400" rtl="0" eaLnBrk="1" latinLnBrk="0" hangingPunct="1">
+      <a:defRPr sz="1200" kern="1200">
+        <a:solidFill>
+          <a:schemeClr val="tx1"/>
+        </a:solidFill>
+        <a:latin typeface="+mn-lt"/>
+        <a:ea typeface="+mn-ea"/>
+        <a:cs typeface="+mn-cs"/>
+      </a:defRPr>
+    </a:lvl2pPr>
+    <a:lvl3pPr marL="914400" algn="l" defTabSz="914400" rtl="0" eaLnBrk="1" latinLnBrk="0" hangingPunct="1">
+      <a:defRPr sz="1200" kern="1200">
+        <a:solidFill>
+          <a:schemeClr val="tx1"/>
+        </a:solidFill>
+        <a:latin typeface="+mn-lt"/>
+        <a:ea typeface="+mn-ea"/>
+        <a:cs typeface="+mn-cs"/>
+      </a:defRPr>
+    </a:lvl3pPr>
+    <a:lvl4pPr marL="1371600" algn="l" defTabSz="914400" rtl="0" eaLnBrk="1" latinLnBrk="0" hangingPunct="1">
+      <a:defRPr sz="1200" kern="1200">
+        <a:solidFill>
+          <a:schemeClr val="tx1"/>
+        </a:solidFill>
+        <a:latin typeface="+mn-lt"/>
+        <a:ea typeface="+mn-ea"/>
+        <a:cs typeface="+mn-cs"/>
+      </a:defRPr>
+    </a:lvl4pPr>
+    <a:lvl5pPr marL="1828800" algn="l" defTabSz="914400" rtl="0" eaLnBrk="1" latinLnBrk="0" hangingPunct="1">
+      <a:defRPr sz="1200" kern="1200">
+        <a:solidFill>
+          <a:schemeClr val="tx1"/>
+        </a:solidFill>
+        <a:latin typeface="+mn-lt"/>
+        <a:ea typeface="+mn-ea"/>
+        <a:cs typeface="+mn-cs"/>
+      </a:defRPr>
+    </a:lvl5pPr>
+    <a:lvl6pPr marL="2286000" algn="l" defTabSz="914400" rtl="0" eaLnBrk="1" latinLnBrk="0" hangingPunct="1">
+      <a:defRPr sz="1200" kern="1200">
+        <a:solidFill>
+          <a:schemeClr val="tx1"/>
+        </a:solidFill>
+        <a:latin typeface="+mn-lt"/>
+        <a:ea typeface="+mn-ea"/>
+        <a:cs typeface="+mn-cs"/>
+      </a:defRPr>
+    </a:lvl6pPr>
+    <a:lvl7pPr marL="2743200" algn="l" defTabSz="914400" rtl="0" eaLnBrk="1" latinLnBrk="0" hangingPunct="1">
+      <a:defRPr sz="1200" kern="1200">
+        <a:solidFill>
+          <a:schemeClr val="tx1"/>
+        </a:solidFill>
+        <a:latin typeface="+mn-lt"/>
+        <a:ea typeface="+mn-ea"/>
+        <a:cs typeface="+mn-cs"/>
+      </a:defRPr>
+    </a:lvl7pPr>
+    <a:lvl8pPr marL="3200400" algn="l" defTabSz="914400" rtl="0" eaLnBrk="1" latinLnBrk="0" hangingPunct="1">
+      <a:defRPr sz="1200" kern="1200">
+        <a:solidFill>
+          <a:schemeClr val="tx1"/>
+        </a:solidFill>
+        <a:latin typeface="+mn-lt"/>
+        <a:ea typeface="+mn-ea"/>
+        <a:cs typeface="+mn-cs"/>
+      </a:defRPr>
+    </a:lvl8pPr>
+    <a:lvl9pPr marL="3657600" algn="l" defTabSz="914400" rtl="0" eaLnBrk="1" latinLnBrk="0" hangingPunct="1">
+      <a:defRPr sz="1200" kern="1200">
+        <a:solidFill>
+          <a:schemeClr val="tx1"/>
+        </a:solidFill>
+        <a:latin typeface="+mn-lt"/>
+        <a:ea typeface="+mn-ea"/>
+        <a:cs typeface="+mn-cs"/>
+      </a:defRPr>
+    </a:lvl9pPr>
+  </p:notesStyle>
+</p:notesMaster>
+</file>
+
+<file path=ppt/notesSlides/notesSlide1.xml><?xml version="1.0" encoding="utf-8"?>
+<p:notes xmlns:a="http://schemas.openxmlformats.org/drawingml/2006/main" xmlns:r="http://schemas.openxmlformats.org/officeDocument/2006/relationships" xmlns:p="http://schemas.openxmlformats.org/presentationml/2006/main">
+  <p:cSld>
+    <p:spTree>
+      <p:nvGrpSpPr>
+        <p:cNvPr id="1" name=""/>
+        <p:cNvGrpSpPr/>
+        <p:nvPr/>
+      </p:nvGrpSpPr>
+      <p:grpSpPr>
+        <a:xfrm>
+          <a:off x="0" y="0"/>
+          <a:ext cx="0" cy="0"/>
+          <a:chOff x="0" y="0"/>
+          <a:chExt cx="0" cy="0"/>
+        </a:xfrm>
+      </p:grpSpPr>
+      <p:sp>
+        <p:nvSpPr>
+          <p:cNvPr id="2" name="幻灯片图像占位符 1"/>
+          <p:cNvSpPr>
+            <a:spLocks noGrp="1" noRot="1" noChangeAspect="1"/>
+          </p:cNvSpPr>
+          <p:nvPr>
+            <p:ph type="sldImg"/>
+          </p:nvPr>
+        </p:nvSpPr>
+        <p:spPr/>
+      </p:sp>
+      <p:sp>
+        <p:nvSpPr>
+          <p:cNvPr id="3" name="备注占位符 2"/>
+          <p:cNvSpPr>
+            <a:spLocks noGrp="1"/>
+          </p:cNvSpPr>
+          <p:nvPr>
+            <p:ph type="body" idx="1"/>
+          </p:nvPr>
+        </p:nvSpPr>
+        <p:spPr/>
+        <p:txBody>
+          <a:bodyPr/>
+          <a:lstStyle/>
+          <a:p>
+            <a:endParaRPr lang="zh-CN" altLang="en-US" dirty="0"/>
+          </a:p>
+        </p:txBody>
+      </p:sp>
+      <p:sp>
+        <p:nvSpPr>
+          <p:cNvPr id="4" name="灯片编号占位符 3"/>
+          <p:cNvSpPr>
+            <a:spLocks noGrp="1"/>
+          </p:cNvSpPr>
+          <p:nvPr>
+            <p:ph type="sldNum" sz="quarter" idx="10"/>
+          </p:nvPr>
+        </p:nvSpPr>
+        <p:spPr/>
+        <p:txBody>
+          <a:bodyPr/>
+          <a:lstStyle/>
+          <a:p>
+            <a:fld id="{4350191E-D7F4-4239-BBE3-F8A7C8487B8F}" type="slidenum">
+              <a:rPr lang="zh-CN" altLang="en-US" smtClean="0"/>
+              <a:t>1</a:t>
+            </a:fld>
+            <a:endParaRPr lang="zh-CN" altLang="en-US"/>
+          </a:p>
+        </p:txBody>
+      </p:sp>
+    </p:spTree>
+    <p:extLst>
+      <p:ext uri="{BB962C8B-B14F-4D97-AF65-F5344CB8AC3E}">
+        <p14:creationId xmlns:p14="http://schemas.microsoft.com/office/powerpoint/2010/main" val="3037043947"/>
+      </p:ext>
+    </p:extLst>
+  </p:cSld>
+  <p:clrMapOvr>
+    <a:masterClrMapping/>
+  </p:clrMapOvr>
+</p:notes>
+</file>
+
 <file path=ppt/slideLayouts/slideLayout1.xml><?xml version="1.0" encoding="utf-8"?>
 <p:sldLayout xmlns:a="http://schemas.openxmlformats.org/drawingml/2006/main" xmlns:r="http://schemas.openxmlformats.org/officeDocument/2006/relationships" xmlns:p="http://schemas.openxmlformats.org/presentationml/2006/main" type="title" preserve="1">
   <p:cSld name="Title Slide">
@@ -6862,6 +8198,3404 @@
 </p:sld>
 </file>
 
+<file path=ppt/slides/slide10.xml><?xml version="1.0" encoding="utf-8"?>
+<p:sld xmlns:a="http://schemas.openxmlformats.org/drawingml/2006/main" xmlns:r="http://schemas.openxmlformats.org/officeDocument/2006/relationships" xmlns:p="http://schemas.openxmlformats.org/presentationml/2006/main">
+  <p:cSld>
+    <p:spTree>
+      <p:nvGrpSpPr>
+        <p:cNvPr id="1" name=""/>
+        <p:cNvGrpSpPr/>
+        <p:nvPr/>
+      </p:nvGrpSpPr>
+      <p:grpSpPr>
+        <a:xfrm>
+          <a:off x="0" y="0"/>
+          <a:ext cx="0" cy="0"/>
+          <a:chOff x="0" y="0"/>
+          <a:chExt cx="0" cy="0"/>
+        </a:xfrm>
+      </p:grpSpPr>
+      <p:pic>
+        <p:nvPicPr>
+          <p:cNvPr id="4" name="图片 3"/>
+          <p:cNvPicPr>
+            <a:picLocks noChangeAspect="1"/>
+          </p:cNvPicPr>
+          <p:nvPr/>
+        </p:nvPicPr>
+        <p:blipFill>
+          <a:blip r:embed="rId2"/>
+          <a:stretch>
+            <a:fillRect/>
+          </a:stretch>
+        </p:blipFill>
+        <p:spPr>
+          <a:xfrm>
+            <a:off x="2396304" y="1027313"/>
+            <a:ext cx="8647619" cy="5019048"/>
+          </a:xfrm>
+          <a:prstGeom prst="rect">
+            <a:avLst/>
+          </a:prstGeom>
+        </p:spPr>
+      </p:pic>
+      <p:sp>
+        <p:nvSpPr>
+          <p:cNvPr id="5" name="Title 1"/>
+          <p:cNvSpPr txBox="1">
+            <a:spLocks/>
+          </p:cNvSpPr>
+          <p:nvPr/>
+        </p:nvSpPr>
+        <p:spPr>
+          <a:xfrm>
+            <a:off x="5131892" y="-8525"/>
+            <a:ext cx="3836170" cy="1325563"/>
+          </a:xfrm>
+          <a:prstGeom prst="rect">
+            <a:avLst/>
+          </a:prstGeom>
+        </p:spPr>
+        <p:txBody>
+          <a:bodyPr vert="horz" lIns="91440" tIns="45720" rIns="91440" bIns="45720" rtlCol="0" anchor="ctr">
+            <a:normAutofit/>
+          </a:bodyPr>
+          <a:lstStyle>
+            <a:lvl1pPr algn="l" defTabSz="914400" rtl="0" eaLnBrk="1" latinLnBrk="0" hangingPunct="1">
+              <a:lnSpc>
+                <a:spcPct val="90000"/>
+              </a:lnSpc>
+              <a:spcBef>
+                <a:spcPct val="0"/>
+              </a:spcBef>
+              <a:buNone/>
+              <a:defRPr sz="4400" kern="1200">
+                <a:solidFill>
+                  <a:schemeClr val="tx1"/>
+                </a:solidFill>
+                <a:latin typeface="+mj-lt"/>
+                <a:ea typeface="+mj-ea"/>
+                <a:cs typeface="+mj-cs"/>
+              </a:defRPr>
+            </a:lvl1pPr>
+          </a:lstStyle>
+          <a:p>
+            <a:r>
+              <a:rPr lang="en-US" sz="4800" dirty="0" smtClean="0"/>
+              <a:t>POMDP</a:t>
+            </a:r>
+            <a:endParaRPr lang="en-US" sz="4800" dirty="0"/>
+          </a:p>
+        </p:txBody>
+      </p:sp>
+    </p:spTree>
+    <p:extLst>
+      <p:ext uri="{BB962C8B-B14F-4D97-AF65-F5344CB8AC3E}">
+        <p14:creationId xmlns:p14="http://schemas.microsoft.com/office/powerpoint/2010/main" val="369831872"/>
+      </p:ext>
+    </p:extLst>
+  </p:cSld>
+  <p:clrMapOvr>
+    <a:masterClrMapping/>
+  </p:clrMapOvr>
+</p:sld>
+</file>
+
+<file path=ppt/slides/slide11.xml><?xml version="1.0" encoding="utf-8"?>
+<p:sld xmlns:a="http://schemas.openxmlformats.org/drawingml/2006/main" xmlns:r="http://schemas.openxmlformats.org/officeDocument/2006/relationships" xmlns:p="http://schemas.openxmlformats.org/presentationml/2006/main">
+  <p:cSld>
+    <p:spTree>
+      <p:nvGrpSpPr>
+        <p:cNvPr id="1" name=""/>
+        <p:cNvGrpSpPr/>
+        <p:nvPr/>
+      </p:nvGrpSpPr>
+      <p:grpSpPr>
+        <a:xfrm>
+          <a:off x="0" y="0"/>
+          <a:ext cx="0" cy="0"/>
+          <a:chOff x="0" y="0"/>
+          <a:chExt cx="0" cy="0"/>
+        </a:xfrm>
+      </p:grpSpPr>
+      <p:sp>
+        <p:nvSpPr>
+          <p:cNvPr id="2" name="标题 1"/>
+          <p:cNvSpPr>
+            <a:spLocks noGrp="1"/>
+          </p:cNvSpPr>
+          <p:nvPr>
+            <p:ph type="title"/>
+          </p:nvPr>
+        </p:nvSpPr>
+        <p:spPr/>
+        <p:txBody>
+          <a:bodyPr/>
+          <a:lstStyle/>
+          <a:p>
+            <a:endParaRPr lang="zh-CN" altLang="en-US"/>
+          </a:p>
+        </p:txBody>
+      </p:sp>
+      <p:sp>
+        <p:nvSpPr>
+          <p:cNvPr id="3" name="内容占位符 2"/>
+          <p:cNvSpPr>
+            <a:spLocks noGrp="1"/>
+          </p:cNvSpPr>
+          <p:nvPr>
+            <p:ph idx="1"/>
+          </p:nvPr>
+        </p:nvSpPr>
+        <p:spPr/>
+        <p:txBody>
+          <a:bodyPr/>
+          <a:lstStyle/>
+          <a:p>
+            <a:endParaRPr lang="zh-CN" altLang="en-US"/>
+          </a:p>
+        </p:txBody>
+      </p:sp>
+    </p:spTree>
+    <p:extLst>
+      <p:ext uri="{BB962C8B-B14F-4D97-AF65-F5344CB8AC3E}">
+        <p14:creationId xmlns:p14="http://schemas.microsoft.com/office/powerpoint/2010/main" val="2790903322"/>
+      </p:ext>
+    </p:extLst>
+  </p:cSld>
+  <p:clrMapOvr>
+    <a:masterClrMapping/>
+  </p:clrMapOvr>
+</p:sld>
+</file>
+
+<file path=ppt/slides/slide12.xml><?xml version="1.0" encoding="utf-8"?>
+<p:sld xmlns:a="http://schemas.openxmlformats.org/drawingml/2006/main" xmlns:r="http://schemas.openxmlformats.org/officeDocument/2006/relationships" xmlns:p="http://schemas.openxmlformats.org/presentationml/2006/main">
+  <p:cSld>
+    <p:spTree>
+      <p:nvGrpSpPr>
+        <p:cNvPr id="1" name=""/>
+        <p:cNvGrpSpPr/>
+        <p:nvPr/>
+      </p:nvGrpSpPr>
+      <p:grpSpPr>
+        <a:xfrm>
+          <a:off x="0" y="0"/>
+          <a:ext cx="0" cy="0"/>
+          <a:chOff x="0" y="0"/>
+          <a:chExt cx="0" cy="0"/>
+        </a:xfrm>
+      </p:grpSpPr>
+      <p:pic>
+        <p:nvPicPr>
+          <p:cNvPr id="7" name="Picture 6"/>
+          <p:cNvPicPr>
+            <a:picLocks noChangeAspect="1"/>
+          </p:cNvPicPr>
+          <p:nvPr/>
+        </p:nvPicPr>
+        <p:blipFill>
+          <a:blip r:embed="rId2"/>
+          <a:stretch>
+            <a:fillRect/>
+          </a:stretch>
+        </p:blipFill>
+        <p:spPr>
+          <a:xfrm>
+            <a:off x="1202500" y="54303"/>
+            <a:ext cx="9059101" cy="6803697"/>
+          </a:xfrm>
+          <a:prstGeom prst="rect">
+            <a:avLst/>
+          </a:prstGeom>
+        </p:spPr>
+      </p:pic>
+      <p:sp>
+        <p:nvSpPr>
+          <p:cNvPr id="2" name="圆角矩形 1"/>
+          <p:cNvSpPr/>
+          <p:nvPr/>
+        </p:nvSpPr>
+        <p:spPr>
+          <a:xfrm>
+            <a:off x="4688114" y="1944914"/>
+            <a:ext cx="5370285" cy="2090057"/>
+          </a:xfrm>
+          <a:prstGeom prst="roundRect">
+            <a:avLst/>
+          </a:prstGeom>
+          <a:noFill/>
+          <a:ln w="38100">
+            <a:solidFill>
+              <a:srgbClr val="FF0000"/>
+            </a:solidFill>
+          </a:ln>
+        </p:spPr>
+        <p:style>
+          <a:lnRef idx="2">
+            <a:schemeClr val="accent2"/>
+          </a:lnRef>
+          <a:fillRef idx="1">
+            <a:schemeClr val="lt1"/>
+          </a:fillRef>
+          <a:effectRef idx="0">
+            <a:schemeClr val="accent2"/>
+          </a:effectRef>
+          <a:fontRef idx="minor">
+            <a:schemeClr val="dk1"/>
+          </a:fontRef>
+        </p:style>
+        <p:txBody>
+          <a:bodyPr rtlCol="0" anchor="ctr"/>
+          <a:lstStyle/>
+          <a:p>
+            <a:pPr algn="ctr"/>
+            <a:endParaRPr lang="zh-CN" altLang="en-US"/>
+          </a:p>
+        </p:txBody>
+      </p:sp>
+    </p:spTree>
+    <p:extLst>
+      <p:ext uri="{BB962C8B-B14F-4D97-AF65-F5344CB8AC3E}">
+        <p14:creationId xmlns:p14="http://schemas.microsoft.com/office/powerpoint/2010/main" val="1260532710"/>
+      </p:ext>
+    </p:extLst>
+  </p:cSld>
+  <p:clrMapOvr>
+    <a:masterClrMapping/>
+  </p:clrMapOvr>
+  <p:timing>
+    <p:tnLst>
+      <p:par>
+        <p:cTn id="1" dur="indefinite" restart="never" nodeType="tmRoot"/>
+      </p:par>
+    </p:tnLst>
+  </p:timing>
+</p:sld>
+</file>
+
+<file path=ppt/slides/slide13.xml><?xml version="1.0" encoding="utf-8"?>
+<p:sld xmlns:a="http://schemas.openxmlformats.org/drawingml/2006/main" xmlns:r="http://schemas.openxmlformats.org/officeDocument/2006/relationships" xmlns:p="http://schemas.openxmlformats.org/presentationml/2006/main">
+  <p:cSld>
+    <p:spTree>
+      <p:nvGrpSpPr>
+        <p:cNvPr id="1" name=""/>
+        <p:cNvGrpSpPr/>
+        <p:nvPr/>
+      </p:nvGrpSpPr>
+      <p:grpSpPr>
+        <a:xfrm>
+          <a:off x="0" y="0"/>
+          <a:ext cx="0" cy="0"/>
+          <a:chOff x="0" y="0"/>
+          <a:chExt cx="0" cy="0"/>
+        </a:xfrm>
+      </p:grpSpPr>
+      <p:sp>
+        <p:nvSpPr>
+          <p:cNvPr id="2" name="标题 1"/>
+          <p:cNvSpPr>
+            <a:spLocks noGrp="1"/>
+          </p:cNvSpPr>
+          <p:nvPr>
+            <p:ph type="title"/>
+          </p:nvPr>
+        </p:nvSpPr>
+        <p:spPr/>
+        <p:txBody>
+          <a:bodyPr/>
+          <a:lstStyle/>
+          <a:p>
+            <a:pPr algn="ctr"/>
+            <a:r>
+              <a:rPr lang="en-US" altLang="zh-CN" dirty="0" smtClean="0"/>
+              <a:t>Algorithms	DP</a:t>
+            </a:r>
+            <a:br>
+              <a:rPr lang="en-US" altLang="zh-CN" dirty="0" smtClean="0"/>
+            </a:br>
+            <a:r>
+              <a:rPr lang="en-US" altLang="zh-CN" dirty="0" smtClean="0"/>
+              <a:t>(Dynamic Programming)</a:t>
+            </a:r>
+            <a:endParaRPr lang="zh-CN" altLang="en-US" dirty="0"/>
+          </a:p>
+        </p:txBody>
+      </p:sp>
+      <p:sp>
+        <p:nvSpPr>
+          <p:cNvPr id="3" name="内容占位符 2"/>
+          <p:cNvSpPr>
+            <a:spLocks noGrp="1"/>
+          </p:cNvSpPr>
+          <p:nvPr>
+            <p:ph idx="1"/>
+          </p:nvPr>
+        </p:nvSpPr>
+        <p:spPr/>
+        <p:txBody>
+          <a:bodyPr/>
+          <a:lstStyle/>
+          <a:p>
+            <a:r>
+              <a:rPr lang="en-US" altLang="zh-CN" dirty="0" smtClean="0"/>
+              <a:t>Model dependent</a:t>
+            </a:r>
+          </a:p>
+          <a:p>
+            <a:r>
+              <a:rPr lang="en-US" altLang="zh-CN" dirty="0" smtClean="0"/>
+              <a:t>Two method :</a:t>
+            </a:r>
+          </a:p>
+          <a:p>
+            <a:pPr lvl="1"/>
+            <a:r>
+              <a:rPr lang="en-US" altLang="zh-CN" dirty="0" smtClean="0"/>
+              <a:t>Policy iteration ( policy evaluation -&gt; policy improvement )</a:t>
+            </a:r>
+          </a:p>
+          <a:p>
+            <a:pPr lvl="1"/>
+            <a:r>
+              <a:rPr lang="en-US" altLang="zh-CN" dirty="0"/>
+              <a:t>Value </a:t>
+            </a:r>
+            <a:r>
+              <a:rPr lang="en-US" altLang="zh-CN" dirty="0" smtClean="0"/>
+              <a:t>iteration </a:t>
+            </a:r>
+            <a:endParaRPr lang="en-US" altLang="zh-CN" dirty="0"/>
+          </a:p>
+          <a:p>
+            <a:pPr lvl="1"/>
+            <a:endParaRPr lang="en-US" altLang="zh-CN" dirty="0" smtClean="0"/>
+          </a:p>
+          <a:p>
+            <a:endParaRPr lang="zh-CN" altLang="en-US" dirty="0"/>
+          </a:p>
+        </p:txBody>
+      </p:sp>
+    </p:spTree>
+    <p:extLst>
+      <p:ext uri="{BB962C8B-B14F-4D97-AF65-F5344CB8AC3E}">
+        <p14:creationId xmlns:p14="http://schemas.microsoft.com/office/powerpoint/2010/main" val="2901701322"/>
+      </p:ext>
+    </p:extLst>
+  </p:cSld>
+  <p:clrMapOvr>
+    <a:masterClrMapping/>
+  </p:clrMapOvr>
+</p:sld>
+</file>
+
+<file path=ppt/slides/slide14.xml><?xml version="1.0" encoding="utf-8"?>
+<p:sld xmlns:a="http://schemas.openxmlformats.org/drawingml/2006/main" xmlns:r="http://schemas.openxmlformats.org/officeDocument/2006/relationships" xmlns:p="http://schemas.openxmlformats.org/presentationml/2006/main">
+  <p:cSld>
+    <p:spTree>
+      <p:nvGrpSpPr>
+        <p:cNvPr id="1" name=""/>
+        <p:cNvGrpSpPr/>
+        <p:nvPr/>
+      </p:nvGrpSpPr>
+      <p:grpSpPr>
+        <a:xfrm>
+          <a:off x="0" y="0"/>
+          <a:ext cx="0" cy="0"/>
+          <a:chOff x="0" y="0"/>
+          <a:chExt cx="0" cy="0"/>
+        </a:xfrm>
+      </p:grpSpPr>
+      <p:sp>
+        <p:nvSpPr>
+          <p:cNvPr id="2" name="标题 1"/>
+          <p:cNvSpPr>
+            <a:spLocks noGrp="1"/>
+          </p:cNvSpPr>
+          <p:nvPr>
+            <p:ph type="title"/>
+          </p:nvPr>
+        </p:nvSpPr>
+        <p:spPr/>
+        <p:txBody>
+          <a:bodyPr/>
+          <a:lstStyle/>
+          <a:p>
+            <a:pPr algn="ctr"/>
+            <a:r>
+              <a:rPr lang="en-US" altLang="zh-CN" dirty="0"/>
+              <a:t>Policy </a:t>
+            </a:r>
+            <a:r>
+              <a:rPr lang="en-US" altLang="zh-CN" dirty="0" smtClean="0"/>
+              <a:t>iteration</a:t>
+            </a:r>
+            <a:endParaRPr lang="zh-CN" altLang="en-US" dirty="0"/>
+          </a:p>
+        </p:txBody>
+      </p:sp>
+      <p:pic>
+        <p:nvPicPr>
+          <p:cNvPr id="4" name="内容占位符 3"/>
+          <p:cNvPicPr>
+            <a:picLocks noGrp="1" noChangeAspect="1"/>
+          </p:cNvPicPr>
+          <p:nvPr>
+            <p:ph idx="1"/>
+          </p:nvPr>
+        </p:nvPicPr>
+        <p:blipFill>
+          <a:blip r:embed="rId2"/>
+          <a:stretch>
+            <a:fillRect/>
+          </a:stretch>
+        </p:blipFill>
+        <p:spPr>
+          <a:xfrm>
+            <a:off x="7693524" y="1935616"/>
+            <a:ext cx="3990476" cy="3857143"/>
+          </a:xfrm>
+          <a:prstGeom prst="rect">
+            <a:avLst/>
+          </a:prstGeom>
+        </p:spPr>
+      </p:pic>
+      <p:pic>
+        <p:nvPicPr>
+          <p:cNvPr id="6" name="图片 5"/>
+          <p:cNvPicPr>
+            <a:picLocks noChangeAspect="1"/>
+          </p:cNvPicPr>
+          <p:nvPr/>
+        </p:nvPicPr>
+        <p:blipFill>
+          <a:blip r:embed="rId3"/>
+          <a:stretch>
+            <a:fillRect/>
+          </a:stretch>
+        </p:blipFill>
+        <p:spPr>
+          <a:xfrm>
+            <a:off x="191373" y="3350535"/>
+            <a:ext cx="4230608" cy="3181350"/>
+          </a:xfrm>
+          <a:prstGeom prst="rect">
+            <a:avLst/>
+          </a:prstGeom>
+        </p:spPr>
+      </p:pic>
+      <p:pic>
+        <p:nvPicPr>
+          <p:cNvPr id="7" name="图片 6"/>
+          <p:cNvPicPr>
+            <a:picLocks noChangeAspect="1"/>
+          </p:cNvPicPr>
+          <p:nvPr/>
+        </p:nvPicPr>
+        <p:blipFill>
+          <a:blip r:embed="rId4"/>
+          <a:stretch>
+            <a:fillRect/>
+          </a:stretch>
+        </p:blipFill>
+        <p:spPr>
+          <a:xfrm>
+            <a:off x="666795" y="1588630"/>
+            <a:ext cx="5161905" cy="1761905"/>
+          </a:xfrm>
+          <a:prstGeom prst="rect">
+            <a:avLst/>
+          </a:prstGeom>
+        </p:spPr>
+      </p:pic>
+      <mc:AlternateContent xmlns:mc="http://schemas.openxmlformats.org/markup-compatibility/2006">
+        <mc:Choice xmlns:a14="http://schemas.microsoft.com/office/drawing/2010/main" Requires="a14">
+          <p:sp>
+            <p:nvSpPr>
+              <p:cNvPr id="8" name="矩形 7"/>
+              <p:cNvSpPr/>
+              <p:nvPr/>
+            </p:nvSpPr>
+            <p:spPr>
+              <a:xfrm>
+                <a:off x="4514359" y="4574040"/>
+                <a:ext cx="2756587" cy="512000"/>
+              </a:xfrm>
+              <a:prstGeom prst="rect">
+                <a:avLst/>
+              </a:prstGeom>
+            </p:spPr>
+            <p:txBody>
+              <a:bodyPr wrap="none">
+                <a:spAutoFit/>
+              </a:bodyPr>
+              <a:lstStyle>
+                <a:defPPr>
+                  <a:defRPr lang="en-US"/>
+                </a:defPPr>
+                <a:lvl1pPr marL="0" algn="l" defTabSz="914400" rtl="0" eaLnBrk="1" latinLnBrk="0" hangingPunct="1">
+                  <a:defRPr sz="1800" kern="1200">
+                    <a:solidFill>
+                      <a:schemeClr val="tx1"/>
+                    </a:solidFill>
+                    <a:latin typeface="+mn-lt"/>
+                    <a:ea typeface="+mn-ea"/>
+                    <a:cs typeface="+mn-cs"/>
+                  </a:defRPr>
+                </a:lvl1pPr>
+                <a:lvl2pPr marL="457200" algn="l" defTabSz="914400" rtl="0" eaLnBrk="1" latinLnBrk="0" hangingPunct="1">
+                  <a:defRPr sz="1800" kern="1200">
+                    <a:solidFill>
+                      <a:schemeClr val="tx1"/>
+                    </a:solidFill>
+                    <a:latin typeface="+mn-lt"/>
+                    <a:ea typeface="+mn-ea"/>
+                    <a:cs typeface="+mn-cs"/>
+                  </a:defRPr>
+                </a:lvl2pPr>
+                <a:lvl3pPr marL="914400" algn="l" defTabSz="914400" rtl="0" eaLnBrk="1" latinLnBrk="0" hangingPunct="1">
+                  <a:defRPr sz="1800" kern="1200">
+                    <a:solidFill>
+                      <a:schemeClr val="tx1"/>
+                    </a:solidFill>
+                    <a:latin typeface="+mn-lt"/>
+                    <a:ea typeface="+mn-ea"/>
+                    <a:cs typeface="+mn-cs"/>
+                  </a:defRPr>
+                </a:lvl3pPr>
+                <a:lvl4pPr marL="1371600" algn="l" defTabSz="914400" rtl="0" eaLnBrk="1" latinLnBrk="0" hangingPunct="1">
+                  <a:defRPr sz="1800" kern="1200">
+                    <a:solidFill>
+                      <a:schemeClr val="tx1"/>
+                    </a:solidFill>
+                    <a:latin typeface="+mn-lt"/>
+                    <a:ea typeface="+mn-ea"/>
+                    <a:cs typeface="+mn-cs"/>
+                  </a:defRPr>
+                </a:lvl4pPr>
+                <a:lvl5pPr marL="1828800" algn="l" defTabSz="914400" rtl="0" eaLnBrk="1" latinLnBrk="0" hangingPunct="1">
+                  <a:defRPr sz="1800" kern="1200">
+                    <a:solidFill>
+                      <a:schemeClr val="tx1"/>
+                    </a:solidFill>
+                    <a:latin typeface="+mn-lt"/>
+                    <a:ea typeface="+mn-ea"/>
+                    <a:cs typeface="+mn-cs"/>
+                  </a:defRPr>
+                </a:lvl5pPr>
+                <a:lvl6pPr marL="2286000" algn="l" defTabSz="914400" rtl="0" eaLnBrk="1" latinLnBrk="0" hangingPunct="1">
+                  <a:defRPr sz="1800" kern="1200">
+                    <a:solidFill>
+                      <a:schemeClr val="tx1"/>
+                    </a:solidFill>
+                    <a:latin typeface="+mn-lt"/>
+                    <a:ea typeface="+mn-ea"/>
+                    <a:cs typeface="+mn-cs"/>
+                  </a:defRPr>
+                </a:lvl6pPr>
+                <a:lvl7pPr marL="2743200" algn="l" defTabSz="914400" rtl="0" eaLnBrk="1" latinLnBrk="0" hangingPunct="1">
+                  <a:defRPr sz="1800" kern="1200">
+                    <a:solidFill>
+                      <a:schemeClr val="tx1"/>
+                    </a:solidFill>
+                    <a:latin typeface="+mn-lt"/>
+                    <a:ea typeface="+mn-ea"/>
+                    <a:cs typeface="+mn-cs"/>
+                  </a:defRPr>
+                </a:lvl7pPr>
+                <a:lvl8pPr marL="3200400" algn="l" defTabSz="914400" rtl="0" eaLnBrk="1" latinLnBrk="0" hangingPunct="1">
+                  <a:defRPr sz="1800" kern="1200">
+                    <a:solidFill>
+                      <a:schemeClr val="tx1"/>
+                    </a:solidFill>
+                    <a:latin typeface="+mn-lt"/>
+                    <a:ea typeface="+mn-ea"/>
+                    <a:cs typeface="+mn-cs"/>
+                  </a:defRPr>
+                </a:lvl8pPr>
+                <a:lvl9pPr marL="3657600" algn="l" defTabSz="914400" rtl="0" eaLnBrk="1" latinLnBrk="0" hangingPunct="1">
+                  <a:defRPr sz="1800" kern="1200">
+                    <a:solidFill>
+                      <a:schemeClr val="tx1"/>
+                    </a:solidFill>
+                    <a:latin typeface="+mn-lt"/>
+                    <a:ea typeface="+mn-ea"/>
+                    <a:cs typeface="+mn-cs"/>
+                  </a:defRPr>
+                </a:lvl9pPr>
+              </a:lstStyle>
+              <a:p>
+                <a:pPr/>
+                <a14:m>
+                  <m:oMathPara xmlns:m="http://schemas.openxmlformats.org/officeDocument/2006/math">
+                    <m:oMathParaPr>
+                      <m:jc m:val="centerGroup"/>
+                    </m:oMathParaPr>
+                    <m:oMath xmlns:m="http://schemas.openxmlformats.org/officeDocument/2006/math">
+                      <m:d>
+                        <m:dPr>
+                          <m:begChr m:val=""/>
+                          <m:ctrlPr>
+                            <a:rPr lang="zh-CN" altLang="en-US" i="1">
+                              <a:latin typeface="Cambria Math" panose="02040503050406030204" pitchFamily="18" charset="0"/>
+                            </a:rPr>
+                          </m:ctrlPr>
+                        </m:dPr>
+                        <m:e>
+                          <m:r>
+                            <a:rPr lang="zh-CN" altLang="en-US" i="1">
+                              <a:latin typeface="Cambria Math" panose="02040503050406030204" pitchFamily="18" charset="0"/>
+                            </a:rPr>
+                            <m:t>𝜋</m:t>
+                          </m:r>
+                          <m:r>
+                            <a:rPr lang="zh-CN" altLang="en-US" i="0">
+                              <a:latin typeface="Cambria Math" panose="02040503050406030204" pitchFamily="18" charset="0"/>
+                            </a:rPr>
+                            <m:t>′(</m:t>
+                          </m:r>
+                          <m:r>
+                            <a:rPr lang="zh-CN" altLang="en-US" i="1">
+                              <a:latin typeface="Cambria Math" panose="02040503050406030204" pitchFamily="18" charset="0"/>
+                            </a:rPr>
+                            <m:t>𝑠</m:t>
+                          </m:r>
+                          <m:r>
+                            <a:rPr lang="zh-CN" altLang="en-US" i="0">
+                              <a:latin typeface="Cambria Math" panose="02040503050406030204" pitchFamily="18" charset="0"/>
+                            </a:rPr>
+                            <m:t>)=</m:t>
+                          </m:r>
+                          <m:limLow>
+                            <m:limLowPr>
+                              <m:ctrlPr>
+                                <a:rPr lang="zh-CN" altLang="en-US" i="1">
+                                  <a:latin typeface="Cambria Math" panose="02040503050406030204" pitchFamily="18" charset="0"/>
+                                </a:rPr>
+                              </m:ctrlPr>
+                            </m:limLowPr>
+                            <m:e>
+                              <m:r>
+                                <m:rPr>
+                                  <m:sty m:val="p"/>
+                                </m:rPr>
+                                <a:rPr lang="zh-CN" altLang="en-US" i="0">
+                                  <a:latin typeface="Cambria Math" panose="02040503050406030204" pitchFamily="18" charset="0"/>
+                                </a:rPr>
+                                <m:t>argmax</m:t>
+                              </m:r>
+                            </m:e>
+                            <m:lim>
+                              <m:r>
+                                <a:rPr lang="zh-CN" altLang="en-US" i="1">
+                                  <a:latin typeface="Cambria Math" panose="02040503050406030204" pitchFamily="18" charset="0"/>
+                                </a:rPr>
+                                <m:t>𝑎</m:t>
+                              </m:r>
+                            </m:lim>
+                          </m:limLow>
+                          <m:r>
+                            <a:rPr lang="zh-CN" altLang="en-US" i="0">
+                              <a:latin typeface="Cambria Math" panose="02040503050406030204" pitchFamily="18" charset="0"/>
+                            </a:rPr>
+                            <m:t>(</m:t>
+                          </m:r>
+                          <m:sSub>
+                            <m:sSubPr>
+                              <m:ctrlPr>
+                                <a:rPr lang="zh-CN" altLang="en-US" i="1">
+                                  <a:latin typeface="Cambria Math" panose="02040503050406030204" pitchFamily="18" charset="0"/>
+                                </a:rPr>
+                              </m:ctrlPr>
+                            </m:sSubPr>
+                            <m:e>
+                              <m:r>
+                                <a:rPr lang="zh-CN" altLang="en-US" i="1">
+                                  <a:latin typeface="Cambria Math" panose="02040503050406030204" pitchFamily="18" charset="0"/>
+                                </a:rPr>
+                                <m:t>𝑞</m:t>
+                              </m:r>
+                            </m:e>
+                            <m:sub>
+                              <m:r>
+                                <a:rPr lang="zh-CN" altLang="en-US" i="1">
+                                  <a:latin typeface="Cambria Math" panose="02040503050406030204" pitchFamily="18" charset="0"/>
+                                </a:rPr>
+                                <m:t>𝜋</m:t>
+                              </m:r>
+                            </m:sub>
+                          </m:sSub>
+                          <m:r>
+                            <a:rPr lang="zh-CN" altLang="en-US" i="0">
+                              <a:latin typeface="Cambria Math" panose="02040503050406030204" pitchFamily="18" charset="0"/>
+                            </a:rPr>
+                            <m:t>(</m:t>
+                          </m:r>
+                          <m:r>
+                            <a:rPr lang="zh-CN" altLang="en-US" i="1">
+                              <a:latin typeface="Cambria Math" panose="02040503050406030204" pitchFamily="18" charset="0"/>
+                            </a:rPr>
+                            <m:t>𝑠</m:t>
+                          </m:r>
+                          <m:r>
+                            <a:rPr lang="zh-CN" altLang="en-US" i="0">
+                              <a:latin typeface="Cambria Math" panose="02040503050406030204" pitchFamily="18" charset="0"/>
+                            </a:rPr>
+                            <m:t>,</m:t>
+                          </m:r>
+                          <m:r>
+                            <a:rPr lang="zh-CN" altLang="en-US" i="1">
+                              <a:latin typeface="Cambria Math" panose="02040503050406030204" pitchFamily="18" charset="0"/>
+                            </a:rPr>
+                            <m:t>𝑎</m:t>
+                          </m:r>
+                          <m:r>
+                            <a:rPr lang="zh-CN" altLang="en-US" i="0">
+                              <a:latin typeface="Cambria Math" panose="02040503050406030204" pitchFamily="18" charset="0"/>
+                            </a:rPr>
+                            <m:t>)</m:t>
+                          </m:r>
+                        </m:e>
+                      </m:d>
+                    </m:oMath>
+                  </m:oMathPara>
+                </a14:m>
+                <a:endParaRPr lang="zh-CN" altLang="en-US" dirty="0"/>
+              </a:p>
+            </p:txBody>
+          </p:sp>
+        </mc:Choice>
+        <mc:Fallback>
+          <p:sp>
+            <p:nvSpPr>
+              <p:cNvPr id="8" name="矩形 7"/>
+              <p:cNvSpPr>
+                <a:spLocks noRot="1" noChangeAspect="1" noMove="1" noResize="1" noEditPoints="1" noAdjustHandles="1" noChangeArrowheads="1" noChangeShapeType="1" noTextEdit="1"/>
+              </p:cNvSpPr>
+              <p:nvPr/>
+            </p:nvSpPr>
+            <p:spPr>
+              <a:xfrm>
+                <a:off x="4514359" y="4574040"/>
+                <a:ext cx="2756587" cy="512000"/>
+              </a:xfrm>
+              <a:prstGeom prst="rect">
+                <a:avLst/>
+              </a:prstGeom>
+              <a:blipFill>
+                <a:blip r:embed="rId5"/>
+                <a:stretch>
+                  <a:fillRect t="-169048" r="-31195" b="-248810"/>
+                </a:stretch>
+              </a:blipFill>
+            </p:spPr>
+            <p:txBody>
+              <a:bodyPr/>
+              <a:lstStyle/>
+              <a:p>
+                <a:r>
+                  <a:rPr lang="zh-CN" altLang="en-US">
+                    <a:noFill/>
+                  </a:rPr>
+                  <a:t> </a:t>
+                </a:r>
+              </a:p>
+            </p:txBody>
+          </p:sp>
+        </mc:Fallback>
+      </mc:AlternateContent>
+    </p:spTree>
+    <p:extLst>
+      <p:ext uri="{BB962C8B-B14F-4D97-AF65-F5344CB8AC3E}">
+        <p14:creationId xmlns:p14="http://schemas.microsoft.com/office/powerpoint/2010/main" val="653250464"/>
+      </p:ext>
+    </p:extLst>
+  </p:cSld>
+  <p:clrMapOvr>
+    <a:masterClrMapping/>
+  </p:clrMapOvr>
+  <p:timing>
+    <p:tnLst>
+      <p:par>
+        <p:cTn id="1" dur="indefinite" restart="never" nodeType="tmRoot"/>
+      </p:par>
+    </p:tnLst>
+  </p:timing>
+</p:sld>
+</file>
+
+<file path=ppt/slides/slide15.xml><?xml version="1.0" encoding="utf-8"?>
+<p:sld xmlns:a="http://schemas.openxmlformats.org/drawingml/2006/main" xmlns:r="http://schemas.openxmlformats.org/officeDocument/2006/relationships" xmlns:p="http://schemas.openxmlformats.org/presentationml/2006/main">
+  <p:cSld>
+    <p:spTree>
+      <p:nvGrpSpPr>
+        <p:cNvPr id="1" name=""/>
+        <p:cNvGrpSpPr/>
+        <p:nvPr/>
+      </p:nvGrpSpPr>
+      <p:grpSpPr>
+        <a:xfrm>
+          <a:off x="0" y="0"/>
+          <a:ext cx="0" cy="0"/>
+          <a:chOff x="0" y="0"/>
+          <a:chExt cx="0" cy="0"/>
+        </a:xfrm>
+      </p:grpSpPr>
+      <p:sp>
+        <p:nvSpPr>
+          <p:cNvPr id="2" name="标题 1"/>
+          <p:cNvSpPr>
+            <a:spLocks noGrp="1"/>
+          </p:cNvSpPr>
+          <p:nvPr>
+            <p:ph type="title"/>
+          </p:nvPr>
+        </p:nvSpPr>
+        <p:spPr/>
+        <p:txBody>
+          <a:bodyPr/>
+          <a:lstStyle/>
+          <a:p>
+            <a:r>
+              <a:rPr lang="en-US" altLang="zh-CN" dirty="0" smtClean="0"/>
+              <a:t>An example</a:t>
+            </a:r>
+            <a:endParaRPr lang="zh-CN" altLang="en-US" dirty="0"/>
+          </a:p>
+        </p:txBody>
+      </p:sp>
+      <p:sp>
+        <p:nvSpPr>
+          <p:cNvPr id="3" name="内容占位符 2"/>
+          <p:cNvSpPr>
+            <a:spLocks noGrp="1"/>
+          </p:cNvSpPr>
+          <p:nvPr>
+            <p:ph idx="1"/>
+          </p:nvPr>
+        </p:nvSpPr>
+        <p:spPr/>
+        <p:txBody>
+          <a:bodyPr/>
+          <a:lstStyle/>
+          <a:p>
+            <a:endParaRPr lang="zh-CN" altLang="en-US" dirty="0"/>
+          </a:p>
+        </p:txBody>
+      </p:sp>
+      <p:pic>
+        <p:nvPicPr>
+          <p:cNvPr id="4" name="图片 3"/>
+          <p:cNvPicPr>
+            <a:picLocks noChangeAspect="1"/>
+          </p:cNvPicPr>
+          <p:nvPr/>
+        </p:nvPicPr>
+        <p:blipFill>
+          <a:blip r:embed="rId2"/>
+          <a:stretch>
+            <a:fillRect/>
+          </a:stretch>
+        </p:blipFill>
+        <p:spPr>
+          <a:xfrm>
+            <a:off x="5461909" y="-133350"/>
+            <a:ext cx="5244192" cy="6750502"/>
+          </a:xfrm>
+          <a:prstGeom prst="rect">
+            <a:avLst/>
+          </a:prstGeom>
+        </p:spPr>
+      </p:pic>
+    </p:spTree>
+    <p:extLst>
+      <p:ext uri="{BB962C8B-B14F-4D97-AF65-F5344CB8AC3E}">
+        <p14:creationId xmlns:p14="http://schemas.microsoft.com/office/powerpoint/2010/main" val="3610381899"/>
+      </p:ext>
+    </p:extLst>
+  </p:cSld>
+  <p:clrMapOvr>
+    <a:masterClrMapping/>
+  </p:clrMapOvr>
+  <p:timing>
+    <p:tnLst>
+      <p:par>
+        <p:cTn id="1" dur="indefinite" restart="never" nodeType="tmRoot"/>
+      </p:par>
+    </p:tnLst>
+  </p:timing>
+</p:sld>
+</file>
+
+<file path=ppt/slides/slide16.xml><?xml version="1.0" encoding="utf-8"?>
+<p:sld xmlns:a="http://schemas.openxmlformats.org/drawingml/2006/main" xmlns:r="http://schemas.openxmlformats.org/officeDocument/2006/relationships" xmlns:p="http://schemas.openxmlformats.org/presentationml/2006/main">
+  <p:cSld>
+    <p:spTree>
+      <p:nvGrpSpPr>
+        <p:cNvPr id="1" name=""/>
+        <p:cNvGrpSpPr/>
+        <p:nvPr/>
+      </p:nvGrpSpPr>
+      <p:grpSpPr>
+        <a:xfrm>
+          <a:off x="0" y="0"/>
+          <a:ext cx="0" cy="0"/>
+          <a:chOff x="0" y="0"/>
+          <a:chExt cx="0" cy="0"/>
+        </a:xfrm>
+      </p:grpSpPr>
+      <p:sp>
+        <p:nvSpPr>
+          <p:cNvPr id="5" name="标题 1"/>
+          <p:cNvSpPr txBox="1">
+            <a:spLocks/>
+          </p:cNvSpPr>
+          <p:nvPr/>
+        </p:nvSpPr>
+        <p:spPr>
+          <a:xfrm>
+            <a:off x="977900" y="288925"/>
+            <a:ext cx="10515600" cy="1325563"/>
+          </a:xfrm>
+          <a:prstGeom prst="rect">
+            <a:avLst/>
+          </a:prstGeom>
+        </p:spPr>
+        <p:txBody>
+          <a:bodyPr vert="horz" lIns="91440" tIns="45720" rIns="91440" bIns="45720" rtlCol="0" anchor="ctr">
+            <a:normAutofit/>
+          </a:bodyPr>
+          <a:lstStyle>
+            <a:lvl1pPr algn="l" defTabSz="914400" rtl="0" eaLnBrk="1" latinLnBrk="0" hangingPunct="1">
+              <a:lnSpc>
+                <a:spcPct val="90000"/>
+              </a:lnSpc>
+              <a:spcBef>
+                <a:spcPct val="0"/>
+              </a:spcBef>
+              <a:buNone/>
+              <a:defRPr sz="4400" kern="1200">
+                <a:solidFill>
+                  <a:schemeClr val="tx1"/>
+                </a:solidFill>
+                <a:latin typeface="+mj-lt"/>
+                <a:ea typeface="+mj-ea"/>
+                <a:cs typeface="+mj-cs"/>
+              </a:defRPr>
+            </a:lvl1pPr>
+          </a:lstStyle>
+          <a:p>
+            <a:pPr algn="ctr"/>
+            <a:r>
+              <a:rPr lang="en-US" altLang="zh-CN" dirty="0" smtClean="0"/>
+              <a:t>Value iteration</a:t>
+            </a:r>
+            <a:endParaRPr lang="zh-CN" altLang="en-US" dirty="0"/>
+          </a:p>
+        </p:txBody>
+      </p:sp>
+      <p:pic>
+        <p:nvPicPr>
+          <p:cNvPr id="7" name="图片 6"/>
+          <p:cNvPicPr>
+            <a:picLocks noChangeAspect="1"/>
+          </p:cNvPicPr>
+          <p:nvPr/>
+        </p:nvPicPr>
+        <p:blipFill>
+          <a:blip r:embed="rId2"/>
+          <a:stretch>
+            <a:fillRect/>
+          </a:stretch>
+        </p:blipFill>
+        <p:spPr>
+          <a:xfrm>
+            <a:off x="1970605" y="1490952"/>
+            <a:ext cx="8276190" cy="4638095"/>
+          </a:xfrm>
+          <a:prstGeom prst="rect">
+            <a:avLst/>
+          </a:prstGeom>
+        </p:spPr>
+      </p:pic>
+    </p:spTree>
+    <p:extLst>
+      <p:ext uri="{BB962C8B-B14F-4D97-AF65-F5344CB8AC3E}">
+        <p14:creationId xmlns:p14="http://schemas.microsoft.com/office/powerpoint/2010/main" val="4163687936"/>
+      </p:ext>
+    </p:extLst>
+  </p:cSld>
+  <p:clrMapOvr>
+    <a:masterClrMapping/>
+  </p:clrMapOvr>
+</p:sld>
+</file>
+
+<file path=ppt/slides/slide17.xml><?xml version="1.0" encoding="utf-8"?>
+<p:sld xmlns:a="http://schemas.openxmlformats.org/drawingml/2006/main" xmlns:r="http://schemas.openxmlformats.org/officeDocument/2006/relationships" xmlns:p="http://schemas.openxmlformats.org/presentationml/2006/main">
+  <p:cSld>
+    <p:spTree>
+      <p:nvGrpSpPr>
+        <p:cNvPr id="1" name=""/>
+        <p:cNvGrpSpPr/>
+        <p:nvPr/>
+      </p:nvGrpSpPr>
+      <p:grpSpPr>
+        <a:xfrm>
+          <a:off x="0" y="0"/>
+          <a:ext cx="0" cy="0"/>
+          <a:chOff x="0" y="0"/>
+          <a:chExt cx="0" cy="0"/>
+        </a:xfrm>
+      </p:grpSpPr>
+      <p:sp>
+        <p:nvSpPr>
+          <p:cNvPr id="10" name="Title 1"/>
+          <p:cNvSpPr>
+            <a:spLocks noGrp="1"/>
+          </p:cNvSpPr>
+          <p:nvPr>
+            <p:ph type="title"/>
+          </p:nvPr>
+        </p:nvSpPr>
+        <p:spPr>
+          <a:xfrm>
+            <a:off x="4005943" y="-8525"/>
+            <a:ext cx="6908799" cy="1325563"/>
+          </a:xfrm>
+        </p:spPr>
+        <p:txBody>
+          <a:bodyPr>
+            <a:normAutofit/>
+          </a:bodyPr>
+          <a:lstStyle/>
+          <a:p>
+            <a:r>
+              <a:rPr lang="en-US" sz="4800" b="1" dirty="0" smtClean="0"/>
+              <a:t>Optimal value function</a:t>
+            </a:r>
+            <a:endParaRPr lang="en-US" sz="4800" b="1" dirty="0"/>
+          </a:p>
+        </p:txBody>
+      </p:sp>
+      <mc:AlternateContent xmlns:mc="http://schemas.openxmlformats.org/markup-compatibility/2006">
+        <mc:Choice xmlns:a14="http://schemas.microsoft.com/office/drawing/2010/main" Requires="a14">
+          <p:sp>
+            <p:nvSpPr>
+              <p:cNvPr id="2" name="矩形 1"/>
+              <p:cNvSpPr/>
+              <p:nvPr/>
+            </p:nvSpPr>
+            <p:spPr>
+              <a:xfrm>
+                <a:off x="1167251" y="1317038"/>
+                <a:ext cx="3437992" cy="862416"/>
+              </a:xfrm>
+              <a:prstGeom prst="rect">
+                <a:avLst/>
+              </a:prstGeom>
+            </p:spPr>
+            <p:txBody>
+              <a:bodyPr wrap="none">
+                <a:spAutoFit/>
+              </a:bodyPr>
+              <a:lstStyle/>
+              <a:p>
+                <a:pPr/>
+                <a14:m>
+                  <m:oMathPara xmlns:m="http://schemas.openxmlformats.org/officeDocument/2006/math">
+                    <m:oMathParaPr>
+                      <m:jc m:val="centerGroup"/>
+                    </m:oMathParaPr>
+                    <m:oMath xmlns:m="http://schemas.openxmlformats.org/officeDocument/2006/math">
+                      <m:d>
+                        <m:dPr>
+                          <m:begChr m:val=""/>
+                          <m:ctrlPr>
+                            <a:rPr lang="zh-CN" altLang="en-US" sz="3200" i="1">
+                              <a:latin typeface="Cambria Math" panose="02040503050406030204" pitchFamily="18" charset="0"/>
+                            </a:rPr>
+                          </m:ctrlPr>
+                        </m:dPr>
+                        <m:e>
+                          <m:sSub>
+                            <m:sSubPr>
+                              <m:ctrlPr>
+                                <a:rPr lang="zh-CN" altLang="en-US" sz="3200" i="1">
+                                  <a:latin typeface="Cambria Math" panose="02040503050406030204" pitchFamily="18" charset="0"/>
+                                </a:rPr>
+                              </m:ctrlPr>
+                            </m:sSubPr>
+                            <m:e>
+                              <m:r>
+                                <a:rPr lang="zh-CN" altLang="en-US" sz="3200" i="1">
+                                  <a:latin typeface="Cambria Math" panose="02040503050406030204" pitchFamily="18" charset="0"/>
+                                </a:rPr>
+                                <m:t>𝑣</m:t>
+                              </m:r>
+                            </m:e>
+                            <m:sub>
+                              <m:r>
+                                <a:rPr lang="zh-CN" altLang="en-US" sz="3200">
+                                  <a:latin typeface="Cambria Math" panose="02040503050406030204" pitchFamily="18" charset="0"/>
+                                </a:rPr>
+                                <m:t>∗</m:t>
+                              </m:r>
+                            </m:sub>
+                          </m:sSub>
+                          <m:r>
+                            <a:rPr lang="zh-CN" altLang="en-US" sz="3200">
+                              <a:latin typeface="Cambria Math" panose="02040503050406030204" pitchFamily="18" charset="0"/>
+                            </a:rPr>
+                            <m:t>(</m:t>
+                          </m:r>
+                          <m:r>
+                            <a:rPr lang="zh-CN" altLang="en-US" sz="3200" i="1">
+                              <a:latin typeface="Cambria Math" panose="02040503050406030204" pitchFamily="18" charset="0"/>
+                            </a:rPr>
+                            <m:t>𝑠</m:t>
+                          </m:r>
+                          <m:r>
+                            <a:rPr lang="zh-CN" altLang="en-US" sz="3200">
+                              <a:latin typeface="Cambria Math" panose="02040503050406030204" pitchFamily="18" charset="0"/>
+                            </a:rPr>
+                            <m:t>)=</m:t>
+                          </m:r>
+                          <m:limLow>
+                            <m:limLowPr>
+                              <m:ctrlPr>
+                                <a:rPr lang="zh-CN" altLang="en-US" sz="3200" i="1">
+                                  <a:latin typeface="Cambria Math" panose="02040503050406030204" pitchFamily="18" charset="0"/>
+                                </a:rPr>
+                              </m:ctrlPr>
+                            </m:limLowPr>
+                            <m:e>
+                              <m:r>
+                                <m:rPr>
+                                  <m:sty m:val="p"/>
+                                </m:rPr>
+                                <a:rPr lang="zh-CN" altLang="en-US" sz="3200">
+                                  <a:latin typeface="Cambria Math" panose="02040503050406030204" pitchFamily="18" charset="0"/>
+                                </a:rPr>
+                                <m:t>max</m:t>
+                              </m:r>
+                            </m:e>
+                            <m:lim>
+                              <m:r>
+                                <a:rPr lang="zh-CN" altLang="en-US" sz="3200" i="1">
+                                  <a:latin typeface="Cambria Math" panose="02040503050406030204" pitchFamily="18" charset="0"/>
+                                </a:rPr>
+                                <m:t>𝜋</m:t>
+                              </m:r>
+                            </m:lim>
+                          </m:limLow>
+                          <m:sSub>
+                            <m:sSubPr>
+                              <m:ctrlPr>
+                                <a:rPr lang="zh-CN" altLang="en-US" sz="3200" i="1">
+                                  <a:latin typeface="Cambria Math" panose="02040503050406030204" pitchFamily="18" charset="0"/>
+                                </a:rPr>
+                              </m:ctrlPr>
+                            </m:sSubPr>
+                            <m:e>
+                              <m:r>
+                                <a:rPr lang="zh-CN" altLang="en-US" sz="3200" i="1">
+                                  <a:latin typeface="Cambria Math" panose="02040503050406030204" pitchFamily="18" charset="0"/>
+                                </a:rPr>
+                                <m:t>𝑣</m:t>
+                              </m:r>
+                            </m:e>
+                            <m:sub>
+                              <m:r>
+                                <a:rPr lang="zh-CN" altLang="en-US" sz="3200" i="1">
+                                  <a:latin typeface="Cambria Math" panose="02040503050406030204" pitchFamily="18" charset="0"/>
+                                </a:rPr>
+                                <m:t>𝜋</m:t>
+                              </m:r>
+                            </m:sub>
+                          </m:sSub>
+                          <m:r>
+                            <a:rPr lang="zh-CN" altLang="en-US" sz="3200">
+                              <a:latin typeface="Cambria Math" panose="02040503050406030204" pitchFamily="18" charset="0"/>
+                            </a:rPr>
+                            <m:t>(</m:t>
+                          </m:r>
+                          <m:r>
+                            <a:rPr lang="zh-CN" altLang="en-US" sz="3200" i="1">
+                              <a:latin typeface="Cambria Math" panose="02040503050406030204" pitchFamily="18" charset="0"/>
+                            </a:rPr>
+                            <m:t>𝑠</m:t>
+                          </m:r>
+                        </m:e>
+                      </m:d>
+                    </m:oMath>
+                  </m:oMathPara>
+                </a14:m>
+                <a:endParaRPr lang="zh-CN" altLang="en-US" sz="3200" dirty="0"/>
+              </a:p>
+            </p:txBody>
+          </p:sp>
+        </mc:Choice>
+        <mc:Fallback>
+          <p:sp>
+            <p:nvSpPr>
+              <p:cNvPr id="2" name="矩形 1"/>
+              <p:cNvSpPr>
+                <a:spLocks noRot="1" noChangeAspect="1" noMove="1" noResize="1" noEditPoints="1" noAdjustHandles="1" noChangeArrowheads="1" noChangeShapeType="1" noTextEdit="1"/>
+              </p:cNvSpPr>
+              <p:nvPr/>
+            </p:nvSpPr>
+            <p:spPr>
+              <a:xfrm>
+                <a:off x="1167251" y="1317038"/>
+                <a:ext cx="3437992" cy="862416"/>
+              </a:xfrm>
+              <a:prstGeom prst="rect">
+                <a:avLst/>
+              </a:prstGeom>
+              <a:blipFill>
+                <a:blip r:embed="rId2"/>
+                <a:stretch>
+                  <a:fillRect/>
+                </a:stretch>
+              </a:blipFill>
+            </p:spPr>
+            <p:txBody>
+              <a:bodyPr/>
+              <a:lstStyle/>
+              <a:p>
+                <a:r>
+                  <a:rPr lang="zh-CN" altLang="en-US">
+                    <a:noFill/>
+                  </a:rPr>
+                  <a:t> </a:t>
+                </a:r>
+              </a:p>
+            </p:txBody>
+          </p:sp>
+        </mc:Fallback>
+      </mc:AlternateContent>
+      <mc:AlternateContent xmlns:mc="http://schemas.openxmlformats.org/markup-compatibility/2006">
+        <mc:Choice xmlns:a14="http://schemas.microsoft.com/office/drawing/2010/main" Requires="a14">
+          <p:sp>
+            <p:nvSpPr>
+              <p:cNvPr id="3" name="矩形 2"/>
+              <p:cNvSpPr/>
+              <p:nvPr/>
+            </p:nvSpPr>
+            <p:spPr>
+              <a:xfrm>
+                <a:off x="1220059" y="2018529"/>
+                <a:ext cx="4220771" cy="736548"/>
+              </a:xfrm>
+              <a:prstGeom prst="rect">
+                <a:avLst/>
+              </a:prstGeom>
+            </p:spPr>
+            <p:txBody>
+              <a:bodyPr wrap="none">
+                <a:spAutoFit/>
+              </a:bodyPr>
+              <a:lstStyle/>
+              <a:p>
+                <a14:m>
+                  <m:oMathPara xmlns:m="http://schemas.openxmlformats.org/officeDocument/2006/math">
+                    <m:oMathParaPr>
+                      <m:jc m:val="centerGroup"/>
+                    </m:oMathParaPr>
+                    <m:oMath xmlns:m="http://schemas.openxmlformats.org/officeDocument/2006/math">
+                      <m:sSub>
+                        <m:sSubPr>
+                          <m:ctrlPr>
+                            <a:rPr lang="zh-CN" altLang="en-US" sz="3200" i="1">
+                              <a:latin typeface="Cambria Math" panose="02040503050406030204" pitchFamily="18" charset="0"/>
+                            </a:rPr>
+                          </m:ctrlPr>
+                        </m:sSubPr>
+                        <m:e>
+                          <m:r>
+                            <a:rPr lang="zh-CN" altLang="en-US" sz="3200" i="1">
+                              <a:latin typeface="Cambria Math" panose="02040503050406030204" pitchFamily="18" charset="0"/>
+                            </a:rPr>
+                            <m:t>𝑞</m:t>
+                          </m:r>
+                        </m:e>
+                        <m:sub>
+                          <m:r>
+                            <a:rPr lang="zh-CN" altLang="en-US" sz="3200">
+                              <a:latin typeface="Cambria Math" panose="02040503050406030204" pitchFamily="18" charset="0"/>
+                            </a:rPr>
+                            <m:t>∗</m:t>
+                          </m:r>
+                        </m:sub>
+                      </m:sSub>
+                      <m:r>
+                        <a:rPr lang="zh-CN" altLang="en-US" sz="3200">
+                          <a:latin typeface="Cambria Math" panose="02040503050406030204" pitchFamily="18" charset="0"/>
+                        </a:rPr>
+                        <m:t>(</m:t>
+                      </m:r>
+                      <m:r>
+                        <a:rPr lang="zh-CN" altLang="en-US" sz="3200" i="1">
+                          <a:latin typeface="Cambria Math" panose="02040503050406030204" pitchFamily="18" charset="0"/>
+                        </a:rPr>
+                        <m:t>𝑠</m:t>
+                      </m:r>
+                      <m:r>
+                        <a:rPr lang="zh-CN" altLang="en-US" sz="3200">
+                          <a:latin typeface="Cambria Math" panose="02040503050406030204" pitchFamily="18" charset="0"/>
+                        </a:rPr>
+                        <m:t>,</m:t>
+                      </m:r>
+                      <m:r>
+                        <a:rPr lang="zh-CN" altLang="en-US" sz="3200" i="1">
+                          <a:latin typeface="Cambria Math" panose="02040503050406030204" pitchFamily="18" charset="0"/>
+                        </a:rPr>
+                        <m:t>𝑎</m:t>
+                      </m:r>
+                      <m:r>
+                        <a:rPr lang="zh-CN" altLang="en-US" sz="3200">
+                          <a:latin typeface="Cambria Math" panose="02040503050406030204" pitchFamily="18" charset="0"/>
+                        </a:rPr>
+                        <m:t>)=</m:t>
+                      </m:r>
+                      <m:limLow>
+                        <m:limLowPr>
+                          <m:ctrlPr>
+                            <a:rPr lang="zh-CN" altLang="en-US" sz="3200" i="1">
+                              <a:latin typeface="Cambria Math" panose="02040503050406030204" pitchFamily="18" charset="0"/>
+                            </a:rPr>
+                          </m:ctrlPr>
+                        </m:limLowPr>
+                        <m:e>
+                          <m:r>
+                            <m:rPr>
+                              <m:sty m:val="p"/>
+                            </m:rPr>
+                            <a:rPr lang="zh-CN" altLang="en-US" sz="3200">
+                              <a:latin typeface="Cambria Math" panose="02040503050406030204" pitchFamily="18" charset="0"/>
+                            </a:rPr>
+                            <m:t>max</m:t>
+                          </m:r>
+                        </m:e>
+                        <m:lim>
+                          <m:r>
+                            <a:rPr lang="zh-CN" altLang="en-US" sz="3200" i="1">
+                              <a:latin typeface="Cambria Math" panose="02040503050406030204" pitchFamily="18" charset="0"/>
+                            </a:rPr>
+                            <m:t>𝜋</m:t>
+                          </m:r>
+                        </m:lim>
+                      </m:limLow>
+                      <m:sSub>
+                        <m:sSubPr>
+                          <m:ctrlPr>
+                            <a:rPr lang="zh-CN" altLang="en-US" sz="3200" i="1">
+                              <a:latin typeface="Cambria Math" panose="02040503050406030204" pitchFamily="18" charset="0"/>
+                            </a:rPr>
+                          </m:ctrlPr>
+                        </m:sSubPr>
+                        <m:e>
+                          <m:r>
+                            <a:rPr lang="zh-CN" altLang="en-US" sz="3200" i="1">
+                              <a:latin typeface="Cambria Math" panose="02040503050406030204" pitchFamily="18" charset="0"/>
+                            </a:rPr>
+                            <m:t>𝑞</m:t>
+                          </m:r>
+                        </m:e>
+                        <m:sub>
+                          <m:r>
+                            <a:rPr lang="zh-CN" altLang="en-US" sz="3200" i="1">
+                              <a:latin typeface="Cambria Math" panose="02040503050406030204" pitchFamily="18" charset="0"/>
+                            </a:rPr>
+                            <m:t>𝜋</m:t>
+                          </m:r>
+                        </m:sub>
+                      </m:sSub>
+                      <m:r>
+                        <a:rPr lang="zh-CN" altLang="en-US" sz="3200">
+                          <a:latin typeface="Cambria Math" panose="02040503050406030204" pitchFamily="18" charset="0"/>
+                        </a:rPr>
+                        <m:t>(</m:t>
+                      </m:r>
+                      <m:r>
+                        <a:rPr lang="zh-CN" altLang="en-US" sz="3200" i="1">
+                          <a:latin typeface="Cambria Math" panose="02040503050406030204" pitchFamily="18" charset="0"/>
+                        </a:rPr>
+                        <m:t>𝑠</m:t>
+                      </m:r>
+                      <m:r>
+                        <a:rPr lang="zh-CN" altLang="en-US" sz="3200">
+                          <a:latin typeface="Cambria Math" panose="02040503050406030204" pitchFamily="18" charset="0"/>
+                        </a:rPr>
+                        <m:t>,</m:t>
+                      </m:r>
+                      <m:r>
+                        <a:rPr lang="zh-CN" altLang="en-US" sz="3200" i="1">
+                          <a:latin typeface="Cambria Math" panose="02040503050406030204" pitchFamily="18" charset="0"/>
+                        </a:rPr>
+                        <m:t>𝑎</m:t>
+                      </m:r>
+                      <m:r>
+                        <a:rPr lang="en-US" altLang="zh-CN" sz="3200" i="1">
+                          <a:latin typeface="Cambria Math" panose="02040503050406030204" pitchFamily="18" charset="0"/>
+                        </a:rPr>
+                        <m:t>)</m:t>
+                      </m:r>
+                    </m:oMath>
+                  </m:oMathPara>
+                </a14:m>
+                <a:endParaRPr lang="zh-CN" altLang="en-US" sz="3200" dirty="0"/>
+              </a:p>
+            </p:txBody>
+          </p:sp>
+        </mc:Choice>
+        <mc:Fallback>
+          <p:sp>
+            <p:nvSpPr>
+              <p:cNvPr id="3" name="矩形 2"/>
+              <p:cNvSpPr>
+                <a:spLocks noRot="1" noChangeAspect="1" noMove="1" noResize="1" noEditPoints="1" noAdjustHandles="1" noChangeArrowheads="1" noChangeShapeType="1" noTextEdit="1"/>
+              </p:cNvSpPr>
+              <p:nvPr/>
+            </p:nvSpPr>
+            <p:spPr>
+              <a:xfrm>
+                <a:off x="1220059" y="2018529"/>
+                <a:ext cx="4220771" cy="736548"/>
+              </a:xfrm>
+              <a:prstGeom prst="rect">
+                <a:avLst/>
+              </a:prstGeom>
+              <a:blipFill>
+                <a:blip r:embed="rId3"/>
+                <a:stretch>
+                  <a:fillRect/>
+                </a:stretch>
+              </a:blipFill>
+            </p:spPr>
+            <p:txBody>
+              <a:bodyPr/>
+              <a:lstStyle/>
+              <a:p>
+                <a:r>
+                  <a:rPr lang="zh-CN" altLang="en-US">
+                    <a:noFill/>
+                  </a:rPr>
+                  <a:t> </a:t>
+                </a:r>
+              </a:p>
+            </p:txBody>
+          </p:sp>
+        </mc:Fallback>
+      </mc:AlternateContent>
+      <mc:AlternateContent xmlns:mc="http://schemas.openxmlformats.org/markup-compatibility/2006">
+        <mc:Choice xmlns:a14="http://schemas.microsoft.com/office/drawing/2010/main" Requires="a14">
+          <p:sp>
+            <p:nvSpPr>
+              <p:cNvPr id="4" name="矩形 3"/>
+              <p:cNvSpPr/>
+              <p:nvPr/>
+            </p:nvSpPr>
+            <p:spPr>
+              <a:xfrm>
+                <a:off x="1167251" y="2625699"/>
+                <a:ext cx="8255658" cy="584775"/>
+              </a:xfrm>
+              <a:prstGeom prst="rect">
+                <a:avLst/>
+              </a:prstGeom>
+            </p:spPr>
+            <p:txBody>
+              <a:bodyPr wrap="none">
+                <a:spAutoFit/>
+              </a:bodyPr>
+              <a:lstStyle/>
+              <a:p>
+                <a14:m>
+                  <m:oMathPara xmlns:m="http://schemas.openxmlformats.org/officeDocument/2006/math">
+                    <m:oMathParaPr>
+                      <m:jc m:val="centerGroup"/>
+                    </m:oMathParaPr>
+                    <m:oMath xmlns:m="http://schemas.openxmlformats.org/officeDocument/2006/math">
+                      <m:d>
+                        <m:dPr>
+                          <m:begChr m:val=""/>
+                          <m:ctrlPr>
+                            <a:rPr lang="zh-CN" altLang="en-US" sz="3200">
+                              <a:latin typeface="Cambria Math" panose="02040503050406030204" pitchFamily="18" charset="0"/>
+                            </a:rPr>
+                          </m:ctrlPr>
+                        </m:dPr>
+                        <m:e>
+                          <m:sSub>
+                            <m:sSubPr>
+                              <m:ctrlPr>
+                                <a:rPr lang="zh-CN" altLang="en-US" sz="3200">
+                                  <a:latin typeface="Cambria Math" panose="02040503050406030204" pitchFamily="18" charset="0"/>
+                                </a:rPr>
+                              </m:ctrlPr>
+                            </m:sSubPr>
+                            <m:e>
+                              <m:r>
+                                <a:rPr lang="zh-CN" altLang="en-US" sz="3200" i="1">
+                                  <a:latin typeface="Cambria Math" panose="02040503050406030204" pitchFamily="18" charset="0"/>
+                                </a:rPr>
+                                <m:t>𝑞</m:t>
+                              </m:r>
+                            </m:e>
+                            <m:sub>
+                              <m:r>
+                                <a:rPr lang="zh-CN" altLang="en-US" sz="3200" i="0">
+                                  <a:latin typeface="Cambria Math" panose="02040503050406030204" pitchFamily="18" charset="0"/>
+                                </a:rPr>
+                                <m:t>∗</m:t>
+                              </m:r>
+                            </m:sub>
+                          </m:sSub>
+                          <m:r>
+                            <a:rPr lang="zh-CN" altLang="en-US" sz="3200" i="0">
+                              <a:latin typeface="Cambria Math" panose="02040503050406030204" pitchFamily="18" charset="0"/>
+                            </a:rPr>
+                            <m:t>(</m:t>
+                          </m:r>
+                          <m:r>
+                            <a:rPr lang="zh-CN" altLang="en-US" sz="3200" i="1">
+                              <a:latin typeface="Cambria Math" panose="02040503050406030204" pitchFamily="18" charset="0"/>
+                            </a:rPr>
+                            <m:t>𝑠</m:t>
+                          </m:r>
+                          <m:r>
+                            <a:rPr lang="zh-CN" altLang="en-US" sz="3200" i="0">
+                              <a:latin typeface="Cambria Math" panose="02040503050406030204" pitchFamily="18" charset="0"/>
+                            </a:rPr>
+                            <m:t>,</m:t>
+                          </m:r>
+                          <m:r>
+                            <a:rPr lang="zh-CN" altLang="en-US" sz="3200" i="1">
+                              <a:latin typeface="Cambria Math" panose="02040503050406030204" pitchFamily="18" charset="0"/>
+                            </a:rPr>
+                            <m:t>𝑎</m:t>
+                          </m:r>
+                          <m:r>
+                            <a:rPr lang="zh-CN" altLang="en-US" sz="3200" i="0">
+                              <a:latin typeface="Cambria Math" panose="02040503050406030204" pitchFamily="18" charset="0"/>
+                            </a:rPr>
+                            <m:t>)=</m:t>
+                          </m:r>
+                          <m:r>
+                            <a:rPr lang="zh-CN" altLang="en-US" sz="3200" i="1">
+                              <a:latin typeface="Cambria Math" panose="02040503050406030204" pitchFamily="18" charset="0"/>
+                            </a:rPr>
+                            <m:t>𝐸</m:t>
+                          </m:r>
+                          <m:r>
+                            <a:rPr lang="zh-CN" altLang="en-US" sz="3200" i="0">
+                              <a:latin typeface="Cambria Math" panose="02040503050406030204" pitchFamily="18" charset="0"/>
+                            </a:rPr>
+                            <m:t>(</m:t>
+                          </m:r>
+                          <m:sSub>
+                            <m:sSubPr>
+                              <m:ctrlPr>
+                                <a:rPr lang="zh-CN" altLang="en-US" sz="3200" i="1">
+                                  <a:latin typeface="Cambria Math" panose="02040503050406030204" pitchFamily="18" charset="0"/>
+                                </a:rPr>
+                              </m:ctrlPr>
+                            </m:sSubPr>
+                            <m:e>
+                              <m:r>
+                                <a:rPr lang="zh-CN" altLang="en-US" sz="3200" i="1">
+                                  <a:latin typeface="Cambria Math" panose="02040503050406030204" pitchFamily="18" charset="0"/>
+                                </a:rPr>
+                                <m:t>𝑅</m:t>
+                              </m:r>
+                            </m:e>
+                            <m:sub>
+                              <m:r>
+                                <a:rPr lang="zh-CN" altLang="en-US" sz="3200" i="1">
+                                  <a:latin typeface="Cambria Math" panose="02040503050406030204" pitchFamily="18" charset="0"/>
+                                </a:rPr>
+                                <m:t>𝑡</m:t>
+                              </m:r>
+                              <m:r>
+                                <a:rPr lang="zh-CN" altLang="en-US" sz="3200" i="0">
+                                  <a:latin typeface="Cambria Math" panose="02040503050406030204" pitchFamily="18" charset="0"/>
+                                </a:rPr>
+                                <m:t>+1</m:t>
+                              </m:r>
+                            </m:sub>
+                          </m:sSub>
+                          <m:r>
+                            <a:rPr lang="zh-CN" altLang="en-US" sz="3200" i="0">
+                              <a:latin typeface="Cambria Math" panose="02040503050406030204" pitchFamily="18" charset="0"/>
+                            </a:rPr>
+                            <m:t>+</m:t>
+                          </m:r>
+                          <m:r>
+                            <a:rPr lang="zh-CN" altLang="en-US" sz="3200" i="1">
+                              <a:latin typeface="Cambria Math" panose="02040503050406030204" pitchFamily="18" charset="0"/>
+                            </a:rPr>
+                            <m:t>𝛾</m:t>
+                          </m:r>
+                          <m:sSub>
+                            <m:sSubPr>
+                              <m:ctrlPr>
+                                <a:rPr lang="zh-CN" altLang="en-US" sz="3200" i="1">
+                                  <a:latin typeface="Cambria Math" panose="02040503050406030204" pitchFamily="18" charset="0"/>
+                                </a:rPr>
+                              </m:ctrlPr>
+                            </m:sSubPr>
+                            <m:e>
+                              <m:r>
+                                <a:rPr lang="zh-CN" altLang="en-US" sz="3200" i="1">
+                                  <a:latin typeface="Cambria Math" panose="02040503050406030204" pitchFamily="18" charset="0"/>
+                                </a:rPr>
+                                <m:t>𝑣</m:t>
+                              </m:r>
+                            </m:e>
+                            <m:sub>
+                              <m:r>
+                                <a:rPr lang="zh-CN" altLang="en-US" sz="3200" i="0">
+                                  <a:latin typeface="Cambria Math" panose="02040503050406030204" pitchFamily="18" charset="0"/>
+                                </a:rPr>
+                                <m:t>∗</m:t>
+                              </m:r>
+                            </m:sub>
+                          </m:sSub>
+                          <m:r>
+                            <a:rPr lang="zh-CN" altLang="en-US" sz="3200" i="0">
+                              <a:latin typeface="Cambria Math" panose="02040503050406030204" pitchFamily="18" charset="0"/>
+                            </a:rPr>
+                            <m:t>(</m:t>
+                          </m:r>
+                          <m:sSub>
+                            <m:sSubPr>
+                              <m:ctrlPr>
+                                <a:rPr lang="zh-CN" altLang="en-US" sz="3200" i="1">
+                                  <a:latin typeface="Cambria Math" panose="02040503050406030204" pitchFamily="18" charset="0"/>
+                                </a:rPr>
+                              </m:ctrlPr>
+                            </m:sSubPr>
+                            <m:e>
+                              <m:r>
+                                <a:rPr lang="zh-CN" altLang="en-US" sz="3200" i="1">
+                                  <a:latin typeface="Cambria Math" panose="02040503050406030204" pitchFamily="18" charset="0"/>
+                                </a:rPr>
+                                <m:t>𝑆</m:t>
+                              </m:r>
+                            </m:e>
+                            <m:sub>
+                              <m:r>
+                                <a:rPr lang="zh-CN" altLang="en-US" sz="3200" i="1">
+                                  <a:latin typeface="Cambria Math" panose="02040503050406030204" pitchFamily="18" charset="0"/>
+                                </a:rPr>
+                                <m:t>𝑡</m:t>
+                              </m:r>
+                              <m:r>
+                                <a:rPr lang="zh-CN" altLang="en-US" sz="3200" i="0">
+                                  <a:latin typeface="Cambria Math" panose="02040503050406030204" pitchFamily="18" charset="0"/>
+                                </a:rPr>
+                                <m:t>+1</m:t>
+                              </m:r>
+                            </m:sub>
+                          </m:sSub>
+                          <m:r>
+                            <a:rPr lang="zh-CN" altLang="en-US" sz="3200" i="0">
+                              <a:latin typeface="Cambria Math" panose="02040503050406030204" pitchFamily="18" charset="0"/>
+                            </a:rPr>
+                            <m:t>)|</m:t>
+                          </m:r>
+                          <m:sSub>
+                            <m:sSubPr>
+                              <m:ctrlPr>
+                                <a:rPr lang="zh-CN" altLang="en-US" sz="3200" i="1">
+                                  <a:latin typeface="Cambria Math" panose="02040503050406030204" pitchFamily="18" charset="0"/>
+                                </a:rPr>
+                              </m:ctrlPr>
+                            </m:sSubPr>
+                            <m:e>
+                              <m:r>
+                                <a:rPr lang="zh-CN" altLang="en-US" sz="3200" i="1">
+                                  <a:latin typeface="Cambria Math" panose="02040503050406030204" pitchFamily="18" charset="0"/>
+                                </a:rPr>
+                                <m:t>𝑆</m:t>
+                              </m:r>
+                            </m:e>
+                            <m:sub>
+                              <m:r>
+                                <a:rPr lang="zh-CN" altLang="en-US" sz="3200" i="1">
+                                  <a:latin typeface="Cambria Math" panose="02040503050406030204" pitchFamily="18" charset="0"/>
+                                </a:rPr>
+                                <m:t>𝑡</m:t>
+                              </m:r>
+                            </m:sub>
+                          </m:sSub>
+                          <m:r>
+                            <a:rPr lang="zh-CN" altLang="en-US" sz="3200" i="0">
+                              <a:latin typeface="Cambria Math" panose="02040503050406030204" pitchFamily="18" charset="0"/>
+                            </a:rPr>
+                            <m:t>=</m:t>
+                          </m:r>
+                          <m:r>
+                            <a:rPr lang="zh-CN" altLang="en-US" sz="3200" i="1">
+                              <a:latin typeface="Cambria Math" panose="02040503050406030204" pitchFamily="18" charset="0"/>
+                            </a:rPr>
+                            <m:t>𝑠</m:t>
+                          </m:r>
+                          <m:r>
+                            <a:rPr lang="zh-CN" altLang="en-US" sz="3200" i="0">
+                              <a:latin typeface="Cambria Math" panose="02040503050406030204" pitchFamily="18" charset="0"/>
+                            </a:rPr>
+                            <m:t>,</m:t>
+                          </m:r>
+                          <m:sSub>
+                            <m:sSubPr>
+                              <m:ctrlPr>
+                                <a:rPr lang="zh-CN" altLang="en-US" sz="3200" i="1">
+                                  <a:latin typeface="Cambria Math" panose="02040503050406030204" pitchFamily="18" charset="0"/>
+                                </a:rPr>
+                              </m:ctrlPr>
+                            </m:sSubPr>
+                            <m:e>
+                              <m:r>
+                                <a:rPr lang="zh-CN" altLang="en-US" sz="3200" i="1">
+                                  <a:latin typeface="Cambria Math" panose="02040503050406030204" pitchFamily="18" charset="0"/>
+                                </a:rPr>
+                                <m:t>𝐴</m:t>
+                              </m:r>
+                            </m:e>
+                            <m:sub>
+                              <m:r>
+                                <a:rPr lang="zh-CN" altLang="en-US" sz="3200" i="1">
+                                  <a:latin typeface="Cambria Math" panose="02040503050406030204" pitchFamily="18" charset="0"/>
+                                </a:rPr>
+                                <m:t>𝑡</m:t>
+                              </m:r>
+                            </m:sub>
+                          </m:sSub>
+                          <m:r>
+                            <a:rPr lang="zh-CN" altLang="en-US" sz="3200" i="0">
+                              <a:latin typeface="Cambria Math" panose="02040503050406030204" pitchFamily="18" charset="0"/>
+                            </a:rPr>
+                            <m:t>=</m:t>
+                          </m:r>
+                          <m:r>
+                            <a:rPr lang="zh-CN" altLang="en-US" sz="3200" i="1">
+                              <a:latin typeface="Cambria Math" panose="02040503050406030204" pitchFamily="18" charset="0"/>
+                            </a:rPr>
+                            <m:t>𝑎</m:t>
+                          </m:r>
+                        </m:e>
+                      </m:d>
+                    </m:oMath>
+                  </m:oMathPara>
+                </a14:m>
+                <a:endParaRPr lang="zh-CN" altLang="en-US" sz="3200" dirty="0"/>
+              </a:p>
+            </p:txBody>
+          </p:sp>
+        </mc:Choice>
+        <mc:Fallback>
+          <p:sp>
+            <p:nvSpPr>
+              <p:cNvPr id="4" name="矩形 3"/>
+              <p:cNvSpPr>
+                <a:spLocks noRot="1" noChangeAspect="1" noMove="1" noResize="1" noEditPoints="1" noAdjustHandles="1" noChangeArrowheads="1" noChangeShapeType="1" noTextEdit="1"/>
+              </p:cNvSpPr>
+              <p:nvPr/>
+            </p:nvSpPr>
+            <p:spPr>
+              <a:xfrm>
+                <a:off x="1167251" y="2625699"/>
+                <a:ext cx="8255658" cy="584775"/>
+              </a:xfrm>
+              <a:prstGeom prst="rect">
+                <a:avLst/>
+              </a:prstGeom>
+              <a:blipFill>
+                <a:blip r:embed="rId4"/>
+                <a:stretch>
+                  <a:fillRect/>
+                </a:stretch>
+              </a:blipFill>
+            </p:spPr>
+            <p:txBody>
+              <a:bodyPr/>
+              <a:lstStyle/>
+              <a:p>
+                <a:r>
+                  <a:rPr lang="zh-CN" altLang="en-US">
+                    <a:noFill/>
+                  </a:rPr>
+                  <a:t> </a:t>
+                </a:r>
+              </a:p>
+            </p:txBody>
+          </p:sp>
+        </mc:Fallback>
+      </mc:AlternateContent>
+      <mc:AlternateContent xmlns:mc="http://schemas.openxmlformats.org/markup-compatibility/2006">
+        <mc:Choice xmlns:a14="http://schemas.microsoft.com/office/drawing/2010/main" Requires="a14">
+          <p:sp>
+            <p:nvSpPr>
+              <p:cNvPr id="6" name="矩形 5"/>
+              <p:cNvSpPr/>
+              <p:nvPr/>
+            </p:nvSpPr>
+            <p:spPr>
+              <a:xfrm>
+                <a:off x="1220059" y="3232869"/>
+                <a:ext cx="6458435" cy="1658467"/>
+              </a:xfrm>
+              <a:prstGeom prst="rect">
+                <a:avLst/>
+              </a:prstGeom>
+            </p:spPr>
+            <p:txBody>
+              <a:bodyPr wrap="none">
+                <a:spAutoFit/>
+              </a:bodyPr>
+              <a:lstStyle/>
+              <a:p>
+                <a14:m>
+                  <m:oMathPara xmlns:m="http://schemas.openxmlformats.org/officeDocument/2006/math">
+                    <m:oMathParaPr>
+                      <m:jc m:val="centerGroup"/>
+                    </m:oMathParaPr>
+                    <m:oMath xmlns:m="http://schemas.openxmlformats.org/officeDocument/2006/math">
+                      <m:m>
+                        <m:mPr>
+                          <m:mcs>
+                            <m:mc>
+                              <m:mcPr>
+                                <m:count m:val="1"/>
+                                <m:mcJc m:val="center"/>
+                              </m:mcPr>
+                            </m:mc>
+                          </m:mcs>
+                          <m:ctrlPr>
+                            <a:rPr lang="zh-CN" altLang="en-US" sz="2400" smtClean="0">
+                              <a:latin typeface="Cambria Math" panose="02040503050406030204" pitchFamily="18" charset="0"/>
+                            </a:rPr>
+                          </m:ctrlPr>
+                        </m:mPr>
+                        <m:mr>
+                          <m:e>
+                            <m:d>
+                              <m:dPr>
+                                <m:begChr m:val=""/>
+                                <m:endChr m:val="]"/>
+                                <m:ctrlPr>
+                                  <a:rPr lang="zh-CN" altLang="en-US" sz="2400">
+                                    <a:latin typeface="Cambria Math" panose="02040503050406030204" pitchFamily="18" charset="0"/>
+                                  </a:rPr>
+                                </m:ctrlPr>
+                              </m:dPr>
+                              <m:e>
+                                <m:sSub>
+                                  <m:sSubPr>
+                                    <m:ctrlPr>
+                                      <a:rPr lang="zh-CN" altLang="en-US" sz="2400">
+                                        <a:latin typeface="Cambria Math" panose="02040503050406030204" pitchFamily="18" charset="0"/>
+                                      </a:rPr>
+                                    </m:ctrlPr>
+                                  </m:sSubPr>
+                                  <m:e>
+                                    <m:r>
+                                      <a:rPr lang="zh-CN" altLang="en-US" sz="2400" i="1">
+                                        <a:latin typeface="Cambria Math" panose="02040503050406030204" pitchFamily="18" charset="0"/>
+                                      </a:rPr>
+                                      <m:t>𝑣</m:t>
+                                    </m:r>
+                                  </m:e>
+                                  <m:sub>
+                                    <m:r>
+                                      <a:rPr lang="zh-CN" altLang="en-US" sz="2400" i="0">
+                                        <a:latin typeface="Cambria Math" panose="02040503050406030204" pitchFamily="18" charset="0"/>
+                                      </a:rPr>
+                                      <m:t>∗</m:t>
+                                    </m:r>
+                                  </m:sub>
+                                </m:sSub>
+                                <m:r>
+                                  <a:rPr lang="zh-CN" altLang="en-US" sz="2400" i="0">
+                                    <a:latin typeface="Cambria Math" panose="02040503050406030204" pitchFamily="18" charset="0"/>
+                                  </a:rPr>
+                                  <m:t>(</m:t>
+                                </m:r>
+                                <m:r>
+                                  <a:rPr lang="zh-CN" altLang="en-US" sz="2400" i="1">
+                                    <a:latin typeface="Cambria Math" panose="02040503050406030204" pitchFamily="18" charset="0"/>
+                                  </a:rPr>
+                                  <m:t>𝑠</m:t>
+                                </m:r>
+                                <m:r>
+                                  <a:rPr lang="zh-CN" altLang="en-US" sz="2400" i="0">
+                                    <a:latin typeface="Cambria Math" panose="02040503050406030204" pitchFamily="18" charset="0"/>
+                                  </a:rPr>
+                                  <m:t>)=</m:t>
+                                </m:r>
+                                <m:limLow>
+                                  <m:limLowPr>
+                                    <m:ctrlPr>
+                                      <a:rPr lang="zh-CN" altLang="en-US" sz="2400" i="1">
+                                        <a:latin typeface="Cambria Math" panose="02040503050406030204" pitchFamily="18" charset="0"/>
+                                      </a:rPr>
+                                    </m:ctrlPr>
+                                  </m:limLowPr>
+                                  <m:e>
+                                    <m:r>
+                                      <m:rPr>
+                                        <m:sty m:val="p"/>
+                                      </m:rPr>
+                                      <a:rPr lang="zh-CN" altLang="en-US" sz="2400" i="0">
+                                        <a:latin typeface="Cambria Math" panose="02040503050406030204" pitchFamily="18" charset="0"/>
+                                      </a:rPr>
+                                      <m:t>max</m:t>
+                                    </m:r>
+                                  </m:e>
+                                  <m:lim>
+                                    <m:r>
+                                      <a:rPr lang="zh-CN" altLang="en-US" sz="2400" i="1">
+                                        <a:latin typeface="Cambria Math" panose="02040503050406030204" pitchFamily="18" charset="0"/>
+                                      </a:rPr>
+                                      <m:t>𝑎</m:t>
+                                    </m:r>
+                                  </m:lim>
+                                </m:limLow>
+                                <m:r>
+                                  <a:rPr lang="zh-CN" altLang="en-US" sz="2400" i="1">
+                                    <a:latin typeface="Cambria Math" panose="02040503050406030204" pitchFamily="18" charset="0"/>
+                                  </a:rPr>
+                                  <m:t>𝐸</m:t>
+                                </m:r>
+                                <m:r>
+                                  <a:rPr lang="zh-CN" altLang="en-US" sz="2400" i="0">
+                                    <a:latin typeface="Cambria Math" panose="02040503050406030204" pitchFamily="18" charset="0"/>
+                                  </a:rPr>
+                                  <m:t>[</m:t>
+                                </m:r>
+                                <m:sSub>
+                                  <m:sSubPr>
+                                    <m:ctrlPr>
+                                      <a:rPr lang="zh-CN" altLang="en-US" sz="2400" i="1">
+                                        <a:latin typeface="Cambria Math" panose="02040503050406030204" pitchFamily="18" charset="0"/>
+                                      </a:rPr>
+                                    </m:ctrlPr>
+                                  </m:sSubPr>
+                                  <m:e>
+                                    <m:r>
+                                      <a:rPr lang="zh-CN" altLang="en-US" sz="2400" i="1">
+                                        <a:latin typeface="Cambria Math" panose="02040503050406030204" pitchFamily="18" charset="0"/>
+                                      </a:rPr>
+                                      <m:t>𝑅</m:t>
+                                    </m:r>
+                                  </m:e>
+                                  <m:sub>
+                                    <m:r>
+                                      <a:rPr lang="zh-CN" altLang="en-US" sz="2400" i="1">
+                                        <a:latin typeface="Cambria Math" panose="02040503050406030204" pitchFamily="18" charset="0"/>
+                                      </a:rPr>
+                                      <m:t>𝑡</m:t>
+                                    </m:r>
+                                    <m:r>
+                                      <a:rPr lang="zh-CN" altLang="en-US" sz="2400" i="0">
+                                        <a:latin typeface="Cambria Math" panose="02040503050406030204" pitchFamily="18" charset="0"/>
+                                      </a:rPr>
+                                      <m:t>+1</m:t>
+                                    </m:r>
+                                  </m:sub>
+                                </m:sSub>
+                                <m:r>
+                                  <a:rPr lang="zh-CN" altLang="en-US" sz="2400" i="0">
+                                    <a:latin typeface="Cambria Math" panose="02040503050406030204" pitchFamily="18" charset="0"/>
+                                  </a:rPr>
+                                  <m:t>+</m:t>
+                                </m:r>
+                                <m:r>
+                                  <a:rPr lang="zh-CN" altLang="en-US" sz="2400" i="1">
+                                    <a:latin typeface="Cambria Math" panose="02040503050406030204" pitchFamily="18" charset="0"/>
+                                  </a:rPr>
+                                  <m:t>𝛾</m:t>
+                                </m:r>
+                                <m:sSub>
+                                  <m:sSubPr>
+                                    <m:ctrlPr>
+                                      <a:rPr lang="zh-CN" altLang="en-US" sz="2400" i="1">
+                                        <a:latin typeface="Cambria Math" panose="02040503050406030204" pitchFamily="18" charset="0"/>
+                                      </a:rPr>
+                                    </m:ctrlPr>
+                                  </m:sSubPr>
+                                  <m:e>
+                                    <m:r>
+                                      <a:rPr lang="zh-CN" altLang="en-US" sz="2400" i="1">
+                                        <a:latin typeface="Cambria Math" panose="02040503050406030204" pitchFamily="18" charset="0"/>
+                                      </a:rPr>
+                                      <m:t>𝑣</m:t>
+                                    </m:r>
+                                  </m:e>
+                                  <m:sub>
+                                    <m:r>
+                                      <a:rPr lang="zh-CN" altLang="en-US" sz="2400" i="0">
+                                        <a:latin typeface="Cambria Math" panose="02040503050406030204" pitchFamily="18" charset="0"/>
+                                      </a:rPr>
+                                      <m:t>∗</m:t>
+                                    </m:r>
+                                  </m:sub>
+                                </m:sSub>
+                                <m:r>
+                                  <a:rPr lang="zh-CN" altLang="en-US" sz="2400" i="0">
+                                    <a:latin typeface="Cambria Math" panose="02040503050406030204" pitchFamily="18" charset="0"/>
+                                  </a:rPr>
+                                  <m:t>(</m:t>
+                                </m:r>
+                                <m:sSub>
+                                  <m:sSubPr>
+                                    <m:ctrlPr>
+                                      <a:rPr lang="zh-CN" altLang="en-US" sz="2400" i="1">
+                                        <a:latin typeface="Cambria Math" panose="02040503050406030204" pitchFamily="18" charset="0"/>
+                                      </a:rPr>
+                                    </m:ctrlPr>
+                                  </m:sSubPr>
+                                  <m:e>
+                                    <m:r>
+                                      <a:rPr lang="zh-CN" altLang="en-US" sz="2400" i="1">
+                                        <a:latin typeface="Cambria Math" panose="02040503050406030204" pitchFamily="18" charset="0"/>
+                                      </a:rPr>
+                                      <m:t>𝑆</m:t>
+                                    </m:r>
+                                  </m:e>
+                                  <m:sub>
+                                    <m:r>
+                                      <a:rPr lang="zh-CN" altLang="en-US" sz="2400" i="1">
+                                        <a:latin typeface="Cambria Math" panose="02040503050406030204" pitchFamily="18" charset="0"/>
+                                      </a:rPr>
+                                      <m:t>𝑡</m:t>
+                                    </m:r>
+                                    <m:r>
+                                      <a:rPr lang="zh-CN" altLang="en-US" sz="2400" i="0">
+                                        <a:latin typeface="Cambria Math" panose="02040503050406030204" pitchFamily="18" charset="0"/>
+                                      </a:rPr>
+                                      <m:t>+1</m:t>
+                                    </m:r>
+                                  </m:sub>
+                                </m:sSub>
+                                <m:r>
+                                  <a:rPr lang="zh-CN" altLang="en-US" sz="2400" i="0">
+                                    <a:latin typeface="Cambria Math" panose="02040503050406030204" pitchFamily="18" charset="0"/>
+                                  </a:rPr>
+                                  <m:t>)|</m:t>
+                                </m:r>
+                                <m:sSub>
+                                  <m:sSubPr>
+                                    <m:ctrlPr>
+                                      <a:rPr lang="zh-CN" altLang="en-US" sz="2400" i="1">
+                                        <a:latin typeface="Cambria Math" panose="02040503050406030204" pitchFamily="18" charset="0"/>
+                                      </a:rPr>
+                                    </m:ctrlPr>
+                                  </m:sSubPr>
+                                  <m:e>
+                                    <m:r>
+                                      <a:rPr lang="zh-CN" altLang="en-US" sz="2400" i="1">
+                                        <a:latin typeface="Cambria Math" panose="02040503050406030204" pitchFamily="18" charset="0"/>
+                                      </a:rPr>
+                                      <m:t>𝑆</m:t>
+                                    </m:r>
+                                  </m:e>
+                                  <m:sub>
+                                    <m:r>
+                                      <a:rPr lang="zh-CN" altLang="en-US" sz="2400" i="1">
+                                        <a:latin typeface="Cambria Math" panose="02040503050406030204" pitchFamily="18" charset="0"/>
+                                      </a:rPr>
+                                      <m:t>𝑡</m:t>
+                                    </m:r>
+                                  </m:sub>
+                                </m:sSub>
+                                <m:r>
+                                  <a:rPr lang="zh-CN" altLang="en-US" sz="2400" i="0">
+                                    <a:latin typeface="Cambria Math" panose="02040503050406030204" pitchFamily="18" charset="0"/>
+                                  </a:rPr>
+                                  <m:t>=</m:t>
+                                </m:r>
+                                <m:r>
+                                  <a:rPr lang="zh-CN" altLang="en-US" sz="2400" i="1">
+                                    <a:latin typeface="Cambria Math" panose="02040503050406030204" pitchFamily="18" charset="0"/>
+                                  </a:rPr>
+                                  <m:t>𝑠</m:t>
+                                </m:r>
+                                <m:r>
+                                  <a:rPr lang="zh-CN" altLang="en-US" sz="2400" i="0">
+                                    <a:latin typeface="Cambria Math" panose="02040503050406030204" pitchFamily="18" charset="0"/>
+                                  </a:rPr>
+                                  <m:t>,</m:t>
+                                </m:r>
+                                <m:sSub>
+                                  <m:sSubPr>
+                                    <m:ctrlPr>
+                                      <a:rPr lang="zh-CN" altLang="en-US" sz="2400" i="1">
+                                        <a:latin typeface="Cambria Math" panose="02040503050406030204" pitchFamily="18" charset="0"/>
+                                      </a:rPr>
+                                    </m:ctrlPr>
+                                  </m:sSubPr>
+                                  <m:e>
+                                    <m:r>
+                                      <a:rPr lang="zh-CN" altLang="en-US" sz="2400" i="1">
+                                        <a:latin typeface="Cambria Math" panose="02040503050406030204" pitchFamily="18" charset="0"/>
+                                      </a:rPr>
+                                      <m:t>𝐴</m:t>
+                                    </m:r>
+                                  </m:e>
+                                  <m:sub>
+                                    <m:r>
+                                      <a:rPr lang="zh-CN" altLang="en-US" sz="2400" i="1">
+                                        <a:latin typeface="Cambria Math" panose="02040503050406030204" pitchFamily="18" charset="0"/>
+                                      </a:rPr>
+                                      <m:t>𝑡</m:t>
+                                    </m:r>
+                                  </m:sub>
+                                </m:sSub>
+                                <m:r>
+                                  <a:rPr lang="zh-CN" altLang="en-US" sz="2400" i="0">
+                                    <a:latin typeface="Cambria Math" panose="02040503050406030204" pitchFamily="18" charset="0"/>
+                                  </a:rPr>
+                                  <m:t>=</m:t>
+                                </m:r>
+                                <m:r>
+                                  <a:rPr lang="zh-CN" altLang="en-US" sz="2400" i="1">
+                                    <a:latin typeface="Cambria Math" panose="02040503050406030204" pitchFamily="18" charset="0"/>
+                                  </a:rPr>
+                                  <m:t>𝑎</m:t>
+                                </m:r>
+                              </m:e>
+                            </m:d>
+                          </m:e>
+                        </m:mr>
+                        <m:mr>
+                          <m:e>
+                            <m:r>
+                              <m:rPr>
+                                <m:nor/>
+                              </m:rPr>
+                              <a:rPr lang="zh-CN" altLang="en-US" sz="2400" i="1">
+                                <a:latin typeface="Cambria Math" panose="02040503050406030204" pitchFamily="18" charset="0"/>
+                              </a:rPr>
+                              <m:t>=</m:t>
+                            </m:r>
+                            <m:limLow>
+                              <m:limLowPr>
+                                <m:ctrlPr>
+                                  <a:rPr lang="zh-CN" altLang="en-US" sz="2400" i="1">
+                                    <a:latin typeface="Cambria Math" panose="02040503050406030204" pitchFamily="18" charset="0"/>
+                                  </a:rPr>
+                                </m:ctrlPr>
+                              </m:limLowPr>
+                              <m:e>
+                                <m:r>
+                                  <m:rPr>
+                                    <m:sty m:val="p"/>
+                                  </m:rPr>
+                                  <a:rPr lang="zh-CN" altLang="en-US" sz="2400" i="0">
+                                    <a:latin typeface="Cambria Math" panose="02040503050406030204" pitchFamily="18" charset="0"/>
+                                  </a:rPr>
+                                  <m:t>max</m:t>
+                                </m:r>
+                              </m:e>
+                              <m:lim>
+                                <m:r>
+                                  <a:rPr lang="zh-CN" altLang="en-US" sz="2400" i="1">
+                                    <a:latin typeface="Cambria Math" panose="02040503050406030204" pitchFamily="18" charset="0"/>
+                                  </a:rPr>
+                                  <m:t>𝑎</m:t>
+                                </m:r>
+                              </m:lim>
+                            </m:limLow>
+                            <m:nary>
+                              <m:naryPr>
+                                <m:chr m:val="∑"/>
+                                <m:limLoc m:val="undOvr"/>
+                                <m:grow m:val="on"/>
+                                <m:supHide m:val="on"/>
+                                <m:ctrlPr>
+                                  <a:rPr lang="zh-CN" altLang="en-US" sz="2400" i="1">
+                                    <a:latin typeface="Cambria Math" panose="02040503050406030204" pitchFamily="18" charset="0"/>
+                                  </a:rPr>
+                                </m:ctrlPr>
+                              </m:naryPr>
+                              <m:sub>
+                                <m:sSup>
+                                  <m:sSupPr>
+                                    <m:ctrlPr>
+                                      <a:rPr lang="zh-CN" altLang="en-US" sz="2400" i="1">
+                                        <a:latin typeface="Cambria Math" panose="02040503050406030204" pitchFamily="18" charset="0"/>
+                                      </a:rPr>
+                                    </m:ctrlPr>
+                                  </m:sSupPr>
+                                  <m:e>
+                                    <m:r>
+                                      <a:rPr lang="zh-CN" altLang="en-US" sz="2400" i="1">
+                                        <a:latin typeface="Cambria Math" panose="02040503050406030204" pitchFamily="18" charset="0"/>
+                                      </a:rPr>
+                                      <m:t>𝑠</m:t>
+                                    </m:r>
+                                  </m:e>
+                                  <m:sup>
+                                    <m:r>
+                                      <a:rPr lang="zh-CN" altLang="en-US" sz="2400" i="0">
+                                        <a:latin typeface="Cambria Math" panose="02040503050406030204" pitchFamily="18" charset="0"/>
+                                      </a:rPr>
+                                      <m:t>′</m:t>
+                                    </m:r>
+                                  </m:sup>
+                                </m:sSup>
+                                <m:r>
+                                  <a:rPr lang="zh-CN" altLang="en-US" sz="2400" i="0">
+                                    <a:latin typeface="Cambria Math" panose="02040503050406030204" pitchFamily="18" charset="0"/>
+                                  </a:rPr>
+                                  <m:t>,</m:t>
+                                </m:r>
+                                <m:r>
+                                  <a:rPr lang="zh-CN" altLang="en-US" sz="2400" i="1">
+                                    <a:latin typeface="Cambria Math" panose="02040503050406030204" pitchFamily="18" charset="0"/>
+                                  </a:rPr>
+                                  <m:t>𝑟</m:t>
+                                </m:r>
+                              </m:sub>
+                              <m:sup/>
+                              <m:e>
+                                <m:d>
+                                  <m:dPr>
+                                    <m:begChr m:val=""/>
+                                    <m:endChr m:val="]"/>
+                                    <m:ctrlPr>
+                                      <a:rPr lang="zh-CN" altLang="en-US" sz="2400" i="1">
+                                        <a:latin typeface="Cambria Math" panose="02040503050406030204" pitchFamily="18" charset="0"/>
+                                      </a:rPr>
+                                    </m:ctrlPr>
+                                  </m:dPr>
+                                  <m:e>
+                                    <m:r>
+                                      <a:rPr lang="zh-CN" altLang="en-US" sz="2400" i="1">
+                                        <a:latin typeface="Cambria Math" panose="02040503050406030204" pitchFamily="18" charset="0"/>
+                                      </a:rPr>
+                                      <m:t>𝑝</m:t>
+                                    </m:r>
+                                    <m:r>
+                                      <a:rPr lang="zh-CN" altLang="en-US" sz="2400" i="0">
+                                        <a:latin typeface="Cambria Math" panose="02040503050406030204" pitchFamily="18" charset="0"/>
+                                      </a:rPr>
+                                      <m:t>(</m:t>
+                                    </m:r>
+                                    <m:sSup>
+                                      <m:sSupPr>
+                                        <m:ctrlPr>
+                                          <a:rPr lang="zh-CN" altLang="en-US" sz="2400" i="1">
+                                            <a:latin typeface="Cambria Math" panose="02040503050406030204" pitchFamily="18" charset="0"/>
+                                          </a:rPr>
+                                        </m:ctrlPr>
+                                      </m:sSupPr>
+                                      <m:e>
+                                        <m:r>
+                                          <a:rPr lang="zh-CN" altLang="en-US" sz="2400" i="1">
+                                            <a:latin typeface="Cambria Math" panose="02040503050406030204" pitchFamily="18" charset="0"/>
+                                          </a:rPr>
+                                          <m:t>𝑠</m:t>
+                                        </m:r>
+                                      </m:e>
+                                      <m:sup>
+                                        <m:r>
+                                          <a:rPr lang="zh-CN" altLang="en-US" sz="2400" i="0">
+                                            <a:latin typeface="Cambria Math" panose="02040503050406030204" pitchFamily="18" charset="0"/>
+                                          </a:rPr>
+                                          <m:t>′</m:t>
+                                        </m:r>
+                                      </m:sup>
+                                    </m:sSup>
+                                    <m:r>
+                                      <a:rPr lang="zh-CN" altLang="en-US" sz="2400" i="0">
+                                        <a:latin typeface="Cambria Math" panose="02040503050406030204" pitchFamily="18" charset="0"/>
+                                      </a:rPr>
+                                      <m:t>,</m:t>
+                                    </m:r>
+                                    <m:r>
+                                      <a:rPr lang="zh-CN" altLang="en-US" sz="2400" i="1">
+                                        <a:latin typeface="Cambria Math" panose="02040503050406030204" pitchFamily="18" charset="0"/>
+                                      </a:rPr>
+                                      <m:t>𝑟</m:t>
+                                    </m:r>
+                                    <m:r>
+                                      <a:rPr lang="zh-CN" altLang="en-US" sz="2400" i="0">
+                                        <a:latin typeface="Cambria Math" panose="02040503050406030204" pitchFamily="18" charset="0"/>
+                                      </a:rPr>
+                                      <m:t>|</m:t>
+                                    </m:r>
+                                    <m:r>
+                                      <a:rPr lang="zh-CN" altLang="en-US" sz="2400" i="1">
+                                        <a:latin typeface="Cambria Math" panose="02040503050406030204" pitchFamily="18" charset="0"/>
+                                      </a:rPr>
+                                      <m:t>𝑠</m:t>
+                                    </m:r>
+                                    <m:r>
+                                      <a:rPr lang="zh-CN" altLang="en-US" sz="2400" i="0">
+                                        <a:latin typeface="Cambria Math" panose="02040503050406030204" pitchFamily="18" charset="0"/>
+                                      </a:rPr>
+                                      <m:t>,</m:t>
+                                    </m:r>
+                                    <m:r>
+                                      <a:rPr lang="zh-CN" altLang="en-US" sz="2400" i="1">
+                                        <a:latin typeface="Cambria Math" panose="02040503050406030204" pitchFamily="18" charset="0"/>
+                                      </a:rPr>
+                                      <m:t>𝑎</m:t>
+                                    </m:r>
+                                    <m:r>
+                                      <a:rPr lang="zh-CN" altLang="en-US" sz="2400" i="0">
+                                        <a:latin typeface="Cambria Math" panose="02040503050406030204" pitchFamily="18" charset="0"/>
+                                      </a:rPr>
+                                      <m:t>)[</m:t>
+                                    </m:r>
+                                    <m:r>
+                                      <a:rPr lang="zh-CN" altLang="en-US" sz="2400" i="1">
+                                        <a:latin typeface="Cambria Math" panose="02040503050406030204" pitchFamily="18" charset="0"/>
+                                      </a:rPr>
+                                      <m:t>𝑟</m:t>
+                                    </m:r>
+                                    <m:r>
+                                      <a:rPr lang="zh-CN" altLang="en-US" sz="2400" i="0">
+                                        <a:latin typeface="Cambria Math" panose="02040503050406030204" pitchFamily="18" charset="0"/>
+                                      </a:rPr>
+                                      <m:t>+</m:t>
+                                    </m:r>
+                                    <m:r>
+                                      <a:rPr lang="zh-CN" altLang="en-US" sz="2400" i="1">
+                                        <a:latin typeface="Cambria Math" panose="02040503050406030204" pitchFamily="18" charset="0"/>
+                                      </a:rPr>
+                                      <m:t>𝛾</m:t>
+                                    </m:r>
+                                    <m:sSub>
+                                      <m:sSubPr>
+                                        <m:ctrlPr>
+                                          <a:rPr lang="zh-CN" altLang="en-US" sz="2400" i="1">
+                                            <a:latin typeface="Cambria Math" panose="02040503050406030204" pitchFamily="18" charset="0"/>
+                                          </a:rPr>
+                                        </m:ctrlPr>
+                                      </m:sSubPr>
+                                      <m:e>
+                                        <m:r>
+                                          <a:rPr lang="zh-CN" altLang="en-US" sz="2400" i="1">
+                                            <a:latin typeface="Cambria Math" panose="02040503050406030204" pitchFamily="18" charset="0"/>
+                                          </a:rPr>
+                                          <m:t>𝑣</m:t>
+                                        </m:r>
+                                      </m:e>
+                                      <m:sub>
+                                        <m:r>
+                                          <a:rPr lang="zh-CN" altLang="en-US" sz="2400" i="0">
+                                            <a:latin typeface="Cambria Math" panose="02040503050406030204" pitchFamily="18" charset="0"/>
+                                          </a:rPr>
+                                          <m:t>∗</m:t>
+                                        </m:r>
+                                      </m:sub>
+                                    </m:sSub>
+                                    <m:r>
+                                      <a:rPr lang="zh-CN" altLang="en-US" sz="2400" i="0">
+                                        <a:latin typeface="Cambria Math" panose="02040503050406030204" pitchFamily="18" charset="0"/>
+                                      </a:rPr>
+                                      <m:t>(</m:t>
+                                    </m:r>
+                                    <m:sSup>
+                                      <m:sSupPr>
+                                        <m:ctrlPr>
+                                          <a:rPr lang="zh-CN" altLang="en-US" sz="2400" i="1">
+                                            <a:latin typeface="Cambria Math" panose="02040503050406030204" pitchFamily="18" charset="0"/>
+                                          </a:rPr>
+                                        </m:ctrlPr>
+                                      </m:sSupPr>
+                                      <m:e>
+                                        <m:r>
+                                          <a:rPr lang="zh-CN" altLang="en-US" sz="2400" i="1">
+                                            <a:latin typeface="Cambria Math" panose="02040503050406030204" pitchFamily="18" charset="0"/>
+                                          </a:rPr>
+                                          <m:t>𝑠</m:t>
+                                        </m:r>
+                                      </m:e>
+                                      <m:sup>
+                                        <m:r>
+                                          <a:rPr lang="zh-CN" altLang="en-US" sz="2400" i="0">
+                                            <a:latin typeface="Cambria Math" panose="02040503050406030204" pitchFamily="18" charset="0"/>
+                                          </a:rPr>
+                                          <m:t>′</m:t>
+                                        </m:r>
+                                      </m:sup>
+                                    </m:sSup>
+                                    <m:r>
+                                      <a:rPr lang="zh-CN" altLang="en-US" sz="2400" i="0">
+                                        <a:latin typeface="Cambria Math" panose="02040503050406030204" pitchFamily="18" charset="0"/>
+                                      </a:rPr>
+                                      <m:t>)</m:t>
+                                    </m:r>
+                                  </m:e>
+                                </m:d>
+                              </m:e>
+                            </m:nary>
+                          </m:e>
+                        </m:mr>
+                      </m:m>
+                    </m:oMath>
+                  </m:oMathPara>
+                </a14:m>
+                <a:endParaRPr lang="zh-CN" altLang="en-US" sz="2400" dirty="0"/>
+              </a:p>
+            </p:txBody>
+          </p:sp>
+        </mc:Choice>
+        <mc:Fallback>
+          <p:sp>
+            <p:nvSpPr>
+              <p:cNvPr id="6" name="矩形 5"/>
+              <p:cNvSpPr>
+                <a:spLocks noRot="1" noChangeAspect="1" noMove="1" noResize="1" noEditPoints="1" noAdjustHandles="1" noChangeArrowheads="1" noChangeShapeType="1" noTextEdit="1"/>
+              </p:cNvSpPr>
+              <p:nvPr/>
+            </p:nvSpPr>
+            <p:spPr>
+              <a:xfrm>
+                <a:off x="1220059" y="3232869"/>
+                <a:ext cx="6458435" cy="1658467"/>
+              </a:xfrm>
+              <a:prstGeom prst="rect">
+                <a:avLst/>
+              </a:prstGeom>
+              <a:blipFill>
+                <a:blip r:embed="rId5"/>
+                <a:stretch>
+                  <a:fillRect/>
+                </a:stretch>
+              </a:blipFill>
+            </p:spPr>
+            <p:txBody>
+              <a:bodyPr/>
+              <a:lstStyle/>
+              <a:p>
+                <a:r>
+                  <a:rPr lang="zh-CN" altLang="en-US">
+                    <a:noFill/>
+                  </a:rPr>
+                  <a:t> </a:t>
+                </a:r>
+              </a:p>
+            </p:txBody>
+          </p:sp>
+        </mc:Fallback>
+      </mc:AlternateContent>
+      <mc:AlternateContent xmlns:mc="http://schemas.openxmlformats.org/markup-compatibility/2006">
+        <mc:Choice xmlns:a14="http://schemas.microsoft.com/office/drawing/2010/main" Requires="a14">
+          <p:sp>
+            <p:nvSpPr>
+              <p:cNvPr id="7" name="矩形 6"/>
+              <p:cNvSpPr/>
+              <p:nvPr/>
+            </p:nvSpPr>
+            <p:spPr>
+              <a:xfrm>
+                <a:off x="1186301" y="4645259"/>
+                <a:ext cx="7137531" cy="1658467"/>
+              </a:xfrm>
+              <a:prstGeom prst="rect">
+                <a:avLst/>
+              </a:prstGeom>
+            </p:spPr>
+            <p:txBody>
+              <a:bodyPr wrap="none">
+                <a:spAutoFit/>
+              </a:bodyPr>
+              <a:lstStyle/>
+              <a:p>
+                <a14:m>
+                  <m:oMathPara xmlns:m="http://schemas.openxmlformats.org/officeDocument/2006/math">
+                    <m:oMathParaPr>
+                      <m:jc m:val="centerGroup"/>
+                    </m:oMathParaPr>
+                    <m:oMath xmlns:m="http://schemas.openxmlformats.org/officeDocument/2006/math">
+                      <m:m>
+                        <m:mPr>
+                          <m:mcs>
+                            <m:mc>
+                              <m:mcPr>
+                                <m:count m:val="1"/>
+                                <m:mcJc m:val="center"/>
+                              </m:mcPr>
+                            </m:mc>
+                          </m:mcs>
+                          <m:ctrlPr>
+                            <a:rPr lang="zh-CN" altLang="en-US" sz="2400">
+                              <a:latin typeface="Cambria Math" panose="02040503050406030204" pitchFamily="18" charset="0"/>
+                            </a:rPr>
+                          </m:ctrlPr>
+                        </m:mPr>
+                        <m:mr>
+                          <m:e>
+                            <m:d>
+                              <m:dPr>
+                                <m:begChr m:val=""/>
+                                <m:endChr m:val="]"/>
+                                <m:ctrlPr>
+                                  <a:rPr lang="zh-CN" altLang="en-US" sz="2400">
+                                    <a:latin typeface="Cambria Math" panose="02040503050406030204" pitchFamily="18" charset="0"/>
+                                  </a:rPr>
+                                </m:ctrlPr>
+                              </m:dPr>
+                              <m:e>
+                                <m:sSub>
+                                  <m:sSubPr>
+                                    <m:ctrlPr>
+                                      <a:rPr lang="zh-CN" altLang="en-US" sz="2400">
+                                        <a:latin typeface="Cambria Math" panose="02040503050406030204" pitchFamily="18" charset="0"/>
+                                      </a:rPr>
+                                    </m:ctrlPr>
+                                  </m:sSubPr>
+                                  <m:e>
+                                    <m:r>
+                                      <a:rPr lang="zh-CN" altLang="en-US" sz="2400" i="1">
+                                        <a:latin typeface="Cambria Math" panose="02040503050406030204" pitchFamily="18" charset="0"/>
+                                      </a:rPr>
+                                      <m:t>𝑞</m:t>
+                                    </m:r>
+                                  </m:e>
+                                  <m:sub>
+                                    <m:r>
+                                      <a:rPr lang="zh-CN" altLang="en-US" sz="2400" i="0">
+                                        <a:latin typeface="Cambria Math" panose="02040503050406030204" pitchFamily="18" charset="0"/>
+                                      </a:rPr>
+                                      <m:t>∗</m:t>
+                                    </m:r>
+                                  </m:sub>
+                                </m:sSub>
+                                <m:r>
+                                  <a:rPr lang="zh-CN" altLang="en-US" sz="2400" i="0">
+                                    <a:latin typeface="Cambria Math" panose="02040503050406030204" pitchFamily="18" charset="0"/>
+                                  </a:rPr>
+                                  <m:t>(</m:t>
+                                </m:r>
+                                <m:r>
+                                  <a:rPr lang="zh-CN" altLang="en-US" sz="2400" i="1">
+                                    <a:latin typeface="Cambria Math" panose="02040503050406030204" pitchFamily="18" charset="0"/>
+                                  </a:rPr>
+                                  <m:t>𝑠</m:t>
+                                </m:r>
+                                <m:r>
+                                  <a:rPr lang="zh-CN" altLang="en-US" sz="2400" i="0">
+                                    <a:latin typeface="Cambria Math" panose="02040503050406030204" pitchFamily="18" charset="0"/>
+                                  </a:rPr>
+                                  <m:t>,</m:t>
+                                </m:r>
+                                <m:r>
+                                  <a:rPr lang="zh-CN" altLang="en-US" sz="2400" i="1">
+                                    <a:latin typeface="Cambria Math" panose="02040503050406030204" pitchFamily="18" charset="0"/>
+                                  </a:rPr>
+                                  <m:t>𝑎</m:t>
+                                </m:r>
+                                <m:r>
+                                  <a:rPr lang="zh-CN" altLang="en-US" sz="2400" i="0">
+                                    <a:latin typeface="Cambria Math" panose="02040503050406030204" pitchFamily="18" charset="0"/>
+                                  </a:rPr>
+                                  <m:t>)=</m:t>
+                                </m:r>
+                                <m:r>
+                                  <a:rPr lang="zh-CN" altLang="en-US" sz="2400" i="1">
+                                    <a:latin typeface="Cambria Math" panose="02040503050406030204" pitchFamily="18" charset="0"/>
+                                  </a:rPr>
+                                  <m:t>𝐸</m:t>
+                                </m:r>
+                                <m:r>
+                                  <a:rPr lang="zh-CN" altLang="en-US" sz="2400" i="0">
+                                    <a:latin typeface="Cambria Math" panose="02040503050406030204" pitchFamily="18" charset="0"/>
+                                  </a:rPr>
+                                  <m:t>[</m:t>
+                                </m:r>
+                                <m:sSub>
+                                  <m:sSubPr>
+                                    <m:ctrlPr>
+                                      <a:rPr lang="zh-CN" altLang="en-US" sz="2400" i="1">
+                                        <a:latin typeface="Cambria Math" panose="02040503050406030204" pitchFamily="18" charset="0"/>
+                                      </a:rPr>
+                                    </m:ctrlPr>
+                                  </m:sSubPr>
+                                  <m:e>
+                                    <m:r>
+                                      <a:rPr lang="zh-CN" altLang="en-US" sz="2400" i="1">
+                                        <a:latin typeface="Cambria Math" panose="02040503050406030204" pitchFamily="18" charset="0"/>
+                                      </a:rPr>
+                                      <m:t>𝑅</m:t>
+                                    </m:r>
+                                  </m:e>
+                                  <m:sub>
+                                    <m:r>
+                                      <a:rPr lang="zh-CN" altLang="en-US" sz="2400" i="1">
+                                        <a:latin typeface="Cambria Math" panose="02040503050406030204" pitchFamily="18" charset="0"/>
+                                      </a:rPr>
+                                      <m:t>𝑡</m:t>
+                                    </m:r>
+                                    <m:r>
+                                      <a:rPr lang="zh-CN" altLang="en-US" sz="2400" i="0">
+                                        <a:latin typeface="Cambria Math" panose="02040503050406030204" pitchFamily="18" charset="0"/>
+                                      </a:rPr>
+                                      <m:t>+1</m:t>
+                                    </m:r>
+                                  </m:sub>
+                                </m:sSub>
+                                <m:r>
+                                  <a:rPr lang="zh-CN" altLang="en-US" sz="2400" i="0">
+                                    <a:latin typeface="Cambria Math" panose="02040503050406030204" pitchFamily="18" charset="0"/>
+                                  </a:rPr>
+                                  <m:t>+</m:t>
+                                </m:r>
+                                <m:r>
+                                  <a:rPr lang="zh-CN" altLang="en-US" sz="2400" i="1">
+                                    <a:latin typeface="Cambria Math" panose="02040503050406030204" pitchFamily="18" charset="0"/>
+                                  </a:rPr>
+                                  <m:t>𝛾</m:t>
+                                </m:r>
+                                <m:limLow>
+                                  <m:limLowPr>
+                                    <m:ctrlPr>
+                                      <a:rPr lang="zh-CN" altLang="en-US" sz="2400" i="1">
+                                        <a:latin typeface="Cambria Math" panose="02040503050406030204" pitchFamily="18" charset="0"/>
+                                      </a:rPr>
+                                    </m:ctrlPr>
+                                  </m:limLowPr>
+                                  <m:e>
+                                    <m:r>
+                                      <m:rPr>
+                                        <m:sty m:val="p"/>
+                                      </m:rPr>
+                                      <a:rPr lang="zh-CN" altLang="en-US" sz="2400" i="0">
+                                        <a:latin typeface="Cambria Math" panose="02040503050406030204" pitchFamily="18" charset="0"/>
+                                      </a:rPr>
+                                      <m:t>max</m:t>
+                                    </m:r>
+                                  </m:e>
+                                  <m:lim>
+                                    <m:r>
+                                      <a:rPr lang="zh-CN" altLang="en-US" sz="2400" i="1">
+                                        <a:latin typeface="Cambria Math" panose="02040503050406030204" pitchFamily="18" charset="0"/>
+                                      </a:rPr>
+                                      <m:t>𝑎</m:t>
+                                    </m:r>
+                                    <m:r>
+                                      <a:rPr lang="zh-CN" altLang="en-US" sz="2400" i="0">
+                                        <a:latin typeface="Cambria Math" panose="02040503050406030204" pitchFamily="18" charset="0"/>
+                                      </a:rPr>
+                                      <m:t>′</m:t>
+                                    </m:r>
+                                  </m:lim>
+                                </m:limLow>
+                                <m:sSub>
+                                  <m:sSubPr>
+                                    <m:ctrlPr>
+                                      <a:rPr lang="zh-CN" altLang="en-US" sz="2400" i="1">
+                                        <a:latin typeface="Cambria Math" panose="02040503050406030204" pitchFamily="18" charset="0"/>
+                                      </a:rPr>
+                                    </m:ctrlPr>
+                                  </m:sSubPr>
+                                  <m:e>
+                                    <m:r>
+                                      <a:rPr lang="zh-CN" altLang="en-US" sz="2400" i="1">
+                                        <a:latin typeface="Cambria Math" panose="02040503050406030204" pitchFamily="18" charset="0"/>
+                                      </a:rPr>
+                                      <m:t>𝑞</m:t>
+                                    </m:r>
+                                  </m:e>
+                                  <m:sub>
+                                    <m:r>
+                                      <a:rPr lang="zh-CN" altLang="en-US" sz="2400" i="0">
+                                        <a:latin typeface="Cambria Math" panose="02040503050406030204" pitchFamily="18" charset="0"/>
+                                      </a:rPr>
+                                      <m:t>∗</m:t>
+                                    </m:r>
+                                  </m:sub>
+                                </m:sSub>
+                                <m:r>
+                                  <a:rPr lang="zh-CN" altLang="en-US" sz="2400" i="0">
+                                    <a:latin typeface="Cambria Math" panose="02040503050406030204" pitchFamily="18" charset="0"/>
+                                  </a:rPr>
+                                  <m:t>(</m:t>
+                                </m:r>
+                                <m:sSub>
+                                  <m:sSubPr>
+                                    <m:ctrlPr>
+                                      <a:rPr lang="zh-CN" altLang="en-US" sz="2400" i="1">
+                                        <a:latin typeface="Cambria Math" panose="02040503050406030204" pitchFamily="18" charset="0"/>
+                                      </a:rPr>
+                                    </m:ctrlPr>
+                                  </m:sSubPr>
+                                  <m:e>
+                                    <m:r>
+                                      <a:rPr lang="zh-CN" altLang="en-US" sz="2400" i="1">
+                                        <a:latin typeface="Cambria Math" panose="02040503050406030204" pitchFamily="18" charset="0"/>
+                                      </a:rPr>
+                                      <m:t>𝑆</m:t>
+                                    </m:r>
+                                  </m:e>
+                                  <m:sub>
+                                    <m:r>
+                                      <a:rPr lang="zh-CN" altLang="en-US" sz="2400" i="1">
+                                        <a:latin typeface="Cambria Math" panose="02040503050406030204" pitchFamily="18" charset="0"/>
+                                      </a:rPr>
+                                      <m:t>𝑡</m:t>
+                                    </m:r>
+                                    <m:r>
+                                      <a:rPr lang="zh-CN" altLang="en-US" sz="2400" i="0">
+                                        <a:latin typeface="Cambria Math" panose="02040503050406030204" pitchFamily="18" charset="0"/>
+                                      </a:rPr>
+                                      <m:t>+1</m:t>
+                                    </m:r>
+                                  </m:sub>
+                                </m:sSub>
+                                <m:r>
+                                  <a:rPr lang="zh-CN" altLang="en-US" sz="2400" i="0">
+                                    <a:latin typeface="Cambria Math" panose="02040503050406030204" pitchFamily="18" charset="0"/>
+                                  </a:rPr>
+                                  <m:t>,</m:t>
+                                </m:r>
+                                <m:r>
+                                  <a:rPr lang="zh-CN" altLang="en-US" sz="2400" i="1">
+                                    <a:latin typeface="Cambria Math" panose="02040503050406030204" pitchFamily="18" charset="0"/>
+                                  </a:rPr>
+                                  <m:t>𝑎</m:t>
+                                </m:r>
+                                <m:r>
+                                  <a:rPr lang="zh-CN" altLang="en-US" sz="2400" i="0">
+                                    <a:latin typeface="Cambria Math" panose="02040503050406030204" pitchFamily="18" charset="0"/>
+                                  </a:rPr>
+                                  <m:t>′)|</m:t>
+                                </m:r>
+                                <m:sSub>
+                                  <m:sSubPr>
+                                    <m:ctrlPr>
+                                      <a:rPr lang="zh-CN" altLang="en-US" sz="2400" i="1">
+                                        <a:latin typeface="Cambria Math" panose="02040503050406030204" pitchFamily="18" charset="0"/>
+                                      </a:rPr>
+                                    </m:ctrlPr>
+                                  </m:sSubPr>
+                                  <m:e>
+                                    <m:r>
+                                      <a:rPr lang="zh-CN" altLang="en-US" sz="2400" i="1">
+                                        <a:latin typeface="Cambria Math" panose="02040503050406030204" pitchFamily="18" charset="0"/>
+                                      </a:rPr>
+                                      <m:t>𝑆</m:t>
+                                    </m:r>
+                                  </m:e>
+                                  <m:sub>
+                                    <m:r>
+                                      <a:rPr lang="zh-CN" altLang="en-US" sz="2400" i="1">
+                                        <a:latin typeface="Cambria Math" panose="02040503050406030204" pitchFamily="18" charset="0"/>
+                                      </a:rPr>
+                                      <m:t>𝑡</m:t>
+                                    </m:r>
+                                  </m:sub>
+                                </m:sSub>
+                                <m:r>
+                                  <a:rPr lang="zh-CN" altLang="en-US" sz="2400" i="0">
+                                    <a:latin typeface="Cambria Math" panose="02040503050406030204" pitchFamily="18" charset="0"/>
+                                  </a:rPr>
+                                  <m:t>=</m:t>
+                                </m:r>
+                                <m:r>
+                                  <a:rPr lang="zh-CN" altLang="en-US" sz="2400" i="1">
+                                    <a:latin typeface="Cambria Math" panose="02040503050406030204" pitchFamily="18" charset="0"/>
+                                  </a:rPr>
+                                  <m:t>𝑠</m:t>
+                                </m:r>
+                                <m:r>
+                                  <a:rPr lang="zh-CN" altLang="en-US" sz="2400" i="0">
+                                    <a:latin typeface="Cambria Math" panose="02040503050406030204" pitchFamily="18" charset="0"/>
+                                  </a:rPr>
+                                  <m:t>,</m:t>
+                                </m:r>
+                                <m:sSub>
+                                  <m:sSubPr>
+                                    <m:ctrlPr>
+                                      <a:rPr lang="zh-CN" altLang="en-US" sz="2400" i="1">
+                                        <a:latin typeface="Cambria Math" panose="02040503050406030204" pitchFamily="18" charset="0"/>
+                                      </a:rPr>
+                                    </m:ctrlPr>
+                                  </m:sSubPr>
+                                  <m:e>
+                                    <m:r>
+                                      <a:rPr lang="zh-CN" altLang="en-US" sz="2400" i="1">
+                                        <a:latin typeface="Cambria Math" panose="02040503050406030204" pitchFamily="18" charset="0"/>
+                                      </a:rPr>
+                                      <m:t>𝐴</m:t>
+                                    </m:r>
+                                  </m:e>
+                                  <m:sub>
+                                    <m:r>
+                                      <a:rPr lang="zh-CN" altLang="en-US" sz="2400" i="1">
+                                        <a:latin typeface="Cambria Math" panose="02040503050406030204" pitchFamily="18" charset="0"/>
+                                      </a:rPr>
+                                      <m:t>𝑡</m:t>
+                                    </m:r>
+                                  </m:sub>
+                                </m:sSub>
+                                <m:r>
+                                  <a:rPr lang="zh-CN" altLang="en-US" sz="2400" i="0">
+                                    <a:latin typeface="Cambria Math" panose="02040503050406030204" pitchFamily="18" charset="0"/>
+                                  </a:rPr>
+                                  <m:t>=</m:t>
+                                </m:r>
+                                <m:r>
+                                  <a:rPr lang="zh-CN" altLang="en-US" sz="2400" i="1">
+                                    <a:latin typeface="Cambria Math" panose="02040503050406030204" pitchFamily="18" charset="0"/>
+                                  </a:rPr>
+                                  <m:t>𝑎</m:t>
+                                </m:r>
+                              </m:e>
+                            </m:d>
+                          </m:e>
+                        </m:mr>
+                        <m:mr>
+                          <m:e>
+                            <m:r>
+                              <m:rPr>
+                                <m:nor/>
+                              </m:rPr>
+                              <a:rPr lang="zh-CN" altLang="en-US" sz="2400" i="1">
+                                <a:latin typeface="Cambria Math" panose="02040503050406030204" pitchFamily="18" charset="0"/>
+                              </a:rPr>
+                              <m:t>=</m:t>
+                            </m:r>
+                            <m:nary>
+                              <m:naryPr>
+                                <m:chr m:val="∑"/>
+                                <m:limLoc m:val="undOvr"/>
+                                <m:grow m:val="on"/>
+                                <m:supHide m:val="on"/>
+                                <m:ctrlPr>
+                                  <a:rPr lang="zh-CN" altLang="en-US" sz="2400" i="1">
+                                    <a:latin typeface="Cambria Math" panose="02040503050406030204" pitchFamily="18" charset="0"/>
+                                  </a:rPr>
+                                </m:ctrlPr>
+                              </m:naryPr>
+                              <m:sub>
+                                <m:sSup>
+                                  <m:sSupPr>
+                                    <m:ctrlPr>
+                                      <a:rPr lang="zh-CN" altLang="en-US" sz="2400" i="1">
+                                        <a:latin typeface="Cambria Math" panose="02040503050406030204" pitchFamily="18" charset="0"/>
+                                      </a:rPr>
+                                    </m:ctrlPr>
+                                  </m:sSupPr>
+                                  <m:e>
+                                    <m:r>
+                                      <a:rPr lang="zh-CN" altLang="en-US" sz="2400" i="1">
+                                        <a:latin typeface="Cambria Math" panose="02040503050406030204" pitchFamily="18" charset="0"/>
+                                      </a:rPr>
+                                      <m:t>𝑠</m:t>
+                                    </m:r>
+                                  </m:e>
+                                  <m:sup>
+                                    <m:r>
+                                      <a:rPr lang="zh-CN" altLang="en-US" sz="2400" i="0">
+                                        <a:latin typeface="Cambria Math" panose="02040503050406030204" pitchFamily="18" charset="0"/>
+                                      </a:rPr>
+                                      <m:t>′</m:t>
+                                    </m:r>
+                                  </m:sup>
+                                </m:sSup>
+                                <m:r>
+                                  <a:rPr lang="zh-CN" altLang="en-US" sz="2400" i="0">
+                                    <a:latin typeface="Cambria Math" panose="02040503050406030204" pitchFamily="18" charset="0"/>
+                                  </a:rPr>
+                                  <m:t>,</m:t>
+                                </m:r>
+                                <m:r>
+                                  <a:rPr lang="zh-CN" altLang="en-US" sz="2400" i="1">
+                                    <a:latin typeface="Cambria Math" panose="02040503050406030204" pitchFamily="18" charset="0"/>
+                                  </a:rPr>
+                                  <m:t>𝑟</m:t>
+                                </m:r>
+                              </m:sub>
+                              <m:sup/>
+                              <m:e>
+                                <m:d>
+                                  <m:dPr>
+                                    <m:begChr m:val=""/>
+                                    <m:endChr m:val="]"/>
+                                    <m:ctrlPr>
+                                      <a:rPr lang="zh-CN" altLang="en-US" sz="2400" i="1">
+                                        <a:latin typeface="Cambria Math" panose="02040503050406030204" pitchFamily="18" charset="0"/>
+                                      </a:rPr>
+                                    </m:ctrlPr>
+                                  </m:dPr>
+                                  <m:e>
+                                    <m:r>
+                                      <a:rPr lang="zh-CN" altLang="en-US" sz="2400" i="1">
+                                        <a:latin typeface="Cambria Math" panose="02040503050406030204" pitchFamily="18" charset="0"/>
+                                      </a:rPr>
+                                      <m:t>𝑝</m:t>
+                                    </m:r>
+                                    <m:r>
+                                      <a:rPr lang="zh-CN" altLang="en-US" sz="2400" i="0">
+                                        <a:latin typeface="Cambria Math" panose="02040503050406030204" pitchFamily="18" charset="0"/>
+                                      </a:rPr>
+                                      <m:t>(</m:t>
+                                    </m:r>
+                                    <m:sSup>
+                                      <m:sSupPr>
+                                        <m:ctrlPr>
+                                          <a:rPr lang="zh-CN" altLang="en-US" sz="2400" i="1">
+                                            <a:latin typeface="Cambria Math" panose="02040503050406030204" pitchFamily="18" charset="0"/>
+                                          </a:rPr>
+                                        </m:ctrlPr>
+                                      </m:sSupPr>
+                                      <m:e>
+                                        <m:r>
+                                          <a:rPr lang="zh-CN" altLang="en-US" sz="2400" i="1">
+                                            <a:latin typeface="Cambria Math" panose="02040503050406030204" pitchFamily="18" charset="0"/>
+                                          </a:rPr>
+                                          <m:t>𝑠</m:t>
+                                        </m:r>
+                                      </m:e>
+                                      <m:sup>
+                                        <m:r>
+                                          <a:rPr lang="zh-CN" altLang="en-US" sz="2400" i="0">
+                                            <a:latin typeface="Cambria Math" panose="02040503050406030204" pitchFamily="18" charset="0"/>
+                                          </a:rPr>
+                                          <m:t>′</m:t>
+                                        </m:r>
+                                      </m:sup>
+                                    </m:sSup>
+                                    <m:r>
+                                      <a:rPr lang="zh-CN" altLang="en-US" sz="2400" i="0">
+                                        <a:latin typeface="Cambria Math" panose="02040503050406030204" pitchFamily="18" charset="0"/>
+                                      </a:rPr>
+                                      <m:t>,</m:t>
+                                    </m:r>
+                                    <m:r>
+                                      <a:rPr lang="zh-CN" altLang="en-US" sz="2400" i="1">
+                                        <a:latin typeface="Cambria Math" panose="02040503050406030204" pitchFamily="18" charset="0"/>
+                                      </a:rPr>
+                                      <m:t>𝑟</m:t>
+                                    </m:r>
+                                    <m:r>
+                                      <a:rPr lang="zh-CN" altLang="en-US" sz="2400" i="0">
+                                        <a:latin typeface="Cambria Math" panose="02040503050406030204" pitchFamily="18" charset="0"/>
+                                      </a:rPr>
+                                      <m:t>|</m:t>
+                                    </m:r>
+                                    <m:r>
+                                      <a:rPr lang="zh-CN" altLang="en-US" sz="2400" i="1">
+                                        <a:latin typeface="Cambria Math" panose="02040503050406030204" pitchFamily="18" charset="0"/>
+                                      </a:rPr>
+                                      <m:t>𝑠</m:t>
+                                    </m:r>
+                                    <m:r>
+                                      <a:rPr lang="zh-CN" altLang="en-US" sz="2400" i="0">
+                                        <a:latin typeface="Cambria Math" panose="02040503050406030204" pitchFamily="18" charset="0"/>
+                                      </a:rPr>
+                                      <m:t>,</m:t>
+                                    </m:r>
+                                    <m:r>
+                                      <a:rPr lang="zh-CN" altLang="en-US" sz="2400" i="1">
+                                        <a:latin typeface="Cambria Math" panose="02040503050406030204" pitchFamily="18" charset="0"/>
+                                      </a:rPr>
+                                      <m:t>𝑎</m:t>
+                                    </m:r>
+                                    <m:r>
+                                      <a:rPr lang="zh-CN" altLang="en-US" sz="2400" i="0">
+                                        <a:latin typeface="Cambria Math" panose="02040503050406030204" pitchFamily="18" charset="0"/>
+                                      </a:rPr>
+                                      <m:t>)[</m:t>
+                                    </m:r>
+                                    <m:r>
+                                      <a:rPr lang="zh-CN" altLang="en-US" sz="2400" i="1">
+                                        <a:latin typeface="Cambria Math" panose="02040503050406030204" pitchFamily="18" charset="0"/>
+                                      </a:rPr>
+                                      <m:t>𝑟</m:t>
+                                    </m:r>
+                                    <m:r>
+                                      <a:rPr lang="zh-CN" altLang="en-US" sz="2400" i="0">
+                                        <a:latin typeface="Cambria Math" panose="02040503050406030204" pitchFamily="18" charset="0"/>
+                                      </a:rPr>
+                                      <m:t>+</m:t>
+                                    </m:r>
+                                    <m:r>
+                                      <a:rPr lang="zh-CN" altLang="en-US" sz="2400" i="1">
+                                        <a:latin typeface="Cambria Math" panose="02040503050406030204" pitchFamily="18" charset="0"/>
+                                      </a:rPr>
+                                      <m:t>𝛾</m:t>
+                                    </m:r>
+                                    <m:limLow>
+                                      <m:limLowPr>
+                                        <m:ctrlPr>
+                                          <a:rPr lang="zh-CN" altLang="en-US" sz="2400" i="1">
+                                            <a:latin typeface="Cambria Math" panose="02040503050406030204" pitchFamily="18" charset="0"/>
+                                          </a:rPr>
+                                        </m:ctrlPr>
+                                      </m:limLowPr>
+                                      <m:e>
+                                        <m:r>
+                                          <m:rPr>
+                                            <m:sty m:val="p"/>
+                                          </m:rPr>
+                                          <a:rPr lang="zh-CN" altLang="en-US" sz="2400" i="0">
+                                            <a:latin typeface="Cambria Math" panose="02040503050406030204" pitchFamily="18" charset="0"/>
+                                          </a:rPr>
+                                          <m:t>max</m:t>
+                                        </m:r>
+                                      </m:e>
+                                      <m:lim>
+                                        <m:r>
+                                          <a:rPr lang="zh-CN" altLang="en-US" sz="2400" i="1">
+                                            <a:latin typeface="Cambria Math" panose="02040503050406030204" pitchFamily="18" charset="0"/>
+                                          </a:rPr>
+                                          <m:t>𝑎</m:t>
+                                        </m:r>
+                                      </m:lim>
+                                    </m:limLow>
+                                    <m:sSub>
+                                      <m:sSubPr>
+                                        <m:ctrlPr>
+                                          <a:rPr lang="zh-CN" altLang="en-US" sz="2400" i="1">
+                                            <a:latin typeface="Cambria Math" panose="02040503050406030204" pitchFamily="18" charset="0"/>
+                                          </a:rPr>
+                                        </m:ctrlPr>
+                                      </m:sSubPr>
+                                      <m:e>
+                                        <m:r>
+                                          <a:rPr lang="zh-CN" altLang="en-US" sz="2400" i="1">
+                                            <a:latin typeface="Cambria Math" panose="02040503050406030204" pitchFamily="18" charset="0"/>
+                                          </a:rPr>
+                                          <m:t>𝑞</m:t>
+                                        </m:r>
+                                      </m:e>
+                                      <m:sub>
+                                        <m:r>
+                                          <a:rPr lang="zh-CN" altLang="en-US" sz="2400" i="0">
+                                            <a:latin typeface="Cambria Math" panose="02040503050406030204" pitchFamily="18" charset="0"/>
+                                          </a:rPr>
+                                          <m:t>∗</m:t>
+                                        </m:r>
+                                      </m:sub>
+                                    </m:sSub>
+                                    <m:r>
+                                      <a:rPr lang="zh-CN" altLang="en-US" sz="2400" i="0">
+                                        <a:latin typeface="Cambria Math" panose="02040503050406030204" pitchFamily="18" charset="0"/>
+                                      </a:rPr>
+                                      <m:t>(</m:t>
+                                    </m:r>
+                                    <m:sSup>
+                                      <m:sSupPr>
+                                        <m:ctrlPr>
+                                          <a:rPr lang="zh-CN" altLang="en-US" sz="2400" i="1">
+                                            <a:latin typeface="Cambria Math" panose="02040503050406030204" pitchFamily="18" charset="0"/>
+                                          </a:rPr>
+                                        </m:ctrlPr>
+                                      </m:sSupPr>
+                                      <m:e>
+                                        <m:r>
+                                          <a:rPr lang="zh-CN" altLang="en-US" sz="2400" i="1">
+                                            <a:latin typeface="Cambria Math" panose="02040503050406030204" pitchFamily="18" charset="0"/>
+                                          </a:rPr>
+                                          <m:t>𝑠</m:t>
+                                        </m:r>
+                                      </m:e>
+                                      <m:sup>
+                                        <m:r>
+                                          <a:rPr lang="zh-CN" altLang="en-US" sz="2400" i="0">
+                                            <a:latin typeface="Cambria Math" panose="02040503050406030204" pitchFamily="18" charset="0"/>
+                                          </a:rPr>
+                                          <m:t>′</m:t>
+                                        </m:r>
+                                      </m:sup>
+                                    </m:sSup>
+                                    <m:r>
+                                      <a:rPr lang="zh-CN" altLang="en-US" sz="2400" i="0">
+                                        <a:latin typeface="Cambria Math" panose="02040503050406030204" pitchFamily="18" charset="0"/>
+                                      </a:rPr>
+                                      <m:t>,</m:t>
+                                    </m:r>
+                                    <m:r>
+                                      <a:rPr lang="zh-CN" altLang="en-US" sz="2400" i="1">
+                                        <a:latin typeface="Cambria Math" panose="02040503050406030204" pitchFamily="18" charset="0"/>
+                                      </a:rPr>
+                                      <m:t>𝑎</m:t>
+                                    </m:r>
+                                    <m:r>
+                                      <a:rPr lang="zh-CN" altLang="en-US" sz="2400" i="0">
+                                        <a:latin typeface="Cambria Math" panose="02040503050406030204" pitchFamily="18" charset="0"/>
+                                      </a:rPr>
+                                      <m:t>′)</m:t>
+                                    </m:r>
+                                  </m:e>
+                                </m:d>
+                              </m:e>
+                            </m:nary>
+                          </m:e>
+                        </m:mr>
+                      </m:m>
+                    </m:oMath>
+                  </m:oMathPara>
+                </a14:m>
+                <a:endParaRPr lang="zh-CN" altLang="en-US" sz="2400" dirty="0"/>
+              </a:p>
+            </p:txBody>
+          </p:sp>
+        </mc:Choice>
+        <mc:Fallback>
+          <p:sp>
+            <p:nvSpPr>
+              <p:cNvPr id="7" name="矩形 6"/>
+              <p:cNvSpPr>
+                <a:spLocks noRot="1" noChangeAspect="1" noMove="1" noResize="1" noEditPoints="1" noAdjustHandles="1" noChangeArrowheads="1" noChangeShapeType="1" noTextEdit="1"/>
+              </p:cNvSpPr>
+              <p:nvPr/>
+            </p:nvSpPr>
+            <p:spPr>
+              <a:xfrm>
+                <a:off x="1186301" y="4645259"/>
+                <a:ext cx="7137531" cy="1658467"/>
+              </a:xfrm>
+              <a:prstGeom prst="rect">
+                <a:avLst/>
+              </a:prstGeom>
+              <a:blipFill>
+                <a:blip r:embed="rId6"/>
+                <a:stretch>
+                  <a:fillRect/>
+                </a:stretch>
+              </a:blipFill>
+            </p:spPr>
+            <p:txBody>
+              <a:bodyPr/>
+              <a:lstStyle/>
+              <a:p>
+                <a:r>
+                  <a:rPr lang="zh-CN" altLang="en-US">
+                    <a:noFill/>
+                  </a:rPr>
+                  <a:t> </a:t>
+                </a:r>
+              </a:p>
+            </p:txBody>
+          </p:sp>
+        </mc:Fallback>
+      </mc:AlternateContent>
+    </p:spTree>
+    <p:extLst>
+      <p:ext uri="{BB962C8B-B14F-4D97-AF65-F5344CB8AC3E}">
+        <p14:creationId xmlns:p14="http://schemas.microsoft.com/office/powerpoint/2010/main" val="3226085617"/>
+      </p:ext>
+    </p:extLst>
+  </p:cSld>
+  <p:clrMapOvr>
+    <a:masterClrMapping/>
+  </p:clrMapOvr>
+  <p:timing>
+    <p:tnLst>
+      <p:par>
+        <p:cTn id="1" dur="indefinite" restart="never" nodeType="tmRoot"/>
+      </p:par>
+    </p:tnLst>
+  </p:timing>
+</p:sld>
+</file>
+
+<file path=ppt/slides/slide18.xml><?xml version="1.0" encoding="utf-8"?>
+<p:sld xmlns:a="http://schemas.openxmlformats.org/drawingml/2006/main" xmlns:r="http://schemas.openxmlformats.org/officeDocument/2006/relationships" xmlns:p="http://schemas.openxmlformats.org/presentationml/2006/main">
+  <p:cSld>
+    <p:spTree>
+      <p:nvGrpSpPr>
+        <p:cNvPr id="1" name=""/>
+        <p:cNvGrpSpPr/>
+        <p:nvPr/>
+      </p:nvGrpSpPr>
+      <p:grpSpPr>
+        <a:xfrm>
+          <a:off x="0" y="0"/>
+          <a:ext cx="0" cy="0"/>
+          <a:chOff x="0" y="0"/>
+          <a:chExt cx="0" cy="0"/>
+        </a:xfrm>
+      </p:grpSpPr>
+      <p:sp>
+        <p:nvSpPr>
+          <p:cNvPr id="2" name="标题 1"/>
+          <p:cNvSpPr>
+            <a:spLocks noGrp="1"/>
+          </p:cNvSpPr>
+          <p:nvPr>
+            <p:ph type="title"/>
+          </p:nvPr>
+        </p:nvSpPr>
+        <p:spPr/>
+        <p:txBody>
+          <a:bodyPr/>
+          <a:lstStyle/>
+          <a:p>
+            <a:pPr algn="ctr"/>
+            <a:r>
+              <a:rPr lang="en-US" altLang="zh-CN" dirty="0" smtClean="0"/>
+              <a:t>Algorithms	MC</a:t>
+            </a:r>
+            <a:br>
+              <a:rPr lang="en-US" altLang="zh-CN" dirty="0" smtClean="0"/>
+            </a:br>
+            <a:r>
+              <a:rPr lang="en-US" altLang="zh-CN" dirty="0" smtClean="0"/>
+              <a:t>(Monte Carlo)</a:t>
+            </a:r>
+            <a:endParaRPr lang="zh-CN" altLang="en-US" dirty="0"/>
+          </a:p>
+        </p:txBody>
+      </p:sp>
+      <p:sp>
+        <p:nvSpPr>
+          <p:cNvPr id="4" name="内容占位符 3"/>
+          <p:cNvSpPr>
+            <a:spLocks noGrp="1"/>
+          </p:cNvSpPr>
+          <p:nvPr>
+            <p:ph idx="1"/>
+          </p:nvPr>
+        </p:nvSpPr>
+        <p:spPr/>
+        <p:txBody>
+          <a:bodyPr/>
+          <a:lstStyle/>
+          <a:p>
+            <a:endParaRPr lang="zh-CN" altLang="en-US"/>
+          </a:p>
+        </p:txBody>
+      </p:sp>
+    </p:spTree>
+    <p:extLst>
+      <p:ext uri="{BB962C8B-B14F-4D97-AF65-F5344CB8AC3E}">
+        <p14:creationId xmlns:p14="http://schemas.microsoft.com/office/powerpoint/2010/main" val="4163404137"/>
+      </p:ext>
+    </p:extLst>
+  </p:cSld>
+  <p:clrMapOvr>
+    <a:masterClrMapping/>
+  </p:clrMapOvr>
+</p:sld>
+</file>
+
+<file path=ppt/slides/slide19.xml><?xml version="1.0" encoding="utf-8"?>
+<p:sld xmlns:a="http://schemas.openxmlformats.org/drawingml/2006/main" xmlns:r="http://schemas.openxmlformats.org/officeDocument/2006/relationships" xmlns:p="http://schemas.openxmlformats.org/presentationml/2006/main">
+  <p:cSld>
+    <p:spTree>
+      <p:nvGrpSpPr>
+        <p:cNvPr id="1" name=""/>
+        <p:cNvGrpSpPr/>
+        <p:nvPr/>
+      </p:nvGrpSpPr>
+      <p:grpSpPr>
+        <a:xfrm>
+          <a:off x="0" y="0"/>
+          <a:ext cx="0" cy="0"/>
+          <a:chOff x="0" y="0"/>
+          <a:chExt cx="0" cy="0"/>
+        </a:xfrm>
+      </p:grpSpPr>
+      <p:sp>
+        <p:nvSpPr>
+          <p:cNvPr id="2" name="标题 1"/>
+          <p:cNvSpPr>
+            <a:spLocks noGrp="1"/>
+          </p:cNvSpPr>
+          <p:nvPr>
+            <p:ph type="title"/>
+          </p:nvPr>
+        </p:nvSpPr>
+        <p:spPr/>
+        <p:txBody>
+          <a:bodyPr/>
+          <a:lstStyle/>
+          <a:p>
+            <a:pPr algn="ctr"/>
+            <a:r>
+              <a:rPr lang="en-US" altLang="zh-CN" dirty="0" smtClean="0"/>
+              <a:t>Algorithms	TD</a:t>
+            </a:r>
+            <a:br>
+              <a:rPr lang="en-US" altLang="zh-CN" dirty="0" smtClean="0"/>
+            </a:br>
+            <a:r>
+              <a:rPr lang="en-US" altLang="zh-CN" dirty="0" smtClean="0"/>
+              <a:t>(Temporal Difference)</a:t>
+            </a:r>
+            <a:endParaRPr lang="zh-CN" altLang="en-US" dirty="0"/>
+          </a:p>
+        </p:txBody>
+      </p:sp>
+      <p:sp>
+        <p:nvSpPr>
+          <p:cNvPr id="3" name="内容占位符 2"/>
+          <p:cNvSpPr>
+            <a:spLocks noGrp="1"/>
+          </p:cNvSpPr>
+          <p:nvPr>
+            <p:ph idx="1"/>
+          </p:nvPr>
+        </p:nvSpPr>
+        <p:spPr/>
+        <p:txBody>
+          <a:bodyPr/>
+          <a:lstStyle/>
+          <a:p>
+            <a:r>
+              <a:rPr lang="en-US" altLang="zh-CN" dirty="0" smtClean="0"/>
+              <a:t>Model dependent</a:t>
+            </a:r>
+          </a:p>
+          <a:p>
+            <a:r>
+              <a:rPr lang="en-US" altLang="zh-CN" dirty="0" smtClean="0"/>
+              <a:t>Two method :</a:t>
+            </a:r>
+          </a:p>
+          <a:p>
+            <a:pPr lvl="1"/>
+            <a:r>
+              <a:rPr lang="en-US" altLang="zh-CN" dirty="0" smtClean="0"/>
+              <a:t>Policy iteration ( policy evaluation -&gt; policy improvement )</a:t>
+            </a:r>
+          </a:p>
+          <a:p>
+            <a:pPr lvl="1"/>
+            <a:r>
+              <a:rPr lang="en-US" altLang="zh-CN" dirty="0"/>
+              <a:t>Value </a:t>
+            </a:r>
+            <a:r>
+              <a:rPr lang="en-US" altLang="zh-CN" dirty="0" smtClean="0"/>
+              <a:t>iteration </a:t>
+            </a:r>
+            <a:endParaRPr lang="en-US" altLang="zh-CN" dirty="0"/>
+          </a:p>
+          <a:p>
+            <a:pPr lvl="1"/>
+            <a:endParaRPr lang="en-US" altLang="zh-CN" dirty="0" smtClean="0"/>
+          </a:p>
+          <a:p>
+            <a:endParaRPr lang="zh-CN" altLang="en-US" dirty="0"/>
+          </a:p>
+        </p:txBody>
+      </p:sp>
+    </p:spTree>
+    <p:extLst>
+      <p:ext uri="{BB962C8B-B14F-4D97-AF65-F5344CB8AC3E}">
+        <p14:creationId xmlns:p14="http://schemas.microsoft.com/office/powerpoint/2010/main" val="3056919954"/>
+      </p:ext>
+    </p:extLst>
+  </p:cSld>
+  <p:clrMapOvr>
+    <a:masterClrMapping/>
+  </p:clrMapOvr>
+</p:sld>
+</file>
+
 <file path=ppt/slides/slide2.xml><?xml version="1.0" encoding="utf-8"?>
 <p:sld xmlns:a="http://schemas.openxmlformats.org/drawingml/2006/main" xmlns:r="http://schemas.openxmlformats.org/officeDocument/2006/relationships" xmlns:p="http://schemas.openxmlformats.org/presentationml/2006/main">
   <p:cSld>
@@ -6943,6 +11677,186 @@
     <p:extLst>
       <p:ext uri="{BB962C8B-B14F-4D97-AF65-F5344CB8AC3E}">
         <p14:creationId xmlns:p14="http://schemas.microsoft.com/office/powerpoint/2010/main" val="2114872442"/>
+      </p:ext>
+    </p:extLst>
+  </p:cSld>
+  <p:clrMapOvr>
+    <a:masterClrMapping/>
+  </p:clrMapOvr>
+  <p:timing>
+    <p:tnLst>
+      <p:par>
+        <p:cTn id="1" dur="indefinite" restart="never" nodeType="tmRoot"/>
+      </p:par>
+    </p:tnLst>
+  </p:timing>
+</p:sld>
+</file>
+
+<file path=ppt/slides/slide20.xml><?xml version="1.0" encoding="utf-8"?>
+<p:sld xmlns:a="http://schemas.openxmlformats.org/drawingml/2006/main" xmlns:r="http://schemas.openxmlformats.org/officeDocument/2006/relationships" xmlns:p="http://schemas.openxmlformats.org/presentationml/2006/main">
+  <p:cSld>
+    <p:spTree>
+      <p:nvGrpSpPr>
+        <p:cNvPr id="1" name=""/>
+        <p:cNvGrpSpPr/>
+        <p:nvPr/>
+      </p:nvGrpSpPr>
+      <p:grpSpPr>
+        <a:xfrm>
+          <a:off x="0" y="0"/>
+          <a:ext cx="0" cy="0"/>
+          <a:chOff x="0" y="0"/>
+          <a:chExt cx="0" cy="0"/>
+        </a:xfrm>
+      </p:grpSpPr>
+      <p:pic>
+        <p:nvPicPr>
+          <p:cNvPr id="7" name="Picture 6"/>
+          <p:cNvPicPr>
+            <a:picLocks noChangeAspect="1"/>
+          </p:cNvPicPr>
+          <p:nvPr/>
+        </p:nvPicPr>
+        <p:blipFill>
+          <a:blip r:embed="rId2"/>
+          <a:stretch>
+            <a:fillRect/>
+          </a:stretch>
+        </p:blipFill>
+        <p:spPr>
+          <a:xfrm>
+            <a:off x="1202500" y="54303"/>
+            <a:ext cx="9059101" cy="6803697"/>
+          </a:xfrm>
+          <a:prstGeom prst="rect">
+            <a:avLst/>
+          </a:prstGeom>
+        </p:spPr>
+      </p:pic>
+      <p:sp>
+        <p:nvSpPr>
+          <p:cNvPr id="2" name="圆角矩形 1"/>
+          <p:cNvSpPr/>
+          <p:nvPr/>
+        </p:nvSpPr>
+        <p:spPr>
+          <a:xfrm>
+            <a:off x="4583340" y="4057650"/>
+            <a:ext cx="3465286" cy="1234621"/>
+          </a:xfrm>
+          <a:prstGeom prst="roundRect">
+            <a:avLst/>
+          </a:prstGeom>
+          <a:noFill/>
+          <a:ln w="38100">
+            <a:solidFill>
+              <a:srgbClr val="FF0000"/>
+            </a:solidFill>
+          </a:ln>
+        </p:spPr>
+        <p:style>
+          <a:lnRef idx="2">
+            <a:schemeClr val="accent2"/>
+          </a:lnRef>
+          <a:fillRef idx="1">
+            <a:schemeClr val="lt1"/>
+          </a:fillRef>
+          <a:effectRef idx="0">
+            <a:schemeClr val="accent2"/>
+          </a:effectRef>
+          <a:fontRef idx="minor">
+            <a:schemeClr val="dk1"/>
+          </a:fontRef>
+        </p:style>
+        <p:txBody>
+          <a:bodyPr rtlCol="0" anchor="ctr"/>
+          <a:lstStyle/>
+          <a:p>
+            <a:pPr algn="ctr"/>
+            <a:endParaRPr lang="zh-CN" altLang="en-US"/>
+          </a:p>
+        </p:txBody>
+      </p:sp>
+    </p:spTree>
+    <p:extLst>
+      <p:ext uri="{BB962C8B-B14F-4D97-AF65-F5344CB8AC3E}">
+        <p14:creationId xmlns:p14="http://schemas.microsoft.com/office/powerpoint/2010/main" val="3525016299"/>
+      </p:ext>
+    </p:extLst>
+  </p:cSld>
+  <p:clrMapOvr>
+    <a:masterClrMapping/>
+  </p:clrMapOvr>
+  <p:timing>
+    <p:tnLst>
+      <p:par>
+        <p:cTn id="1" dur="indefinite" restart="never" nodeType="tmRoot"/>
+      </p:par>
+    </p:tnLst>
+  </p:timing>
+</p:sld>
+</file>
+
+<file path=ppt/slides/slide21.xml><?xml version="1.0" encoding="utf-8"?>
+<p:sld xmlns:a="http://schemas.openxmlformats.org/drawingml/2006/main" xmlns:r="http://schemas.openxmlformats.org/officeDocument/2006/relationships" xmlns:p="http://schemas.openxmlformats.org/presentationml/2006/main">
+  <p:cSld>
+    <p:spTree>
+      <p:nvGrpSpPr>
+        <p:cNvPr id="1" name=""/>
+        <p:cNvGrpSpPr/>
+        <p:nvPr/>
+      </p:nvGrpSpPr>
+      <p:grpSpPr>
+        <a:xfrm>
+          <a:off x="0" y="0"/>
+          <a:ext cx="0" cy="0"/>
+          <a:chOff x="0" y="0"/>
+          <a:chExt cx="0" cy="0"/>
+        </a:xfrm>
+      </p:grpSpPr>
+      <p:sp>
+        <p:nvSpPr>
+          <p:cNvPr id="2" name="标题 1"/>
+          <p:cNvSpPr>
+            <a:spLocks noGrp="1"/>
+          </p:cNvSpPr>
+          <p:nvPr>
+            <p:ph type="title"/>
+          </p:nvPr>
+        </p:nvSpPr>
+        <p:spPr/>
+        <p:txBody>
+          <a:bodyPr/>
+          <a:lstStyle/>
+          <a:p>
+            <a:endParaRPr lang="zh-CN" altLang="en-US"/>
+          </a:p>
+        </p:txBody>
+      </p:sp>
+      <p:sp>
+        <p:nvSpPr>
+          <p:cNvPr id="3" name="内容占位符 2"/>
+          <p:cNvSpPr>
+            <a:spLocks noGrp="1"/>
+          </p:cNvSpPr>
+          <p:nvPr>
+            <p:ph idx="1"/>
+          </p:nvPr>
+        </p:nvSpPr>
+        <p:spPr/>
+        <p:txBody>
+          <a:bodyPr/>
+          <a:lstStyle/>
+          <a:p>
+            <a:endParaRPr lang="zh-CN" altLang="en-US"/>
+          </a:p>
+        </p:txBody>
+      </p:sp>
+    </p:spTree>
+    <p:extLst>
+      <p:ext uri="{BB962C8B-B14F-4D97-AF65-F5344CB8AC3E}">
+        <p14:creationId xmlns:p14="http://schemas.microsoft.com/office/powerpoint/2010/main" val="701865167"/>
       </p:ext>
     </p:extLst>
   </p:cSld>
@@ -7151,64 +12065,91 @@
           <a:chExt cx="0" cy="0"/>
         </a:xfrm>
       </p:grpSpPr>
+      <p:pic>
+        <p:nvPicPr>
+          <p:cNvPr id="7" name="Picture 6"/>
+          <p:cNvPicPr>
+            <a:picLocks noChangeAspect="1"/>
+          </p:cNvPicPr>
+          <p:nvPr/>
+        </p:nvPicPr>
+        <p:blipFill>
+          <a:blip r:embed="rId2"/>
+          <a:stretch>
+            <a:fillRect/>
+          </a:stretch>
+        </p:blipFill>
+        <p:spPr>
+          <a:xfrm>
+            <a:off x="1202500" y="54303"/>
+            <a:ext cx="9059101" cy="6803697"/>
+          </a:xfrm>
+          <a:prstGeom prst="rect">
+            <a:avLst/>
+          </a:prstGeom>
+        </p:spPr>
+      </p:pic>
       <p:sp>
         <p:nvSpPr>
-          <p:cNvPr id="2" name="Title 1"/>
-          <p:cNvSpPr>
-            <a:spLocks noGrp="1"/>
-          </p:cNvSpPr>
-          <p:nvPr>
-            <p:ph type="title"/>
-          </p:nvPr>
+          <p:cNvPr id="2" name="圆角矩形 1"/>
+          <p:cNvSpPr/>
+          <p:nvPr/>
         </p:nvSpPr>
-        <p:spPr/>
+        <p:spPr>
+          <a:xfrm>
+            <a:off x="4630058" y="54304"/>
+            <a:ext cx="4775200" cy="1814286"/>
+          </a:xfrm>
+          <a:prstGeom prst="roundRect">
+            <a:avLst/>
+          </a:prstGeom>
+          <a:noFill/>
+          <a:ln w="38100">
+            <a:solidFill>
+              <a:srgbClr val="FF0000"/>
+            </a:solidFill>
+          </a:ln>
+        </p:spPr>
+        <p:style>
+          <a:lnRef idx="2">
+            <a:schemeClr val="accent2"/>
+          </a:lnRef>
+          <a:fillRef idx="1">
+            <a:schemeClr val="lt1"/>
+          </a:fillRef>
+          <a:effectRef idx="0">
+            <a:schemeClr val="accent2"/>
+          </a:effectRef>
+          <a:fontRef idx="minor">
+            <a:schemeClr val="dk1"/>
+          </a:fontRef>
+        </p:style>
         <p:txBody>
-          <a:bodyPr/>
+          <a:bodyPr rtlCol="0" anchor="ctr"/>
           <a:lstStyle/>
           <a:p>
-            <a:r>
-              <a:rPr lang="en-US" dirty="0" smtClean="0"/>
-              <a:t>What is reinforcement learning</a:t>
-            </a:r>
-            <a:endParaRPr lang="en-US" dirty="0"/>
+            <a:pPr algn="ctr"/>
+            <a:endParaRPr lang="zh-CN" altLang="en-US"/>
           </a:p>
         </p:txBody>
       </p:sp>
-      <p:graphicFrame>
-        <p:nvGraphicFramePr>
-          <p:cNvPr id="4" name="Content Placeholder 3"/>
-          <p:cNvGraphicFramePr>
-            <a:graphicFrameLocks noGrp="1"/>
-          </p:cNvGraphicFramePr>
-          <p:nvPr>
-            <p:ph idx="1"/>
-            <p:extLst>
-              <p:ext uri="{D42A27DB-BD31-4B8C-83A1-F6EECF244321}">
-                <p14:modId xmlns:p14="http://schemas.microsoft.com/office/powerpoint/2010/main" val="4211555448"/>
-              </p:ext>
-            </p:extLst>
-          </p:nvPr>
-        </p:nvGraphicFramePr>
-        <p:xfrm>
-          <a:off x="838200" y="1825625"/>
-          <a:ext cx="10515600" cy="4351338"/>
-        </p:xfrm>
-        <a:graphic>
-          <a:graphicData uri="http://schemas.openxmlformats.org/drawingml/2006/diagram">
-            <dgm:relIds xmlns:dgm="http://schemas.openxmlformats.org/drawingml/2006/diagram" xmlns:r="http://schemas.openxmlformats.org/officeDocument/2006/relationships" r:dm="rId2" r:lo="rId3" r:qs="rId4" r:cs="rId5"/>
-          </a:graphicData>
-        </a:graphic>
-      </p:graphicFrame>
     </p:spTree>
     <p:extLst>
       <p:ext uri="{BB962C8B-B14F-4D97-AF65-F5344CB8AC3E}">
-        <p14:creationId xmlns:p14="http://schemas.microsoft.com/office/powerpoint/2010/main" val="1041165222"/>
+        <p14:creationId xmlns:p14="http://schemas.microsoft.com/office/powerpoint/2010/main" val="920711330"/>
       </p:ext>
     </p:extLst>
   </p:cSld>
   <p:clrMapOvr>
     <a:masterClrMapping/>
   </p:clrMapOvr>
+  <p:timing>
+    <p:tnLst>
+      <p:par>
+        <p:cTn id="1" dur="indefinite" restart="never" nodeType="tmRoot"/>
+      </p:par>
+    </p:tnLst>
+  </p:timing>
 </p:sld>
 </file>
 
@@ -7239,16 +12180,105 @@
             <p:ph type="title"/>
           </p:nvPr>
         </p:nvSpPr>
+        <p:spPr/>
+        <p:txBody>
+          <a:bodyPr/>
+          <a:lstStyle/>
+          <a:p>
+            <a:r>
+              <a:rPr lang="en-US" dirty="0" smtClean="0"/>
+              <a:t>What is reinforcement learning</a:t>
+            </a:r>
+            <a:endParaRPr lang="en-US" dirty="0"/>
+          </a:p>
+        </p:txBody>
+      </p:sp>
+      <p:graphicFrame>
+        <p:nvGraphicFramePr>
+          <p:cNvPr id="4" name="Content Placeholder 3"/>
+          <p:cNvGraphicFramePr>
+            <a:graphicFrameLocks noGrp="1"/>
+          </p:cNvGraphicFramePr>
+          <p:nvPr>
+            <p:ph idx="1"/>
+            <p:extLst>
+              <p:ext uri="{D42A27DB-BD31-4B8C-83A1-F6EECF244321}">
+                <p14:modId xmlns:p14="http://schemas.microsoft.com/office/powerpoint/2010/main" val="713318000"/>
+              </p:ext>
+            </p:extLst>
+          </p:nvPr>
+        </p:nvGraphicFramePr>
+        <p:xfrm>
+          <a:off x="838200" y="1311275"/>
+          <a:ext cx="10515600" cy="4351338"/>
+        </p:xfrm>
+        <a:graphic>
+          <a:graphicData uri="http://schemas.openxmlformats.org/drawingml/2006/diagram">
+            <dgm:relIds xmlns:dgm="http://schemas.openxmlformats.org/drawingml/2006/diagram" xmlns:r="http://schemas.openxmlformats.org/officeDocument/2006/relationships" r:dm="rId2" r:lo="rId3" r:qs="rId4" r:cs="rId5"/>
+          </a:graphicData>
+        </a:graphic>
+      </p:graphicFrame>
+    </p:spTree>
+    <p:extLst>
+      <p:ext uri="{BB962C8B-B14F-4D97-AF65-F5344CB8AC3E}">
+        <p14:creationId xmlns:p14="http://schemas.microsoft.com/office/powerpoint/2010/main" val="1041165222"/>
+      </p:ext>
+    </p:extLst>
+  </p:cSld>
+  <p:clrMapOvr>
+    <a:masterClrMapping/>
+  </p:clrMapOvr>
+  <p:timing>
+    <p:tnLst>
+      <p:par>
+        <p:cTn id="1" dur="indefinite" restart="never" nodeType="tmRoot"/>
+      </p:par>
+    </p:tnLst>
+  </p:timing>
+</p:sld>
+</file>
+
+<file path=ppt/slides/slide7.xml><?xml version="1.0" encoding="utf-8"?>
+<p:sld xmlns:a="http://schemas.openxmlformats.org/drawingml/2006/main" xmlns:r="http://schemas.openxmlformats.org/officeDocument/2006/relationships" xmlns:p="http://schemas.openxmlformats.org/presentationml/2006/main">
+  <p:cSld>
+    <p:spTree>
+      <p:nvGrpSpPr>
+        <p:cNvPr id="1" name=""/>
+        <p:cNvGrpSpPr/>
+        <p:nvPr/>
+      </p:nvGrpSpPr>
+      <p:grpSpPr>
+        <a:xfrm>
+          <a:off x="0" y="0"/>
+          <a:ext cx="0" cy="0"/>
+          <a:chOff x="0" y="0"/>
+          <a:chExt cx="0" cy="0"/>
+        </a:xfrm>
+      </p:grpSpPr>
+      <p:sp>
+        <p:nvSpPr>
+          <p:cNvPr id="2" name="Title 1"/>
+          <p:cNvSpPr>
+            <a:spLocks noGrp="1"/>
+          </p:cNvSpPr>
+          <p:nvPr>
+            <p:ph type="title"/>
+          </p:nvPr>
+        </p:nvSpPr>
         <p:spPr>
           <a:xfrm>
-            <a:off x="208810" y="365125"/>
-            <a:ext cx="10515600" cy="1325563"/>
+            <a:off x="5131892" y="-8525"/>
+            <a:ext cx="3836170" cy="1325563"/>
           </a:xfrm>
         </p:spPr>
         <p:txBody>
           <a:bodyPr/>
           <a:lstStyle/>
           <a:p>
+            <a:r>
+              <a:rPr lang="en-US" sz="4800" dirty="0" smtClean="0"/>
+              <a:t>MDP</a:t>
+            </a:r>
             <a:endParaRPr lang="en-US" sz="4800" dirty="0"/>
           </a:p>
         </p:txBody>
@@ -7263,7 +12293,7 @@
             </p:nvSpPr>
             <p:spPr>
               <a:xfrm>
-                <a:off x="822762" y="2166550"/>
+                <a:off x="822762" y="1058940"/>
                 <a:ext cx="2126864" cy="307777"/>
               </a:xfrm>
               <a:prstGeom prst="rect">
@@ -7277,6 +12307,7 @@
               </a:bodyPr>
               <a:lstStyle/>
               <a:p>
+                <a:pPr/>
                 <a14:m>
                   <m:oMathPara xmlns:m="http://schemas.openxmlformats.org/officeDocument/2006/math">
                     <m:oMathParaPr>
@@ -7389,7 +12420,7 @@
             </p:nvSpPr>
             <p:spPr>
               <a:xfrm>
-                <a:off x="822762" y="2166550"/>
+                <a:off x="822762" y="1058940"/>
                 <a:ext cx="2126864" cy="307777"/>
               </a:xfrm>
               <a:prstGeom prst="rect">
@@ -7398,7 +12429,7 @@
               <a:blipFill>
                 <a:blip r:embed="rId2"/>
                 <a:stretch>
-                  <a:fillRect l="-2579" t="-1961" r="-3725" b="-33333"/>
+                  <a:fillRect l="-2579" t="-4000" r="-3725" b="-36000"/>
                 </a:stretch>
               </a:blipFill>
             </p:spPr>
@@ -7407,7 +12438,7 @@
               <a:lstStyle/>
               <a:p>
                 <a:r>
-                  <a:rPr lang="en-US">
+                  <a:rPr lang="zh-CN" altLang="en-US">
                     <a:noFill/>
                   </a:rPr>
                   <a:t> </a:t>
@@ -7427,7 +12458,7 @@
             </p:nvSpPr>
             <p:spPr>
               <a:xfrm>
-                <a:off x="324783" y="2794598"/>
+                <a:off x="324783" y="1570876"/>
                 <a:ext cx="7094634" cy="615553"/>
               </a:xfrm>
               <a:prstGeom prst="rect">
@@ -7441,6 +12472,7 @@
               </a:bodyPr>
               <a:lstStyle/>
               <a:p>
+                <a:pPr/>
                 <a14:m>
                   <m:oMathPara xmlns:m="http://schemas.openxmlformats.org/officeDocument/2006/math">
                     <m:oMathParaPr>
@@ -7597,7 +12629,7 @@
             </p:nvSpPr>
             <p:spPr>
               <a:xfrm>
-                <a:off x="324783" y="2794598"/>
+                <a:off x="324783" y="1570876"/>
                 <a:ext cx="7094634" cy="615553"/>
               </a:xfrm>
               <a:prstGeom prst="rect">
@@ -7606,7 +12638,7 @@
               <a:blipFill>
                 <a:blip r:embed="rId3"/>
                 <a:stretch>
-                  <a:fillRect t="-990"/>
+                  <a:fillRect t="-1980"/>
                 </a:stretch>
               </a:blipFill>
             </p:spPr>
@@ -7615,7 +12647,7 @@
               <a:lstStyle/>
               <a:p>
                 <a:r>
-                  <a:rPr lang="en-US">
+                  <a:rPr lang="zh-CN" altLang="en-US">
                     <a:noFill/>
                   </a:rPr>
                   <a:t> </a:t>
@@ -7635,7 +12667,7 @@
             </p:nvSpPr>
             <p:spPr>
               <a:xfrm>
-                <a:off x="345228" y="3247778"/>
+                <a:off x="345228" y="2024056"/>
                 <a:ext cx="3813673" cy="307777"/>
               </a:xfrm>
               <a:prstGeom prst="rect">
@@ -7649,6 +12681,7 @@
               </a:bodyPr>
               <a:lstStyle/>
               <a:p>
+                <a:pPr/>
                 <a14:m>
                   <m:oMathPara xmlns:m="http://schemas.openxmlformats.org/officeDocument/2006/math">
                     <m:oMathParaPr>
@@ -7730,14 +12763,7 @@
                           <a:latin typeface="Cambria Math" panose="02040503050406030204" pitchFamily="18" charset="0"/>
                           <a:ea typeface="Cambria Math" panose="02040503050406030204" pitchFamily="18" charset="0"/>
                         </a:rPr>
-                        <m:t>&lt;∞</m:t>
-                      </m:r>
-                      <m:r>
-                        <a:rPr lang="en-US" altLang="zh-CN" sz="2000" b="0" i="1" smtClean="0">
-                          <a:latin typeface="Cambria Math" panose="02040503050406030204" pitchFamily="18" charset="0"/>
-                          <a:ea typeface="Cambria Math" panose="02040503050406030204" pitchFamily="18" charset="0"/>
-                        </a:rPr>
-                        <m:t>)</m:t>
+                        <m:t>&lt;∞)</m:t>
                       </m:r>
                     </m:oMath>
                   </m:oMathPara>
@@ -7760,7 +12786,7 @@
             </p:nvSpPr>
             <p:spPr>
               <a:xfrm>
-                <a:off x="345228" y="3247778"/>
+                <a:off x="345228" y="2024056"/>
                 <a:ext cx="3813673" cy="307777"/>
               </a:xfrm>
               <a:prstGeom prst="rect">
@@ -7769,7 +12795,7 @@
               <a:blipFill>
                 <a:blip r:embed="rId4"/>
                 <a:stretch>
-                  <a:fillRect l="-1120" t="-2000" r="-2080" b="-36000"/>
+                  <a:fillRect l="-1120" t="-1961" r="-2080" b="-33333"/>
                 </a:stretch>
               </a:blipFill>
             </p:spPr>
@@ -7778,7 +12804,7 @@
               <a:lstStyle/>
               <a:p>
                 <a:r>
-                  <a:rPr lang="en-US">
+                  <a:rPr lang="zh-CN" altLang="en-US">
                     <a:noFill/>
                   </a:rPr>
                   <a:t> </a:t>
@@ -7798,7 +12824,7 @@
             </p:nvSpPr>
             <p:spPr>
               <a:xfrm>
-                <a:off x="345228" y="3663276"/>
+                <a:off x="345228" y="2439554"/>
                 <a:ext cx="5851602" cy="307777"/>
               </a:xfrm>
               <a:prstGeom prst="rect">
@@ -7812,6 +12838,7 @@
               </a:bodyPr>
               <a:lstStyle/>
               <a:p>
+                <a:pPr/>
                 <a14:m>
                   <m:oMathPara xmlns:m="http://schemas.openxmlformats.org/officeDocument/2006/math">
                     <m:oMathParaPr>
@@ -7970,7 +12997,7 @@
             </p:nvSpPr>
             <p:spPr>
               <a:xfrm>
-                <a:off x="345228" y="3663276"/>
+                <a:off x="345228" y="2439554"/>
                 <a:ext cx="5851602" cy="307777"/>
               </a:xfrm>
               <a:prstGeom prst="rect">
@@ -7979,7 +13006,7 @@
               <a:blipFill>
                 <a:blip r:embed="rId5"/>
                 <a:stretch>
-                  <a:fillRect l="-625" r="-417" b="-34000"/>
+                  <a:fillRect l="-625" r="-417" b="-33333"/>
                 </a:stretch>
               </a:blipFill>
             </p:spPr>
@@ -7988,7 +13015,7 @@
               <a:lstStyle/>
               <a:p>
                 <a:r>
-                  <a:rPr lang="en-US">
+                  <a:rPr lang="zh-CN" altLang="en-US">
                     <a:noFill/>
                   </a:rPr>
                   <a:t> </a:t>
@@ -8008,8 +13035,8 @@
             </p:nvSpPr>
             <p:spPr>
               <a:xfrm>
-                <a:off x="324783" y="4139139"/>
-                <a:ext cx="4902368" cy="615553"/>
+                <a:off x="324783" y="2915417"/>
+                <a:ext cx="5202386" cy="615553"/>
               </a:xfrm>
               <a:prstGeom prst="rect">
                 <a:avLst/>
@@ -8022,6 +13049,7 @@
               </a:bodyPr>
               <a:lstStyle/>
               <a:p>
+                <a:pPr/>
                 <a14:m>
                   <m:oMathPara xmlns:m="http://schemas.openxmlformats.org/officeDocument/2006/math">
                     <m:oMathParaPr>
@@ -8104,14 +13132,7 @@
                           <a:latin typeface="Cambria Math" panose="02040503050406030204" pitchFamily="18" charset="0"/>
                           <a:ea typeface="Cambria Math" panose="02040503050406030204" pitchFamily="18" charset="0"/>
                         </a:rPr>
-                        <m:t>→</m:t>
-                      </m:r>
-                      <m:r>
-                        <a:rPr lang="en-US" sz="2000" b="0" i="1" smtClean="0">
-                          <a:latin typeface="Cambria Math" panose="02040503050406030204" pitchFamily="18" charset="0"/>
-                          <a:ea typeface="Cambria Math" panose="02040503050406030204" pitchFamily="18" charset="0"/>
-                        </a:rPr>
-                        <m:t>𝑅</m:t>
+                        <m:t>→[0,1]</m:t>
                       </m:r>
                     </m:oMath>
                   </m:oMathPara>
@@ -8135,8 +13156,8 @@
             </p:nvSpPr>
             <p:spPr>
               <a:xfrm>
-                <a:off x="324783" y="4139139"/>
-                <a:ext cx="4902368" cy="615553"/>
+                <a:off x="324783" y="2915417"/>
+                <a:ext cx="5202386" cy="615553"/>
               </a:xfrm>
               <a:prstGeom prst="rect">
                 <a:avLst/>
@@ -8144,7 +13165,7 @@
               <a:blipFill>
                 <a:blip r:embed="rId6"/>
                 <a:stretch>
-                  <a:fillRect l="-124" r="-249"/>
+                  <a:fillRect l="-585" t="-990" r="-1288"/>
                 </a:stretch>
               </a:blipFill>
             </p:spPr>
@@ -8153,7 +13174,7 @@
               <a:lstStyle/>
               <a:p>
                 <a:r>
-                  <a:rPr lang="en-US">
+                  <a:rPr lang="zh-CN" altLang="en-US">
                     <a:noFill/>
                   </a:rPr>
                   <a:t> </a:t>
@@ -8173,7 +13194,7 @@
             </p:nvSpPr>
             <p:spPr>
               <a:xfrm>
-                <a:off x="345228" y="4554637"/>
+                <a:off x="345228" y="3330915"/>
                 <a:ext cx="3268139" cy="307777"/>
               </a:xfrm>
               <a:prstGeom prst="rect">
@@ -8187,6 +13208,7 @@
               </a:bodyPr>
               <a:lstStyle/>
               <a:p>
+                <a:pPr/>
                 <a14:m>
                   <m:oMathPara xmlns:m="http://schemas.openxmlformats.org/officeDocument/2006/math">
                     <m:oMathParaPr>
@@ -8260,7 +13282,7 @@
             </p:nvSpPr>
             <p:spPr>
               <a:xfrm>
-                <a:off x="345228" y="4554637"/>
+                <a:off x="345228" y="3330915"/>
                 <a:ext cx="3268139" cy="307777"/>
               </a:xfrm>
               <a:prstGeom prst="rect">
@@ -8278,7 +13300,7 @@
               <a:lstStyle/>
               <a:p>
                 <a:r>
-                  <a:rPr lang="en-US">
+                  <a:rPr lang="zh-CN" altLang="en-US">
                     <a:noFill/>
                   </a:rPr>
                   <a:t> </a:t>
@@ -8296,16 +13318,15 @@
           </p:cNvPicPr>
           <p:nvPr/>
         </p:nvPicPr>
-        <p:blipFill>
+        <p:blipFill rotWithShape="1">
           <a:blip r:embed="rId8"/>
-          <a:stretch>
-            <a:fillRect/>
-          </a:stretch>
+          <a:srcRect t="7621"/>
+          <a:stretch/>
         </p:blipFill>
         <p:spPr>
           <a:xfrm>
-            <a:off x="7775907" y="-29314"/>
-            <a:ext cx="4007684" cy="4391728"/>
+            <a:off x="7903124" y="137705"/>
+            <a:ext cx="3358406" cy="3399747"/>
           </a:xfrm>
           <a:prstGeom prst="rect">
             <a:avLst/>
@@ -8320,7 +13341,7 @@
         </p:nvSpPr>
         <p:spPr>
           <a:xfrm>
-            <a:off x="1601598" y="5004247"/>
+            <a:off x="1601598" y="3780525"/>
             <a:ext cx="65" cy="276999"/>
           </a:xfrm>
           <a:prstGeom prst="rect">
@@ -8338,6 +13359,1191 @@
           </a:p>
         </p:txBody>
       </p:sp>
+      <p:pic>
+        <p:nvPicPr>
+          <p:cNvPr id="14" name="图片 13"/>
+          <p:cNvPicPr>
+            <a:picLocks noChangeAspect="1"/>
+          </p:cNvPicPr>
+          <p:nvPr/>
+        </p:nvPicPr>
+        <p:blipFill>
+          <a:blip r:embed="rId9"/>
+          <a:stretch>
+            <a:fillRect/>
+          </a:stretch>
+        </p:blipFill>
+        <p:spPr>
+          <a:xfrm>
+            <a:off x="8631245" y="3810142"/>
+            <a:ext cx="3117204" cy="2801698"/>
+          </a:xfrm>
+          <a:prstGeom prst="rect">
+            <a:avLst/>
+          </a:prstGeom>
+        </p:spPr>
+      </p:pic>
+      <mc:AlternateContent xmlns:mc="http://schemas.openxmlformats.org/markup-compatibility/2006">
+        <mc:Choice xmlns:a14="http://schemas.microsoft.com/office/drawing/2010/main" Requires="a14">
+          <p:sp>
+            <p:nvSpPr>
+              <p:cNvPr id="29" name="矩形 28"/>
+              <p:cNvSpPr/>
+              <p:nvPr/>
+            </p:nvSpPr>
+            <p:spPr>
+              <a:xfrm>
+                <a:off x="282265" y="4267879"/>
+                <a:ext cx="6488636" cy="461665"/>
+              </a:xfrm>
+              <a:prstGeom prst="rect">
+                <a:avLst/>
+              </a:prstGeom>
+            </p:spPr>
+            <p:txBody>
+              <a:bodyPr wrap="none">
+                <a:spAutoFit/>
+              </a:bodyPr>
+              <a:lstStyle/>
+              <a:p>
+                <a:r>
+                  <a:rPr lang="en-US" altLang="zh-CN" sz="2400" dirty="0" smtClean="0"/>
+                  <a:t>Policy  : 		</a:t>
+                </a:r>
+                <a14:m>
+                  <m:oMath xmlns:m="http://schemas.openxmlformats.org/officeDocument/2006/math">
+                    <m:d>
+                      <m:dPr>
+                        <m:begChr m:val=""/>
+                        <m:ctrlPr>
+                          <a:rPr lang="zh-CN" altLang="en-US" sz="2400">
+                            <a:latin typeface="Cambria Math" panose="02040503050406030204" pitchFamily="18" charset="0"/>
+                          </a:rPr>
+                        </m:ctrlPr>
+                      </m:dPr>
+                      <m:e>
+                        <m:r>
+                          <a:rPr lang="zh-CN" altLang="en-US" sz="2400" i="1">
+                            <a:latin typeface="Cambria Math" panose="02040503050406030204" pitchFamily="18" charset="0"/>
+                          </a:rPr>
+                          <m:t>𝜋</m:t>
+                        </m:r>
+                        <m:r>
+                          <a:rPr lang="zh-CN" altLang="en-US" sz="2400" i="0">
+                            <a:latin typeface="Cambria Math" panose="02040503050406030204" pitchFamily="18" charset="0"/>
+                          </a:rPr>
+                          <m:t>(</m:t>
+                        </m:r>
+                        <m:r>
+                          <a:rPr lang="zh-CN" altLang="en-US" sz="2400" i="1">
+                            <a:latin typeface="Cambria Math" panose="02040503050406030204" pitchFamily="18" charset="0"/>
+                          </a:rPr>
+                          <m:t>𝑎</m:t>
+                        </m:r>
+                        <m:r>
+                          <a:rPr lang="zh-CN" altLang="en-US" sz="2400" i="0">
+                            <a:latin typeface="Cambria Math" panose="02040503050406030204" pitchFamily="18" charset="0"/>
+                          </a:rPr>
+                          <m:t>|</m:t>
+                        </m:r>
+                        <m:r>
+                          <a:rPr lang="zh-CN" altLang="en-US" sz="2400" i="1">
+                            <a:latin typeface="Cambria Math" panose="02040503050406030204" pitchFamily="18" charset="0"/>
+                          </a:rPr>
+                          <m:t>𝑠</m:t>
+                        </m:r>
+                        <m:r>
+                          <a:rPr lang="zh-CN" altLang="en-US" sz="2400" i="0">
+                            <a:latin typeface="Cambria Math" panose="02040503050406030204" pitchFamily="18" charset="0"/>
+                          </a:rPr>
+                          <m:t>)=</m:t>
+                        </m:r>
+                        <m:r>
+                          <a:rPr lang="zh-CN" altLang="en-US" sz="2400" i="1">
+                            <a:latin typeface="Cambria Math" panose="02040503050406030204" pitchFamily="18" charset="0"/>
+                          </a:rPr>
+                          <m:t>𝑃</m:t>
+                        </m:r>
+                        <m:r>
+                          <a:rPr lang="zh-CN" altLang="en-US" sz="2400" i="0">
+                            <a:latin typeface="Cambria Math" panose="02040503050406030204" pitchFamily="18" charset="0"/>
+                          </a:rPr>
+                          <m:t>(</m:t>
+                        </m:r>
+                        <m:sSub>
+                          <m:sSubPr>
+                            <m:ctrlPr>
+                              <a:rPr lang="zh-CN" altLang="en-US" sz="2400" i="1">
+                                <a:latin typeface="Cambria Math" panose="02040503050406030204" pitchFamily="18" charset="0"/>
+                              </a:rPr>
+                            </m:ctrlPr>
+                          </m:sSubPr>
+                          <m:e>
+                            <m:r>
+                              <a:rPr lang="zh-CN" altLang="en-US" sz="2400" i="1">
+                                <a:latin typeface="Cambria Math" panose="02040503050406030204" pitchFamily="18" charset="0"/>
+                              </a:rPr>
+                              <m:t>𝐴</m:t>
+                            </m:r>
+                          </m:e>
+                          <m:sub>
+                            <m:r>
+                              <a:rPr lang="zh-CN" altLang="en-US" sz="2400" i="1">
+                                <a:latin typeface="Cambria Math" panose="02040503050406030204" pitchFamily="18" charset="0"/>
+                              </a:rPr>
+                              <m:t>𝑡</m:t>
+                            </m:r>
+                          </m:sub>
+                        </m:sSub>
+                        <m:r>
+                          <a:rPr lang="zh-CN" altLang="en-US" sz="2400" i="0">
+                            <a:latin typeface="Cambria Math" panose="02040503050406030204" pitchFamily="18" charset="0"/>
+                          </a:rPr>
+                          <m:t>=</m:t>
+                        </m:r>
+                        <m:r>
+                          <a:rPr lang="zh-CN" altLang="en-US" sz="2400" i="1">
+                            <a:latin typeface="Cambria Math" panose="02040503050406030204" pitchFamily="18" charset="0"/>
+                          </a:rPr>
+                          <m:t>𝑎</m:t>
+                        </m:r>
+                        <m:r>
+                          <a:rPr lang="zh-CN" altLang="en-US" sz="2400" i="0">
+                            <a:latin typeface="Cambria Math" panose="02040503050406030204" pitchFamily="18" charset="0"/>
+                          </a:rPr>
+                          <m:t>|</m:t>
+                        </m:r>
+                        <m:sSub>
+                          <m:sSubPr>
+                            <m:ctrlPr>
+                              <a:rPr lang="zh-CN" altLang="en-US" sz="2400" i="1">
+                                <a:latin typeface="Cambria Math" panose="02040503050406030204" pitchFamily="18" charset="0"/>
+                              </a:rPr>
+                            </m:ctrlPr>
+                          </m:sSubPr>
+                          <m:e>
+                            <m:r>
+                              <a:rPr lang="zh-CN" altLang="en-US" sz="2400" i="1">
+                                <a:latin typeface="Cambria Math" panose="02040503050406030204" pitchFamily="18" charset="0"/>
+                              </a:rPr>
+                              <m:t>𝑆</m:t>
+                            </m:r>
+                          </m:e>
+                          <m:sub>
+                            <m:r>
+                              <a:rPr lang="zh-CN" altLang="en-US" sz="2400" i="1">
+                                <a:latin typeface="Cambria Math" panose="02040503050406030204" pitchFamily="18" charset="0"/>
+                              </a:rPr>
+                              <m:t>𝑡</m:t>
+                            </m:r>
+                          </m:sub>
+                        </m:sSub>
+                        <m:r>
+                          <a:rPr lang="zh-CN" altLang="en-US" sz="2400" i="0">
+                            <a:latin typeface="Cambria Math" panose="02040503050406030204" pitchFamily="18" charset="0"/>
+                          </a:rPr>
+                          <m:t>=</m:t>
+                        </m:r>
+                        <m:r>
+                          <a:rPr lang="zh-CN" altLang="en-US" sz="2400" i="1">
+                            <a:latin typeface="Cambria Math" panose="02040503050406030204" pitchFamily="18" charset="0"/>
+                          </a:rPr>
+                          <m:t>𝑠</m:t>
+                        </m:r>
+                      </m:e>
+                    </m:d>
+                  </m:oMath>
+                </a14:m>
+                <a:endParaRPr lang="zh-CN" altLang="en-US" sz="2400" dirty="0"/>
+              </a:p>
+            </p:txBody>
+          </p:sp>
+        </mc:Choice>
+        <mc:Fallback>
+          <p:sp>
+            <p:nvSpPr>
+              <p:cNvPr id="29" name="矩形 28"/>
+              <p:cNvSpPr>
+                <a:spLocks noRot="1" noChangeAspect="1" noMove="1" noResize="1" noEditPoints="1" noAdjustHandles="1" noChangeArrowheads="1" noChangeShapeType="1" noTextEdit="1"/>
+              </p:cNvSpPr>
+              <p:nvPr/>
+            </p:nvSpPr>
+            <p:spPr>
+              <a:xfrm>
+                <a:off x="282265" y="4267879"/>
+                <a:ext cx="6488636" cy="461665"/>
+              </a:xfrm>
+              <a:prstGeom prst="rect">
+                <a:avLst/>
+              </a:prstGeom>
+              <a:blipFill>
+                <a:blip r:embed="rId10"/>
+                <a:stretch>
+                  <a:fillRect l="-1408" t="-130263" r="-9953" b="-194737"/>
+                </a:stretch>
+              </a:blipFill>
+            </p:spPr>
+            <p:txBody>
+              <a:bodyPr/>
+              <a:lstStyle/>
+              <a:p>
+                <a:r>
+                  <a:rPr lang="zh-CN" altLang="en-US">
+                    <a:noFill/>
+                  </a:rPr>
+                  <a:t> </a:t>
+                </a:r>
+              </a:p>
+            </p:txBody>
+          </p:sp>
+        </mc:Fallback>
+      </mc:AlternateContent>
+      <mc:AlternateContent xmlns:mc="http://schemas.openxmlformats.org/markup-compatibility/2006">
+        <mc:Choice xmlns:a14="http://schemas.microsoft.com/office/drawing/2010/main" Requires="a14">
+          <p:sp>
+            <p:nvSpPr>
+              <p:cNvPr id="30" name="矩形 29"/>
+              <p:cNvSpPr/>
+              <p:nvPr/>
+            </p:nvSpPr>
+            <p:spPr>
+              <a:xfrm>
+                <a:off x="315259" y="4786885"/>
+                <a:ext cx="5999976" cy="461665"/>
+              </a:xfrm>
+              <a:prstGeom prst="rect">
+                <a:avLst/>
+              </a:prstGeom>
+            </p:spPr>
+            <p:txBody>
+              <a:bodyPr wrap="none">
+                <a:spAutoFit/>
+              </a:bodyPr>
+              <a:lstStyle/>
+              <a:p>
+                <a:r>
+                  <a:rPr lang="en-US" altLang="zh-CN" sz="2400" b="0" dirty="0" smtClean="0"/>
+                  <a:t>Value function :	 </a:t>
+                </a:r>
+                <a14:m>
+                  <m:oMath xmlns:m="http://schemas.openxmlformats.org/officeDocument/2006/math">
+                    <m:r>
+                      <a:rPr lang="en-US" altLang="zh-CN" sz="2400" b="0" i="0" smtClean="0">
+                        <a:latin typeface="Cambria Math" panose="02040503050406030204" pitchFamily="18" charset="0"/>
+                      </a:rPr>
+                      <m:t> </m:t>
+                    </m:r>
+                    <m:d>
+                      <m:dPr>
+                        <m:begChr m:val=""/>
+                        <m:ctrlPr>
+                          <a:rPr lang="zh-CN" altLang="en-US" sz="2400" smtClean="0">
+                            <a:latin typeface="Cambria Math" panose="02040503050406030204" pitchFamily="18" charset="0"/>
+                          </a:rPr>
+                        </m:ctrlPr>
+                      </m:dPr>
+                      <m:e>
+                        <m:sSub>
+                          <m:sSubPr>
+                            <m:ctrlPr>
+                              <a:rPr lang="zh-CN" altLang="en-US" sz="2400">
+                                <a:latin typeface="Cambria Math" panose="02040503050406030204" pitchFamily="18" charset="0"/>
+                              </a:rPr>
+                            </m:ctrlPr>
+                          </m:sSubPr>
+                          <m:e>
+                            <m:r>
+                              <a:rPr lang="en-US" altLang="zh-CN" sz="2400" b="0" i="1" smtClean="0">
+                                <a:latin typeface="Cambria Math" panose="02040503050406030204" pitchFamily="18" charset="0"/>
+                              </a:rPr>
+                              <m:t>𝑉</m:t>
+                            </m:r>
+                          </m:e>
+                          <m:sub>
+                            <m:r>
+                              <a:rPr lang="zh-CN" altLang="en-US" sz="2400" i="1">
+                                <a:latin typeface="Cambria Math" panose="02040503050406030204" pitchFamily="18" charset="0"/>
+                              </a:rPr>
+                              <m:t>𝜋</m:t>
+                            </m:r>
+                          </m:sub>
+                        </m:sSub>
+                        <m:r>
+                          <a:rPr lang="zh-CN" altLang="en-US" sz="2400" i="0">
+                            <a:latin typeface="Cambria Math" panose="02040503050406030204" pitchFamily="18" charset="0"/>
+                          </a:rPr>
+                          <m:t>(</m:t>
+                        </m:r>
+                        <m:r>
+                          <a:rPr lang="zh-CN" altLang="en-US" sz="2400" i="1">
+                            <a:latin typeface="Cambria Math" panose="02040503050406030204" pitchFamily="18" charset="0"/>
+                          </a:rPr>
+                          <m:t>𝑠</m:t>
+                        </m:r>
+                        <m:r>
+                          <a:rPr lang="zh-CN" altLang="en-US" sz="2400" i="0">
+                            <a:latin typeface="Cambria Math" panose="02040503050406030204" pitchFamily="18" charset="0"/>
+                          </a:rPr>
+                          <m:t>)=</m:t>
+                        </m:r>
+                        <m:sSub>
+                          <m:sSubPr>
+                            <m:ctrlPr>
+                              <a:rPr lang="en-US" altLang="zh-CN" sz="2400" b="0" i="1" smtClean="0">
+                                <a:latin typeface="Cambria Math" panose="02040503050406030204" pitchFamily="18" charset="0"/>
+                              </a:rPr>
+                            </m:ctrlPr>
+                          </m:sSubPr>
+                          <m:e>
+                            <m:r>
+                              <a:rPr lang="zh-CN" altLang="en-US" sz="2400" i="1">
+                                <a:latin typeface="Cambria Math" panose="02040503050406030204" pitchFamily="18" charset="0"/>
+                              </a:rPr>
+                              <m:t>𝐸</m:t>
+                            </m:r>
+                          </m:e>
+                          <m:sub>
+                            <m:r>
+                              <a:rPr lang="en-US" altLang="zh-CN" sz="2400" b="0" i="1" smtClean="0">
+                                <a:latin typeface="Cambria Math" panose="02040503050406030204" pitchFamily="18" charset="0"/>
+                              </a:rPr>
+                              <m:t>𝜋</m:t>
+                            </m:r>
+                          </m:sub>
+                        </m:sSub>
+                        <m:r>
+                          <a:rPr lang="zh-CN" altLang="en-US" sz="2400" i="0">
+                            <a:latin typeface="Cambria Math" panose="02040503050406030204" pitchFamily="18" charset="0"/>
+                          </a:rPr>
+                          <m:t>(</m:t>
+                        </m:r>
+                        <m:sSub>
+                          <m:sSubPr>
+                            <m:ctrlPr>
+                              <a:rPr lang="zh-CN" altLang="en-US" sz="2400" i="1">
+                                <a:latin typeface="Cambria Math" panose="02040503050406030204" pitchFamily="18" charset="0"/>
+                              </a:rPr>
+                            </m:ctrlPr>
+                          </m:sSubPr>
+                          <m:e>
+                            <m:r>
+                              <a:rPr lang="zh-CN" altLang="en-US" sz="2400" i="1">
+                                <a:latin typeface="Cambria Math" panose="02040503050406030204" pitchFamily="18" charset="0"/>
+                              </a:rPr>
+                              <m:t>𝐺</m:t>
+                            </m:r>
+                          </m:e>
+                          <m:sub>
+                            <m:r>
+                              <a:rPr lang="zh-CN" altLang="en-US" sz="2400" i="1">
+                                <a:latin typeface="Cambria Math" panose="02040503050406030204" pitchFamily="18" charset="0"/>
+                              </a:rPr>
+                              <m:t>𝑡</m:t>
+                            </m:r>
+                          </m:sub>
+                        </m:sSub>
+                        <m:r>
+                          <a:rPr lang="zh-CN" altLang="en-US" sz="2400" i="0">
+                            <a:latin typeface="Cambria Math" panose="02040503050406030204" pitchFamily="18" charset="0"/>
+                          </a:rPr>
+                          <m:t>|</m:t>
+                        </m:r>
+                        <m:sSub>
+                          <m:sSubPr>
+                            <m:ctrlPr>
+                              <a:rPr lang="zh-CN" altLang="en-US" sz="2400" i="1">
+                                <a:latin typeface="Cambria Math" panose="02040503050406030204" pitchFamily="18" charset="0"/>
+                              </a:rPr>
+                            </m:ctrlPr>
+                          </m:sSubPr>
+                          <m:e>
+                            <m:r>
+                              <a:rPr lang="zh-CN" altLang="en-US" sz="2400" i="1">
+                                <a:latin typeface="Cambria Math" panose="02040503050406030204" pitchFamily="18" charset="0"/>
+                              </a:rPr>
+                              <m:t>𝑆</m:t>
+                            </m:r>
+                          </m:e>
+                          <m:sub>
+                            <m:r>
+                              <a:rPr lang="zh-CN" altLang="en-US" sz="2400" i="1">
+                                <a:latin typeface="Cambria Math" panose="02040503050406030204" pitchFamily="18" charset="0"/>
+                              </a:rPr>
+                              <m:t>𝑡</m:t>
+                            </m:r>
+                          </m:sub>
+                        </m:sSub>
+                        <m:r>
+                          <a:rPr lang="zh-CN" altLang="en-US" sz="2400" i="0">
+                            <a:latin typeface="Cambria Math" panose="02040503050406030204" pitchFamily="18" charset="0"/>
+                          </a:rPr>
+                          <m:t>=</m:t>
+                        </m:r>
+                        <m:r>
+                          <a:rPr lang="zh-CN" altLang="en-US" sz="2400" i="1">
+                            <a:latin typeface="Cambria Math" panose="02040503050406030204" pitchFamily="18" charset="0"/>
+                          </a:rPr>
+                          <m:t>𝑠</m:t>
+                        </m:r>
+                      </m:e>
+                    </m:d>
+                  </m:oMath>
+                </a14:m>
+                <a:endParaRPr lang="zh-CN" altLang="en-US" sz="2400" dirty="0"/>
+              </a:p>
+            </p:txBody>
+          </p:sp>
+        </mc:Choice>
+        <mc:Fallback>
+          <p:sp>
+            <p:nvSpPr>
+              <p:cNvPr id="30" name="矩形 29"/>
+              <p:cNvSpPr>
+                <a:spLocks noRot="1" noChangeAspect="1" noMove="1" noResize="1" noEditPoints="1" noAdjustHandles="1" noChangeArrowheads="1" noChangeShapeType="1" noTextEdit="1"/>
+              </p:cNvSpPr>
+              <p:nvPr/>
+            </p:nvSpPr>
+            <p:spPr>
+              <a:xfrm>
+                <a:off x="315259" y="4786885"/>
+                <a:ext cx="5999976" cy="461665"/>
+              </a:xfrm>
+              <a:prstGeom prst="rect">
+                <a:avLst/>
+              </a:prstGeom>
+              <a:blipFill>
+                <a:blip r:embed="rId11"/>
+                <a:stretch>
+                  <a:fillRect l="-1626" t="-130263" r="-10874" b="-194737"/>
+                </a:stretch>
+              </a:blipFill>
+            </p:spPr>
+            <p:txBody>
+              <a:bodyPr/>
+              <a:lstStyle/>
+              <a:p>
+                <a:r>
+                  <a:rPr lang="zh-CN" altLang="en-US">
+                    <a:noFill/>
+                  </a:rPr>
+                  <a:t> </a:t>
+                </a:r>
+              </a:p>
+            </p:txBody>
+          </p:sp>
+        </mc:Fallback>
+      </mc:AlternateContent>
+      <mc:AlternateContent xmlns:mc="http://schemas.openxmlformats.org/markup-compatibility/2006">
+        <mc:Choice xmlns:a14="http://schemas.microsoft.com/office/drawing/2010/main" Requires="a14">
+          <p:sp>
+            <p:nvSpPr>
+              <p:cNvPr id="31" name="矩形 30"/>
+              <p:cNvSpPr/>
+              <p:nvPr/>
+            </p:nvSpPr>
+            <p:spPr>
+              <a:xfrm>
+                <a:off x="286231" y="5313439"/>
+                <a:ext cx="7209794" cy="461665"/>
+              </a:xfrm>
+              <a:prstGeom prst="rect">
+                <a:avLst/>
+              </a:prstGeom>
+            </p:spPr>
+            <p:txBody>
+              <a:bodyPr wrap="none">
+                <a:spAutoFit/>
+              </a:bodyPr>
+              <a:lstStyle/>
+              <a:p>
+                <a:r>
+                  <a:rPr lang="en-US" altLang="zh-CN" sz="2400" dirty="0" smtClean="0"/>
+                  <a:t>Action value function : </a:t>
+                </a:r>
+                <a14:m>
+                  <m:oMath xmlns:m="http://schemas.openxmlformats.org/officeDocument/2006/math">
+                    <m:d>
+                      <m:dPr>
+                        <m:begChr m:val=""/>
+                        <m:ctrlPr>
+                          <a:rPr lang="zh-CN" altLang="en-US" sz="2400">
+                            <a:latin typeface="Cambria Math" panose="02040503050406030204" pitchFamily="18" charset="0"/>
+                          </a:rPr>
+                        </m:ctrlPr>
+                      </m:dPr>
+                      <m:e>
+                        <m:sSub>
+                          <m:sSubPr>
+                            <m:ctrlPr>
+                              <a:rPr lang="zh-CN" altLang="en-US" sz="2400">
+                                <a:latin typeface="Cambria Math" panose="02040503050406030204" pitchFamily="18" charset="0"/>
+                              </a:rPr>
+                            </m:ctrlPr>
+                          </m:sSubPr>
+                          <m:e>
+                            <m:r>
+                              <a:rPr lang="zh-CN" altLang="en-US" sz="2400" i="1">
+                                <a:latin typeface="Cambria Math" panose="02040503050406030204" pitchFamily="18" charset="0"/>
+                              </a:rPr>
+                              <m:t>𝑄</m:t>
+                            </m:r>
+                          </m:e>
+                          <m:sub>
+                            <m:r>
+                              <a:rPr lang="zh-CN" altLang="en-US" sz="2400" i="1">
+                                <a:latin typeface="Cambria Math" panose="02040503050406030204" pitchFamily="18" charset="0"/>
+                              </a:rPr>
+                              <m:t>𝜋</m:t>
+                            </m:r>
+                          </m:sub>
+                        </m:sSub>
+                        <m:r>
+                          <a:rPr lang="zh-CN" altLang="en-US" sz="2400" i="0">
+                            <a:latin typeface="Cambria Math" panose="02040503050406030204" pitchFamily="18" charset="0"/>
+                          </a:rPr>
+                          <m:t>(</m:t>
+                        </m:r>
+                        <m:r>
+                          <a:rPr lang="zh-CN" altLang="en-US" sz="2400" i="1">
+                            <a:latin typeface="Cambria Math" panose="02040503050406030204" pitchFamily="18" charset="0"/>
+                          </a:rPr>
+                          <m:t>𝑠</m:t>
+                        </m:r>
+                        <m:r>
+                          <a:rPr lang="zh-CN" altLang="en-US" sz="2400" i="0">
+                            <a:latin typeface="Cambria Math" panose="02040503050406030204" pitchFamily="18" charset="0"/>
+                          </a:rPr>
+                          <m:t>,</m:t>
+                        </m:r>
+                        <m:r>
+                          <a:rPr lang="zh-CN" altLang="en-US" sz="2400" i="1">
+                            <a:latin typeface="Cambria Math" panose="02040503050406030204" pitchFamily="18" charset="0"/>
+                          </a:rPr>
+                          <m:t>𝑎</m:t>
+                        </m:r>
+                        <m:r>
+                          <a:rPr lang="zh-CN" altLang="en-US" sz="2400" i="0">
+                            <a:latin typeface="Cambria Math" panose="02040503050406030204" pitchFamily="18" charset="0"/>
+                          </a:rPr>
+                          <m:t>)=</m:t>
+                        </m:r>
+                        <m:r>
+                          <a:rPr lang="zh-CN" altLang="en-US" sz="2400" i="1">
+                            <a:latin typeface="Cambria Math" panose="02040503050406030204" pitchFamily="18" charset="0"/>
+                          </a:rPr>
+                          <m:t>𝐸</m:t>
+                        </m:r>
+                        <m:r>
+                          <a:rPr lang="zh-CN" altLang="en-US" sz="2400" i="0">
+                            <a:latin typeface="Cambria Math" panose="02040503050406030204" pitchFamily="18" charset="0"/>
+                          </a:rPr>
+                          <m:t>(</m:t>
+                        </m:r>
+                        <m:sSub>
+                          <m:sSubPr>
+                            <m:ctrlPr>
+                              <a:rPr lang="zh-CN" altLang="en-US" sz="2400" i="1">
+                                <a:latin typeface="Cambria Math" panose="02040503050406030204" pitchFamily="18" charset="0"/>
+                              </a:rPr>
+                            </m:ctrlPr>
+                          </m:sSubPr>
+                          <m:e>
+                            <m:r>
+                              <a:rPr lang="zh-CN" altLang="en-US" sz="2400" i="1">
+                                <a:latin typeface="Cambria Math" panose="02040503050406030204" pitchFamily="18" charset="0"/>
+                              </a:rPr>
+                              <m:t>𝐺</m:t>
+                            </m:r>
+                          </m:e>
+                          <m:sub>
+                            <m:r>
+                              <a:rPr lang="zh-CN" altLang="en-US" sz="2400" i="1">
+                                <a:latin typeface="Cambria Math" panose="02040503050406030204" pitchFamily="18" charset="0"/>
+                              </a:rPr>
+                              <m:t>𝑡</m:t>
+                            </m:r>
+                          </m:sub>
+                        </m:sSub>
+                        <m:r>
+                          <a:rPr lang="zh-CN" altLang="en-US" sz="2400" i="0">
+                            <a:latin typeface="Cambria Math" panose="02040503050406030204" pitchFamily="18" charset="0"/>
+                          </a:rPr>
+                          <m:t>|</m:t>
+                        </m:r>
+                        <m:sSub>
+                          <m:sSubPr>
+                            <m:ctrlPr>
+                              <a:rPr lang="zh-CN" altLang="en-US" sz="2400" i="1">
+                                <a:latin typeface="Cambria Math" panose="02040503050406030204" pitchFamily="18" charset="0"/>
+                              </a:rPr>
+                            </m:ctrlPr>
+                          </m:sSubPr>
+                          <m:e>
+                            <m:r>
+                              <a:rPr lang="zh-CN" altLang="en-US" sz="2400" i="1">
+                                <a:latin typeface="Cambria Math" panose="02040503050406030204" pitchFamily="18" charset="0"/>
+                              </a:rPr>
+                              <m:t>𝑆</m:t>
+                            </m:r>
+                          </m:e>
+                          <m:sub>
+                            <m:r>
+                              <a:rPr lang="zh-CN" altLang="en-US" sz="2400" i="1">
+                                <a:latin typeface="Cambria Math" panose="02040503050406030204" pitchFamily="18" charset="0"/>
+                              </a:rPr>
+                              <m:t>𝑡</m:t>
+                            </m:r>
+                          </m:sub>
+                        </m:sSub>
+                        <m:r>
+                          <a:rPr lang="zh-CN" altLang="en-US" sz="2400" i="0">
+                            <a:latin typeface="Cambria Math" panose="02040503050406030204" pitchFamily="18" charset="0"/>
+                          </a:rPr>
+                          <m:t>=</m:t>
+                        </m:r>
+                        <m:r>
+                          <a:rPr lang="zh-CN" altLang="en-US" sz="2400" i="1">
+                            <a:latin typeface="Cambria Math" panose="02040503050406030204" pitchFamily="18" charset="0"/>
+                          </a:rPr>
+                          <m:t>𝑠</m:t>
+                        </m:r>
+                        <m:r>
+                          <a:rPr lang="zh-CN" altLang="en-US" sz="2400" i="0">
+                            <a:latin typeface="Cambria Math" panose="02040503050406030204" pitchFamily="18" charset="0"/>
+                          </a:rPr>
+                          <m:t>,</m:t>
+                        </m:r>
+                        <m:sSub>
+                          <m:sSubPr>
+                            <m:ctrlPr>
+                              <a:rPr lang="zh-CN" altLang="en-US" sz="2400" i="1">
+                                <a:latin typeface="Cambria Math" panose="02040503050406030204" pitchFamily="18" charset="0"/>
+                              </a:rPr>
+                            </m:ctrlPr>
+                          </m:sSubPr>
+                          <m:e>
+                            <m:r>
+                              <a:rPr lang="zh-CN" altLang="en-US" sz="2400" i="1">
+                                <a:latin typeface="Cambria Math" panose="02040503050406030204" pitchFamily="18" charset="0"/>
+                              </a:rPr>
+                              <m:t>𝐴</m:t>
+                            </m:r>
+                          </m:e>
+                          <m:sub>
+                            <m:r>
+                              <a:rPr lang="zh-CN" altLang="en-US" sz="2400" i="1">
+                                <a:latin typeface="Cambria Math" panose="02040503050406030204" pitchFamily="18" charset="0"/>
+                              </a:rPr>
+                              <m:t>𝑡</m:t>
+                            </m:r>
+                          </m:sub>
+                        </m:sSub>
+                        <m:r>
+                          <a:rPr lang="zh-CN" altLang="en-US" sz="2400" i="0">
+                            <a:latin typeface="Cambria Math" panose="02040503050406030204" pitchFamily="18" charset="0"/>
+                          </a:rPr>
+                          <m:t>=</m:t>
+                        </m:r>
+                        <m:r>
+                          <a:rPr lang="zh-CN" altLang="en-US" sz="2400" i="1">
+                            <a:latin typeface="Cambria Math" panose="02040503050406030204" pitchFamily="18" charset="0"/>
+                          </a:rPr>
+                          <m:t>𝑎</m:t>
+                        </m:r>
+                      </m:e>
+                    </m:d>
+                  </m:oMath>
+                </a14:m>
+                <a:endParaRPr lang="zh-CN" altLang="en-US" sz="2400" dirty="0"/>
+              </a:p>
+            </p:txBody>
+          </p:sp>
+        </mc:Choice>
+        <mc:Fallback>
+          <p:sp>
+            <p:nvSpPr>
+              <p:cNvPr id="31" name="矩形 30"/>
+              <p:cNvSpPr>
+                <a:spLocks noRot="1" noChangeAspect="1" noMove="1" noResize="1" noEditPoints="1" noAdjustHandles="1" noChangeArrowheads="1" noChangeShapeType="1" noTextEdit="1"/>
+              </p:cNvSpPr>
+              <p:nvPr/>
+            </p:nvSpPr>
+            <p:spPr>
+              <a:xfrm>
+                <a:off x="286231" y="5313439"/>
+                <a:ext cx="7209794" cy="461665"/>
+              </a:xfrm>
+              <a:prstGeom prst="rect">
+                <a:avLst/>
+              </a:prstGeom>
+              <a:blipFill>
+                <a:blip r:embed="rId12"/>
+                <a:stretch>
+                  <a:fillRect l="-1352" t="-132000" r="-8791" b="-198667"/>
+                </a:stretch>
+              </a:blipFill>
+            </p:spPr>
+            <p:txBody>
+              <a:bodyPr/>
+              <a:lstStyle/>
+              <a:p>
+                <a:r>
+                  <a:rPr lang="zh-CN" altLang="en-US">
+                    <a:noFill/>
+                  </a:rPr>
+                  <a:t> </a:t>
+                </a:r>
+              </a:p>
+            </p:txBody>
+          </p:sp>
+        </mc:Fallback>
+      </mc:AlternateContent>
+      <mc:AlternateContent xmlns:mc="http://schemas.openxmlformats.org/markup-compatibility/2006">
+        <mc:Choice xmlns:a14="http://schemas.microsoft.com/office/drawing/2010/main" Requires="a14">
+          <p:sp>
+            <p:nvSpPr>
+              <p:cNvPr id="32" name="矩形 31"/>
+              <p:cNvSpPr/>
+              <p:nvPr/>
+            </p:nvSpPr>
+            <p:spPr>
+              <a:xfrm>
+                <a:off x="282265" y="3647769"/>
+                <a:ext cx="5376408" cy="607923"/>
+              </a:xfrm>
+              <a:prstGeom prst="rect">
+                <a:avLst/>
+              </a:prstGeom>
+            </p:spPr>
+            <p:txBody>
+              <a:bodyPr wrap="none">
+                <a:spAutoFit/>
+              </a:bodyPr>
+              <a:lstStyle/>
+              <a:p>
+                <a:r>
+                  <a:rPr lang="en-US" altLang="zh-CN" sz="2400" dirty="0" smtClean="0"/>
+                  <a:t>Return : 		</a:t>
+                </a:r>
+                <a14:m>
+                  <m:oMath xmlns:m="http://schemas.openxmlformats.org/officeDocument/2006/math">
+                    <m:r>
+                      <a:rPr lang="en-US" altLang="zh-CN" sz="2400" b="0" i="0" smtClean="0">
+                        <a:latin typeface="Cambria Math" panose="02040503050406030204" pitchFamily="18" charset="0"/>
+                      </a:rPr>
+                      <m:t> </m:t>
+                    </m:r>
+                    <m:sSub>
+                      <m:sSubPr>
+                        <m:ctrlPr>
+                          <a:rPr lang="zh-CN" altLang="en-US" sz="2400">
+                            <a:latin typeface="Cambria Math" panose="02040503050406030204" pitchFamily="18" charset="0"/>
+                          </a:rPr>
+                        </m:ctrlPr>
+                      </m:sSubPr>
+                      <m:e>
+                        <m:r>
+                          <a:rPr lang="zh-CN" altLang="en-US" sz="2400" i="1">
+                            <a:latin typeface="Cambria Math" panose="02040503050406030204" pitchFamily="18" charset="0"/>
+                          </a:rPr>
+                          <m:t>𝐺</m:t>
+                        </m:r>
+                      </m:e>
+                      <m:sub>
+                        <m:r>
+                          <a:rPr lang="zh-CN" altLang="en-US" sz="2400" i="1">
+                            <a:latin typeface="Cambria Math" panose="02040503050406030204" pitchFamily="18" charset="0"/>
+                          </a:rPr>
+                          <m:t>𝑡</m:t>
+                        </m:r>
+                      </m:sub>
+                    </m:sSub>
+                    <m:r>
+                      <a:rPr lang="zh-CN" altLang="en-US" sz="2400" i="0">
+                        <a:latin typeface="Cambria Math" panose="02040503050406030204" pitchFamily="18" charset="0"/>
+                      </a:rPr>
+                      <m:t>=</m:t>
+                    </m:r>
+                    <m:nary>
+                      <m:naryPr>
+                        <m:chr m:val="∑"/>
+                        <m:limLoc m:val="undOvr"/>
+                        <m:grow m:val="on"/>
+                        <m:ctrlPr>
+                          <a:rPr lang="zh-CN" altLang="en-US" sz="2400" i="1">
+                            <a:latin typeface="Cambria Math" panose="02040503050406030204" pitchFamily="18" charset="0"/>
+                          </a:rPr>
+                        </m:ctrlPr>
+                      </m:naryPr>
+                      <m:sub>
+                        <m:r>
+                          <a:rPr lang="zh-CN" altLang="en-US" sz="2400" i="1">
+                            <a:latin typeface="Cambria Math" panose="02040503050406030204" pitchFamily="18" charset="0"/>
+                          </a:rPr>
+                          <m:t>𝑖</m:t>
+                        </m:r>
+                        <m:r>
+                          <a:rPr lang="zh-CN" altLang="en-US" sz="2400" i="0">
+                            <a:latin typeface="Cambria Math" panose="02040503050406030204" pitchFamily="18" charset="0"/>
+                          </a:rPr>
+                          <m:t>=1</m:t>
+                        </m:r>
+                      </m:sub>
+                      <m:sup>
+                        <m:r>
+                          <a:rPr lang="zh-CN" altLang="en-US" sz="2400" i="1">
+                            <a:latin typeface="Cambria Math" panose="02040503050406030204" pitchFamily="18" charset="0"/>
+                          </a:rPr>
+                          <m:t>𝑇</m:t>
+                        </m:r>
+                        <m:r>
+                          <a:rPr lang="zh-CN" altLang="en-US" sz="2400" i="0">
+                            <a:latin typeface="Cambria Math" panose="02040503050406030204" pitchFamily="18" charset="0"/>
+                          </a:rPr>
+                          <m:t>−</m:t>
+                        </m:r>
+                        <m:r>
+                          <a:rPr lang="zh-CN" altLang="en-US" sz="2400" i="1">
+                            <a:latin typeface="Cambria Math" panose="02040503050406030204" pitchFamily="18" charset="0"/>
+                          </a:rPr>
+                          <m:t>𝑡</m:t>
+                        </m:r>
+                      </m:sup>
+                      <m:e>
+                        <m:sSup>
+                          <m:sSupPr>
+                            <m:ctrlPr>
+                              <a:rPr lang="zh-CN" altLang="en-US" sz="2400" i="1">
+                                <a:latin typeface="Cambria Math" panose="02040503050406030204" pitchFamily="18" charset="0"/>
+                              </a:rPr>
+                            </m:ctrlPr>
+                          </m:sSupPr>
+                          <m:e>
+                            <m:r>
+                              <a:rPr lang="zh-CN" altLang="en-US" sz="2400" i="1">
+                                <a:latin typeface="Cambria Math" panose="02040503050406030204" pitchFamily="18" charset="0"/>
+                              </a:rPr>
+                              <m:t>𝛾</m:t>
+                            </m:r>
+                          </m:e>
+                          <m:sup>
+                            <m:r>
+                              <a:rPr lang="zh-CN" altLang="en-US" sz="2400" i="1">
+                                <a:latin typeface="Cambria Math" panose="02040503050406030204" pitchFamily="18" charset="0"/>
+                              </a:rPr>
+                              <m:t>𝑖</m:t>
+                            </m:r>
+                          </m:sup>
+                        </m:sSup>
+                        <m:sSub>
+                          <m:sSubPr>
+                            <m:ctrlPr>
+                              <a:rPr lang="zh-CN" altLang="en-US" sz="2400" i="1">
+                                <a:latin typeface="Cambria Math" panose="02040503050406030204" pitchFamily="18" charset="0"/>
+                              </a:rPr>
+                            </m:ctrlPr>
+                          </m:sSubPr>
+                          <m:e>
+                            <m:r>
+                              <a:rPr lang="zh-CN" altLang="en-US" sz="2400" i="1">
+                                <a:latin typeface="Cambria Math" panose="02040503050406030204" pitchFamily="18" charset="0"/>
+                              </a:rPr>
+                              <m:t>𝑅</m:t>
+                            </m:r>
+                          </m:e>
+                          <m:sub>
+                            <m:r>
+                              <a:rPr lang="zh-CN" altLang="en-US" sz="2400" i="1">
+                                <a:latin typeface="Cambria Math" panose="02040503050406030204" pitchFamily="18" charset="0"/>
+                              </a:rPr>
+                              <m:t>𝑡</m:t>
+                            </m:r>
+                            <m:r>
+                              <a:rPr lang="zh-CN" altLang="en-US" sz="2400" i="0">
+                                <a:latin typeface="Cambria Math" panose="02040503050406030204" pitchFamily="18" charset="0"/>
+                              </a:rPr>
+                              <m:t>+</m:t>
+                            </m:r>
+                            <m:r>
+                              <a:rPr lang="zh-CN" altLang="en-US" sz="2400" i="1">
+                                <a:latin typeface="Cambria Math" panose="02040503050406030204" pitchFamily="18" charset="0"/>
+                              </a:rPr>
+                              <m:t>𝑖</m:t>
+                            </m:r>
+                          </m:sub>
+                        </m:sSub>
+                      </m:e>
+                    </m:nary>
+                  </m:oMath>
+                </a14:m>
+                <a:endParaRPr lang="zh-CN" altLang="en-US" sz="2400" dirty="0"/>
+              </a:p>
+            </p:txBody>
+          </p:sp>
+        </mc:Choice>
+        <mc:Fallback>
+          <p:sp>
+            <p:nvSpPr>
+              <p:cNvPr id="32" name="矩形 31"/>
+              <p:cNvSpPr>
+                <a:spLocks noRot="1" noChangeAspect="1" noMove="1" noResize="1" noEditPoints="1" noAdjustHandles="1" noChangeArrowheads="1" noChangeShapeType="1" noTextEdit="1"/>
+              </p:cNvSpPr>
+              <p:nvPr/>
+            </p:nvSpPr>
+            <p:spPr>
+              <a:xfrm>
+                <a:off x="282265" y="3647769"/>
+                <a:ext cx="5376408" cy="607923"/>
+              </a:xfrm>
+              <a:prstGeom prst="rect">
+                <a:avLst/>
+              </a:prstGeom>
+              <a:blipFill>
+                <a:blip r:embed="rId13"/>
+                <a:stretch>
+                  <a:fillRect l="-1701" b="-13000"/>
+                </a:stretch>
+              </a:blipFill>
+            </p:spPr>
+            <p:txBody>
+              <a:bodyPr/>
+              <a:lstStyle/>
+              <a:p>
+                <a:r>
+                  <a:rPr lang="zh-CN" altLang="en-US">
+                    <a:noFill/>
+                  </a:rPr>
+                  <a:t> </a:t>
+                </a:r>
+              </a:p>
+            </p:txBody>
+          </p:sp>
+        </mc:Fallback>
+      </mc:AlternateContent>
+      <mc:AlternateContent xmlns:mc="http://schemas.openxmlformats.org/markup-compatibility/2006">
+        <mc:Choice xmlns:a14="http://schemas.microsoft.com/office/drawing/2010/main" Requires="a14">
+          <p:sp>
+            <p:nvSpPr>
+              <p:cNvPr id="33" name="文本框 32"/>
+              <p:cNvSpPr txBox="1"/>
+              <p:nvPr/>
+            </p:nvSpPr>
+            <p:spPr>
+              <a:xfrm>
+                <a:off x="280371" y="5794089"/>
+                <a:ext cx="4851521" cy="1403398"/>
+              </a:xfrm>
+              <a:prstGeom prst="rect">
+                <a:avLst/>
+              </a:prstGeom>
+              <a:noFill/>
+            </p:spPr>
+            <p:txBody>
+              <a:bodyPr wrap="none" rtlCol="0">
+                <a:spAutoFit/>
+              </a:bodyPr>
+              <a:lstStyle/>
+              <a:p>
+                <a:r>
+                  <a:rPr lang="en-US" altLang="zh-CN" sz="2400" dirty="0" smtClean="0"/>
+                  <a:t>Goal : maximize the expected return  </a:t>
+                </a:r>
+              </a:p>
+              <a:p>
+                <a:r>
+                  <a:rPr lang="en-US" altLang="zh-CN" sz="2400" dirty="0" smtClean="0"/>
+                  <a:t>	</a:t>
+                </a:r>
+                <a14:m>
+                  <m:oMath xmlns:m="http://schemas.openxmlformats.org/officeDocument/2006/math">
+                    <m:d>
+                      <m:dPr>
+                        <m:begChr m:val=""/>
+                        <m:ctrlPr>
+                          <a:rPr lang="zh-CN" altLang="en-US" sz="2400" i="1">
+                            <a:latin typeface="Cambria Math" panose="02040503050406030204" pitchFamily="18" charset="0"/>
+                          </a:rPr>
+                        </m:ctrlPr>
+                      </m:dPr>
+                      <m:e>
+                        <m:sSup>
+                          <m:sSupPr>
+                            <m:ctrlPr>
+                              <a:rPr lang="zh-CN" altLang="en-US" sz="2400" i="1">
+                                <a:latin typeface="Cambria Math" panose="02040503050406030204" pitchFamily="18" charset="0"/>
+                              </a:rPr>
+                            </m:ctrlPr>
+                          </m:sSupPr>
+                          <m:e>
+                            <m:r>
+                              <a:rPr lang="zh-CN" altLang="en-US" sz="2400" i="1">
+                                <a:latin typeface="Cambria Math" panose="02040503050406030204" pitchFamily="18" charset="0"/>
+                              </a:rPr>
+                              <m:t>𝜋</m:t>
+                            </m:r>
+                          </m:e>
+                          <m:sup>
+                            <m:r>
+                              <a:rPr lang="zh-CN" altLang="en-US" sz="2400">
+                                <a:latin typeface="Cambria Math" panose="02040503050406030204" pitchFamily="18" charset="0"/>
+                              </a:rPr>
+                              <m:t>∗</m:t>
+                            </m:r>
+                          </m:sup>
+                        </m:sSup>
+                        <m:r>
+                          <a:rPr lang="zh-CN" altLang="en-US" sz="2400">
+                            <a:latin typeface="Cambria Math" panose="02040503050406030204" pitchFamily="18" charset="0"/>
+                          </a:rPr>
+                          <m:t>=</m:t>
+                        </m:r>
+                        <m:limLow>
+                          <m:limLowPr>
+                            <m:ctrlPr>
+                              <a:rPr lang="zh-CN" altLang="en-US" sz="2400" i="1">
+                                <a:latin typeface="Cambria Math" panose="02040503050406030204" pitchFamily="18" charset="0"/>
+                              </a:rPr>
+                            </m:ctrlPr>
+                          </m:limLowPr>
+                          <m:e>
+                            <m:r>
+                              <m:rPr>
+                                <m:sty m:val="p"/>
+                              </m:rPr>
+                              <a:rPr lang="zh-CN" altLang="en-US" sz="2400">
+                                <a:latin typeface="Cambria Math" panose="02040503050406030204" pitchFamily="18" charset="0"/>
+                              </a:rPr>
+                              <m:t>argmax</m:t>
+                            </m:r>
+                          </m:e>
+                          <m:lim>
+                            <m:r>
+                              <a:rPr lang="zh-CN" altLang="en-US" sz="2400" i="1">
+                                <a:latin typeface="Cambria Math" panose="02040503050406030204" pitchFamily="18" charset="0"/>
+                              </a:rPr>
+                              <m:t>𝜋</m:t>
+                            </m:r>
+                          </m:lim>
+                        </m:limLow>
+                        <m:r>
+                          <a:rPr lang="zh-CN" altLang="en-US" sz="2400">
+                            <a:latin typeface="Cambria Math" panose="02040503050406030204" pitchFamily="18" charset="0"/>
+                          </a:rPr>
+                          <m:t>(</m:t>
+                        </m:r>
+                        <m:sSub>
+                          <m:sSubPr>
+                            <m:ctrlPr>
+                              <a:rPr lang="zh-CN" altLang="en-US" sz="2400" i="1">
+                                <a:latin typeface="Cambria Math" panose="02040503050406030204" pitchFamily="18" charset="0"/>
+                              </a:rPr>
+                            </m:ctrlPr>
+                          </m:sSubPr>
+                          <m:e>
+                            <m:r>
+                              <a:rPr lang="zh-CN" altLang="en-US" sz="2400" i="1">
+                                <a:latin typeface="Cambria Math" panose="02040503050406030204" pitchFamily="18" charset="0"/>
+                              </a:rPr>
+                              <m:t>𝐸</m:t>
+                            </m:r>
+                          </m:e>
+                          <m:sub>
+                            <m:r>
+                              <a:rPr lang="zh-CN" altLang="en-US" sz="2400" i="1">
+                                <a:latin typeface="Cambria Math" panose="02040503050406030204" pitchFamily="18" charset="0"/>
+                              </a:rPr>
+                              <m:t>𝜋</m:t>
+                            </m:r>
+                          </m:sub>
+                        </m:sSub>
+                        <m:r>
+                          <a:rPr lang="zh-CN" altLang="en-US" sz="2400">
+                            <a:latin typeface="Cambria Math" panose="02040503050406030204" pitchFamily="18" charset="0"/>
+                          </a:rPr>
+                          <m:t>(</m:t>
+                        </m:r>
+                        <m:sSub>
+                          <m:sSubPr>
+                            <m:ctrlPr>
+                              <a:rPr lang="zh-CN" altLang="en-US" sz="2400" i="1">
+                                <a:latin typeface="Cambria Math" panose="02040503050406030204" pitchFamily="18" charset="0"/>
+                              </a:rPr>
+                            </m:ctrlPr>
+                          </m:sSubPr>
+                          <m:e>
+                            <m:r>
+                              <a:rPr lang="zh-CN" altLang="en-US" sz="2400" i="1">
+                                <a:latin typeface="Cambria Math" panose="02040503050406030204" pitchFamily="18" charset="0"/>
+                              </a:rPr>
+                              <m:t>𝐺</m:t>
+                            </m:r>
+                          </m:e>
+                          <m:sub>
+                            <m:r>
+                              <a:rPr lang="zh-CN" altLang="en-US" sz="2400" i="1">
+                                <a:latin typeface="Cambria Math" panose="02040503050406030204" pitchFamily="18" charset="0"/>
+                              </a:rPr>
+                              <m:t>𝑡</m:t>
+                            </m:r>
+                          </m:sub>
+                        </m:sSub>
+                        <m:r>
+                          <a:rPr lang="zh-CN" altLang="en-US" sz="2400">
+                            <a:latin typeface="Cambria Math" panose="02040503050406030204" pitchFamily="18" charset="0"/>
+                          </a:rPr>
+                          <m:t>)</m:t>
+                        </m:r>
+                      </m:e>
+                    </m:d>
+                  </m:oMath>
+                </a14:m>
+                <a:endParaRPr lang="zh-CN" altLang="en-US" sz="2400" dirty="0"/>
+              </a:p>
+              <a:p>
+                <a:endParaRPr lang="zh-CN" altLang="en-US" sz="2400" dirty="0"/>
+              </a:p>
+            </p:txBody>
+          </p:sp>
+        </mc:Choice>
+        <mc:Fallback>
+          <p:sp>
+            <p:nvSpPr>
+              <p:cNvPr id="33" name="文本框 32"/>
+              <p:cNvSpPr txBox="1">
+                <a:spLocks noRot="1" noChangeAspect="1" noMove="1" noResize="1" noEditPoints="1" noAdjustHandles="1" noChangeArrowheads="1" noChangeShapeType="1" noTextEdit="1"/>
+              </p:cNvSpPr>
+              <p:nvPr/>
+            </p:nvSpPr>
+            <p:spPr>
+              <a:xfrm>
+                <a:off x="280371" y="5794089"/>
+                <a:ext cx="4851521" cy="1403398"/>
+              </a:xfrm>
+              <a:prstGeom prst="rect">
+                <a:avLst/>
+              </a:prstGeom>
+              <a:blipFill>
+                <a:blip r:embed="rId14"/>
+                <a:stretch>
+                  <a:fillRect l="-2010" t="-55844" r="-6658" b="-96104"/>
+                </a:stretch>
+              </a:blipFill>
+            </p:spPr>
+            <p:txBody>
+              <a:bodyPr/>
+              <a:lstStyle/>
+              <a:p>
+                <a:r>
+                  <a:rPr lang="zh-CN" altLang="en-US">
+                    <a:noFill/>
+                  </a:rPr>
+                  <a:t> </a:t>
+                </a:r>
+              </a:p>
+            </p:txBody>
+          </p:sp>
+        </mc:Fallback>
+      </mc:AlternateContent>
     </p:spTree>
     <p:extLst>
       <p:ext uri="{BB962C8B-B14F-4D97-AF65-F5344CB8AC3E}">
@@ -8348,10 +14554,178 @@
   <p:clrMapOvr>
     <a:masterClrMapping/>
   </p:clrMapOvr>
+  <p:timing>
+    <p:tnLst>
+      <p:par>
+        <p:cTn id="1" dur="indefinite" restart="never" nodeType="tmRoot"/>
+      </p:par>
+    </p:tnLst>
+  </p:timing>
 </p:sld>
 </file>
 
-<file path=ppt/slides/slide7.xml><?xml version="1.0" encoding="utf-8"?>
+<file path=ppt/slides/slide8.xml><?xml version="1.0" encoding="utf-8"?>
+<p:sld xmlns:a="http://schemas.openxmlformats.org/drawingml/2006/main" xmlns:r="http://schemas.openxmlformats.org/officeDocument/2006/relationships" xmlns:p="http://schemas.openxmlformats.org/presentationml/2006/main">
+  <p:cSld>
+    <p:spTree>
+      <p:nvGrpSpPr>
+        <p:cNvPr id="1" name=""/>
+        <p:cNvGrpSpPr/>
+        <p:nvPr/>
+      </p:nvGrpSpPr>
+      <p:grpSpPr>
+        <a:xfrm>
+          <a:off x="0" y="0"/>
+          <a:ext cx="0" cy="0"/>
+          <a:chOff x="0" y="0"/>
+          <a:chExt cx="0" cy="0"/>
+        </a:xfrm>
+      </p:grpSpPr>
+      <p:pic>
+        <p:nvPicPr>
+          <p:cNvPr id="5" name="图片 4"/>
+          <p:cNvPicPr>
+            <a:picLocks noChangeAspect="1"/>
+          </p:cNvPicPr>
+          <p:nvPr/>
+        </p:nvPicPr>
+        <p:blipFill>
+          <a:blip r:embed="rId2"/>
+          <a:stretch>
+            <a:fillRect/>
+          </a:stretch>
+        </p:blipFill>
+        <p:spPr>
+          <a:xfrm>
+            <a:off x="1433285" y="986331"/>
+            <a:ext cx="4914286" cy="676190"/>
+          </a:xfrm>
+          <a:prstGeom prst="rect">
+            <a:avLst/>
+          </a:prstGeom>
+        </p:spPr>
+      </p:pic>
+      <p:pic>
+        <p:nvPicPr>
+          <p:cNvPr id="6" name="图片 5"/>
+          <p:cNvPicPr>
+            <a:picLocks noChangeAspect="1"/>
+          </p:cNvPicPr>
+          <p:nvPr/>
+        </p:nvPicPr>
+        <p:blipFill>
+          <a:blip r:embed="rId3"/>
+          <a:stretch>
+            <a:fillRect/>
+          </a:stretch>
+        </p:blipFill>
+        <p:spPr>
+          <a:xfrm>
+            <a:off x="1483256" y="1662521"/>
+            <a:ext cx="6685714" cy="561905"/>
+          </a:xfrm>
+          <a:prstGeom prst="rect">
+            <a:avLst/>
+          </a:prstGeom>
+        </p:spPr>
+      </p:pic>
+      <p:pic>
+        <p:nvPicPr>
+          <p:cNvPr id="8" name="图片 7"/>
+          <p:cNvPicPr>
+            <a:picLocks noChangeAspect="1"/>
+          </p:cNvPicPr>
+          <p:nvPr/>
+        </p:nvPicPr>
+        <p:blipFill>
+          <a:blip r:embed="rId4"/>
+          <a:stretch>
+            <a:fillRect/>
+          </a:stretch>
+        </p:blipFill>
+        <p:spPr>
+          <a:xfrm>
+            <a:off x="6058667" y="2745835"/>
+            <a:ext cx="6133333" cy="3495238"/>
+          </a:xfrm>
+          <a:prstGeom prst="rect">
+            <a:avLst/>
+          </a:prstGeom>
+        </p:spPr>
+      </p:pic>
+      <p:pic>
+        <p:nvPicPr>
+          <p:cNvPr id="9" name="图片 8"/>
+          <p:cNvPicPr>
+            <a:picLocks noChangeAspect="1"/>
+          </p:cNvPicPr>
+          <p:nvPr/>
+        </p:nvPicPr>
+        <p:blipFill>
+          <a:blip r:embed="rId5"/>
+          <a:stretch>
+            <a:fillRect/>
+          </a:stretch>
+        </p:blipFill>
+        <p:spPr>
+          <a:xfrm>
+            <a:off x="491675" y="2531550"/>
+            <a:ext cx="5523809" cy="3923809"/>
+          </a:xfrm>
+          <a:prstGeom prst="rect">
+            <a:avLst/>
+          </a:prstGeom>
+        </p:spPr>
+      </p:pic>
+      <p:sp>
+        <p:nvSpPr>
+          <p:cNvPr id="10" name="Title 1"/>
+          <p:cNvSpPr>
+            <a:spLocks noGrp="1"/>
+          </p:cNvSpPr>
+          <p:nvPr>
+            <p:ph type="title"/>
+          </p:nvPr>
+        </p:nvSpPr>
+        <p:spPr>
+          <a:xfrm>
+            <a:off x="5131892" y="-8525"/>
+            <a:ext cx="3836170" cy="1325563"/>
+          </a:xfrm>
+        </p:spPr>
+        <p:txBody>
+          <a:bodyPr/>
+          <a:lstStyle/>
+          <a:p>
+            <a:r>
+              <a:rPr lang="en-US" sz="4800" b="1" dirty="0" smtClean="0"/>
+              <a:t>Value function</a:t>
+            </a:r>
+            <a:endParaRPr lang="en-US" sz="4800" b="1" dirty="0"/>
+          </a:p>
+        </p:txBody>
+      </p:sp>
+    </p:spTree>
+    <p:extLst>
+      <p:ext uri="{BB962C8B-B14F-4D97-AF65-F5344CB8AC3E}">
+        <p14:creationId xmlns:p14="http://schemas.microsoft.com/office/powerpoint/2010/main" val="314763976"/>
+      </p:ext>
+    </p:extLst>
+  </p:cSld>
+  <p:clrMapOvr>
+    <a:masterClrMapping/>
+  </p:clrMapOvr>
+  <p:timing>
+    <p:tnLst>
+      <p:par>
+        <p:cTn id="1" dur="indefinite" restart="never" nodeType="tmRoot"/>
+      </p:par>
+    </p:tnLst>
+  </p:timing>
+</p:sld>
+</file>
+
+<file path=ppt/slides/slide9.xml><?xml version="1.0" encoding="utf-8"?>
 <p:sld xmlns:a="http://schemas.openxmlformats.org/drawingml/2006/main" xmlns:r="http://schemas.openxmlformats.org/officeDocument/2006/relationships" xmlns:p="http://schemas.openxmlformats.org/presentationml/2006/main">
   <p:cSld>
     <p:spTree>
@@ -8370,76 +14744,403 @@
       </p:grpSpPr>
       <p:sp>
         <p:nvSpPr>
-          <p:cNvPr id="2" name="Title 1"/>
-          <p:cNvSpPr>
-            <a:spLocks noGrp="1"/>
+          <p:cNvPr id="11" name="Title 1"/>
+          <p:cNvSpPr txBox="1">
+            <a:spLocks/>
           </p:cNvSpPr>
-          <p:nvPr>
-            <p:ph type="title"/>
-          </p:nvPr>
+          <p:nvPr/>
         </p:nvSpPr>
-        <p:spPr/>
-        <p:txBody>
-          <a:bodyPr/>
-          <a:lstStyle/>
-          <a:p>
-            <a:endParaRPr lang="en-US"/>
-          </a:p>
-        </p:txBody>
-      </p:sp>
-      <p:sp>
-        <p:nvSpPr>
-          <p:cNvPr id="3" name="Content Placeholder 2"/>
-          <p:cNvSpPr>
-            <a:spLocks noGrp="1"/>
-          </p:cNvSpPr>
-          <p:nvPr>
-            <p:ph idx="1"/>
-          </p:nvPr>
-        </p:nvSpPr>
-        <p:spPr/>
-        <p:txBody>
-          <a:bodyPr/>
-          <a:lstStyle/>
-          <a:p>
-            <a:endParaRPr lang="en-US"/>
-          </a:p>
-        </p:txBody>
-      </p:sp>
-      <p:pic>
-        <p:nvPicPr>
-          <p:cNvPr id="5" name="Picture 4"/>
-          <p:cNvPicPr>
-            <a:picLocks noChangeAspect="1"/>
-          </p:cNvPicPr>
-          <p:nvPr/>
-        </p:nvPicPr>
-        <p:blipFill>
-          <a:blip r:embed="rId2"/>
-          <a:stretch>
-            <a:fillRect/>
-          </a:stretch>
-        </p:blipFill>
         <p:spPr>
           <a:xfrm>
-            <a:off x="187572" y="-98615"/>
-            <a:ext cx="6162675" cy="6753225"/>
+            <a:off x="5131892" y="-8525"/>
+            <a:ext cx="3836170" cy="1325563"/>
           </a:xfrm>
           <a:prstGeom prst="rect">
             <a:avLst/>
           </a:prstGeom>
         </p:spPr>
-      </p:pic>
+        <p:txBody>
+          <a:bodyPr vert="horz" lIns="91440" tIns="45720" rIns="91440" bIns="45720" rtlCol="0" anchor="ctr">
+            <a:normAutofit/>
+          </a:bodyPr>
+          <a:lstStyle>
+            <a:lvl1pPr algn="l" defTabSz="914400" rtl="0" eaLnBrk="1" latinLnBrk="0" hangingPunct="1">
+              <a:lnSpc>
+                <a:spcPct val="90000"/>
+              </a:lnSpc>
+              <a:spcBef>
+                <a:spcPct val="0"/>
+              </a:spcBef>
+              <a:buNone/>
+              <a:defRPr sz="4400" kern="1200">
+                <a:solidFill>
+                  <a:schemeClr val="tx1"/>
+                </a:solidFill>
+                <a:latin typeface="+mj-lt"/>
+                <a:ea typeface="+mj-ea"/>
+                <a:cs typeface="+mj-cs"/>
+              </a:defRPr>
+            </a:lvl1pPr>
+          </a:lstStyle>
+          <a:p>
+            <a:r>
+              <a:rPr lang="en-US" sz="4800" dirty="0" smtClean="0"/>
+              <a:t>POMDP</a:t>
+            </a:r>
+            <a:endParaRPr lang="en-US" sz="4800" dirty="0"/>
+          </a:p>
+        </p:txBody>
+      </p:sp>
+      <p:graphicFrame>
+        <p:nvGraphicFramePr>
+          <p:cNvPr id="14" name="表格 13"/>
+          <p:cNvGraphicFramePr>
+            <a:graphicFrameLocks noGrp="1"/>
+          </p:cNvGraphicFramePr>
+          <p:nvPr>
+            <p:extLst>
+              <p:ext uri="{D42A27DB-BD31-4B8C-83A1-F6EECF244321}">
+                <p14:modId xmlns:p14="http://schemas.microsoft.com/office/powerpoint/2010/main" val="3585170201"/>
+              </p:ext>
+            </p:extLst>
+          </p:nvPr>
+        </p:nvGraphicFramePr>
+        <p:xfrm>
+          <a:off x="1364339" y="1317038"/>
+          <a:ext cx="9303660" cy="3439887"/>
+        </p:xfrm>
+        <a:graphic>
+          <a:graphicData uri="http://schemas.openxmlformats.org/drawingml/2006/table">
+            <a:tbl>
+              <a:tblPr firstRow="1" firstCol="1" bandRow="1">
+                <a:tableStyleId>{5C22544A-7EE6-4342-B048-85BDC9FD1C3A}</a:tableStyleId>
+              </a:tblPr>
+              <a:tblGrid>
+                <a:gridCol w="2325915">
+                  <a:extLst>
+                    <a:ext uri="{9D8B030D-6E8A-4147-A177-3AD203B41FA5}">
+                      <a16:colId xmlns:a16="http://schemas.microsoft.com/office/drawing/2014/main" val="3140860547"/>
+                    </a:ext>
+                  </a:extLst>
+                </a:gridCol>
+                <a:gridCol w="1179571">
+                  <a:extLst>
+                    <a:ext uri="{9D8B030D-6E8A-4147-A177-3AD203B41FA5}">
+                      <a16:colId xmlns:a16="http://schemas.microsoft.com/office/drawing/2014/main" val="2830032035"/>
+                    </a:ext>
+                  </a:extLst>
+                </a:gridCol>
+                <a:gridCol w="2870665">
+                  <a:extLst>
+                    <a:ext uri="{9D8B030D-6E8A-4147-A177-3AD203B41FA5}">
+                      <a16:colId xmlns:a16="http://schemas.microsoft.com/office/drawing/2014/main" val="2965219150"/>
+                    </a:ext>
+                  </a:extLst>
+                </a:gridCol>
+                <a:gridCol w="2927509">
+                  <a:extLst>
+                    <a:ext uri="{9D8B030D-6E8A-4147-A177-3AD203B41FA5}">
+                      <a16:colId xmlns:a16="http://schemas.microsoft.com/office/drawing/2014/main" val="3069251485"/>
+                    </a:ext>
+                  </a:extLst>
+                </a:gridCol>
+              </a:tblGrid>
+              <a:tr h="896588">
+                <a:tc rowSpan="2" gridSpan="2">
+                  <a:txBody>
+                    <a:bodyPr/>
+                    <a:lstStyle/>
+                    <a:p>
+                      <a:pPr algn="ctr"/>
+                      <a:r>
+                        <a:rPr lang="en-US" altLang="zh-CN" dirty="0" smtClean="0"/>
+                        <a:t>Markov</a:t>
+                      </a:r>
+                    </a:p>
+                    <a:p>
+                      <a:pPr algn="ctr"/>
+                      <a:r>
+                        <a:rPr lang="en-US" altLang="zh-CN" dirty="0" smtClean="0"/>
+                        <a:t>Models</a:t>
+                      </a:r>
+                      <a:endParaRPr lang="zh-CN" altLang="en-US" dirty="0"/>
+                    </a:p>
+                  </a:txBody>
+                  <a:tcPr anchor="ctr"/>
+                </a:tc>
+                <a:tc rowSpan="2" hMerge="1">
+                  <a:txBody>
+                    <a:bodyPr/>
+                    <a:lstStyle/>
+                    <a:p>
+                      <a:endParaRPr lang="zh-CN" altLang="en-US"/>
+                    </a:p>
+                  </a:txBody>
+                  <a:tcPr/>
+                </a:tc>
+                <a:tc gridSpan="2">
+                  <a:txBody>
+                    <a:bodyPr/>
+                    <a:lstStyle/>
+                    <a:p>
+                      <a:pPr algn="ctr"/>
+                      <a:r>
+                        <a:rPr lang="en-US" altLang="zh-CN" dirty="0" smtClean="0"/>
+                        <a:t>Do we have control over</a:t>
+                      </a:r>
+                      <a:r>
+                        <a:rPr lang="en-US" altLang="zh-CN" baseline="0" dirty="0" smtClean="0"/>
+                        <a:t> the state transitions?</a:t>
+                      </a:r>
+                      <a:endParaRPr lang="zh-CN" altLang="en-US" dirty="0"/>
+                    </a:p>
+                  </a:txBody>
+                  <a:tcPr anchor="ctr"/>
+                </a:tc>
+                <a:tc hMerge="1">
+                  <a:txBody>
+                    <a:bodyPr/>
+                    <a:lstStyle/>
+                    <a:p>
+                      <a:endParaRPr lang="zh-CN" altLang="en-US" dirty="0"/>
+                    </a:p>
+                  </a:txBody>
+                  <a:tcPr/>
+                </a:tc>
+                <a:extLst>
+                  <a:ext uri="{0D108BD9-81ED-4DB2-BD59-A6C34878D82A}">
+                    <a16:rowId xmlns:a16="http://schemas.microsoft.com/office/drawing/2014/main" val="1031565496"/>
+                  </a:ext>
+                </a:extLst>
+              </a:tr>
+              <a:tr h="733837">
+                <a:tc gridSpan="2" vMerge="1">
+                  <a:txBody>
+                    <a:bodyPr/>
+                    <a:lstStyle/>
+                    <a:p>
+                      <a:endParaRPr lang="zh-CN" altLang="en-US" dirty="0"/>
+                    </a:p>
+                  </a:txBody>
+                  <a:tcPr/>
+                </a:tc>
+                <a:tc hMerge="1" vMerge="1">
+                  <a:txBody>
+                    <a:bodyPr/>
+                    <a:lstStyle/>
+                    <a:p>
+                      <a:endParaRPr lang="zh-CN" altLang="en-US" dirty="0"/>
+                    </a:p>
+                  </a:txBody>
+                  <a:tcPr/>
+                </a:tc>
+                <a:tc>
+                  <a:txBody>
+                    <a:bodyPr/>
+                    <a:lstStyle/>
+                    <a:p>
+                      <a:pPr algn="ctr"/>
+                      <a:r>
+                        <a:rPr lang="en-US" altLang="zh-CN" dirty="0" smtClean="0"/>
+                        <a:t>No</a:t>
+                      </a:r>
+                      <a:endParaRPr lang="zh-CN" altLang="en-US" dirty="0"/>
+                    </a:p>
+                  </a:txBody>
+                  <a:tcPr anchor="ctr"/>
+                </a:tc>
+                <a:tc>
+                  <a:txBody>
+                    <a:bodyPr/>
+                    <a:lstStyle/>
+                    <a:p>
+                      <a:pPr algn="ctr"/>
+                      <a:r>
+                        <a:rPr lang="en-US" altLang="zh-CN" dirty="0" smtClean="0"/>
+                        <a:t>Yes</a:t>
+                      </a:r>
+                      <a:endParaRPr lang="zh-CN" altLang="en-US" dirty="0"/>
+                    </a:p>
+                  </a:txBody>
+                  <a:tcPr anchor="ctr"/>
+                </a:tc>
+                <a:extLst>
+                  <a:ext uri="{0D108BD9-81ED-4DB2-BD59-A6C34878D82A}">
+                    <a16:rowId xmlns:a16="http://schemas.microsoft.com/office/drawing/2014/main" val="288854920"/>
+                  </a:ext>
+                </a:extLst>
+              </a:tr>
+              <a:tr h="733837">
+                <a:tc rowSpan="2">
+                  <a:txBody>
+                    <a:bodyPr/>
+                    <a:lstStyle/>
+                    <a:p>
+                      <a:pPr algn="ctr"/>
+                      <a:r>
+                        <a:rPr lang="en-US" altLang="zh-CN" dirty="0" smtClean="0"/>
+                        <a:t>Are</a:t>
+                      </a:r>
+                      <a:r>
+                        <a:rPr lang="en-US" altLang="zh-CN" baseline="0" dirty="0" smtClean="0"/>
+                        <a:t> the states completely observable?</a:t>
+                      </a:r>
+                      <a:endParaRPr lang="zh-CN" altLang="en-US" dirty="0"/>
+                    </a:p>
+                  </a:txBody>
+                  <a:tcPr anchor="ctr"/>
+                </a:tc>
+                <a:tc>
+                  <a:txBody>
+                    <a:bodyPr/>
+                    <a:lstStyle/>
+                    <a:p>
+                      <a:pPr algn="ctr"/>
+                      <a:r>
+                        <a:rPr lang="en-US" altLang="zh-CN" dirty="0" smtClean="0"/>
+                        <a:t>Yes</a:t>
+                      </a:r>
+                      <a:endParaRPr lang="zh-CN" altLang="en-US" dirty="0"/>
+                    </a:p>
+                  </a:txBody>
+                  <a:tcPr anchor="ctr"/>
+                </a:tc>
+                <a:tc>
+                  <a:txBody>
+                    <a:bodyPr/>
+                    <a:lstStyle/>
+                    <a:p>
+                      <a:pPr algn="ctr"/>
+                      <a:r>
+                        <a:rPr lang="en-US" altLang="zh-CN" dirty="0" smtClean="0"/>
+                        <a:t>Markov Chain</a:t>
+                      </a:r>
+                      <a:endParaRPr lang="zh-CN" altLang="en-US" dirty="0"/>
+                    </a:p>
+                  </a:txBody>
+                  <a:tcPr anchor="ctr"/>
+                </a:tc>
+                <a:tc>
+                  <a:txBody>
+                    <a:bodyPr/>
+                    <a:lstStyle/>
+                    <a:p>
+                      <a:pPr algn="ctr"/>
+                      <a:r>
+                        <a:rPr lang="en-US" altLang="zh-CN" dirty="0" smtClean="0"/>
+                        <a:t>MDP</a:t>
+                      </a:r>
+                    </a:p>
+                  </a:txBody>
+                  <a:tcPr anchor="ctr"/>
+                </a:tc>
+                <a:extLst>
+                  <a:ext uri="{0D108BD9-81ED-4DB2-BD59-A6C34878D82A}">
+                    <a16:rowId xmlns:a16="http://schemas.microsoft.com/office/drawing/2014/main" val="967771057"/>
+                  </a:ext>
+                </a:extLst>
+              </a:tr>
+              <a:tr h="1075625">
+                <a:tc vMerge="1">
+                  <a:txBody>
+                    <a:bodyPr/>
+                    <a:lstStyle/>
+                    <a:p>
+                      <a:endParaRPr lang="zh-CN" altLang="en-US" dirty="0"/>
+                    </a:p>
+                  </a:txBody>
+                  <a:tcPr/>
+                </a:tc>
+                <a:tc>
+                  <a:txBody>
+                    <a:bodyPr/>
+                    <a:lstStyle/>
+                    <a:p>
+                      <a:pPr algn="ctr"/>
+                      <a:r>
+                        <a:rPr lang="en-US" altLang="zh-CN" dirty="0" smtClean="0"/>
+                        <a:t>No</a:t>
+                      </a:r>
+                      <a:endParaRPr lang="zh-CN" altLang="en-US" dirty="0"/>
+                    </a:p>
+                  </a:txBody>
+                  <a:tcPr anchor="ctr"/>
+                </a:tc>
+                <a:tc>
+                  <a:txBody>
+                    <a:bodyPr/>
+                    <a:lstStyle/>
+                    <a:p>
+                      <a:pPr algn="ctr"/>
+                      <a:r>
+                        <a:rPr lang="en-US" altLang="zh-CN" dirty="0" smtClean="0"/>
+                        <a:t>HMM</a:t>
+                      </a:r>
+                    </a:p>
+                    <a:p>
+                      <a:pPr algn="ctr"/>
+                      <a:r>
+                        <a:rPr lang="en-US" altLang="zh-CN" dirty="0" smtClean="0"/>
+                        <a:t>Hidden Markov Model</a:t>
+                      </a:r>
+                      <a:endParaRPr lang="zh-CN" altLang="en-US" dirty="0"/>
+                    </a:p>
+                  </a:txBody>
+                  <a:tcPr anchor="ctr"/>
+                </a:tc>
+                <a:tc>
+                  <a:txBody>
+                    <a:bodyPr/>
+                    <a:lstStyle/>
+                    <a:p>
+                      <a:pPr algn="ctr"/>
+                      <a:r>
+                        <a:rPr lang="en-US" altLang="zh-CN" dirty="0" smtClean="0"/>
+                        <a:t>POMDP</a:t>
+                      </a:r>
+                    </a:p>
+                    <a:p>
+                      <a:pPr algn="ctr"/>
+                      <a:r>
+                        <a:rPr lang="en-US" altLang="zh-CN" dirty="0" smtClean="0"/>
+                        <a:t>Partially</a:t>
+                      </a:r>
+                      <a:r>
+                        <a:rPr lang="en-US" altLang="zh-CN" baseline="0" dirty="0" smtClean="0"/>
+                        <a:t> Observable Markov Decision Process</a:t>
+                      </a:r>
+                      <a:endParaRPr lang="zh-CN" altLang="en-US" dirty="0"/>
+                    </a:p>
+                  </a:txBody>
+                  <a:tcPr anchor="ctr"/>
+                </a:tc>
+                <a:extLst>
+                  <a:ext uri="{0D108BD9-81ED-4DB2-BD59-A6C34878D82A}">
+                    <a16:rowId xmlns:a16="http://schemas.microsoft.com/office/drawing/2014/main" val="2516635558"/>
+                  </a:ext>
+                </a:extLst>
+              </a:tr>
+            </a:tbl>
+          </a:graphicData>
+        </a:graphic>
+      </p:graphicFrame>
     </p:spTree>
     <p:extLst>
       <p:ext uri="{BB962C8B-B14F-4D97-AF65-F5344CB8AC3E}">
-        <p14:creationId xmlns:p14="http://schemas.microsoft.com/office/powerpoint/2010/main" val="3313166077"/>
+        <p14:creationId xmlns:p14="http://schemas.microsoft.com/office/powerpoint/2010/main" val="4289267554"/>
       </p:ext>
     </p:extLst>
   </p:cSld>
   <p:clrMapOvr>
     <a:masterClrMapping/>
   </p:clrMapOvr>
+  <p:timing>
+    <p:tnLst>
+      <p:par>
+        <p:cTn id="1" dur="indefinite" restart="never" nodeType="tmRoot"/>
+      </p:par>
+    </p:tnLst>
+  </p:timing>
 </p:sld>
 </file>
 
@@ -8702,4 +15403,265 @@
     </a:ext>
   </a:extLst>
 </a:theme>
+</file>
+
+<file path=ppt/theme/theme2.xml><?xml version="1.0" encoding="utf-8"?>
+<a:theme xmlns:a="http://schemas.openxmlformats.org/drawingml/2006/main" name="Office 主题​​">
+  <a:themeElements>
+    <a:clrScheme name="Office">
+      <a:dk1>
+        <a:sysClr val="windowText" lastClr="000000"/>
+      </a:dk1>
+      <a:lt1>
+        <a:sysClr val="window" lastClr="FFFFFF"/>
+      </a:lt1>
+      <a:dk2>
+        <a:srgbClr val="44546A"/>
+      </a:dk2>
+      <a:lt2>
+        <a:srgbClr val="E7E6E6"/>
+      </a:lt2>
+      <a:accent1>
+        <a:srgbClr val="5B9BD5"/>
+      </a:accent1>
+      <a:accent2>
+        <a:srgbClr val="ED7D31"/>
+      </a:accent2>
+      <a:accent3>
+        <a:srgbClr val="A5A5A5"/>
+      </a:accent3>
+      <a:accent4>
+        <a:srgbClr val="FFC000"/>
+      </a:accent4>
+      <a:accent5>
+        <a:srgbClr val="4472C4"/>
+      </a:accent5>
+      <a:accent6>
+        <a:srgbClr val="70AD47"/>
+      </a:accent6>
+      <a:hlink>
+        <a:srgbClr val="0563C1"/>
+      </a:hlink>
+      <a:folHlink>
+        <a:srgbClr val="954F72"/>
+      </a:folHlink>
+    </a:clrScheme>
+    <a:fontScheme name="Office">
+      <a:majorFont>
+        <a:latin typeface="等线 Light" panose="020F0302020204030204"/>
+        <a:ea typeface=""/>
+        <a:cs typeface=""/>
+        <a:font script="Jpan" typeface="游ゴシック Light"/>
+        <a:font script="Hang" typeface="맑은 고딕"/>
+        <a:font script="Hans" typeface="等线 Light"/>
+        <a:font script="Hant" typeface="新細明體"/>
+        <a:font script="Arab" typeface="Times New Roman"/>
+        <a:font script="Hebr" typeface="Times New Roman"/>
+        <a:font script="Thai" typeface="Angsana New"/>
+        <a:font script="Ethi" typeface="Nyala"/>
+        <a:font script="Beng" typeface="Vrinda"/>
+        <a:font script="Gujr" typeface="Shruti"/>
+        <a:font script="Khmr" typeface="MoolBoran"/>
+        <a:font script="Knda" typeface="Tunga"/>
+        <a:font script="Guru" typeface="Raavi"/>
+        <a:font script="Cans" typeface="Euphemia"/>
+        <a:font script="Cher" typeface="Plantagenet Cherokee"/>
+        <a:font script="Yiii" typeface="Microsoft Yi Baiti"/>
+        <a:font script="Tibt" typeface="Microsoft Himalaya"/>
+        <a:font script="Thaa" typeface="MV Boli"/>
+        <a:font script="Deva" typeface="Mangal"/>
+        <a:font script="Telu" typeface="Gautami"/>
+        <a:font script="Taml" typeface="Latha"/>
+        <a:font script="Syrc" typeface="Estrangelo Edessa"/>
+        <a:font script="Orya" typeface="Kalinga"/>
+        <a:font script="Mlym" typeface="Kartika"/>
+        <a:font script="Laoo" typeface="DokChampa"/>
+        <a:font script="Sinh" typeface="Iskoola Pota"/>
+        <a:font script="Mong" typeface="Mongolian Baiti"/>
+        <a:font script="Viet" typeface="Times New Roman"/>
+        <a:font script="Uigh" typeface="Microsoft Uighur"/>
+        <a:font script="Geor" typeface="Sylfaen"/>
+      </a:majorFont>
+      <a:minorFont>
+        <a:latin typeface="等线" panose="020F0502020204030204"/>
+        <a:ea typeface=""/>
+        <a:cs typeface=""/>
+        <a:font script="Jpan" typeface="游ゴシック"/>
+        <a:font script="Hang" typeface="맑은 고딕"/>
+        <a:font script="Hans" typeface="等线"/>
+        <a:font script="Hant" typeface="新細明體"/>
+        <a:font script="Arab" typeface="Arial"/>
+        <a:font script="Hebr" typeface="Arial"/>
+        <a:font script="Thai" typeface="Cordia New"/>
+        <a:font script="Ethi" typeface="Nyala"/>
+        <a:font script="Beng" typeface="Vrinda"/>
+        <a:font script="Gujr" typeface="Shruti"/>
+        <a:font script="Khmr" typeface="DaunPenh"/>
+        <a:font script="Knda" typeface="Tunga"/>
+        <a:font script="Guru" typeface="Raavi"/>
+        <a:font script="Cans" typeface="Euphemia"/>
+        <a:font script="Cher" typeface="Plantagenet Cherokee"/>
+        <a:font script="Yiii" typeface="Microsoft Yi Baiti"/>
+        <a:font script="Tibt" typeface="Microsoft Himalaya"/>
+        <a:font script="Thaa" typeface="MV Boli"/>
+        <a:font script="Deva" typeface="Mangal"/>
+        <a:font script="Telu" typeface="Gautami"/>
+        <a:font script="Taml" typeface="Latha"/>
+        <a:font script="Syrc" typeface="Estrangelo Edessa"/>
+        <a:font script="Orya" typeface="Kalinga"/>
+        <a:font script="Mlym" typeface="Kartika"/>
+        <a:font script="Laoo" typeface="DokChampa"/>
+        <a:font script="Sinh" typeface="Iskoola Pota"/>
+        <a:font script="Mong" typeface="Mongolian Baiti"/>
+        <a:font script="Viet" typeface="Arial"/>
+        <a:font script="Uigh" typeface="Microsoft Uighur"/>
+        <a:font script="Geor" typeface="Sylfaen"/>
+      </a:minorFont>
+    </a:fontScheme>
+    <a:fmtScheme name="Office">
+      <a:fillStyleLst>
+        <a:solidFill>
+          <a:schemeClr val="phClr"/>
+        </a:solidFill>
+        <a:gradFill rotWithShape="1">
+          <a:gsLst>
+            <a:gs pos="0">
+              <a:schemeClr val="phClr">
+                <a:lumMod val="110000"/>
+                <a:satMod val="105000"/>
+                <a:tint val="67000"/>
+              </a:schemeClr>
+            </a:gs>
+            <a:gs pos="50000">
+              <a:schemeClr val="phClr">
+                <a:lumMod val="105000"/>
+                <a:satMod val="103000"/>
+                <a:tint val="73000"/>
+              </a:schemeClr>
+            </a:gs>
+            <a:gs pos="100000">
+              <a:schemeClr val="phClr">
+                <a:lumMod val="105000"/>
+                <a:satMod val="109000"/>
+                <a:tint val="81000"/>
+              </a:schemeClr>
+            </a:gs>
+          </a:gsLst>
+          <a:lin ang="5400000" scaled="0"/>
+        </a:gradFill>
+        <a:gradFill rotWithShape="1">
+          <a:gsLst>
+            <a:gs pos="0">
+              <a:schemeClr val="phClr">
+                <a:satMod val="103000"/>
+                <a:lumMod val="102000"/>
+                <a:tint val="94000"/>
+              </a:schemeClr>
+            </a:gs>
+            <a:gs pos="50000">
+              <a:schemeClr val="phClr">
+                <a:satMod val="110000"/>
+                <a:lumMod val="100000"/>
+                <a:shade val="100000"/>
+              </a:schemeClr>
+            </a:gs>
+            <a:gs pos="100000">
+              <a:schemeClr val="phClr">
+                <a:lumMod val="99000"/>
+                <a:satMod val="120000"/>
+                <a:shade val="78000"/>
+              </a:schemeClr>
+            </a:gs>
+          </a:gsLst>
+          <a:lin ang="5400000" scaled="0"/>
+        </a:gradFill>
+      </a:fillStyleLst>
+      <a:lnStyleLst>
+        <a:ln w="6350" cap="flat" cmpd="sng" algn="ctr">
+          <a:solidFill>
+            <a:schemeClr val="phClr"/>
+          </a:solidFill>
+          <a:prstDash val="solid"/>
+          <a:miter lim="800000"/>
+        </a:ln>
+        <a:ln w="12700" cap="flat" cmpd="sng" algn="ctr">
+          <a:solidFill>
+            <a:schemeClr val="phClr"/>
+          </a:solidFill>
+          <a:prstDash val="solid"/>
+          <a:miter lim="800000"/>
+        </a:ln>
+        <a:ln w="19050" cap="flat" cmpd="sng" algn="ctr">
+          <a:solidFill>
+            <a:schemeClr val="phClr"/>
+          </a:solidFill>
+          <a:prstDash val="solid"/>
+          <a:miter lim="800000"/>
+        </a:ln>
+      </a:lnStyleLst>
+      <a:effectStyleLst>
+        <a:effectStyle>
+          <a:effectLst/>
+        </a:effectStyle>
+        <a:effectStyle>
+          <a:effectLst/>
+        </a:effectStyle>
+        <a:effectStyle>
+          <a:effectLst>
+            <a:outerShdw blurRad="57150" dist="19050" dir="5400000" algn="ctr" rotWithShape="0">
+              <a:srgbClr val="000000">
+                <a:alpha val="63000"/>
+              </a:srgbClr>
+            </a:outerShdw>
+          </a:effectLst>
+        </a:effectStyle>
+      </a:effectStyleLst>
+      <a:bgFillStyleLst>
+        <a:solidFill>
+          <a:schemeClr val="phClr"/>
+        </a:solidFill>
+        <a:solidFill>
+          <a:schemeClr val="phClr">
+            <a:tint val="95000"/>
+            <a:satMod val="170000"/>
+          </a:schemeClr>
+        </a:solidFill>
+        <a:gradFill rotWithShape="1">
+          <a:gsLst>
+            <a:gs pos="0">
+              <a:schemeClr val="phClr">
+                <a:tint val="93000"/>
+                <a:satMod val="150000"/>
+                <a:shade val="98000"/>
+                <a:lumMod val="102000"/>
+              </a:schemeClr>
+            </a:gs>
+            <a:gs pos="50000">
+              <a:schemeClr val="phClr">
+                <a:tint val="98000"/>
+                <a:satMod val="130000"/>
+                <a:shade val="90000"/>
+                <a:lumMod val="103000"/>
+              </a:schemeClr>
+            </a:gs>
+            <a:gs pos="100000">
+              <a:schemeClr val="phClr">
+                <a:shade val="63000"/>
+                <a:satMod val="120000"/>
+              </a:schemeClr>
+            </a:gs>
+          </a:gsLst>
+          <a:lin ang="5400000" scaled="0"/>
+        </a:gradFill>
+      </a:bgFillStyleLst>
+    </a:fmtScheme>
+  </a:themeElements>
+  <a:objectDefaults/>
+  <a:extraClrSchemeLst/>
+  <a:extLst>
+    <a:ext uri="{05A4C25C-085E-4340-85A3-A5531E510DB2}">
+      <thm15:themeFamily xmlns:thm15="http://schemas.microsoft.com/office/thememl/2012/main" name="Office Theme" id="{62F939B6-93AF-4DB8-9C6B-D6C7DFDC589F}" vid="{4A3C46E8-61CC-4603-A589-7422A47A8E4A}"/>
+    </a:ext>
+  </a:extLst>
+</a:theme>
 </file>
--- a/FirstSeminar/firstseminar.pptx
+++ b/FirstSeminar/firstseminar.pptx
@@ -4949,7 +4949,7 @@
           <a:p>
             <a:fld id="{6BD901F6-8A01-4050-8770-AFB26F391A3F}" type="datetimeFigureOut">
               <a:rPr lang="zh-CN" altLang="en-US" smtClean="0"/>
-              <a:t>2016/10/10</a:t>
+              <a:t>2016/10/12</a:t>
             </a:fld>
             <a:endParaRPr lang="zh-CN" altLang="en-US"/>
           </a:p>
@@ -5432,7 +5432,7 @@
           <a:p>
             <a:fld id="{A5153A86-7E4F-4EBF-B20A-54AB10651842}" type="datetimeFigureOut">
               <a:rPr lang="en-US" smtClean="0"/>
-              <a:t>10/10/2016</a:t>
+              <a:t>10/12/2016</a:t>
             </a:fld>
             <a:endParaRPr lang="en-US"/>
           </a:p>
@@ -5602,7 +5602,7 @@
           <a:p>
             <a:fld id="{A5153A86-7E4F-4EBF-B20A-54AB10651842}" type="datetimeFigureOut">
               <a:rPr lang="en-US" smtClean="0"/>
-              <a:t>10/10/2016</a:t>
+              <a:t>10/12/2016</a:t>
             </a:fld>
             <a:endParaRPr lang="en-US"/>
           </a:p>
@@ -5782,7 +5782,7 @@
           <a:p>
             <a:fld id="{A5153A86-7E4F-4EBF-B20A-54AB10651842}" type="datetimeFigureOut">
               <a:rPr lang="en-US" smtClean="0"/>
-              <a:t>10/10/2016</a:t>
+              <a:t>10/12/2016</a:t>
             </a:fld>
             <a:endParaRPr lang="en-US"/>
           </a:p>
@@ -5952,7 +5952,7 @@
           <a:p>
             <a:fld id="{A5153A86-7E4F-4EBF-B20A-54AB10651842}" type="datetimeFigureOut">
               <a:rPr lang="en-US" smtClean="0"/>
-              <a:t>10/10/2016</a:t>
+              <a:t>10/12/2016</a:t>
             </a:fld>
             <a:endParaRPr lang="en-US"/>
           </a:p>
@@ -6198,7 +6198,7 @@
           <a:p>
             <a:fld id="{A5153A86-7E4F-4EBF-B20A-54AB10651842}" type="datetimeFigureOut">
               <a:rPr lang="en-US" smtClean="0"/>
-              <a:t>10/10/2016</a:t>
+              <a:t>10/12/2016</a:t>
             </a:fld>
             <a:endParaRPr lang="en-US"/>
           </a:p>
@@ -6430,7 +6430,7 @@
           <a:p>
             <a:fld id="{A5153A86-7E4F-4EBF-B20A-54AB10651842}" type="datetimeFigureOut">
               <a:rPr lang="en-US" smtClean="0"/>
-              <a:t>10/10/2016</a:t>
+              <a:t>10/12/2016</a:t>
             </a:fld>
             <a:endParaRPr lang="en-US"/>
           </a:p>
@@ -6797,7 +6797,7 @@
           <a:p>
             <a:fld id="{A5153A86-7E4F-4EBF-B20A-54AB10651842}" type="datetimeFigureOut">
               <a:rPr lang="en-US" smtClean="0"/>
-              <a:t>10/10/2016</a:t>
+              <a:t>10/12/2016</a:t>
             </a:fld>
             <a:endParaRPr lang="en-US"/>
           </a:p>
@@ -6915,7 +6915,7 @@
           <a:p>
             <a:fld id="{A5153A86-7E4F-4EBF-B20A-54AB10651842}" type="datetimeFigureOut">
               <a:rPr lang="en-US" smtClean="0"/>
-              <a:t>10/10/2016</a:t>
+              <a:t>10/12/2016</a:t>
             </a:fld>
             <a:endParaRPr lang="en-US"/>
           </a:p>
@@ -7010,7 +7010,7 @@
           <a:p>
             <a:fld id="{A5153A86-7E4F-4EBF-B20A-54AB10651842}" type="datetimeFigureOut">
               <a:rPr lang="en-US" smtClean="0"/>
-              <a:t>10/10/2016</a:t>
+              <a:t>10/12/2016</a:t>
             </a:fld>
             <a:endParaRPr lang="en-US"/>
           </a:p>
@@ -7287,7 +7287,7 @@
           <a:p>
             <a:fld id="{A5153A86-7E4F-4EBF-B20A-54AB10651842}" type="datetimeFigureOut">
               <a:rPr lang="en-US" smtClean="0"/>
-              <a:t>10/10/2016</a:t>
+              <a:t>10/12/2016</a:t>
             </a:fld>
             <a:endParaRPr lang="en-US"/>
           </a:p>
@@ -7540,7 +7540,7 @@
           <a:p>
             <a:fld id="{A5153A86-7E4F-4EBF-B20A-54AB10651842}" type="datetimeFigureOut">
               <a:rPr lang="en-US" smtClean="0"/>
-              <a:t>10/10/2016</a:t>
+              <a:t>10/12/2016</a:t>
             </a:fld>
             <a:endParaRPr lang="en-US"/>
           </a:p>
@@ -7753,7 +7753,7 @@
           <a:p>
             <a:fld id="{A5153A86-7E4F-4EBF-B20A-54AB10651842}" type="datetimeFigureOut">
               <a:rPr lang="en-US" smtClean="0"/>
-              <a:t>10/10/2016</a:t>
+              <a:t>10/12/2016</a:t>
             </a:fld>
             <a:endParaRPr lang="en-US"/>
           </a:p>
@@ -9070,7 +9070,6 @@
               <a:rPr lang="en-US" altLang="zh-CN" sz="2800" dirty="0"/>
               <a:t>What problem do they solve</a:t>
             </a:r>
-            <a:endParaRPr lang="en-US" altLang="zh-CN" sz="2800" dirty="0"/>
           </a:p>
         </p:txBody>
       </p:sp>
@@ -9152,13 +9151,8 @@
           <a:p>
             <a:r>
               <a:rPr lang="en-US" altLang="zh-CN" dirty="0" smtClean="0"/>
-              <a:t>Model </a:t>
+              <a:t>Model based</a:t>
             </a:r>
-            <a:r>
-              <a:rPr lang="en-US" altLang="zh-CN" dirty="0" smtClean="0"/>
-              <a:t>based</a:t>
-            </a:r>
-            <a:endParaRPr lang="en-US" altLang="zh-CN" dirty="0" smtClean="0"/>
           </a:p>
           <a:p>
             <a:r>
@@ -18176,8 +18170,8 @@
             <a:chExt cx="7209794" cy="1661031"/>
           </a:xfrm>
         </p:grpSpPr>
-        <mc:AlternateContent xmlns:mc="http://schemas.openxmlformats.org/markup-compatibility/2006">
-          <mc:Choice xmlns:a14="http://schemas.microsoft.com/office/drawing/2010/main" Requires="a14">
+        <mc:AlternateContent xmlns:mc="http://schemas.openxmlformats.org/markup-compatibility/2006" xmlns:a14="http://schemas.microsoft.com/office/drawing/2010/main">
+          <mc:Choice Requires="a14">
             <p:sp>
               <p:nvSpPr>
                 <p:cNvPr id="6" name="矩形 5"/>
@@ -18372,7 +18366,7 @@
               </p:txBody>
             </p:sp>
           </mc:Choice>
-          <mc:Fallback>
+          <mc:Fallback xmlns="">
             <p:sp>
               <p:nvSpPr>
                 <p:cNvPr id="6" name="矩形 5"/>
@@ -18411,8 +18405,8 @@
             </p:sp>
           </mc:Fallback>
         </mc:AlternateContent>
-        <mc:AlternateContent xmlns:mc="http://schemas.openxmlformats.org/markup-compatibility/2006">
-          <mc:Choice xmlns:a14="http://schemas.microsoft.com/office/drawing/2010/main" Requires="a14">
+        <mc:AlternateContent xmlns:mc="http://schemas.openxmlformats.org/markup-compatibility/2006" xmlns:a14="http://schemas.microsoft.com/office/drawing/2010/main">
+          <mc:Choice Requires="a14">
             <p:sp>
               <p:nvSpPr>
                 <p:cNvPr id="7" name="矩形 6"/>
@@ -18637,7 +18631,7 @@
               </p:txBody>
             </p:sp>
           </mc:Choice>
-          <mc:Fallback>
+          <mc:Fallback xmlns="">
             <p:sp>
               <p:nvSpPr>
                 <p:cNvPr id="7" name="矩形 6"/>
@@ -18676,8 +18670,8 @@
             </p:sp>
           </mc:Fallback>
         </mc:AlternateContent>
-        <mc:AlternateContent xmlns:mc="http://schemas.openxmlformats.org/markup-compatibility/2006">
-          <mc:Choice xmlns:a14="http://schemas.microsoft.com/office/drawing/2010/main" Requires="a14">
+        <mc:AlternateContent xmlns:mc="http://schemas.openxmlformats.org/markup-compatibility/2006" xmlns:a14="http://schemas.microsoft.com/office/drawing/2010/main">
+          <mc:Choice Requires="a14">
             <p:sp>
               <p:nvSpPr>
                 <p:cNvPr id="8" name="矩形 7"/>
@@ -18859,7 +18853,7 @@
               </p:txBody>
             </p:sp>
           </mc:Choice>
-          <mc:Fallback>
+          <mc:Fallback xmlns="">
             <p:sp>
               <p:nvSpPr>
                 <p:cNvPr id="8" name="矩形 7"/>
@@ -19136,8 +19130,8 @@
           </a:fontRef>
         </p:style>
       </p:cxnSp>
-      <mc:AlternateContent xmlns:mc="http://schemas.openxmlformats.org/markup-compatibility/2006">
-        <mc:Choice xmlns:a14="http://schemas.microsoft.com/office/drawing/2010/main" Requires="a14">
+      <mc:AlternateContent xmlns:mc="http://schemas.openxmlformats.org/markup-compatibility/2006" xmlns:a14="http://schemas.microsoft.com/office/drawing/2010/main">
+        <mc:Choice Requires="a14">
           <p:sp>
             <p:nvSpPr>
               <p:cNvPr id="8" name="文本框 7"/>
@@ -19160,6 +19154,7 @@
               </a:bodyPr>
               <a:lstStyle/>
               <a:p>
+                <a:pPr/>
                 <a14:m>
                   <m:oMathPara xmlns:m="http://schemas.openxmlformats.org/officeDocument/2006/math">
                     <m:oMathParaPr>
@@ -19228,7 +19223,7 @@
             </p:txBody>
           </p:sp>
         </mc:Choice>
-        <mc:Fallback>
+        <mc:Fallback xmlns="">
           <p:sp>
             <p:nvSpPr>
               <p:cNvPr id="8" name="文本框 7"/>
@@ -19474,8 +19469,8 @@
           </a:fontRef>
         </p:style>
       </p:cxnSp>
-      <mc:AlternateContent xmlns:mc="http://schemas.openxmlformats.org/markup-compatibility/2006">
-        <mc:Choice xmlns:a14="http://schemas.microsoft.com/office/drawing/2010/main" Requires="a14">
+      <mc:AlternateContent xmlns:mc="http://schemas.openxmlformats.org/markup-compatibility/2006" xmlns:a14="http://schemas.microsoft.com/office/drawing/2010/main">
+        <mc:Choice Requires="a14">
           <p:sp>
             <p:nvSpPr>
               <p:cNvPr id="26" name="文本框 25"/>
@@ -19523,7 +19518,7 @@
             </p:txBody>
           </p:sp>
         </mc:Choice>
-        <mc:Fallback>
+        <mc:Fallback xmlns="">
           <p:sp>
             <p:nvSpPr>
               <p:cNvPr id="26" name="文本框 25"/>
@@ -19631,8 +19626,8 @@
           </a:p>
         </p:txBody>
       </p:sp>
-      <mc:AlternateContent xmlns:mc="http://schemas.openxmlformats.org/markup-compatibility/2006">
-        <mc:Choice xmlns:a14="http://schemas.microsoft.com/office/drawing/2010/main" Requires="a14">
+      <mc:AlternateContent xmlns:mc="http://schemas.openxmlformats.org/markup-compatibility/2006" xmlns:a14="http://schemas.microsoft.com/office/drawing/2010/main">
+        <mc:Choice Requires="a14">
           <p:sp>
             <p:nvSpPr>
               <p:cNvPr id="7" name="矩形 6"/>
@@ -19654,6 +19649,7 @@
               </a:bodyPr>
               <a:lstStyle/>
               <a:p>
+                <a:pPr/>
                 <a14:m>
                   <m:oMathPara xmlns:m="http://schemas.openxmlformats.org/officeDocument/2006/math">
                     <m:oMathParaPr>
@@ -19671,7 +19667,7 @@
                             </m:mc>
                           </m:mcs>
                           <m:ctrlPr>
-                            <a:rPr lang="zh-CN" altLang="en-US" smtClean="0">
+                            <a:rPr lang="zh-CN" altLang="en-US" i="1" smtClean="0">
                               <a:latin typeface="Cambria Math" panose="02040503050406030204" pitchFamily="18" charset="0"/>
                             </a:rPr>
                           </m:ctrlPr>
@@ -19681,7 +19677,7 @@
                             <m:sSub>
                               <m:sSubPr>
                                 <m:ctrlPr>
-                                  <a:rPr lang="zh-CN" altLang="en-US">
+                                  <a:rPr lang="zh-CN" altLang="en-US" i="1">
                                     <a:latin typeface="Cambria Math" panose="02040503050406030204" pitchFamily="18" charset="0"/>
                                   </a:rPr>
                                 </m:ctrlPr>
@@ -20099,7 +20095,7 @@
                             <m:d>
                               <m:dPr>
                                 <m:ctrlPr>
-                                  <a:rPr lang="zh-CN" altLang="en-US" i="0">
+                                  <a:rPr lang="zh-CN" altLang="en-US" i="1">
                                     <a:latin typeface="Cambria Math" panose="02040503050406030204" pitchFamily="18" charset="0"/>
                                   </a:rPr>
                                 </m:ctrlPr>
@@ -20130,7 +20126,7 @@
             </p:txBody>
           </p:sp>
         </mc:Choice>
-        <mc:Fallback>
+        <mc:Fallback xmlns="">
           <p:sp>
             <p:nvSpPr>
               <p:cNvPr id="7" name="矩形 6"/>
@@ -20441,11 +20437,7 @@
           <a:p>
             <a:r>
               <a:rPr lang="en-US" altLang="zh-CN" dirty="0" smtClean="0"/>
-              <a:t>Model</a:t>
-            </a:r>
-            <a:r>
-              <a:rPr lang="en-US" altLang="zh-CN" dirty="0" smtClean="0"/>
-              <a:t> </a:t>
+              <a:t>Model </a:t>
             </a:r>
             <a:r>
               <a:rPr lang="en-US" altLang="zh-CN" dirty="0"/>
@@ -20458,19 +20450,7 @@
           <a:p>
             <a:r>
               <a:rPr lang="en-US" altLang="zh-CN" dirty="0" smtClean="0"/>
-              <a:t>Three </a:t>
-            </a:r>
-            <a:r>
-              <a:rPr lang="en-US" altLang="zh-CN" dirty="0" smtClean="0"/>
-              <a:t>important </a:t>
-            </a:r>
-            <a:r>
-              <a:rPr lang="en-US" altLang="zh-CN" dirty="0" smtClean="0"/>
-              <a:t> methods </a:t>
-            </a:r>
-            <a:r>
-              <a:rPr lang="en-US" altLang="zh-CN" dirty="0" smtClean="0"/>
-              <a:t>:</a:t>
+              <a:t>Three important  methods :</a:t>
             </a:r>
           </a:p>
           <a:p>
@@ -20479,7 +20459,6 @@
               <a:rPr lang="en-US" altLang="zh-CN" dirty="0" smtClean="0"/>
               <a:t>TD(0)</a:t>
             </a:r>
-            <a:endParaRPr lang="en-US" altLang="zh-CN" dirty="0" smtClean="0"/>
           </a:p>
           <a:p>
             <a:pPr lvl="1"/>
@@ -21095,7 +21074,11 @@
           <a:bodyPr/>
           <a:lstStyle/>
           <a:p>
-            <a:endParaRPr lang="zh-CN" altLang="en-US"/>
+            <a:r>
+              <a:rPr lang="en-US" altLang="zh-CN" dirty="0" smtClean="0"/>
+              <a:t>                                                                                                                </a:t>
+            </a:r>
+            <a:endParaRPr lang="zh-CN" altLang="en-US" dirty="0"/>
           </a:p>
         </p:txBody>
       </p:sp>
@@ -21548,8 +21531,8 @@
           </a:p>
         </p:txBody>
       </p:sp>
-      <mc:AlternateContent xmlns:mc="http://schemas.openxmlformats.org/markup-compatibility/2006">
-        <mc:Choice xmlns:a14="http://schemas.microsoft.com/office/drawing/2010/main" Requires="a14">
+      <mc:AlternateContent xmlns:mc="http://schemas.openxmlformats.org/markup-compatibility/2006" xmlns:a14="http://schemas.microsoft.com/office/drawing/2010/main">
+        <mc:Choice Requires="a14">
           <p:sp>
             <p:nvSpPr>
               <p:cNvPr id="4" name="TextBox 3"/>
@@ -21671,7 +21654,7 @@
             </p:txBody>
           </p:sp>
         </mc:Choice>
-        <mc:Fallback>
+        <mc:Fallback xmlns="">
           <p:sp>
             <p:nvSpPr>
               <p:cNvPr id="4" name="TextBox 3"/>
@@ -21710,8 +21693,8 @@
           </p:sp>
         </mc:Fallback>
       </mc:AlternateContent>
-      <mc:AlternateContent xmlns:mc="http://schemas.openxmlformats.org/markup-compatibility/2006">
-        <mc:Choice xmlns:a14="http://schemas.microsoft.com/office/drawing/2010/main" Requires="a14">
+      <mc:AlternateContent xmlns:mc="http://schemas.openxmlformats.org/markup-compatibility/2006" xmlns:a14="http://schemas.microsoft.com/office/drawing/2010/main">
+        <mc:Choice Requires="a14">
           <p:sp>
             <p:nvSpPr>
               <p:cNvPr id="5" name="TextBox 4"/>
@@ -21880,7 +21863,7 @@
             </p:txBody>
           </p:sp>
         </mc:Choice>
-        <mc:Fallback>
+        <mc:Fallback xmlns="">
           <p:sp>
             <p:nvSpPr>
               <p:cNvPr id="5" name="TextBox 4"/>
@@ -21919,8 +21902,8 @@
           </p:sp>
         </mc:Fallback>
       </mc:AlternateContent>
-      <mc:AlternateContent xmlns:mc="http://schemas.openxmlformats.org/markup-compatibility/2006">
-        <mc:Choice xmlns:a14="http://schemas.microsoft.com/office/drawing/2010/main" Requires="a14">
+      <mc:AlternateContent xmlns:mc="http://schemas.openxmlformats.org/markup-compatibility/2006" xmlns:a14="http://schemas.microsoft.com/office/drawing/2010/main">
+        <mc:Choice Requires="a14">
           <p:sp>
             <p:nvSpPr>
               <p:cNvPr id="8" name="TextBox 7"/>
@@ -22037,7 +22020,7 @@
             </p:txBody>
           </p:sp>
         </mc:Choice>
-        <mc:Fallback>
+        <mc:Fallback xmlns="">
           <p:sp>
             <p:nvSpPr>
               <p:cNvPr id="8" name="TextBox 7"/>
@@ -22076,8 +22059,8 @@
           </p:sp>
         </mc:Fallback>
       </mc:AlternateContent>
-      <mc:AlternateContent xmlns:mc="http://schemas.openxmlformats.org/markup-compatibility/2006">
-        <mc:Choice xmlns:a14="http://schemas.microsoft.com/office/drawing/2010/main" Requires="a14">
+      <mc:AlternateContent xmlns:mc="http://schemas.openxmlformats.org/markup-compatibility/2006" xmlns:a14="http://schemas.microsoft.com/office/drawing/2010/main">
+        <mc:Choice Requires="a14">
           <p:sp>
             <p:nvSpPr>
               <p:cNvPr id="9" name="TextBox 8"/>
@@ -22248,7 +22231,7 @@
             </p:txBody>
           </p:sp>
         </mc:Choice>
-        <mc:Fallback>
+        <mc:Fallback xmlns="">
           <p:sp>
             <p:nvSpPr>
               <p:cNvPr id="9" name="TextBox 8"/>
@@ -22287,8 +22270,8 @@
           </p:sp>
         </mc:Fallback>
       </mc:AlternateContent>
-      <mc:AlternateContent xmlns:mc="http://schemas.openxmlformats.org/markup-compatibility/2006">
-        <mc:Choice xmlns:a14="http://schemas.microsoft.com/office/drawing/2010/main" Requires="a14">
+      <mc:AlternateContent xmlns:mc="http://schemas.openxmlformats.org/markup-compatibility/2006" xmlns:a14="http://schemas.microsoft.com/office/drawing/2010/main">
+        <mc:Choice Requires="a14">
           <p:sp>
             <p:nvSpPr>
               <p:cNvPr id="10" name="TextBox 9"/>
@@ -22407,7 +22390,7 @@
             </p:txBody>
           </p:sp>
         </mc:Choice>
-        <mc:Fallback>
+        <mc:Fallback xmlns="">
           <p:sp>
             <p:nvSpPr>
               <p:cNvPr id="10" name="TextBox 9"/>
@@ -22446,8 +22429,8 @@
           </p:sp>
         </mc:Fallback>
       </mc:AlternateContent>
-      <mc:AlternateContent xmlns:mc="http://schemas.openxmlformats.org/markup-compatibility/2006">
-        <mc:Choice xmlns:a14="http://schemas.microsoft.com/office/drawing/2010/main" Requires="a14">
+      <mc:AlternateContent xmlns:mc="http://schemas.openxmlformats.org/markup-compatibility/2006" xmlns:a14="http://schemas.microsoft.com/office/drawing/2010/main">
+        <mc:Choice Requires="a14">
           <p:sp>
             <p:nvSpPr>
               <p:cNvPr id="11" name="TextBox 10"/>
@@ -22533,7 +22516,7 @@
             </p:txBody>
           </p:sp>
         </mc:Choice>
-        <mc:Fallback>
+        <mc:Fallback xmlns="">
           <p:sp>
             <p:nvSpPr>
               <p:cNvPr id="11" name="TextBox 10"/>
@@ -22731,8 +22714,8 @@
           </a:p>
         </p:txBody>
       </p:sp>
-      <mc:AlternateContent xmlns:mc="http://schemas.openxmlformats.org/markup-compatibility/2006">
-        <mc:Choice xmlns:a14="http://schemas.microsoft.com/office/drawing/2010/main" Requires="a14">
+      <mc:AlternateContent xmlns:mc="http://schemas.openxmlformats.org/markup-compatibility/2006" xmlns:a14="http://schemas.microsoft.com/office/drawing/2010/main">
+        <mc:Choice Requires="a14">
           <p:sp>
             <p:nvSpPr>
               <p:cNvPr id="5" name="矩形 4"/>
@@ -22907,7 +22890,7 @@
             </p:txBody>
           </p:sp>
         </mc:Choice>
-        <mc:Fallback>
+        <mc:Fallback xmlns="">
           <p:sp>
             <p:nvSpPr>
               <p:cNvPr id="5" name="矩形 4"/>
@@ -22946,8 +22929,8 @@
           </p:sp>
         </mc:Fallback>
       </mc:AlternateContent>
-      <mc:AlternateContent xmlns:mc="http://schemas.openxmlformats.org/markup-compatibility/2006">
-        <mc:Choice xmlns:a14="http://schemas.microsoft.com/office/drawing/2010/main" Requires="a14">
+      <mc:AlternateContent xmlns:mc="http://schemas.openxmlformats.org/markup-compatibility/2006" xmlns:a14="http://schemas.microsoft.com/office/drawing/2010/main">
+        <mc:Choice Requires="a14">
           <p:sp>
             <p:nvSpPr>
               <p:cNvPr id="6" name="矩形 5"/>
@@ -23142,7 +23125,7 @@
             </p:txBody>
           </p:sp>
         </mc:Choice>
-        <mc:Fallback>
+        <mc:Fallback xmlns="">
           <p:sp>
             <p:nvSpPr>
               <p:cNvPr id="6" name="矩形 5"/>
@@ -23181,8 +23164,8 @@
           </p:sp>
         </mc:Fallback>
       </mc:AlternateContent>
-      <mc:AlternateContent xmlns:mc="http://schemas.openxmlformats.org/markup-compatibility/2006">
-        <mc:Choice xmlns:a14="http://schemas.microsoft.com/office/drawing/2010/main" Requires="a14">
+      <mc:AlternateContent xmlns:mc="http://schemas.openxmlformats.org/markup-compatibility/2006" xmlns:a14="http://schemas.microsoft.com/office/drawing/2010/main">
+        <mc:Choice Requires="a14">
           <p:sp>
             <p:nvSpPr>
               <p:cNvPr id="7" name="矩形 6"/>
@@ -23407,7 +23390,7 @@
             </p:txBody>
           </p:sp>
         </mc:Choice>
-        <mc:Fallback>
+        <mc:Fallback xmlns="">
           <p:sp>
             <p:nvSpPr>
               <p:cNvPr id="7" name="矩形 6"/>
@@ -23446,8 +23429,8 @@
           </p:sp>
         </mc:Fallback>
       </mc:AlternateContent>
-      <mc:AlternateContent xmlns:mc="http://schemas.openxmlformats.org/markup-compatibility/2006">
-        <mc:Choice xmlns:a14="http://schemas.microsoft.com/office/drawing/2010/main" Requires="a14">
+      <mc:AlternateContent xmlns:mc="http://schemas.openxmlformats.org/markup-compatibility/2006" xmlns:a14="http://schemas.microsoft.com/office/drawing/2010/main">
+        <mc:Choice Requires="a14">
           <p:sp>
             <p:nvSpPr>
               <p:cNvPr id="8" name="矩形 7"/>
@@ -23629,7 +23612,7 @@
             </p:txBody>
           </p:sp>
         </mc:Choice>
-        <mc:Fallback>
+        <mc:Fallback xmlns="">
           <p:sp>
             <p:nvSpPr>
               <p:cNvPr id="8" name="矩形 7"/>
@@ -23668,8 +23651,8 @@
           </p:sp>
         </mc:Fallback>
       </mc:AlternateContent>
-      <mc:AlternateContent xmlns:mc="http://schemas.openxmlformats.org/markup-compatibility/2006">
-        <mc:Choice xmlns:a14="http://schemas.microsoft.com/office/drawing/2010/main" Requires="a14">
+      <mc:AlternateContent xmlns:mc="http://schemas.openxmlformats.org/markup-compatibility/2006" xmlns:a14="http://schemas.microsoft.com/office/drawing/2010/main">
+        <mc:Choice Requires="a14">
           <p:sp>
             <p:nvSpPr>
               <p:cNvPr id="9" name="文本框 8"/>
@@ -23694,25 +23677,13 @@
               <a:p>
                 <a:r>
                   <a:rPr lang="en-US" altLang="zh-CN" sz="2400" dirty="0" smtClean="0"/>
-                  <a:t>Goal : </a:t>
-                </a:r>
-                <a:r>
-                  <a:rPr lang="en-US" altLang="zh-CN" sz="2400" dirty="0" smtClean="0"/>
-                  <a:t>		maximize </a:t>
-                </a:r>
-                <a:r>
-                  <a:rPr lang="en-US" altLang="zh-CN" sz="2400" dirty="0" smtClean="0"/>
-                  <a:t>the expected return  </a:t>
+                  <a:t>Goal : 		maximize the expected return  </a:t>
                 </a:r>
               </a:p>
               <a:p>
                 <a:r>
                   <a:rPr lang="en-US" altLang="zh-CN" sz="2400" dirty="0" smtClean="0"/>
-                  <a:t>	</a:t>
-                </a:r>
-                <a:r>
-                  <a:rPr lang="en-US" altLang="zh-CN" sz="2400" dirty="0" smtClean="0"/>
-                  <a:t>	</a:t>
+                  <a:t>		</a:t>
                 </a:r>
                 <a14:m>
                   <m:oMath xmlns:m="http://schemas.openxmlformats.org/officeDocument/2006/math">
@@ -23865,7 +23836,7 @@
             </p:txBody>
           </p:sp>
         </mc:Choice>
-        <mc:Fallback>
+        <mc:Fallback xmlns="">
           <p:sp>
             <p:nvSpPr>
               <p:cNvPr id="9" name="文本框 8"/>
